--- a/docs/knapsack_presentation.pptx
+++ b/docs/knapsack_presentation.pptx
@@ -4,8 +4,23 @@
   <p:sldMasterIdLst>
     <p:sldMasterId id="2147483648" r:id="rId1"/>
   </p:sldMasterIdLst>
+  <p:notesMasterIdLst>
+    <p:notesMasterId r:id="rId15"/>
+  </p:notesMasterIdLst>
   <p:sldIdLst>
     <p:sldId id="256" r:id="rId2"/>
+    <p:sldId id="257" r:id="rId3"/>
+    <p:sldId id="258" r:id="rId4"/>
+    <p:sldId id="264" r:id="rId5"/>
+    <p:sldId id="260" r:id="rId6"/>
+    <p:sldId id="262" r:id="rId7"/>
+    <p:sldId id="261" r:id="rId8"/>
+    <p:sldId id="259" r:id="rId9"/>
+    <p:sldId id="265" r:id="rId10"/>
+    <p:sldId id="266" r:id="rId11"/>
+    <p:sldId id="267" r:id="rId12"/>
+    <p:sldId id="268" r:id="rId13"/>
+    <p:sldId id="269" r:id="rId14"/>
   </p:sldIdLst>
   <p:sldSz cx="9144000" cy="6858000" type="screen4x3"/>
   <p:notesSz cx="6858000" cy="9144000"/>
@@ -107,6 +122,608 @@
 </p:presentation>
 </file>
 
+<file path=ppt/notesMasters/notesMaster1.xml><?xml version="1.0" encoding="utf-8"?>
+<p:notesMaster xmlns:a="http://schemas.openxmlformats.org/drawingml/2006/main" xmlns:r="http://schemas.openxmlformats.org/officeDocument/2006/relationships" xmlns:p="http://schemas.openxmlformats.org/presentationml/2006/main">
+  <p:cSld>
+    <p:bg>
+      <p:bgRef idx="1001">
+        <a:schemeClr val="bg1"/>
+      </p:bgRef>
+    </p:bg>
+    <p:spTree>
+      <p:nvGrpSpPr>
+        <p:cNvPr id="1" name=""/>
+        <p:cNvGrpSpPr/>
+        <p:nvPr/>
+      </p:nvGrpSpPr>
+      <p:grpSpPr>
+        <a:xfrm>
+          <a:off x="0" y="0"/>
+          <a:ext cx="0" cy="0"/>
+          <a:chOff x="0" y="0"/>
+          <a:chExt cx="0" cy="0"/>
+        </a:xfrm>
+      </p:grpSpPr>
+      <p:sp>
+        <p:nvSpPr>
+          <p:cNvPr id="2" name="Header Placeholder 1"/>
+          <p:cNvSpPr>
+            <a:spLocks noGrp="1"/>
+          </p:cNvSpPr>
+          <p:nvPr>
+            <p:ph type="hdr" sz="quarter"/>
+          </p:nvPr>
+        </p:nvSpPr>
+        <p:spPr>
+          <a:xfrm>
+            <a:off x="0" y="0"/>
+            <a:ext cx="2971800" cy="457200"/>
+          </a:xfrm>
+          <a:prstGeom prst="rect">
+            <a:avLst/>
+          </a:prstGeom>
+        </p:spPr>
+        <p:txBody>
+          <a:bodyPr vert="horz" lIns="91440" tIns="45720" rIns="91440" bIns="45720" rtlCol="0"/>
+          <a:lstStyle>
+            <a:lvl1pPr algn="l">
+              <a:defRPr sz="1200"/>
+            </a:lvl1pPr>
+          </a:lstStyle>
+          <a:p>
+            <a:endParaRPr lang="en-US"/>
+          </a:p>
+        </p:txBody>
+      </p:sp>
+      <p:sp>
+        <p:nvSpPr>
+          <p:cNvPr id="3" name="Date Placeholder 2"/>
+          <p:cNvSpPr>
+            <a:spLocks noGrp="1"/>
+          </p:cNvSpPr>
+          <p:nvPr>
+            <p:ph type="dt" idx="1"/>
+          </p:nvPr>
+        </p:nvSpPr>
+        <p:spPr>
+          <a:xfrm>
+            <a:off x="3884613" y="0"/>
+            <a:ext cx="2971800" cy="457200"/>
+          </a:xfrm>
+          <a:prstGeom prst="rect">
+            <a:avLst/>
+          </a:prstGeom>
+        </p:spPr>
+        <p:txBody>
+          <a:bodyPr vert="horz" lIns="91440" tIns="45720" rIns="91440" bIns="45720" rtlCol="0"/>
+          <a:lstStyle>
+            <a:lvl1pPr algn="r">
+              <a:defRPr sz="1200"/>
+            </a:lvl1pPr>
+          </a:lstStyle>
+          <a:p>
+            <a:fld id="{DFA55D5A-9713-F741-A396-5C05593D88B1}" type="datetimeFigureOut">
+              <a:rPr lang="en-US" smtClean="0"/>
+              <a:t>11/18/14</a:t>
+            </a:fld>
+            <a:endParaRPr lang="en-US"/>
+          </a:p>
+        </p:txBody>
+      </p:sp>
+      <p:sp>
+        <p:nvSpPr>
+          <p:cNvPr id="4" name="Slide Image Placeholder 3"/>
+          <p:cNvSpPr>
+            <a:spLocks noGrp="1" noRot="1" noChangeAspect="1"/>
+          </p:cNvSpPr>
+          <p:nvPr>
+            <p:ph type="sldImg" idx="2"/>
+          </p:nvPr>
+        </p:nvSpPr>
+        <p:spPr>
+          <a:xfrm>
+            <a:off x="1143000" y="685800"/>
+            <a:ext cx="4572000" cy="3429000"/>
+          </a:xfrm>
+          <a:prstGeom prst="rect">
+            <a:avLst/>
+          </a:prstGeom>
+          <a:noFill/>
+          <a:ln w="12700">
+            <a:solidFill>
+              <a:prstClr val="black"/>
+            </a:solidFill>
+          </a:ln>
+        </p:spPr>
+        <p:txBody>
+          <a:bodyPr vert="horz" lIns="91440" tIns="45720" rIns="91440" bIns="45720" rtlCol="0" anchor="ctr"/>
+          <a:lstStyle/>
+          <a:p>
+            <a:endParaRPr lang="en-US"/>
+          </a:p>
+        </p:txBody>
+      </p:sp>
+      <p:sp>
+        <p:nvSpPr>
+          <p:cNvPr id="5" name="Notes Placeholder 4"/>
+          <p:cNvSpPr>
+            <a:spLocks noGrp="1"/>
+          </p:cNvSpPr>
+          <p:nvPr>
+            <p:ph type="body" sz="quarter" idx="3"/>
+          </p:nvPr>
+        </p:nvSpPr>
+        <p:spPr>
+          <a:xfrm>
+            <a:off x="685800" y="4343400"/>
+            <a:ext cx="5486400" cy="4114800"/>
+          </a:xfrm>
+          <a:prstGeom prst="rect">
+            <a:avLst/>
+          </a:prstGeom>
+        </p:spPr>
+        <p:txBody>
+          <a:bodyPr vert="horz" lIns="91440" tIns="45720" rIns="91440" bIns="45720" rtlCol="0"/>
+          <a:lstStyle/>
+          <a:p>
+            <a:pPr lvl="0"/>
+            <a:r>
+              <a:rPr lang="en-US" smtClean="0"/>
+              <a:t>Click to edit Master text styles</a:t>
+            </a:r>
+          </a:p>
+          <a:p>
+            <a:pPr lvl="1"/>
+            <a:r>
+              <a:rPr lang="en-US" smtClean="0"/>
+              <a:t>Second level</a:t>
+            </a:r>
+          </a:p>
+          <a:p>
+            <a:pPr lvl="2"/>
+            <a:r>
+              <a:rPr lang="en-US" smtClean="0"/>
+              <a:t>Third level</a:t>
+            </a:r>
+          </a:p>
+          <a:p>
+            <a:pPr lvl="3"/>
+            <a:r>
+              <a:rPr lang="en-US" smtClean="0"/>
+              <a:t>Fourth level</a:t>
+            </a:r>
+          </a:p>
+          <a:p>
+            <a:pPr lvl="4"/>
+            <a:r>
+              <a:rPr lang="en-US" smtClean="0"/>
+              <a:t>Fifth level</a:t>
+            </a:r>
+            <a:endParaRPr lang="en-US"/>
+          </a:p>
+        </p:txBody>
+      </p:sp>
+      <p:sp>
+        <p:nvSpPr>
+          <p:cNvPr id="6" name="Footer Placeholder 5"/>
+          <p:cNvSpPr>
+            <a:spLocks noGrp="1"/>
+          </p:cNvSpPr>
+          <p:nvPr>
+            <p:ph type="ftr" sz="quarter" idx="4"/>
+          </p:nvPr>
+        </p:nvSpPr>
+        <p:spPr>
+          <a:xfrm>
+            <a:off x="0" y="8685213"/>
+            <a:ext cx="2971800" cy="457200"/>
+          </a:xfrm>
+          <a:prstGeom prst="rect">
+            <a:avLst/>
+          </a:prstGeom>
+        </p:spPr>
+        <p:txBody>
+          <a:bodyPr vert="horz" lIns="91440" tIns="45720" rIns="91440" bIns="45720" rtlCol="0" anchor="b"/>
+          <a:lstStyle>
+            <a:lvl1pPr algn="l">
+              <a:defRPr sz="1200"/>
+            </a:lvl1pPr>
+          </a:lstStyle>
+          <a:p>
+            <a:endParaRPr lang="en-US"/>
+          </a:p>
+        </p:txBody>
+      </p:sp>
+      <p:sp>
+        <p:nvSpPr>
+          <p:cNvPr id="7" name="Slide Number Placeholder 6"/>
+          <p:cNvSpPr>
+            <a:spLocks noGrp="1"/>
+          </p:cNvSpPr>
+          <p:nvPr>
+            <p:ph type="sldNum" sz="quarter" idx="5"/>
+          </p:nvPr>
+        </p:nvSpPr>
+        <p:spPr>
+          <a:xfrm>
+            <a:off x="3884613" y="8685213"/>
+            <a:ext cx="2971800" cy="457200"/>
+          </a:xfrm>
+          <a:prstGeom prst="rect">
+            <a:avLst/>
+          </a:prstGeom>
+        </p:spPr>
+        <p:txBody>
+          <a:bodyPr vert="horz" lIns="91440" tIns="45720" rIns="91440" bIns="45720" rtlCol="0" anchor="b"/>
+          <a:lstStyle>
+            <a:lvl1pPr algn="r">
+              <a:defRPr sz="1200"/>
+            </a:lvl1pPr>
+          </a:lstStyle>
+          <a:p>
+            <a:fld id="{13601C0D-AD39-8143-8175-88B781727A80}" type="slidenum">
+              <a:rPr lang="en-US" smtClean="0"/>
+              <a:t>‹#›</a:t>
+            </a:fld>
+            <a:endParaRPr lang="en-US"/>
+          </a:p>
+        </p:txBody>
+      </p:sp>
+    </p:spTree>
+    <p:extLst>
+      <p:ext uri="{BB962C8B-B14F-4D97-AF65-F5344CB8AC3E}">
+        <p14:creationId xmlns:p14="http://schemas.microsoft.com/office/powerpoint/2010/main" val="216031199"/>
+      </p:ext>
+    </p:extLst>
+  </p:cSld>
+  <p:clrMap bg1="lt1" tx1="dk1" bg2="lt2" tx2="dk2" accent1="accent1" accent2="accent2" accent3="accent3" accent4="accent4" accent5="accent5" accent6="accent6" hlink="hlink" folHlink="folHlink"/>
+  <p:notesStyle>
+    <a:lvl1pPr marL="0" algn="l" defTabSz="457200" rtl="0" eaLnBrk="1" latinLnBrk="0" hangingPunct="1">
+      <a:defRPr sz="1200" kern="1200">
+        <a:solidFill>
+          <a:schemeClr val="tx1"/>
+        </a:solidFill>
+        <a:latin typeface="+mn-lt"/>
+        <a:ea typeface="+mn-ea"/>
+        <a:cs typeface="+mn-cs"/>
+      </a:defRPr>
+    </a:lvl1pPr>
+    <a:lvl2pPr marL="457200" algn="l" defTabSz="457200" rtl="0" eaLnBrk="1" latinLnBrk="0" hangingPunct="1">
+      <a:defRPr sz="1200" kern="1200">
+        <a:solidFill>
+          <a:schemeClr val="tx1"/>
+        </a:solidFill>
+        <a:latin typeface="+mn-lt"/>
+        <a:ea typeface="+mn-ea"/>
+        <a:cs typeface="+mn-cs"/>
+      </a:defRPr>
+    </a:lvl2pPr>
+    <a:lvl3pPr marL="914400" algn="l" defTabSz="457200" rtl="0" eaLnBrk="1" latinLnBrk="0" hangingPunct="1">
+      <a:defRPr sz="1200" kern="1200">
+        <a:solidFill>
+          <a:schemeClr val="tx1"/>
+        </a:solidFill>
+        <a:latin typeface="+mn-lt"/>
+        <a:ea typeface="+mn-ea"/>
+        <a:cs typeface="+mn-cs"/>
+      </a:defRPr>
+    </a:lvl3pPr>
+    <a:lvl4pPr marL="1371600" algn="l" defTabSz="457200" rtl="0" eaLnBrk="1" latinLnBrk="0" hangingPunct="1">
+      <a:defRPr sz="1200" kern="1200">
+        <a:solidFill>
+          <a:schemeClr val="tx1"/>
+        </a:solidFill>
+        <a:latin typeface="+mn-lt"/>
+        <a:ea typeface="+mn-ea"/>
+        <a:cs typeface="+mn-cs"/>
+      </a:defRPr>
+    </a:lvl4pPr>
+    <a:lvl5pPr marL="1828800" algn="l" defTabSz="457200" rtl="0" eaLnBrk="1" latinLnBrk="0" hangingPunct="1">
+      <a:defRPr sz="1200" kern="1200">
+        <a:solidFill>
+          <a:schemeClr val="tx1"/>
+        </a:solidFill>
+        <a:latin typeface="+mn-lt"/>
+        <a:ea typeface="+mn-ea"/>
+        <a:cs typeface="+mn-cs"/>
+      </a:defRPr>
+    </a:lvl5pPr>
+    <a:lvl6pPr marL="2286000" algn="l" defTabSz="457200" rtl="0" eaLnBrk="1" latinLnBrk="0" hangingPunct="1">
+      <a:defRPr sz="1200" kern="1200">
+        <a:solidFill>
+          <a:schemeClr val="tx1"/>
+        </a:solidFill>
+        <a:latin typeface="+mn-lt"/>
+        <a:ea typeface="+mn-ea"/>
+        <a:cs typeface="+mn-cs"/>
+      </a:defRPr>
+    </a:lvl6pPr>
+    <a:lvl7pPr marL="2743200" algn="l" defTabSz="457200" rtl="0" eaLnBrk="1" latinLnBrk="0" hangingPunct="1">
+      <a:defRPr sz="1200" kern="1200">
+        <a:solidFill>
+          <a:schemeClr val="tx1"/>
+        </a:solidFill>
+        <a:latin typeface="+mn-lt"/>
+        <a:ea typeface="+mn-ea"/>
+        <a:cs typeface="+mn-cs"/>
+      </a:defRPr>
+    </a:lvl7pPr>
+    <a:lvl8pPr marL="3200400" algn="l" defTabSz="457200" rtl="0" eaLnBrk="1" latinLnBrk="0" hangingPunct="1">
+      <a:defRPr sz="1200" kern="1200">
+        <a:solidFill>
+          <a:schemeClr val="tx1"/>
+        </a:solidFill>
+        <a:latin typeface="+mn-lt"/>
+        <a:ea typeface="+mn-ea"/>
+        <a:cs typeface="+mn-cs"/>
+      </a:defRPr>
+    </a:lvl8pPr>
+    <a:lvl9pPr marL="3657600" algn="l" defTabSz="457200" rtl="0" eaLnBrk="1" latinLnBrk="0" hangingPunct="1">
+      <a:defRPr sz="1200" kern="1200">
+        <a:solidFill>
+          <a:schemeClr val="tx1"/>
+        </a:solidFill>
+        <a:latin typeface="+mn-lt"/>
+        <a:ea typeface="+mn-ea"/>
+        <a:cs typeface="+mn-cs"/>
+      </a:defRPr>
+    </a:lvl9pPr>
+  </p:notesStyle>
+</p:notesMaster>
+</file>
+
+<file path=ppt/notesSlides/notesSlide1.xml><?xml version="1.0" encoding="utf-8"?>
+<p:notes xmlns:a="http://schemas.openxmlformats.org/drawingml/2006/main" xmlns:r="http://schemas.openxmlformats.org/officeDocument/2006/relationships" xmlns:p="http://schemas.openxmlformats.org/presentationml/2006/main">
+  <p:cSld>
+    <p:spTree>
+      <p:nvGrpSpPr>
+        <p:cNvPr id="1" name=""/>
+        <p:cNvGrpSpPr/>
+        <p:nvPr/>
+      </p:nvGrpSpPr>
+      <p:grpSpPr>
+        <a:xfrm>
+          <a:off x="0" y="0"/>
+          <a:ext cx="0" cy="0"/>
+          <a:chOff x="0" y="0"/>
+          <a:chExt cx="0" cy="0"/>
+        </a:xfrm>
+      </p:grpSpPr>
+      <p:sp>
+        <p:nvSpPr>
+          <p:cNvPr id="2" name="Slide Image Placeholder 1"/>
+          <p:cNvSpPr>
+            <a:spLocks noGrp="1" noRot="1" noChangeAspect="1"/>
+          </p:cNvSpPr>
+          <p:nvPr>
+            <p:ph type="sldImg"/>
+          </p:nvPr>
+        </p:nvSpPr>
+        <p:spPr/>
+      </p:sp>
+      <p:sp>
+        <p:nvSpPr>
+          <p:cNvPr id="3" name="Notes Placeholder 2"/>
+          <p:cNvSpPr>
+            <a:spLocks noGrp="1"/>
+          </p:cNvSpPr>
+          <p:nvPr>
+            <p:ph type="body" idx="1"/>
+          </p:nvPr>
+        </p:nvSpPr>
+        <p:spPr/>
+        <p:txBody>
+          <a:bodyPr/>
+          <a:lstStyle/>
+          <a:p>
+            <a:endParaRPr lang="en-US" dirty="0"/>
+          </a:p>
+        </p:txBody>
+      </p:sp>
+      <p:sp>
+        <p:nvSpPr>
+          <p:cNvPr id="4" name="Slide Number Placeholder 3"/>
+          <p:cNvSpPr>
+            <a:spLocks noGrp="1"/>
+          </p:cNvSpPr>
+          <p:nvPr>
+            <p:ph type="sldNum" sz="quarter" idx="10"/>
+          </p:nvPr>
+        </p:nvSpPr>
+        <p:spPr/>
+        <p:txBody>
+          <a:bodyPr/>
+          <a:lstStyle/>
+          <a:p>
+            <a:fld id="{13601C0D-AD39-8143-8175-88B781727A80}" type="slidenum">
+              <a:rPr lang="en-US" smtClean="0"/>
+              <a:t>3</a:t>
+            </a:fld>
+            <a:endParaRPr lang="en-US"/>
+          </a:p>
+        </p:txBody>
+      </p:sp>
+    </p:spTree>
+    <p:extLst>
+      <p:ext uri="{BB962C8B-B14F-4D97-AF65-F5344CB8AC3E}">
+        <p14:creationId xmlns:p14="http://schemas.microsoft.com/office/powerpoint/2010/main" val="810787870"/>
+      </p:ext>
+    </p:extLst>
+  </p:cSld>
+  <p:clrMapOvr>
+    <a:masterClrMapping/>
+  </p:clrMapOvr>
+</p:notes>
+</file>
+
+<file path=ppt/notesSlides/notesSlide2.xml><?xml version="1.0" encoding="utf-8"?>
+<p:notes xmlns:a="http://schemas.openxmlformats.org/drawingml/2006/main" xmlns:r="http://schemas.openxmlformats.org/officeDocument/2006/relationships" xmlns:p="http://schemas.openxmlformats.org/presentationml/2006/main">
+  <p:cSld>
+    <p:spTree>
+      <p:nvGrpSpPr>
+        <p:cNvPr id="1" name=""/>
+        <p:cNvGrpSpPr/>
+        <p:nvPr/>
+      </p:nvGrpSpPr>
+      <p:grpSpPr>
+        <a:xfrm>
+          <a:off x="0" y="0"/>
+          <a:ext cx="0" cy="0"/>
+          <a:chOff x="0" y="0"/>
+          <a:chExt cx="0" cy="0"/>
+        </a:xfrm>
+      </p:grpSpPr>
+      <p:sp>
+        <p:nvSpPr>
+          <p:cNvPr id="2" name="Slide Image Placeholder 1"/>
+          <p:cNvSpPr>
+            <a:spLocks noGrp="1" noRot="1" noChangeAspect="1"/>
+          </p:cNvSpPr>
+          <p:nvPr>
+            <p:ph type="sldImg"/>
+          </p:nvPr>
+        </p:nvSpPr>
+        <p:spPr/>
+      </p:sp>
+      <p:sp>
+        <p:nvSpPr>
+          <p:cNvPr id="3" name="Notes Placeholder 2"/>
+          <p:cNvSpPr>
+            <a:spLocks noGrp="1"/>
+          </p:cNvSpPr>
+          <p:nvPr>
+            <p:ph type="body" idx="1"/>
+          </p:nvPr>
+        </p:nvSpPr>
+        <p:spPr/>
+        <p:txBody>
+          <a:bodyPr/>
+          <a:lstStyle/>
+          <a:p>
+            <a:endParaRPr lang="en-US" dirty="0"/>
+          </a:p>
+        </p:txBody>
+      </p:sp>
+      <p:sp>
+        <p:nvSpPr>
+          <p:cNvPr id="4" name="Slide Number Placeholder 3"/>
+          <p:cNvSpPr>
+            <a:spLocks noGrp="1"/>
+          </p:cNvSpPr>
+          <p:nvPr>
+            <p:ph type="sldNum" sz="quarter" idx="10"/>
+          </p:nvPr>
+        </p:nvSpPr>
+        <p:spPr/>
+        <p:txBody>
+          <a:bodyPr/>
+          <a:lstStyle/>
+          <a:p>
+            <a:fld id="{13601C0D-AD39-8143-8175-88B781727A80}" type="slidenum">
+              <a:rPr lang="en-US" smtClean="0"/>
+              <a:t>4</a:t>
+            </a:fld>
+            <a:endParaRPr lang="en-US"/>
+          </a:p>
+        </p:txBody>
+      </p:sp>
+    </p:spTree>
+    <p:extLst>
+      <p:ext uri="{BB962C8B-B14F-4D97-AF65-F5344CB8AC3E}">
+        <p14:creationId xmlns:p14="http://schemas.microsoft.com/office/powerpoint/2010/main" val="810787870"/>
+      </p:ext>
+    </p:extLst>
+  </p:cSld>
+  <p:clrMapOvr>
+    <a:masterClrMapping/>
+  </p:clrMapOvr>
+</p:notes>
+</file>
+
+<file path=ppt/notesSlides/notesSlide3.xml><?xml version="1.0" encoding="utf-8"?>
+<p:notes xmlns:a="http://schemas.openxmlformats.org/drawingml/2006/main" xmlns:r="http://schemas.openxmlformats.org/officeDocument/2006/relationships" xmlns:p="http://schemas.openxmlformats.org/presentationml/2006/main">
+  <p:cSld>
+    <p:spTree>
+      <p:nvGrpSpPr>
+        <p:cNvPr id="1" name=""/>
+        <p:cNvGrpSpPr/>
+        <p:nvPr/>
+      </p:nvGrpSpPr>
+      <p:grpSpPr>
+        <a:xfrm>
+          <a:off x="0" y="0"/>
+          <a:ext cx="0" cy="0"/>
+          <a:chOff x="0" y="0"/>
+          <a:chExt cx="0" cy="0"/>
+        </a:xfrm>
+      </p:grpSpPr>
+      <p:sp>
+        <p:nvSpPr>
+          <p:cNvPr id="2" name="Slide Image Placeholder 1"/>
+          <p:cNvSpPr>
+            <a:spLocks noGrp="1" noRot="1" noChangeAspect="1"/>
+          </p:cNvSpPr>
+          <p:nvPr>
+            <p:ph type="sldImg"/>
+          </p:nvPr>
+        </p:nvSpPr>
+        <p:spPr/>
+      </p:sp>
+      <p:sp>
+        <p:nvSpPr>
+          <p:cNvPr id="3" name="Notes Placeholder 2"/>
+          <p:cNvSpPr>
+            <a:spLocks noGrp="1"/>
+          </p:cNvSpPr>
+          <p:nvPr>
+            <p:ph type="body" idx="1"/>
+          </p:nvPr>
+        </p:nvSpPr>
+        <p:spPr/>
+        <p:txBody>
+          <a:bodyPr/>
+          <a:lstStyle/>
+          <a:p>
+            <a:endParaRPr lang="en-US" dirty="0"/>
+          </a:p>
+        </p:txBody>
+      </p:sp>
+      <p:sp>
+        <p:nvSpPr>
+          <p:cNvPr id="4" name="Slide Number Placeholder 3"/>
+          <p:cNvSpPr>
+            <a:spLocks noGrp="1"/>
+          </p:cNvSpPr>
+          <p:nvPr>
+            <p:ph type="sldNum" sz="quarter" idx="10"/>
+          </p:nvPr>
+        </p:nvSpPr>
+        <p:spPr/>
+        <p:txBody>
+          <a:bodyPr/>
+          <a:lstStyle/>
+          <a:p>
+            <a:fld id="{13601C0D-AD39-8143-8175-88B781727A80}" type="slidenum">
+              <a:rPr lang="en-US" smtClean="0"/>
+              <a:t>13</a:t>
+            </a:fld>
+            <a:endParaRPr lang="en-US"/>
+          </a:p>
+        </p:txBody>
+      </p:sp>
+    </p:spTree>
+    <p:extLst>
+      <p:ext uri="{BB962C8B-B14F-4D97-AF65-F5344CB8AC3E}">
+        <p14:creationId xmlns:p14="http://schemas.microsoft.com/office/powerpoint/2010/main" val="4165162000"/>
+      </p:ext>
+    </p:extLst>
+  </p:cSld>
+  <p:clrMapOvr>
+    <a:masterClrMapping/>
+  </p:clrMapOvr>
+</p:notes>
+</file>
+
 <file path=ppt/slideLayouts/slideLayout1.xml><?xml version="1.0" encoding="utf-8"?>
 <p:sldLayout xmlns:a="http://schemas.openxmlformats.org/drawingml/2006/main" xmlns:r="http://schemas.openxmlformats.org/officeDocument/2006/relationships" xmlns:p="http://schemas.openxmlformats.org/presentationml/2006/main" type="title" preserve="1">
   <p:cSld name="Title Slide">
@@ -288,7 +905,7 @@
           <a:p>
             <a:fld id="{08CC8332-1ACC-4406-A169-8A73968D9A6C}" type="datetimeFigureOut">
               <a:rPr lang="en-US" smtClean="0"/>
-              <a:t>11/17/2014</a:t>
+              <a:t>11/18/14</a:t>
             </a:fld>
             <a:endParaRPr lang="en-US"/>
           </a:p>
@@ -458,7 +1075,7 @@
           <a:p>
             <a:fld id="{08CC8332-1ACC-4406-A169-8A73968D9A6C}" type="datetimeFigureOut">
               <a:rPr lang="en-US" smtClean="0"/>
-              <a:t>11/17/2014</a:t>
+              <a:t>11/18/14</a:t>
             </a:fld>
             <a:endParaRPr lang="en-US"/>
           </a:p>
@@ -638,7 +1255,7 @@
           <a:p>
             <a:fld id="{08CC8332-1ACC-4406-A169-8A73968D9A6C}" type="datetimeFigureOut">
               <a:rPr lang="en-US" smtClean="0"/>
-              <a:t>11/17/2014</a:t>
+              <a:t>11/18/14</a:t>
             </a:fld>
             <a:endParaRPr lang="en-US"/>
           </a:p>
@@ -808,7 +1425,7 @@
           <a:p>
             <a:fld id="{08CC8332-1ACC-4406-A169-8A73968D9A6C}" type="datetimeFigureOut">
               <a:rPr lang="en-US" smtClean="0"/>
-              <a:t>11/17/2014</a:t>
+              <a:t>11/18/14</a:t>
             </a:fld>
             <a:endParaRPr lang="en-US"/>
           </a:p>
@@ -1054,7 +1671,7 @@
           <a:p>
             <a:fld id="{08CC8332-1ACC-4406-A169-8A73968D9A6C}" type="datetimeFigureOut">
               <a:rPr lang="en-US" smtClean="0"/>
-              <a:t>11/17/2014</a:t>
+              <a:t>11/18/14</a:t>
             </a:fld>
             <a:endParaRPr lang="en-US"/>
           </a:p>
@@ -1342,7 +1959,7 @@
           <a:p>
             <a:fld id="{08CC8332-1ACC-4406-A169-8A73968D9A6C}" type="datetimeFigureOut">
               <a:rPr lang="en-US" smtClean="0"/>
-              <a:t>11/17/2014</a:t>
+              <a:t>11/18/14</a:t>
             </a:fld>
             <a:endParaRPr lang="en-US"/>
           </a:p>
@@ -1764,7 +2381,7 @@
           <a:p>
             <a:fld id="{08CC8332-1ACC-4406-A169-8A73968D9A6C}" type="datetimeFigureOut">
               <a:rPr lang="en-US" smtClean="0"/>
-              <a:t>11/17/2014</a:t>
+              <a:t>11/18/14</a:t>
             </a:fld>
             <a:endParaRPr lang="en-US"/>
           </a:p>
@@ -1882,7 +2499,7 @@
           <a:p>
             <a:fld id="{08CC8332-1ACC-4406-A169-8A73968D9A6C}" type="datetimeFigureOut">
               <a:rPr lang="en-US" smtClean="0"/>
-              <a:t>11/17/2014</a:t>
+              <a:t>11/18/14</a:t>
             </a:fld>
             <a:endParaRPr lang="en-US"/>
           </a:p>
@@ -1977,7 +2594,7 @@
           <a:p>
             <a:fld id="{08CC8332-1ACC-4406-A169-8A73968D9A6C}" type="datetimeFigureOut">
               <a:rPr lang="en-US" smtClean="0"/>
-              <a:t>11/17/2014</a:t>
+              <a:t>11/18/14</a:t>
             </a:fld>
             <a:endParaRPr lang="en-US"/>
           </a:p>
@@ -2254,7 +2871,7 @@
           <a:p>
             <a:fld id="{08CC8332-1ACC-4406-A169-8A73968D9A6C}" type="datetimeFigureOut">
               <a:rPr lang="en-US" smtClean="0"/>
-              <a:t>11/17/2014</a:t>
+              <a:t>11/18/14</a:t>
             </a:fld>
             <a:endParaRPr lang="en-US"/>
           </a:p>
@@ -2507,7 +3124,7 @@
           <a:p>
             <a:fld id="{08CC8332-1ACC-4406-A169-8A73968D9A6C}" type="datetimeFigureOut">
               <a:rPr lang="en-US" smtClean="0"/>
-              <a:t>11/17/2014</a:t>
+              <a:t>11/18/14</a:t>
             </a:fld>
             <a:endParaRPr lang="en-US"/>
           </a:p>
@@ -2720,7 +3337,7 @@
           <a:p>
             <a:fld id="{08CC8332-1ACC-4406-A169-8A73968D9A6C}" type="datetimeFigureOut">
               <a:rPr lang="en-US" smtClean="0"/>
-              <a:t>11/17/2014</a:t>
+              <a:t>11/18/14</a:t>
             </a:fld>
             <a:endParaRPr lang="en-US"/>
           </a:p>
@@ -3107,10 +3724,16 @@
         </p:nvSpPr>
         <p:spPr/>
         <p:txBody>
-          <a:bodyPr/>
-          <a:lstStyle/>
-          <a:p>
-            <a:endParaRPr lang="en-US"/>
+          <a:bodyPr>
+            <a:normAutofit fontScale="90000"/>
+          </a:bodyPr>
+          <a:lstStyle/>
+          <a:p>
+            <a:r>
+              <a:rPr lang="en-US" dirty="0" smtClean="0"/>
+              <a:t>A Genetic Algorithm Solution to the Multi-Objective 0-1 Knapsack Problem</a:t>
+            </a:r>
+            <a:endParaRPr lang="en-US" dirty="0"/>
           </a:p>
         </p:txBody>
       </p:sp>
@@ -3124,12 +3747,52 @@
             <p:ph type="subTitle" idx="1"/>
           </p:nvPr>
         </p:nvSpPr>
-        <p:spPr/>
-        <p:txBody>
-          <a:bodyPr/>
-          <a:lstStyle/>
-          <a:p>
-            <a:endParaRPr lang="en-US"/>
+        <p:spPr>
+          <a:xfrm>
+            <a:off x="1371600" y="4356343"/>
+            <a:ext cx="6400800" cy="1511058"/>
+          </a:xfrm>
+        </p:spPr>
+        <p:txBody>
+          <a:bodyPr>
+            <a:normAutofit fontScale="55000" lnSpcReduction="20000"/>
+          </a:bodyPr>
+          <a:lstStyle/>
+          <a:p>
+            <a:r>
+              <a:rPr lang="en-US" dirty="0" smtClean="0"/>
+              <a:t>University of Louisville</a:t>
+            </a:r>
+          </a:p>
+          <a:p>
+            <a:r>
+              <a:rPr lang="en-US" dirty="0" smtClean="0"/>
+              <a:t>CECS 545</a:t>
+            </a:r>
+          </a:p>
+          <a:p>
+            <a:r>
+              <a:rPr lang="en-US" dirty="0" smtClean="0"/>
+              <a:t>Sarah Mullins</a:t>
+            </a:r>
+          </a:p>
+          <a:p>
+            <a:r>
+              <a:rPr lang="en-US" dirty="0" smtClean="0"/>
+              <a:t>Ashley </a:t>
+            </a:r>
+            <a:r>
+              <a:rPr lang="en-US" dirty="0" err="1" smtClean="0"/>
+              <a:t>Revlett</a:t>
+            </a:r>
+            <a:endParaRPr lang="en-US" dirty="0" smtClean="0"/>
+          </a:p>
+          <a:p>
+            <a:r>
+              <a:rPr lang="en-US" dirty="0" smtClean="0"/>
+              <a:t>November 19, 2014</a:t>
+            </a:r>
+            <a:endParaRPr lang="en-US" dirty="0"/>
           </a:p>
         </p:txBody>
       </p:sp>
@@ -3137,6 +3800,2232 @@
     <p:extLst>
       <p:ext uri="{BB962C8B-B14F-4D97-AF65-F5344CB8AC3E}">
         <p14:creationId xmlns:p14="http://schemas.microsoft.com/office/powerpoint/2010/main" val="3984494910"/>
+      </p:ext>
+    </p:extLst>
+  </p:cSld>
+  <p:clrMapOvr>
+    <a:masterClrMapping/>
+  </p:clrMapOvr>
+</p:sld>
+</file>
+
+<file path=ppt/slides/slide10.xml><?xml version="1.0" encoding="utf-8"?>
+<p:sld xmlns:a="http://schemas.openxmlformats.org/drawingml/2006/main" xmlns:r="http://schemas.openxmlformats.org/officeDocument/2006/relationships" xmlns:p="http://schemas.openxmlformats.org/presentationml/2006/main">
+  <p:cSld>
+    <p:spTree>
+      <p:nvGrpSpPr>
+        <p:cNvPr id="1" name=""/>
+        <p:cNvGrpSpPr/>
+        <p:nvPr/>
+      </p:nvGrpSpPr>
+      <p:grpSpPr>
+        <a:xfrm>
+          <a:off x="0" y="0"/>
+          <a:ext cx="0" cy="0"/>
+          <a:chOff x="0" y="0"/>
+          <a:chExt cx="0" cy="0"/>
+        </a:xfrm>
+      </p:grpSpPr>
+      <p:sp>
+        <p:nvSpPr>
+          <p:cNvPr id="2" name="Title 1"/>
+          <p:cNvSpPr>
+            <a:spLocks noGrp="1"/>
+          </p:cNvSpPr>
+          <p:nvPr>
+            <p:ph type="title"/>
+          </p:nvPr>
+        </p:nvSpPr>
+        <p:spPr/>
+        <p:txBody>
+          <a:bodyPr>
+            <a:normAutofit/>
+          </a:bodyPr>
+          <a:lstStyle/>
+          <a:p>
+            <a:r>
+              <a:rPr lang="en-US" sz="3600" dirty="0" smtClean="0"/>
+              <a:t>Calculating Fitness Score of an Item</a:t>
+            </a:r>
+            <a:endParaRPr lang="en-US" sz="3600" dirty="0"/>
+          </a:p>
+        </p:txBody>
+      </p:sp>
+      <p:sp>
+        <p:nvSpPr>
+          <p:cNvPr id="8" name="TextBox 7"/>
+          <p:cNvSpPr txBox="1"/>
+          <p:nvPr/>
+        </p:nvSpPr>
+        <p:spPr>
+          <a:xfrm>
+            <a:off x="3429000" y="1752600"/>
+            <a:ext cx="5715000" cy="4247317"/>
+          </a:xfrm>
+          <a:prstGeom prst="rect">
+            <a:avLst/>
+          </a:prstGeom>
+          <a:noFill/>
+        </p:spPr>
+        <p:txBody>
+          <a:bodyPr wrap="square" rtlCol="0">
+            <a:spAutoFit/>
+          </a:bodyPr>
+          <a:lstStyle/>
+          <a:p>
+            <a:pPr marL="342900" indent="-342900">
+              <a:buAutoNum type="arabicPeriod"/>
+            </a:pPr>
+            <a:r>
+              <a:rPr lang="en-US" dirty="0" smtClean="0"/>
+              <a:t>For each objective, normalize values to 0-1:</a:t>
+            </a:r>
+          </a:p>
+          <a:p>
+            <a:r>
+              <a:rPr lang="en-US" dirty="0" err="1" smtClean="0">
+                <a:latin typeface="Courier New"/>
+              </a:rPr>
+              <a:t>Weight_score</a:t>
+            </a:r>
+            <a:r>
+              <a:rPr lang="en-US" dirty="0" smtClean="0">
+                <a:latin typeface="Courier New"/>
+              </a:rPr>
+              <a:t> = weight/</a:t>
+            </a:r>
+            <a:r>
+              <a:rPr lang="en-US" dirty="0" err="1" smtClean="0">
+                <a:latin typeface="Courier New"/>
+              </a:rPr>
+              <a:t>max_weight</a:t>
+            </a:r>
+            <a:r>
+              <a:rPr lang="en-US" dirty="0" smtClean="0">
+                <a:latin typeface="Courier New"/>
+              </a:rPr>
+              <a:t/>
+            </a:r>
+            <a:br>
+              <a:rPr lang="en-US" dirty="0" smtClean="0">
+                <a:latin typeface="Courier New"/>
+              </a:rPr>
+            </a:br>
+            <a:r>
+              <a:rPr lang="en-US" dirty="0" err="1" smtClean="0">
+                <a:latin typeface="Courier New"/>
+              </a:rPr>
+              <a:t>Value_score</a:t>
+            </a:r>
+            <a:r>
+              <a:rPr lang="en-US" dirty="0" smtClean="0">
+                <a:latin typeface="Courier New"/>
+              </a:rPr>
+              <a:t>  = value/</a:t>
+            </a:r>
+            <a:r>
+              <a:rPr lang="en-US" dirty="0" err="1" smtClean="0">
+                <a:latin typeface="Courier New"/>
+              </a:rPr>
+              <a:t>max_value</a:t>
+            </a:r>
+            <a:r>
+              <a:rPr lang="en-US" dirty="0" smtClean="0">
+                <a:latin typeface="Courier New"/>
+              </a:rPr>
+              <a:t/>
+            </a:r>
+            <a:br>
+              <a:rPr lang="en-US" dirty="0" smtClean="0">
+                <a:latin typeface="Courier New"/>
+              </a:rPr>
+            </a:br>
+            <a:r>
+              <a:rPr lang="en-US" dirty="0" err="1" smtClean="0">
+                <a:latin typeface="Courier New"/>
+              </a:rPr>
+              <a:t>Price_score</a:t>
+            </a:r>
+            <a:r>
+              <a:rPr lang="en-US" dirty="0" smtClean="0">
+                <a:latin typeface="Courier New"/>
+              </a:rPr>
+              <a:t>  = price/</a:t>
+            </a:r>
+            <a:r>
+              <a:rPr lang="en-US" dirty="0" err="1" smtClean="0">
+                <a:latin typeface="Courier New"/>
+              </a:rPr>
+              <a:t>max_price</a:t>
+            </a:r>
+            <a:endParaRPr lang="en-US" dirty="0">
+              <a:latin typeface="Courier New"/>
+            </a:endParaRPr>
+          </a:p>
+          <a:p>
+            <a:endParaRPr lang="en-US" dirty="0" smtClean="0">
+              <a:latin typeface="Courier New"/>
+            </a:endParaRPr>
+          </a:p>
+          <a:p>
+            <a:r>
+              <a:rPr lang="en-US" dirty="0" smtClean="0"/>
+              <a:t>2. For parameters to minimize, invert the scores:</a:t>
+            </a:r>
+          </a:p>
+          <a:p>
+            <a:r>
+              <a:rPr lang="en-US" dirty="0" err="1" smtClean="0">
+                <a:latin typeface="Courier New"/>
+              </a:rPr>
+              <a:t>Weight_score</a:t>
+            </a:r>
+            <a:r>
+              <a:rPr lang="en-US" dirty="0" smtClean="0">
+                <a:latin typeface="Courier New"/>
+              </a:rPr>
+              <a:t> = 1 - </a:t>
+            </a:r>
+            <a:r>
+              <a:rPr lang="en-US" dirty="0" err="1" smtClean="0">
+                <a:latin typeface="Courier New"/>
+              </a:rPr>
+              <a:t>Weight_score</a:t>
+            </a:r>
+            <a:r>
+              <a:rPr lang="en-US" dirty="0" smtClean="0">
+                <a:latin typeface="Courier New"/>
+              </a:rPr>
+              <a:t/>
+            </a:r>
+            <a:br>
+              <a:rPr lang="en-US" dirty="0" smtClean="0">
+                <a:latin typeface="Courier New"/>
+              </a:rPr>
+            </a:br>
+            <a:r>
+              <a:rPr lang="en-US" dirty="0" err="1" smtClean="0">
+                <a:latin typeface="Courier New"/>
+              </a:rPr>
+              <a:t>Price_score</a:t>
+            </a:r>
+            <a:r>
+              <a:rPr lang="en-US" dirty="0" smtClean="0">
+                <a:latin typeface="Courier New"/>
+              </a:rPr>
+              <a:t>  = 1 - </a:t>
+            </a:r>
+            <a:r>
+              <a:rPr lang="en-US" dirty="0" err="1" smtClean="0">
+                <a:latin typeface="Courier New"/>
+              </a:rPr>
+              <a:t>Price_score</a:t>
+            </a:r>
+            <a:r>
+              <a:rPr lang="en-US" dirty="0" smtClean="0">
+                <a:latin typeface="Courier New"/>
+              </a:rPr>
+              <a:t> </a:t>
+            </a:r>
+          </a:p>
+          <a:p>
+            <a:endParaRPr lang="en-US" dirty="0" smtClean="0"/>
+          </a:p>
+          <a:p>
+            <a:r>
+              <a:rPr lang="en-US" dirty="0"/>
+              <a:t>3</a:t>
+            </a:r>
+            <a:r>
+              <a:rPr lang="en-US" dirty="0" smtClean="0"/>
+              <a:t>. Sum the scores :</a:t>
+            </a:r>
+            <a:endParaRPr lang="en-US" dirty="0"/>
+          </a:p>
+          <a:p>
+            <a:r>
+              <a:rPr lang="en-US" dirty="0" smtClean="0">
+                <a:latin typeface="Courier New"/>
+              </a:rPr>
+              <a:t>Fitness = </a:t>
+            </a:r>
+            <a:r>
+              <a:rPr lang="en-US" dirty="0" err="1" smtClean="0">
+                <a:latin typeface="Courier New"/>
+              </a:rPr>
+              <a:t>Weight_score</a:t>
+            </a:r>
+            <a:r>
+              <a:rPr lang="en-US" dirty="0" smtClean="0">
+                <a:latin typeface="Courier New"/>
+              </a:rPr>
+              <a:t> +  </a:t>
+            </a:r>
+            <a:r>
+              <a:rPr lang="en-US" dirty="0" err="1" smtClean="0">
+                <a:latin typeface="Courier New"/>
+              </a:rPr>
+              <a:t>Value_score</a:t>
+            </a:r>
+            <a:r>
+              <a:rPr lang="en-US" dirty="0" smtClean="0">
+                <a:latin typeface="Courier New"/>
+              </a:rPr>
+              <a:t> + </a:t>
+            </a:r>
+            <a:r>
+              <a:rPr lang="en-US" dirty="0" err="1" smtClean="0">
+                <a:latin typeface="Courier New"/>
+              </a:rPr>
+              <a:t>Price_score</a:t>
+            </a:r>
+            <a:endParaRPr lang="en-US" dirty="0">
+              <a:latin typeface="Courier New"/>
+            </a:endParaRPr>
+          </a:p>
+          <a:p>
+            <a:endParaRPr lang="en-US" dirty="0" smtClean="0"/>
+          </a:p>
+          <a:p>
+            <a:r>
+              <a:rPr lang="en-US" dirty="0" smtClean="0"/>
+              <a:t>4. This aggregate fitness score will be higher for items with high values and low prices and weights.</a:t>
+            </a:r>
+            <a:endParaRPr lang="en-US" dirty="0">
+              <a:latin typeface="Courier New"/>
+            </a:endParaRPr>
+          </a:p>
+        </p:txBody>
+      </p:sp>
+      <p:pic>
+        <p:nvPicPr>
+          <p:cNvPr id="3" name="Picture 2" descr="fitness_illustration.jpg"/>
+          <p:cNvPicPr>
+            <a:picLocks noChangeAspect="1"/>
+          </p:cNvPicPr>
+          <p:nvPr/>
+        </p:nvPicPr>
+        <p:blipFill>
+          <a:blip r:embed="rId2">
+            <a:extLst>
+              <a:ext uri="{28A0092B-C50C-407E-A947-70E740481C1C}">
+                <a14:useLocalDpi xmlns:a14="http://schemas.microsoft.com/office/drawing/2010/main" val="0"/>
+              </a:ext>
+            </a:extLst>
+          </a:blip>
+          <a:stretch>
+            <a:fillRect/>
+          </a:stretch>
+        </p:blipFill>
+        <p:spPr>
+          <a:xfrm>
+            <a:off x="381000" y="1600201"/>
+            <a:ext cx="2560728" cy="2438400"/>
+          </a:xfrm>
+          <a:prstGeom prst="rect">
+            <a:avLst/>
+          </a:prstGeom>
+        </p:spPr>
+      </p:pic>
+      <p:sp>
+        <p:nvSpPr>
+          <p:cNvPr id="11" name="TextBox 10"/>
+          <p:cNvSpPr txBox="1"/>
+          <p:nvPr/>
+        </p:nvSpPr>
+        <p:spPr>
+          <a:xfrm>
+            <a:off x="381000" y="4038600"/>
+            <a:ext cx="2514600" cy="2462213"/>
+          </a:xfrm>
+          <a:prstGeom prst="rect">
+            <a:avLst/>
+          </a:prstGeom>
+          <a:noFill/>
+        </p:spPr>
+        <p:txBody>
+          <a:bodyPr wrap="square" rtlCol="0">
+            <a:spAutoFit/>
+          </a:bodyPr>
+          <a:lstStyle/>
+          <a:p>
+            <a:r>
+              <a:rPr lang="en-US" sz="1400" dirty="0" smtClean="0">
+                <a:latin typeface="Courier New"/>
+              </a:rPr>
+              <a:t>EXAMPLE:</a:t>
+            </a:r>
+          </a:p>
+          <a:p>
+            <a:endParaRPr lang="en-US" sz="1400" dirty="0" smtClean="0">
+              <a:latin typeface="Courier New"/>
+            </a:endParaRPr>
+          </a:p>
+          <a:p>
+            <a:r>
+              <a:rPr lang="en-US" sz="1400" dirty="0" err="1" smtClean="0">
+                <a:latin typeface="Courier New"/>
+              </a:rPr>
+              <a:t>max_weight</a:t>
+            </a:r>
+            <a:r>
+              <a:rPr lang="en-US" sz="1400" dirty="0" smtClean="0">
+                <a:latin typeface="Courier New"/>
+              </a:rPr>
+              <a:t> = 10</a:t>
+            </a:r>
+          </a:p>
+          <a:p>
+            <a:r>
+              <a:rPr lang="en-US" sz="1400" dirty="0" err="1" smtClean="0">
+                <a:latin typeface="Courier New"/>
+              </a:rPr>
+              <a:t>max_value</a:t>
+            </a:r>
+            <a:r>
+              <a:rPr lang="en-US" sz="1400" dirty="0" smtClean="0">
+                <a:latin typeface="Courier New"/>
+              </a:rPr>
+              <a:t>  = 5</a:t>
+            </a:r>
+          </a:p>
+          <a:p>
+            <a:r>
+              <a:rPr lang="en-US" sz="1400" dirty="0" err="1" smtClean="0">
+                <a:latin typeface="Courier New"/>
+              </a:rPr>
+              <a:t>max_price</a:t>
+            </a:r>
+            <a:r>
+              <a:rPr lang="en-US" sz="1400" dirty="0" smtClean="0">
+                <a:latin typeface="Courier New"/>
+              </a:rPr>
+              <a:t>  = 30</a:t>
+            </a:r>
+          </a:p>
+          <a:p>
+            <a:endParaRPr lang="en-US" sz="1400" dirty="0" smtClean="0">
+              <a:latin typeface="Courier New"/>
+            </a:endParaRPr>
+          </a:p>
+          <a:p>
+            <a:r>
+              <a:rPr lang="en-US" sz="1400" dirty="0" err="1" smtClean="0">
+                <a:latin typeface="Courier New"/>
+              </a:rPr>
+              <a:t>Weight_score</a:t>
+            </a:r>
+            <a:r>
+              <a:rPr lang="en-US" sz="1400" dirty="0" smtClean="0">
+                <a:latin typeface="Courier New"/>
+              </a:rPr>
+              <a:t> = .9</a:t>
+            </a:r>
+          </a:p>
+          <a:p>
+            <a:r>
+              <a:rPr lang="en-US" sz="1400" dirty="0" err="1" smtClean="0">
+                <a:latin typeface="Courier New"/>
+              </a:rPr>
+              <a:t>Value_score</a:t>
+            </a:r>
+            <a:r>
+              <a:rPr lang="en-US" sz="1400" dirty="0" smtClean="0">
+                <a:latin typeface="Courier New"/>
+              </a:rPr>
+              <a:t> = .06</a:t>
+            </a:r>
+            <a:br>
+              <a:rPr lang="en-US" sz="1400" dirty="0" smtClean="0">
+                <a:latin typeface="Courier New"/>
+              </a:rPr>
+            </a:br>
+            <a:r>
+              <a:rPr lang="en-US" sz="1400" dirty="0" err="1" smtClean="0">
+                <a:latin typeface="Courier New"/>
+              </a:rPr>
+              <a:t>Price_score</a:t>
+            </a:r>
+            <a:r>
+              <a:rPr lang="en-US" sz="1400" dirty="0" smtClean="0">
+                <a:latin typeface="Courier New"/>
+              </a:rPr>
+              <a:t> = .89</a:t>
+            </a:r>
+          </a:p>
+          <a:p>
+            <a:endParaRPr lang="en-US" sz="1400" dirty="0" smtClean="0">
+              <a:latin typeface="Courier New"/>
+            </a:endParaRPr>
+          </a:p>
+          <a:p>
+            <a:r>
+              <a:rPr lang="en-US" sz="1400" b="1" dirty="0" smtClean="0">
+                <a:latin typeface="Courier New"/>
+              </a:rPr>
+              <a:t>Fitness = 1.85</a:t>
+            </a:r>
+            <a:endParaRPr lang="en-US" sz="1400" b="1" dirty="0">
+              <a:latin typeface="Courier New"/>
+            </a:endParaRPr>
+          </a:p>
+        </p:txBody>
+      </p:sp>
+    </p:spTree>
+    <p:extLst>
+      <p:ext uri="{BB962C8B-B14F-4D97-AF65-F5344CB8AC3E}">
+        <p14:creationId xmlns:p14="http://schemas.microsoft.com/office/powerpoint/2010/main" val="2857792982"/>
+      </p:ext>
+    </p:extLst>
+  </p:cSld>
+  <p:clrMapOvr>
+    <a:masterClrMapping/>
+  </p:clrMapOvr>
+</p:sld>
+</file>
+
+<file path=ppt/slides/slide11.xml><?xml version="1.0" encoding="utf-8"?>
+<p:sld xmlns:a="http://schemas.openxmlformats.org/drawingml/2006/main" xmlns:r="http://schemas.openxmlformats.org/officeDocument/2006/relationships" xmlns:p="http://schemas.openxmlformats.org/presentationml/2006/main">
+  <p:cSld>
+    <p:spTree>
+      <p:nvGrpSpPr>
+        <p:cNvPr id="1" name=""/>
+        <p:cNvGrpSpPr/>
+        <p:nvPr/>
+      </p:nvGrpSpPr>
+      <p:grpSpPr>
+        <a:xfrm>
+          <a:off x="0" y="0"/>
+          <a:ext cx="0" cy="0"/>
+          <a:chOff x="0" y="0"/>
+          <a:chExt cx="0" cy="0"/>
+        </a:xfrm>
+      </p:grpSpPr>
+      <p:sp>
+        <p:nvSpPr>
+          <p:cNvPr id="2" name="Title 1"/>
+          <p:cNvSpPr>
+            <a:spLocks noGrp="1"/>
+          </p:cNvSpPr>
+          <p:nvPr>
+            <p:ph type="title"/>
+          </p:nvPr>
+        </p:nvSpPr>
+        <p:spPr/>
+        <p:txBody>
+          <a:bodyPr>
+            <a:normAutofit/>
+          </a:bodyPr>
+          <a:lstStyle/>
+          <a:p>
+            <a:r>
+              <a:rPr lang="en-US" sz="3600" dirty="0" smtClean="0"/>
+              <a:t>Calculating Fitness Score of a Solution</a:t>
+            </a:r>
+            <a:endParaRPr lang="en-US" sz="3600" dirty="0"/>
+          </a:p>
+        </p:txBody>
+      </p:sp>
+      <p:sp>
+        <p:nvSpPr>
+          <p:cNvPr id="8" name="TextBox 7"/>
+          <p:cNvSpPr txBox="1"/>
+          <p:nvPr/>
+        </p:nvSpPr>
+        <p:spPr>
+          <a:xfrm>
+            <a:off x="609600" y="4267200"/>
+            <a:ext cx="7924800" cy="369332"/>
+          </a:xfrm>
+          <a:prstGeom prst="rect">
+            <a:avLst/>
+          </a:prstGeom>
+          <a:noFill/>
+        </p:spPr>
+        <p:txBody>
+          <a:bodyPr wrap="square" rtlCol="0">
+            <a:spAutoFit/>
+          </a:bodyPr>
+          <a:lstStyle/>
+          <a:p>
+            <a:pPr marL="342900" indent="-342900">
+              <a:buFont typeface="Arial"/>
+              <a:buChar char="•"/>
+            </a:pPr>
+            <a:r>
+              <a:rPr lang="en-US" dirty="0" smtClean="0"/>
+              <a:t>Sum the fitness scores for all items included in the knapsack.</a:t>
+            </a:r>
+          </a:p>
+        </p:txBody>
+      </p:sp>
+      <p:graphicFrame>
+        <p:nvGraphicFramePr>
+          <p:cNvPr id="4" name="Object 3"/>
+          <p:cNvGraphicFramePr>
+            <a:graphicFrameLocks noChangeAspect="1"/>
+          </p:cNvGraphicFramePr>
+          <p:nvPr>
+            <p:extLst>
+              <p:ext uri="{D42A27DB-BD31-4B8C-83A1-F6EECF244321}">
+                <p14:modId xmlns:p14="http://schemas.microsoft.com/office/powerpoint/2010/main" val="927160468"/>
+              </p:ext>
+            </p:extLst>
+          </p:nvPr>
+        </p:nvGraphicFramePr>
+        <p:xfrm>
+          <a:off x="1600200" y="2514600"/>
+          <a:ext cx="5486400" cy="838200"/>
+        </p:xfrm>
+        <a:graphic>
+          <a:graphicData uri="http://schemas.openxmlformats.org/presentationml/2006/ole">
+            <mc:AlternateContent xmlns:mc="http://schemas.openxmlformats.org/markup-compatibility/2006">
+              <mc:Choice xmlns:v="urn:schemas-microsoft-com:vml" Requires="v">
+                <p:oleObj spid="_x0000_s1029" name="Document" r:id="rId3" imgW="5486400" imgH="838200" progId="Word.Document.12">
+                  <p:link updateAutomatic="1"/>
+                </p:oleObj>
+              </mc:Choice>
+              <mc:Fallback>
+                <p:oleObj name="Document" r:id="rId3" imgW="5486400" imgH="838200" progId="Word.Document.12">
+                  <p:link updateAutomatic="1"/>
+                  <p:pic>
+                    <p:nvPicPr>
+                      <p:cNvPr id="0" name=""/>
+                      <p:cNvPicPr/>
+                      <p:nvPr/>
+                    </p:nvPicPr>
+                    <p:blipFill>
+                      <a:blip r:embed="rId4"/>
+                      <a:stretch>
+                        <a:fillRect/>
+                      </a:stretch>
+                    </p:blipFill>
+                    <p:spPr>
+                      <a:xfrm>
+                        <a:off x="1600200" y="2514600"/>
+                        <a:ext cx="5486400" cy="838200"/>
+                      </a:xfrm>
+                      <a:prstGeom prst="rect">
+                        <a:avLst/>
+                      </a:prstGeom>
+                    </p:spPr>
+                  </p:pic>
+                </p:oleObj>
+              </mc:Fallback>
+            </mc:AlternateContent>
+          </a:graphicData>
+        </a:graphic>
+      </p:graphicFrame>
+    </p:spTree>
+    <p:extLst>
+      <p:ext uri="{BB962C8B-B14F-4D97-AF65-F5344CB8AC3E}">
+        <p14:creationId xmlns:p14="http://schemas.microsoft.com/office/powerpoint/2010/main" val="1047154748"/>
+      </p:ext>
+    </p:extLst>
+  </p:cSld>
+  <p:clrMapOvr>
+    <a:masterClrMapping/>
+  </p:clrMapOvr>
+</p:sld>
+</file>
+
+<file path=ppt/slides/slide12.xml><?xml version="1.0" encoding="utf-8"?>
+<p:sld xmlns:a="http://schemas.openxmlformats.org/drawingml/2006/main" xmlns:r="http://schemas.openxmlformats.org/officeDocument/2006/relationships" xmlns:p="http://schemas.openxmlformats.org/presentationml/2006/main">
+  <p:cSld>
+    <p:spTree>
+      <p:nvGrpSpPr>
+        <p:cNvPr id="1" name=""/>
+        <p:cNvGrpSpPr/>
+        <p:nvPr/>
+      </p:nvGrpSpPr>
+      <p:grpSpPr>
+        <a:xfrm>
+          <a:off x="0" y="0"/>
+          <a:ext cx="0" cy="0"/>
+          <a:chOff x="0" y="0"/>
+          <a:chExt cx="0" cy="0"/>
+        </a:xfrm>
+      </p:grpSpPr>
+      <p:sp>
+        <p:nvSpPr>
+          <p:cNvPr id="2" name="Title 1"/>
+          <p:cNvSpPr>
+            <a:spLocks noGrp="1"/>
+          </p:cNvSpPr>
+          <p:nvPr>
+            <p:ph type="title"/>
+          </p:nvPr>
+        </p:nvSpPr>
+        <p:spPr/>
+        <p:txBody>
+          <a:bodyPr>
+            <a:normAutofit/>
+          </a:bodyPr>
+          <a:lstStyle/>
+          <a:p>
+            <a:r>
+              <a:rPr lang="en-US" dirty="0" smtClean="0"/>
+              <a:t>Mutation &amp; Crossover Operators</a:t>
+            </a:r>
+            <a:endParaRPr lang="en-US" dirty="0"/>
+          </a:p>
+        </p:txBody>
+      </p:sp>
+      <p:sp>
+        <p:nvSpPr>
+          <p:cNvPr id="3" name="Content Placeholder 2"/>
+          <p:cNvSpPr>
+            <a:spLocks noGrp="1"/>
+          </p:cNvSpPr>
+          <p:nvPr>
+            <p:ph idx="1"/>
+          </p:nvPr>
+        </p:nvSpPr>
+        <p:spPr>
+          <a:xfrm>
+            <a:off x="457200" y="1600200"/>
+            <a:ext cx="5715000" cy="5181600"/>
+          </a:xfrm>
+        </p:spPr>
+        <p:txBody>
+          <a:bodyPr>
+            <a:normAutofit fontScale="85000" lnSpcReduction="10000"/>
+          </a:bodyPr>
+          <a:lstStyle/>
+          <a:p>
+            <a:r>
+              <a:rPr lang="en-US" b="1" dirty="0" smtClean="0"/>
+              <a:t>Mutation: </a:t>
+            </a:r>
+            <a:r>
+              <a:rPr lang="en-US" dirty="0" smtClean="0"/>
+              <a:t>Flip a random number of bits in the solution’s chromosome. If the result is over capacity, remove the least fit items until within capacity.</a:t>
+            </a:r>
+          </a:p>
+          <a:p>
+            <a:r>
+              <a:rPr lang="en-US" b="1" dirty="0" smtClean="0"/>
+              <a:t>Crossover: </a:t>
+            </a:r>
+            <a:r>
+              <a:rPr lang="en-US" dirty="0" smtClean="0"/>
+              <a:t>Choose 2 parents, A and B, and combine the first half of A’s chromosome with the second half of B’s chromosome. </a:t>
+            </a:r>
+            <a:r>
+              <a:rPr lang="en-US" dirty="0"/>
+              <a:t>If the result is over capacity, remove the least fit items until within capacity</a:t>
+            </a:r>
+            <a:r>
+              <a:rPr lang="en-US" dirty="0" smtClean="0"/>
+              <a:t>.</a:t>
+            </a:r>
+            <a:endParaRPr lang="en-US" dirty="0"/>
+          </a:p>
+        </p:txBody>
+      </p:sp>
+      <p:pic>
+        <p:nvPicPr>
+          <p:cNvPr id="6" name="Picture 5" descr="Macintosh HD:private:var:folders:w9:97l6tg611fn4yky9vgk_nc480000gp:T:TemporaryItems:dna-sequencing-20.gif"/>
+          <p:cNvPicPr/>
+          <p:nvPr/>
+        </p:nvPicPr>
+        <p:blipFill>
+          <a:blip r:embed="rId2">
+            <a:extLst>
+              <a:ext uri="{28A0092B-C50C-407E-A947-70E740481C1C}">
+                <a14:useLocalDpi xmlns:a14="http://schemas.microsoft.com/office/drawing/2010/main" val="0"/>
+              </a:ext>
+            </a:extLst>
+          </a:blip>
+          <a:srcRect/>
+          <a:stretch>
+            <a:fillRect/>
+          </a:stretch>
+        </p:blipFill>
+        <p:spPr bwMode="auto">
+          <a:xfrm>
+            <a:off x="6781800" y="2209800"/>
+            <a:ext cx="1587500" cy="3175000"/>
+          </a:xfrm>
+          <a:prstGeom prst="rect">
+            <a:avLst/>
+          </a:prstGeom>
+          <a:noFill/>
+          <a:ln>
+            <a:noFill/>
+          </a:ln>
+        </p:spPr>
+      </p:pic>
+    </p:spTree>
+    <p:extLst>
+      <p:ext uri="{BB962C8B-B14F-4D97-AF65-F5344CB8AC3E}">
+        <p14:creationId xmlns:p14="http://schemas.microsoft.com/office/powerpoint/2010/main" val="797819429"/>
+      </p:ext>
+    </p:extLst>
+  </p:cSld>
+  <p:clrMapOvr>
+    <a:masterClrMapping/>
+  </p:clrMapOvr>
+</p:sld>
+</file>
+
+<file path=ppt/slides/slide13.xml><?xml version="1.0" encoding="utf-8"?>
+<p:sld xmlns:a="http://schemas.openxmlformats.org/drawingml/2006/main" xmlns:r="http://schemas.openxmlformats.org/officeDocument/2006/relationships" xmlns:p="http://schemas.openxmlformats.org/presentationml/2006/main">
+  <p:cSld>
+    <p:spTree>
+      <p:nvGrpSpPr>
+        <p:cNvPr id="1" name=""/>
+        <p:cNvGrpSpPr/>
+        <p:nvPr/>
+      </p:nvGrpSpPr>
+      <p:grpSpPr>
+        <a:xfrm>
+          <a:off x="0" y="0"/>
+          <a:ext cx="0" cy="0"/>
+          <a:chOff x="0" y="0"/>
+          <a:chExt cx="0" cy="0"/>
+        </a:xfrm>
+      </p:grpSpPr>
+      <p:sp>
+        <p:nvSpPr>
+          <p:cNvPr id="2" name="Title 1"/>
+          <p:cNvSpPr>
+            <a:spLocks noGrp="1"/>
+          </p:cNvSpPr>
+          <p:nvPr>
+            <p:ph type="title"/>
+          </p:nvPr>
+        </p:nvSpPr>
+        <p:spPr/>
+        <p:txBody>
+          <a:bodyPr>
+            <a:normAutofit/>
+          </a:bodyPr>
+          <a:lstStyle/>
+          <a:p>
+            <a:r>
+              <a:rPr lang="en-US" dirty="0" smtClean="0"/>
+              <a:t>Crowd Wisdom</a:t>
+            </a:r>
+            <a:endParaRPr lang="en-US" dirty="0"/>
+          </a:p>
+        </p:txBody>
+      </p:sp>
+      <p:sp>
+        <p:nvSpPr>
+          <p:cNvPr id="3" name="Content Placeholder 2"/>
+          <p:cNvSpPr>
+            <a:spLocks noGrp="1"/>
+          </p:cNvSpPr>
+          <p:nvPr>
+            <p:ph idx="1"/>
+          </p:nvPr>
+        </p:nvSpPr>
+        <p:spPr>
+          <a:xfrm>
+            <a:off x="381000" y="1447800"/>
+            <a:ext cx="4572000" cy="4876800"/>
+          </a:xfrm>
+        </p:spPr>
+        <p:txBody>
+          <a:bodyPr>
+            <a:normAutofit fontScale="85000" lnSpcReduction="20000"/>
+          </a:bodyPr>
+          <a:lstStyle/>
+          <a:p>
+            <a:r>
+              <a:rPr lang="en-US" dirty="0" smtClean="0"/>
+              <a:t>Genetic Algorithm is run many times to produce many good </a:t>
+            </a:r>
+            <a:r>
+              <a:rPr lang="en-US" dirty="0"/>
+              <a:t>but not necessarily optimal </a:t>
+            </a:r>
+            <a:r>
+              <a:rPr lang="en-US" dirty="0" smtClean="0"/>
+              <a:t>solutions</a:t>
+            </a:r>
+          </a:p>
+          <a:p>
+            <a:r>
+              <a:rPr lang="en-US" dirty="0" smtClean="0"/>
+              <a:t>Crowd is analyzed to determine most commonly shared items</a:t>
+            </a:r>
+          </a:p>
+          <a:p>
+            <a:r>
+              <a:rPr lang="en-US" dirty="0" smtClean="0"/>
+              <a:t>New solution is created from these common items, then fittest remaining items are added until capacity is reached.</a:t>
+            </a:r>
+            <a:endParaRPr lang="en-US" dirty="0"/>
+          </a:p>
+        </p:txBody>
+      </p:sp>
+      <p:pic>
+        <p:nvPicPr>
+          <p:cNvPr id="4" name="Picture 3" descr="crowd.jpg"/>
+          <p:cNvPicPr>
+            <a:picLocks noChangeAspect="1"/>
+          </p:cNvPicPr>
+          <p:nvPr/>
+        </p:nvPicPr>
+        <p:blipFill>
+          <a:blip r:embed="rId3">
+            <a:extLst>
+              <a:ext uri="{28A0092B-C50C-407E-A947-70E740481C1C}">
+                <a14:useLocalDpi xmlns:a14="http://schemas.microsoft.com/office/drawing/2010/main" val="0"/>
+              </a:ext>
+            </a:extLst>
+          </a:blip>
+          <a:stretch>
+            <a:fillRect/>
+          </a:stretch>
+        </p:blipFill>
+        <p:spPr>
+          <a:xfrm>
+            <a:off x="5065111" y="2209800"/>
+            <a:ext cx="4046018" cy="2286000"/>
+          </a:xfrm>
+          <a:prstGeom prst="rect">
+            <a:avLst/>
+          </a:prstGeom>
+        </p:spPr>
+      </p:pic>
+    </p:spTree>
+    <p:extLst>
+      <p:ext uri="{BB962C8B-B14F-4D97-AF65-F5344CB8AC3E}">
+        <p14:creationId xmlns:p14="http://schemas.microsoft.com/office/powerpoint/2010/main" val="3862024793"/>
+      </p:ext>
+    </p:extLst>
+  </p:cSld>
+  <p:clrMapOvr>
+    <a:masterClrMapping/>
+  </p:clrMapOvr>
+</p:sld>
+</file>
+
+<file path=ppt/slides/slide2.xml><?xml version="1.0" encoding="utf-8"?>
+<p:sld xmlns:a="http://schemas.openxmlformats.org/drawingml/2006/main" xmlns:r="http://schemas.openxmlformats.org/officeDocument/2006/relationships" xmlns:p="http://schemas.openxmlformats.org/presentationml/2006/main">
+  <p:cSld>
+    <p:spTree>
+      <p:nvGrpSpPr>
+        <p:cNvPr id="1" name=""/>
+        <p:cNvGrpSpPr/>
+        <p:nvPr/>
+      </p:nvGrpSpPr>
+      <p:grpSpPr>
+        <a:xfrm>
+          <a:off x="0" y="0"/>
+          <a:ext cx="0" cy="0"/>
+          <a:chOff x="0" y="0"/>
+          <a:chExt cx="0" cy="0"/>
+        </a:xfrm>
+      </p:grpSpPr>
+      <p:sp>
+        <p:nvSpPr>
+          <p:cNvPr id="2" name="Title 1"/>
+          <p:cNvSpPr>
+            <a:spLocks noGrp="1"/>
+          </p:cNvSpPr>
+          <p:nvPr>
+            <p:ph type="title"/>
+          </p:nvPr>
+        </p:nvSpPr>
+        <p:spPr/>
+        <p:txBody>
+          <a:bodyPr/>
+          <a:lstStyle/>
+          <a:p>
+            <a:r>
+              <a:rPr lang="en-US" dirty="0" smtClean="0"/>
+              <a:t>Agenda</a:t>
+            </a:r>
+            <a:endParaRPr lang="en-US" dirty="0"/>
+          </a:p>
+        </p:txBody>
+      </p:sp>
+      <p:sp>
+        <p:nvSpPr>
+          <p:cNvPr id="3" name="Content Placeholder 2"/>
+          <p:cNvSpPr>
+            <a:spLocks noGrp="1"/>
+          </p:cNvSpPr>
+          <p:nvPr>
+            <p:ph idx="1"/>
+          </p:nvPr>
+        </p:nvSpPr>
+        <p:spPr/>
+        <p:txBody>
+          <a:bodyPr>
+            <a:normAutofit fontScale="70000" lnSpcReduction="20000"/>
+          </a:bodyPr>
+          <a:lstStyle/>
+          <a:p>
+            <a:r>
+              <a:rPr lang="en-US" dirty="0" smtClean="0"/>
+              <a:t>Knapsack Problem</a:t>
+            </a:r>
+          </a:p>
+          <a:p>
+            <a:pPr lvl="1"/>
+            <a:r>
+              <a:rPr lang="en-US" dirty="0" smtClean="0"/>
+              <a:t>Variations</a:t>
+            </a:r>
+          </a:p>
+          <a:p>
+            <a:pPr lvl="1"/>
+            <a:r>
+              <a:rPr lang="en-US" dirty="0" smtClean="0"/>
+              <a:t>Applications</a:t>
+            </a:r>
+            <a:endParaRPr lang="en-US" dirty="0" smtClean="0"/>
+          </a:p>
+          <a:p>
+            <a:pPr lvl="1"/>
+            <a:r>
+              <a:rPr lang="en-US" dirty="0" smtClean="0"/>
+              <a:t>Complexity</a:t>
+            </a:r>
+          </a:p>
+          <a:p>
+            <a:pPr lvl="1"/>
+            <a:r>
+              <a:rPr lang="en-US" dirty="0" smtClean="0"/>
+              <a:t>Solutions</a:t>
+            </a:r>
+            <a:endParaRPr lang="en-US" dirty="0" smtClean="0"/>
+          </a:p>
+          <a:p>
+            <a:r>
+              <a:rPr lang="en-US" dirty="0" smtClean="0"/>
+              <a:t>Our </a:t>
+            </a:r>
+            <a:r>
+              <a:rPr lang="en-US" dirty="0" smtClean="0"/>
+              <a:t>Solution – Genetic Algorithm &amp; Wisdom of Crowds</a:t>
+            </a:r>
+          </a:p>
+          <a:p>
+            <a:pPr lvl="1"/>
+            <a:r>
+              <a:rPr lang="en-US" dirty="0" smtClean="0"/>
+              <a:t>Encoding</a:t>
+            </a:r>
+          </a:p>
+          <a:p>
+            <a:pPr lvl="1"/>
+            <a:r>
+              <a:rPr lang="en-US" dirty="0" smtClean="0"/>
+              <a:t>Fitness </a:t>
+            </a:r>
+            <a:r>
+              <a:rPr lang="en-US" dirty="0" smtClean="0"/>
+              <a:t>Function</a:t>
+            </a:r>
+          </a:p>
+          <a:p>
+            <a:pPr lvl="1"/>
+            <a:r>
+              <a:rPr lang="en-US" dirty="0" smtClean="0"/>
+              <a:t>Mutation</a:t>
+            </a:r>
+          </a:p>
+          <a:p>
+            <a:pPr lvl="1"/>
+            <a:r>
+              <a:rPr lang="en-US" dirty="0" smtClean="0"/>
+              <a:t>Crossover</a:t>
+            </a:r>
+          </a:p>
+          <a:p>
+            <a:pPr lvl="1"/>
+            <a:r>
+              <a:rPr lang="en-US" dirty="0" smtClean="0"/>
+              <a:t>Crowd Wisdom</a:t>
+            </a:r>
+          </a:p>
+          <a:p>
+            <a:r>
+              <a:rPr lang="en-US" dirty="0" smtClean="0"/>
+              <a:t>Results</a:t>
+            </a:r>
+          </a:p>
+          <a:p>
+            <a:r>
+              <a:rPr lang="en-US" dirty="0" smtClean="0"/>
+              <a:t>Further Areas for Research</a:t>
+            </a:r>
+          </a:p>
+          <a:p>
+            <a:r>
+              <a:rPr lang="en-US" dirty="0" smtClean="0"/>
+              <a:t>References</a:t>
+            </a:r>
+          </a:p>
+          <a:p>
+            <a:endParaRPr lang="en-US" dirty="0" smtClean="0"/>
+          </a:p>
+          <a:p>
+            <a:endParaRPr lang="en-US" dirty="0" smtClean="0"/>
+          </a:p>
+          <a:p>
+            <a:pPr marL="0" indent="0">
+              <a:buNone/>
+            </a:pPr>
+            <a:endParaRPr lang="en-US" dirty="0"/>
+          </a:p>
+        </p:txBody>
+      </p:sp>
+    </p:spTree>
+    <p:extLst>
+      <p:ext uri="{BB962C8B-B14F-4D97-AF65-F5344CB8AC3E}">
+        <p14:creationId xmlns:p14="http://schemas.microsoft.com/office/powerpoint/2010/main" val="3796600850"/>
+      </p:ext>
+    </p:extLst>
+  </p:cSld>
+  <p:clrMapOvr>
+    <a:masterClrMapping/>
+  </p:clrMapOvr>
+</p:sld>
+</file>
+
+<file path=ppt/slides/slide3.xml><?xml version="1.0" encoding="utf-8"?>
+<p:sld xmlns:a="http://schemas.openxmlformats.org/drawingml/2006/main" xmlns:r="http://schemas.openxmlformats.org/officeDocument/2006/relationships" xmlns:p="http://schemas.openxmlformats.org/presentationml/2006/main">
+  <p:cSld>
+    <p:spTree>
+      <p:nvGrpSpPr>
+        <p:cNvPr id="1" name=""/>
+        <p:cNvGrpSpPr/>
+        <p:nvPr/>
+      </p:nvGrpSpPr>
+      <p:grpSpPr>
+        <a:xfrm>
+          <a:off x="0" y="0"/>
+          <a:ext cx="0" cy="0"/>
+          <a:chOff x="0" y="0"/>
+          <a:chExt cx="0" cy="0"/>
+        </a:xfrm>
+      </p:grpSpPr>
+      <p:sp>
+        <p:nvSpPr>
+          <p:cNvPr id="2" name="Title 1"/>
+          <p:cNvSpPr>
+            <a:spLocks noGrp="1"/>
+          </p:cNvSpPr>
+          <p:nvPr>
+            <p:ph type="title"/>
+          </p:nvPr>
+        </p:nvSpPr>
+        <p:spPr/>
+        <p:txBody>
+          <a:bodyPr>
+            <a:normAutofit fontScale="90000"/>
+          </a:bodyPr>
+          <a:lstStyle/>
+          <a:p>
+            <a:r>
+              <a:rPr lang="en-US" dirty="0"/>
+              <a:t>Multi-Objective </a:t>
+            </a:r>
+            <a:r>
+              <a:rPr lang="en-US" dirty="0" smtClean="0"/>
+              <a:t/>
+            </a:r>
+            <a:br>
+              <a:rPr lang="en-US" dirty="0" smtClean="0"/>
+            </a:br>
+            <a:r>
+              <a:rPr lang="en-US" dirty="0" smtClean="0"/>
+              <a:t>0</a:t>
+            </a:r>
+            <a:r>
+              <a:rPr lang="en-US" dirty="0"/>
+              <a:t>-1 Knapsack </a:t>
+            </a:r>
+            <a:r>
+              <a:rPr lang="en-US" dirty="0" smtClean="0"/>
+              <a:t>Problem (MOKP)</a:t>
+            </a:r>
+            <a:endParaRPr lang="en-US" dirty="0"/>
+          </a:p>
+        </p:txBody>
+      </p:sp>
+      <p:sp>
+        <p:nvSpPr>
+          <p:cNvPr id="3" name="Content Placeholder 2"/>
+          <p:cNvSpPr>
+            <a:spLocks noGrp="1"/>
+          </p:cNvSpPr>
+          <p:nvPr>
+            <p:ph idx="1"/>
+          </p:nvPr>
+        </p:nvSpPr>
+        <p:spPr>
+          <a:xfrm>
+            <a:off x="457200" y="1905000"/>
+            <a:ext cx="5105400" cy="4572000"/>
+          </a:xfrm>
+        </p:spPr>
+        <p:txBody>
+          <a:bodyPr>
+            <a:normAutofit fontScale="70000" lnSpcReduction="20000"/>
+          </a:bodyPr>
+          <a:lstStyle/>
+          <a:p>
+            <a:r>
+              <a:rPr lang="en-US" b="1" dirty="0" smtClean="0"/>
+              <a:t>General Knapsack Problem:</a:t>
+            </a:r>
+            <a:br>
+              <a:rPr lang="en-US" b="1" dirty="0" smtClean="0"/>
+            </a:br>
+            <a:r>
+              <a:rPr lang="en-US" dirty="0" smtClean="0"/>
+              <a:t>How can you fill a knapsack with </a:t>
+            </a:r>
+            <a:r>
+              <a:rPr lang="en-US" i="1" dirty="0" smtClean="0"/>
+              <a:t>n</a:t>
+            </a:r>
+            <a:r>
+              <a:rPr lang="en-US" dirty="0" smtClean="0"/>
+              <a:t> items so that the total value is maximized without exceeding the knapsack’s capacity?</a:t>
+            </a:r>
+          </a:p>
+          <a:p>
+            <a:endParaRPr lang="en-US" dirty="0" smtClean="0"/>
+          </a:p>
+          <a:p>
+            <a:r>
+              <a:rPr lang="en-US" b="1" dirty="0" smtClean="0"/>
+              <a:t>0-1 Variation: </a:t>
+            </a:r>
+            <a:br>
+              <a:rPr lang="en-US" b="1" dirty="0" smtClean="0"/>
+            </a:br>
+            <a:r>
+              <a:rPr lang="en-US" dirty="0" smtClean="0"/>
+              <a:t>Only </a:t>
+            </a:r>
+            <a:r>
+              <a:rPr lang="en-US" dirty="0"/>
+              <a:t>one instance of </a:t>
+            </a:r>
+            <a:r>
+              <a:rPr lang="en-US" dirty="0" smtClean="0"/>
+              <a:t>a specific item can </a:t>
+            </a:r>
+            <a:r>
+              <a:rPr lang="en-US" dirty="0"/>
+              <a:t>appear in the </a:t>
+            </a:r>
+            <a:r>
+              <a:rPr lang="en-US" dirty="0" smtClean="0"/>
+              <a:t>knapsack.</a:t>
+            </a:r>
+          </a:p>
+          <a:p>
+            <a:endParaRPr lang="en-US" dirty="0" smtClean="0"/>
+          </a:p>
+          <a:p>
+            <a:r>
+              <a:rPr lang="en-US" b="1" dirty="0" smtClean="0"/>
+              <a:t>Multi-Objective Variation:</a:t>
+            </a:r>
+            <a:br>
+              <a:rPr lang="en-US" b="1" dirty="0" smtClean="0"/>
+            </a:br>
+            <a:r>
+              <a:rPr lang="en-US" dirty="0" smtClean="0"/>
+              <a:t>Optimize the solution so that value is maximized as well as other objectives.</a:t>
+            </a:r>
+          </a:p>
+          <a:p>
+            <a:endParaRPr lang="en-US" dirty="0" smtClean="0"/>
+          </a:p>
+        </p:txBody>
+      </p:sp>
+      <p:pic>
+        <p:nvPicPr>
+          <p:cNvPr id="6" name="Picture 5"/>
+          <p:cNvPicPr>
+            <a:picLocks noChangeAspect="1"/>
+          </p:cNvPicPr>
+          <p:nvPr/>
+        </p:nvPicPr>
+        <p:blipFill>
+          <a:blip r:embed="rId3"/>
+          <a:stretch>
+            <a:fillRect/>
+          </a:stretch>
+        </p:blipFill>
+        <p:spPr>
+          <a:xfrm>
+            <a:off x="5715000" y="2514600"/>
+            <a:ext cx="3200400" cy="2771547"/>
+          </a:xfrm>
+          <a:prstGeom prst="rect">
+            <a:avLst/>
+          </a:prstGeom>
+        </p:spPr>
+      </p:pic>
+    </p:spTree>
+    <p:extLst>
+      <p:ext uri="{BB962C8B-B14F-4D97-AF65-F5344CB8AC3E}">
+        <p14:creationId xmlns:p14="http://schemas.microsoft.com/office/powerpoint/2010/main" val="2849596767"/>
+      </p:ext>
+    </p:extLst>
+  </p:cSld>
+  <p:clrMapOvr>
+    <a:masterClrMapping/>
+  </p:clrMapOvr>
+</p:sld>
+</file>
+
+<file path=ppt/slides/slide4.xml><?xml version="1.0" encoding="utf-8"?>
+<p:sld xmlns:a="http://schemas.openxmlformats.org/drawingml/2006/main" xmlns:r="http://schemas.openxmlformats.org/officeDocument/2006/relationships" xmlns:p="http://schemas.openxmlformats.org/presentationml/2006/main">
+  <p:cSld>
+    <p:spTree>
+      <p:nvGrpSpPr>
+        <p:cNvPr id="1" name=""/>
+        <p:cNvGrpSpPr/>
+        <p:nvPr/>
+      </p:nvGrpSpPr>
+      <p:grpSpPr>
+        <a:xfrm>
+          <a:off x="0" y="0"/>
+          <a:ext cx="0" cy="0"/>
+          <a:chOff x="0" y="0"/>
+          <a:chExt cx="0" cy="0"/>
+        </a:xfrm>
+      </p:grpSpPr>
+      <p:sp>
+        <p:nvSpPr>
+          <p:cNvPr id="2" name="Title 1"/>
+          <p:cNvSpPr>
+            <a:spLocks noGrp="1"/>
+          </p:cNvSpPr>
+          <p:nvPr>
+            <p:ph type="title"/>
+          </p:nvPr>
+        </p:nvSpPr>
+        <p:spPr/>
+        <p:txBody>
+          <a:bodyPr>
+            <a:normAutofit/>
+          </a:bodyPr>
+          <a:lstStyle/>
+          <a:p>
+            <a:r>
+              <a:rPr lang="en-US" dirty="0" smtClean="0"/>
+              <a:t>Applications of Knapsack</a:t>
+            </a:r>
+            <a:endParaRPr lang="en-US" dirty="0"/>
+          </a:p>
+        </p:txBody>
+      </p:sp>
+      <p:sp>
+        <p:nvSpPr>
+          <p:cNvPr id="3" name="Content Placeholder 2"/>
+          <p:cNvSpPr>
+            <a:spLocks noGrp="1"/>
+          </p:cNvSpPr>
+          <p:nvPr>
+            <p:ph idx="1"/>
+          </p:nvPr>
+        </p:nvSpPr>
+        <p:spPr>
+          <a:xfrm>
+            <a:off x="457200" y="1905000"/>
+            <a:ext cx="4724400" cy="4572000"/>
+          </a:xfrm>
+        </p:spPr>
+        <p:txBody>
+          <a:bodyPr>
+            <a:normAutofit fontScale="92500" lnSpcReduction="10000"/>
+          </a:bodyPr>
+          <a:lstStyle/>
+          <a:p>
+            <a:r>
+              <a:rPr lang="en-US" dirty="0" smtClean="0"/>
+              <a:t>Allocating </a:t>
+            </a:r>
+            <a:r>
+              <a:rPr lang="en-US" dirty="0"/>
+              <a:t>investments</a:t>
+            </a:r>
+          </a:p>
+          <a:p>
+            <a:r>
+              <a:rPr lang="en-US" dirty="0"/>
+              <a:t>Finding least wasteful way to cut raw materials</a:t>
+            </a:r>
+          </a:p>
+          <a:p>
+            <a:r>
+              <a:rPr lang="en-US" dirty="0"/>
+              <a:t>Loading </a:t>
+            </a:r>
+            <a:r>
+              <a:rPr lang="en-US" dirty="0" smtClean="0"/>
+              <a:t>airplanes or trucks with packages</a:t>
+            </a:r>
+          </a:p>
+          <a:p>
+            <a:r>
+              <a:rPr lang="en-US" dirty="0" smtClean="0"/>
+              <a:t>Cryptography</a:t>
+            </a:r>
+          </a:p>
+          <a:p>
+            <a:r>
+              <a:rPr lang="en-US" dirty="0" smtClean="0"/>
+              <a:t>Any </a:t>
+            </a:r>
+            <a:r>
+              <a:rPr lang="en-US" dirty="0"/>
+              <a:t>resource allocation problem with financial and/or physical constraints</a:t>
+            </a:r>
+          </a:p>
+        </p:txBody>
+      </p:sp>
+      <p:pic>
+        <p:nvPicPr>
+          <p:cNvPr id="4" name="Picture 3" descr="101297068-AP204221847726r.530x298.jpg"/>
+          <p:cNvPicPr>
+            <a:picLocks noChangeAspect="1"/>
+          </p:cNvPicPr>
+          <p:nvPr/>
+        </p:nvPicPr>
+        <p:blipFill>
+          <a:blip r:embed="rId3">
+            <a:extLst>
+              <a:ext uri="{28A0092B-C50C-407E-A947-70E740481C1C}">
+                <a14:useLocalDpi xmlns:a14="http://schemas.microsoft.com/office/drawing/2010/main" val="0"/>
+              </a:ext>
+            </a:extLst>
+          </a:blip>
+          <a:stretch>
+            <a:fillRect/>
+          </a:stretch>
+        </p:blipFill>
+        <p:spPr>
+          <a:xfrm>
+            <a:off x="5257800" y="4267200"/>
+            <a:ext cx="3523611" cy="1981200"/>
+          </a:xfrm>
+          <a:prstGeom prst="rect">
+            <a:avLst/>
+          </a:prstGeom>
+        </p:spPr>
+      </p:pic>
+      <p:pic>
+        <p:nvPicPr>
+          <p:cNvPr id="5" name="Picture 4" descr="asset-allocation-grocery-basket.png"/>
+          <p:cNvPicPr>
+            <a:picLocks noChangeAspect="1"/>
+          </p:cNvPicPr>
+          <p:nvPr/>
+        </p:nvPicPr>
+        <p:blipFill>
+          <a:blip r:embed="rId4">
+            <a:extLst>
+              <a:ext uri="{28A0092B-C50C-407E-A947-70E740481C1C}">
+                <a14:useLocalDpi xmlns:a14="http://schemas.microsoft.com/office/drawing/2010/main" val="0"/>
+              </a:ext>
+            </a:extLst>
+          </a:blip>
+          <a:stretch>
+            <a:fillRect/>
+          </a:stretch>
+        </p:blipFill>
+        <p:spPr>
+          <a:xfrm>
+            <a:off x="5181600" y="1905000"/>
+            <a:ext cx="3657600" cy="2098847"/>
+          </a:xfrm>
+          <a:prstGeom prst="rect">
+            <a:avLst/>
+          </a:prstGeom>
+        </p:spPr>
+      </p:pic>
+    </p:spTree>
+    <p:extLst>
+      <p:ext uri="{BB962C8B-B14F-4D97-AF65-F5344CB8AC3E}">
+        <p14:creationId xmlns:p14="http://schemas.microsoft.com/office/powerpoint/2010/main" val="2734582968"/>
+      </p:ext>
+    </p:extLst>
+  </p:cSld>
+  <p:clrMapOvr>
+    <a:masterClrMapping/>
+  </p:clrMapOvr>
+</p:sld>
+</file>
+
+<file path=ppt/slides/slide5.xml><?xml version="1.0" encoding="utf-8"?>
+<p:sld xmlns:a="http://schemas.openxmlformats.org/drawingml/2006/main" xmlns:r="http://schemas.openxmlformats.org/officeDocument/2006/relationships" xmlns:p="http://schemas.openxmlformats.org/presentationml/2006/main">
+  <p:cSld>
+    <p:spTree>
+      <p:nvGrpSpPr>
+        <p:cNvPr id="1" name=""/>
+        <p:cNvGrpSpPr/>
+        <p:nvPr/>
+      </p:nvGrpSpPr>
+      <p:grpSpPr>
+        <a:xfrm>
+          <a:off x="0" y="0"/>
+          <a:ext cx="0" cy="0"/>
+          <a:chOff x="0" y="0"/>
+          <a:chExt cx="0" cy="0"/>
+        </a:xfrm>
+      </p:grpSpPr>
+      <p:sp>
+        <p:nvSpPr>
+          <p:cNvPr id="2" name="Title 1"/>
+          <p:cNvSpPr>
+            <a:spLocks noGrp="1"/>
+          </p:cNvSpPr>
+          <p:nvPr>
+            <p:ph type="title"/>
+          </p:nvPr>
+        </p:nvSpPr>
+        <p:spPr/>
+        <p:txBody>
+          <a:bodyPr>
+            <a:normAutofit fontScale="90000"/>
+          </a:bodyPr>
+          <a:lstStyle/>
+          <a:p>
+            <a:r>
+              <a:rPr lang="en-US" dirty="0" smtClean="0"/>
+              <a:t>Complexity of Knapsack Problem</a:t>
+            </a:r>
+            <a:endParaRPr lang="en-US" dirty="0"/>
+          </a:p>
+        </p:txBody>
+      </p:sp>
+      <p:sp>
+        <p:nvSpPr>
+          <p:cNvPr id="3" name="Content Placeholder 2"/>
+          <p:cNvSpPr>
+            <a:spLocks noGrp="1"/>
+          </p:cNvSpPr>
+          <p:nvPr>
+            <p:ph idx="1"/>
+          </p:nvPr>
+        </p:nvSpPr>
+        <p:spPr>
+          <a:xfrm>
+            <a:off x="457200" y="1600200"/>
+            <a:ext cx="4495800" cy="5181600"/>
+          </a:xfrm>
+        </p:spPr>
+        <p:txBody>
+          <a:bodyPr>
+            <a:normAutofit fontScale="62500" lnSpcReduction="20000"/>
+          </a:bodyPr>
+          <a:lstStyle/>
+          <a:p>
+            <a:r>
+              <a:rPr lang="en-US" dirty="0" smtClean="0"/>
+              <a:t>Decision Problem: Can a value of at least V be achieved without exceeding the weight W?</a:t>
+            </a:r>
+          </a:p>
+          <a:p>
+            <a:pPr lvl="1"/>
+            <a:r>
+              <a:rPr lang="en-US" b="1" dirty="0" smtClean="0"/>
+              <a:t>NP</a:t>
+            </a:r>
+            <a:r>
+              <a:rPr lang="en-US" b="1" dirty="0"/>
+              <a:t>-</a:t>
+            </a:r>
+            <a:r>
+              <a:rPr lang="en-US" b="1" dirty="0" smtClean="0"/>
+              <a:t>complete </a:t>
+            </a:r>
+            <a:r>
+              <a:rPr lang="en-US" dirty="0" smtClean="0"/>
+              <a:t>= </a:t>
+            </a:r>
+            <a:r>
+              <a:rPr lang="en-US" dirty="0"/>
+              <a:t>there is no possible algorithm both correct and fast (polynomial-time) on all </a:t>
+            </a:r>
+            <a:r>
+              <a:rPr lang="en-US" dirty="0" smtClean="0"/>
+              <a:t>cases</a:t>
+            </a:r>
+          </a:p>
+          <a:p>
+            <a:pPr marL="0" indent="0">
+              <a:buNone/>
+            </a:pPr>
+            <a:endParaRPr lang="en-US" dirty="0" smtClean="0"/>
+          </a:p>
+          <a:p>
+            <a:r>
+              <a:rPr lang="en-US" dirty="0" smtClean="0"/>
+              <a:t>Optimization Problem: Find the optimal packing of a knapsack to maximize the value V without exceeding weight W.  </a:t>
+            </a:r>
+          </a:p>
+          <a:p>
+            <a:pPr lvl="1"/>
+            <a:r>
+              <a:rPr lang="en-US" b="1" dirty="0" smtClean="0"/>
+              <a:t>NP-hard </a:t>
+            </a:r>
+            <a:r>
+              <a:rPr lang="en-US" dirty="0" smtClean="0"/>
+              <a:t>(Non</a:t>
+            </a:r>
+            <a:r>
+              <a:rPr lang="en-US" dirty="0"/>
+              <a:t>-deterministic Polynomial-time </a:t>
+            </a:r>
+            <a:r>
+              <a:rPr lang="en-US" dirty="0" smtClean="0"/>
+              <a:t>hard) </a:t>
+            </a:r>
+            <a:r>
+              <a:rPr lang="en-US" dirty="0" smtClean="0"/>
+              <a:t>= At </a:t>
+            </a:r>
+            <a:r>
+              <a:rPr lang="en-US" dirty="0" smtClean="0"/>
+              <a:t>least as hard (or harder!) as the hardest problems in NP. </a:t>
+            </a:r>
+          </a:p>
+          <a:p>
+            <a:pPr lvl="1"/>
+            <a:r>
+              <a:rPr lang="en-US" dirty="0" smtClean="0"/>
+              <a:t>There </a:t>
+            </a:r>
+            <a:r>
+              <a:rPr lang="en-US" dirty="0"/>
+              <a:t>is no known polynomial algorithm which can tell, given a solution, whether it is </a:t>
+            </a:r>
+            <a:r>
+              <a:rPr lang="en-US" dirty="0" smtClean="0"/>
+              <a:t>optimal.</a:t>
+            </a:r>
+          </a:p>
+          <a:p>
+            <a:pPr lvl="1"/>
+            <a:r>
+              <a:rPr lang="en-US" dirty="0" smtClean="0"/>
+              <a:t>Our old friend the Traveling Salesman is also NP-hard.</a:t>
+            </a:r>
+          </a:p>
+        </p:txBody>
+      </p:sp>
+      <p:pic>
+        <p:nvPicPr>
+          <p:cNvPr id="4" name="Picture 3" descr="NP-CompleteSet.png"/>
+          <p:cNvPicPr>
+            <a:picLocks noChangeAspect="1"/>
+          </p:cNvPicPr>
+          <p:nvPr/>
+        </p:nvPicPr>
+        <p:blipFill>
+          <a:blip r:embed="rId2">
+            <a:extLst>
+              <a:ext uri="{28A0092B-C50C-407E-A947-70E740481C1C}">
+                <a14:useLocalDpi xmlns:a14="http://schemas.microsoft.com/office/drawing/2010/main" val="0"/>
+              </a:ext>
+            </a:extLst>
+          </a:blip>
+          <a:stretch>
+            <a:fillRect/>
+          </a:stretch>
+        </p:blipFill>
+        <p:spPr>
+          <a:xfrm>
+            <a:off x="5052462" y="1981200"/>
+            <a:ext cx="4075103" cy="2954855"/>
+          </a:xfrm>
+          <a:prstGeom prst="rect">
+            <a:avLst/>
+          </a:prstGeom>
+        </p:spPr>
+      </p:pic>
+    </p:spTree>
+    <p:extLst>
+      <p:ext uri="{BB962C8B-B14F-4D97-AF65-F5344CB8AC3E}">
+        <p14:creationId xmlns:p14="http://schemas.microsoft.com/office/powerpoint/2010/main" val="3529450961"/>
+      </p:ext>
+    </p:extLst>
+  </p:cSld>
+  <p:clrMapOvr>
+    <a:masterClrMapping/>
+  </p:clrMapOvr>
+</p:sld>
+</file>
+
+<file path=ppt/slides/slide6.xml><?xml version="1.0" encoding="utf-8"?>
+<p:sld xmlns:a="http://schemas.openxmlformats.org/drawingml/2006/main" xmlns:r="http://schemas.openxmlformats.org/officeDocument/2006/relationships" xmlns:p="http://schemas.openxmlformats.org/presentationml/2006/main">
+  <p:cSld>
+    <p:spTree>
+      <p:nvGrpSpPr>
+        <p:cNvPr id="1" name=""/>
+        <p:cNvGrpSpPr/>
+        <p:nvPr/>
+      </p:nvGrpSpPr>
+      <p:grpSpPr>
+        <a:xfrm>
+          <a:off x="0" y="0"/>
+          <a:ext cx="0" cy="0"/>
+          <a:chOff x="0" y="0"/>
+          <a:chExt cx="0" cy="0"/>
+        </a:xfrm>
+      </p:grpSpPr>
+      <p:sp>
+        <p:nvSpPr>
+          <p:cNvPr id="2" name="Title 1"/>
+          <p:cNvSpPr>
+            <a:spLocks noGrp="1"/>
+          </p:cNvSpPr>
+          <p:nvPr>
+            <p:ph type="title"/>
+          </p:nvPr>
+        </p:nvSpPr>
+        <p:spPr/>
+        <p:txBody>
+          <a:bodyPr>
+            <a:normAutofit fontScale="90000"/>
+          </a:bodyPr>
+          <a:lstStyle/>
+          <a:p>
+            <a:r>
+              <a:rPr lang="en-US" dirty="0" smtClean="0"/>
+              <a:t>Pseudo-Polynomial Time Solutions</a:t>
+            </a:r>
+            <a:endParaRPr lang="en-US" dirty="0"/>
+          </a:p>
+        </p:txBody>
+      </p:sp>
+      <p:sp>
+        <p:nvSpPr>
+          <p:cNvPr id="3" name="Content Placeholder 2"/>
+          <p:cNvSpPr>
+            <a:spLocks noGrp="1"/>
+          </p:cNvSpPr>
+          <p:nvPr>
+            <p:ph idx="1"/>
+          </p:nvPr>
+        </p:nvSpPr>
+        <p:spPr>
+          <a:xfrm>
+            <a:off x="457200" y="1600200"/>
+            <a:ext cx="7924800" cy="5181600"/>
+          </a:xfrm>
+        </p:spPr>
+        <p:txBody>
+          <a:bodyPr>
+            <a:normAutofit/>
+          </a:bodyPr>
+          <a:lstStyle/>
+          <a:p>
+            <a:r>
+              <a:rPr lang="en-US" dirty="0" smtClean="0"/>
+              <a:t>Greedy Algorithm (not optimal)</a:t>
+            </a:r>
+          </a:p>
+          <a:p>
+            <a:r>
+              <a:rPr lang="en-US" dirty="0" smtClean="0"/>
+              <a:t>Dynamic Programming (optimal, similar to Brute Force but more efficient)</a:t>
+            </a:r>
+          </a:p>
+          <a:p>
+            <a:r>
+              <a:rPr lang="en-US" dirty="0" smtClean="0"/>
+              <a:t>Allow approximation (near-optimal solutions) – </a:t>
+            </a:r>
+            <a:r>
+              <a:rPr lang="en-US" b="1" dirty="0" smtClean="0"/>
+              <a:t>Genetic Algorithms</a:t>
+            </a:r>
+          </a:p>
+          <a:p>
+            <a:r>
+              <a:rPr lang="en-US" dirty="0" smtClean="0"/>
+              <a:t>Reduce search space by using dominance relations to remove items that will never be used by best solutions</a:t>
+            </a:r>
+            <a:endParaRPr lang="en-US" dirty="0" smtClean="0"/>
+          </a:p>
+        </p:txBody>
+      </p:sp>
+    </p:spTree>
+    <p:extLst>
+      <p:ext uri="{BB962C8B-B14F-4D97-AF65-F5344CB8AC3E}">
+        <p14:creationId xmlns:p14="http://schemas.microsoft.com/office/powerpoint/2010/main" val="1798298464"/>
+      </p:ext>
+    </p:extLst>
+  </p:cSld>
+  <p:clrMapOvr>
+    <a:masterClrMapping/>
+  </p:clrMapOvr>
+</p:sld>
+</file>
+
+<file path=ppt/slides/slide7.xml><?xml version="1.0" encoding="utf-8"?>
+<p:sld xmlns:a="http://schemas.openxmlformats.org/drawingml/2006/main" xmlns:r="http://schemas.openxmlformats.org/officeDocument/2006/relationships" xmlns:p="http://schemas.openxmlformats.org/presentationml/2006/main">
+  <p:cSld>
+    <p:spTree>
+      <p:nvGrpSpPr>
+        <p:cNvPr id="1" name=""/>
+        <p:cNvGrpSpPr/>
+        <p:nvPr/>
+      </p:nvGrpSpPr>
+      <p:grpSpPr>
+        <a:xfrm>
+          <a:off x="0" y="0"/>
+          <a:ext cx="0" cy="0"/>
+          <a:chOff x="0" y="0"/>
+          <a:chExt cx="0" cy="0"/>
+        </a:xfrm>
+      </p:grpSpPr>
+      <p:pic>
+        <p:nvPicPr>
+          <p:cNvPr id="7" name="Picture 6" descr="np_complete-1.jpg"/>
+          <p:cNvPicPr>
+            <a:picLocks noChangeAspect="1"/>
+          </p:cNvPicPr>
+          <p:nvPr/>
+        </p:nvPicPr>
+        <p:blipFill>
+          <a:blip r:embed="rId2">
+            <a:extLst>
+              <a:ext uri="{28A0092B-C50C-407E-A947-70E740481C1C}">
+                <a14:useLocalDpi xmlns:a14="http://schemas.microsoft.com/office/drawing/2010/main" val="0"/>
+              </a:ext>
+            </a:extLst>
+          </a:blip>
+          <a:stretch>
+            <a:fillRect/>
+          </a:stretch>
+        </p:blipFill>
+        <p:spPr>
+          <a:xfrm>
+            <a:off x="457200" y="1295400"/>
+            <a:ext cx="8114146" cy="5248837"/>
+          </a:xfrm>
+          <a:prstGeom prst="rect">
+            <a:avLst/>
+          </a:prstGeom>
+        </p:spPr>
+      </p:pic>
+      <p:sp>
+        <p:nvSpPr>
+          <p:cNvPr id="8" name="Title 1"/>
+          <p:cNvSpPr>
+            <a:spLocks noGrp="1"/>
+          </p:cNvSpPr>
+          <p:nvPr>
+            <p:ph type="title"/>
+          </p:nvPr>
+        </p:nvSpPr>
+        <p:spPr>
+          <a:xfrm>
+            <a:off x="457200" y="274638"/>
+            <a:ext cx="8229600" cy="1143000"/>
+          </a:xfrm>
+        </p:spPr>
+        <p:txBody>
+          <a:bodyPr>
+            <a:normAutofit/>
+          </a:bodyPr>
+          <a:lstStyle/>
+          <a:p>
+            <a:r>
+              <a:rPr lang="en-US" dirty="0" smtClean="0"/>
+              <a:t>Relevant XKCD Comic</a:t>
+            </a:r>
+            <a:endParaRPr lang="en-US" dirty="0"/>
+          </a:p>
+        </p:txBody>
+      </p:sp>
+    </p:spTree>
+    <p:extLst>
+      <p:ext uri="{BB962C8B-B14F-4D97-AF65-F5344CB8AC3E}">
+        <p14:creationId xmlns:p14="http://schemas.microsoft.com/office/powerpoint/2010/main" val="1700655052"/>
+      </p:ext>
+    </p:extLst>
+  </p:cSld>
+  <p:clrMapOvr>
+    <a:masterClrMapping/>
+  </p:clrMapOvr>
+</p:sld>
+</file>
+
+<file path=ppt/slides/slide8.xml><?xml version="1.0" encoding="utf-8"?>
+<p:sld xmlns:a="http://schemas.openxmlformats.org/drawingml/2006/main" xmlns:r="http://schemas.openxmlformats.org/officeDocument/2006/relationships" xmlns:p="http://schemas.openxmlformats.org/presentationml/2006/main">
+  <p:cSld>
+    <p:spTree>
+      <p:nvGrpSpPr>
+        <p:cNvPr id="1" name=""/>
+        <p:cNvGrpSpPr/>
+        <p:nvPr/>
+      </p:nvGrpSpPr>
+      <p:grpSpPr>
+        <a:xfrm>
+          <a:off x="0" y="0"/>
+          <a:ext cx="0" cy="0"/>
+          <a:chOff x="0" y="0"/>
+          <a:chExt cx="0" cy="0"/>
+        </a:xfrm>
+      </p:grpSpPr>
+      <p:sp>
+        <p:nvSpPr>
+          <p:cNvPr id="2" name="Title 1"/>
+          <p:cNvSpPr>
+            <a:spLocks noGrp="1"/>
+          </p:cNvSpPr>
+          <p:nvPr>
+            <p:ph type="title"/>
+          </p:nvPr>
+        </p:nvSpPr>
+        <p:spPr/>
+        <p:txBody>
+          <a:bodyPr/>
+          <a:lstStyle/>
+          <a:p>
+            <a:r>
+              <a:rPr lang="en-US" dirty="0"/>
+              <a:t>Our Example: Grocery Store</a:t>
+            </a:r>
+          </a:p>
+        </p:txBody>
+      </p:sp>
+      <p:sp>
+        <p:nvSpPr>
+          <p:cNvPr id="3" name="Content Placeholder 2"/>
+          <p:cNvSpPr>
+            <a:spLocks noGrp="1"/>
+          </p:cNvSpPr>
+          <p:nvPr>
+            <p:ph idx="1"/>
+          </p:nvPr>
+        </p:nvSpPr>
+        <p:spPr>
+          <a:xfrm>
+            <a:off x="457200" y="1600200"/>
+            <a:ext cx="6096000" cy="4724400"/>
+          </a:xfrm>
+        </p:spPr>
+        <p:txBody>
+          <a:bodyPr>
+            <a:normAutofit lnSpcReduction="10000"/>
+          </a:bodyPr>
+          <a:lstStyle/>
+          <a:p>
+            <a:r>
+              <a:rPr lang="en-US" dirty="0" smtClean="0"/>
+              <a:t>Given </a:t>
+            </a:r>
+            <a:r>
+              <a:rPr lang="en-US" dirty="0"/>
+              <a:t>a grocery store’s worth of items, how can we most efficiently fill our </a:t>
+            </a:r>
+            <a:r>
+              <a:rPr lang="en-US" dirty="0" smtClean="0"/>
+              <a:t>grocery bag with n items </a:t>
+            </a:r>
+            <a:r>
+              <a:rPr lang="en-US" dirty="0"/>
+              <a:t>that </a:t>
+            </a:r>
+            <a:r>
+              <a:rPr lang="en-US" dirty="0" smtClean="0"/>
+              <a:t>are high </a:t>
+            </a:r>
+            <a:r>
+              <a:rPr lang="en-US" b="1" dirty="0"/>
+              <a:t>in nutritional value</a:t>
+            </a:r>
+            <a:r>
+              <a:rPr lang="en-US" dirty="0"/>
+              <a:t>, low in </a:t>
+            </a:r>
+            <a:r>
+              <a:rPr lang="en-US" b="1" dirty="0"/>
+              <a:t>price</a:t>
+            </a:r>
+            <a:r>
+              <a:rPr lang="en-US" dirty="0"/>
+              <a:t>, and low in </a:t>
+            </a:r>
+            <a:r>
+              <a:rPr lang="en-US" b="1" dirty="0"/>
+              <a:t>weight</a:t>
+            </a:r>
+            <a:r>
+              <a:rPr lang="en-US" dirty="0" smtClean="0"/>
+              <a:t>?</a:t>
+            </a:r>
+          </a:p>
+          <a:p>
+            <a:r>
+              <a:rPr lang="en-US" dirty="0" smtClean="0"/>
+              <a:t>Use a Genetic Algorithm to evolve solutions, and the Wisdom of Crowds to find the best solution</a:t>
+            </a:r>
+            <a:r>
+              <a:rPr lang="en-US" dirty="0" smtClean="0"/>
+              <a:t> </a:t>
+            </a:r>
+            <a:endParaRPr lang="en-US" dirty="0" smtClean="0"/>
+          </a:p>
+          <a:p>
+            <a:pPr marL="0" indent="0">
+              <a:buNone/>
+            </a:pPr>
+            <a:endParaRPr lang="en-US" dirty="0" smtClean="0"/>
+          </a:p>
+        </p:txBody>
+      </p:sp>
+      <p:pic>
+        <p:nvPicPr>
+          <p:cNvPr id="5" name="Picture 4" descr="food_grocery_bag.JPG"/>
+          <p:cNvPicPr>
+            <a:picLocks noChangeAspect="1"/>
+          </p:cNvPicPr>
+          <p:nvPr/>
+        </p:nvPicPr>
+        <p:blipFill>
+          <a:blip r:embed="rId2">
+            <a:extLst>
+              <a:ext uri="{28A0092B-C50C-407E-A947-70E740481C1C}">
+                <a14:useLocalDpi xmlns:a14="http://schemas.microsoft.com/office/drawing/2010/main" val="0"/>
+              </a:ext>
+            </a:extLst>
+          </a:blip>
+          <a:stretch>
+            <a:fillRect/>
+          </a:stretch>
+        </p:blipFill>
+        <p:spPr>
+          <a:xfrm>
+            <a:off x="6553200" y="1676400"/>
+            <a:ext cx="2426485" cy="3200400"/>
+          </a:xfrm>
+          <a:prstGeom prst="rect">
+            <a:avLst/>
+          </a:prstGeom>
+        </p:spPr>
+      </p:pic>
+    </p:spTree>
+    <p:extLst>
+      <p:ext uri="{BB962C8B-B14F-4D97-AF65-F5344CB8AC3E}">
+        <p14:creationId xmlns:p14="http://schemas.microsoft.com/office/powerpoint/2010/main" val="2729964974"/>
+      </p:ext>
+    </p:extLst>
+  </p:cSld>
+  <p:clrMapOvr>
+    <a:masterClrMapping/>
+  </p:clrMapOvr>
+</p:sld>
+</file>
+
+<file path=ppt/slides/slide9.xml><?xml version="1.0" encoding="utf-8"?>
+<p:sld xmlns:a="http://schemas.openxmlformats.org/drawingml/2006/main" xmlns:r="http://schemas.openxmlformats.org/officeDocument/2006/relationships" xmlns:p="http://schemas.openxmlformats.org/presentationml/2006/main">
+  <p:cSld>
+    <p:spTree>
+      <p:nvGrpSpPr>
+        <p:cNvPr id="1" name=""/>
+        <p:cNvGrpSpPr/>
+        <p:nvPr/>
+      </p:nvGrpSpPr>
+      <p:grpSpPr>
+        <a:xfrm>
+          <a:off x="0" y="0"/>
+          <a:ext cx="0" cy="0"/>
+          <a:chOff x="0" y="0"/>
+          <a:chExt cx="0" cy="0"/>
+        </a:xfrm>
+      </p:grpSpPr>
+      <p:sp>
+        <p:nvSpPr>
+          <p:cNvPr id="2" name="Title 1"/>
+          <p:cNvSpPr>
+            <a:spLocks noGrp="1"/>
+          </p:cNvSpPr>
+          <p:nvPr>
+            <p:ph type="title"/>
+          </p:nvPr>
+        </p:nvSpPr>
+        <p:spPr/>
+        <p:txBody>
+          <a:bodyPr>
+            <a:normAutofit/>
+          </a:bodyPr>
+          <a:lstStyle/>
+          <a:p>
+            <a:r>
+              <a:rPr lang="en-US" dirty="0" smtClean="0"/>
+              <a:t>Genetically Encoding a Solution</a:t>
+            </a:r>
+            <a:endParaRPr lang="en-US" dirty="0"/>
+          </a:p>
+        </p:txBody>
+      </p:sp>
+      <p:pic>
+        <p:nvPicPr>
+          <p:cNvPr id="6" name="Picture 5" descr="encoding_illustration.jpg"/>
+          <p:cNvPicPr>
+            <a:picLocks noChangeAspect="1"/>
+          </p:cNvPicPr>
+          <p:nvPr/>
+        </p:nvPicPr>
+        <p:blipFill>
+          <a:blip r:embed="rId2">
+            <a:extLst>
+              <a:ext uri="{28A0092B-C50C-407E-A947-70E740481C1C}">
+                <a14:useLocalDpi xmlns:a14="http://schemas.microsoft.com/office/drawing/2010/main" val="0"/>
+              </a:ext>
+            </a:extLst>
+          </a:blip>
+          <a:stretch>
+            <a:fillRect/>
+          </a:stretch>
+        </p:blipFill>
+        <p:spPr>
+          <a:xfrm>
+            <a:off x="381000" y="1905000"/>
+            <a:ext cx="8229601" cy="2812172"/>
+          </a:xfrm>
+          <a:prstGeom prst="rect">
+            <a:avLst/>
+          </a:prstGeom>
+        </p:spPr>
+      </p:pic>
+      <p:pic>
+        <p:nvPicPr>
+          <p:cNvPr id="7" name="Picture 6" descr="pocketbook-clipart-shopping-bag-with-handle-md.png"/>
+          <p:cNvPicPr>
+            <a:picLocks noChangeAspect="1"/>
+          </p:cNvPicPr>
+          <p:nvPr/>
+        </p:nvPicPr>
+        <p:blipFill>
+          <a:blip r:embed="rId3">
+            <a:extLst>
+              <a:ext uri="{28A0092B-C50C-407E-A947-70E740481C1C}">
+                <a14:useLocalDpi xmlns:a14="http://schemas.microsoft.com/office/drawing/2010/main" val="0"/>
+              </a:ext>
+            </a:extLst>
+          </a:blip>
+          <a:stretch>
+            <a:fillRect/>
+          </a:stretch>
+        </p:blipFill>
+        <p:spPr>
+          <a:xfrm>
+            <a:off x="609600" y="5638800"/>
+            <a:ext cx="685801" cy="990600"/>
+          </a:xfrm>
+          <a:prstGeom prst="rect">
+            <a:avLst/>
+          </a:prstGeom>
+        </p:spPr>
+      </p:pic>
+      <p:sp>
+        <p:nvSpPr>
+          <p:cNvPr id="8" name="TextBox 7"/>
+          <p:cNvSpPr txBox="1"/>
+          <p:nvPr/>
+        </p:nvSpPr>
+        <p:spPr>
+          <a:xfrm>
+            <a:off x="1981200" y="5943600"/>
+            <a:ext cx="6248400" cy="369332"/>
+          </a:xfrm>
+          <a:prstGeom prst="rect">
+            <a:avLst/>
+          </a:prstGeom>
+          <a:noFill/>
+        </p:spPr>
+        <p:txBody>
+          <a:bodyPr wrap="square" rtlCol="0">
+            <a:spAutoFit/>
+          </a:bodyPr>
+          <a:lstStyle/>
+          <a:p>
+            <a:r>
+              <a:rPr lang="en-US" dirty="0" smtClean="0"/>
+              <a:t>This Knapsack contains Orange, Milk, and Chicken.</a:t>
+            </a:r>
+            <a:endParaRPr lang="en-US" dirty="0"/>
+          </a:p>
+        </p:txBody>
+      </p:sp>
+      <p:sp>
+        <p:nvSpPr>
+          <p:cNvPr id="9" name="TextBox 8"/>
+          <p:cNvSpPr txBox="1"/>
+          <p:nvPr/>
+        </p:nvSpPr>
+        <p:spPr>
+          <a:xfrm>
+            <a:off x="1905000" y="5029200"/>
+            <a:ext cx="6726759" cy="369332"/>
+          </a:xfrm>
+          <a:prstGeom prst="rect">
+            <a:avLst/>
+          </a:prstGeom>
+          <a:noFill/>
+        </p:spPr>
+        <p:txBody>
+          <a:bodyPr wrap="none" rtlCol="0">
+            <a:spAutoFit/>
+          </a:bodyPr>
+          <a:lstStyle/>
+          <a:p>
+            <a:r>
+              <a:rPr lang="en-US" dirty="0" smtClean="0"/>
+              <a:t>[    0,                     1,                 1,                     0,                  1    ]</a:t>
+            </a:r>
+            <a:endParaRPr lang="en-US" dirty="0"/>
+          </a:p>
+        </p:txBody>
+      </p:sp>
+      <p:sp>
+        <p:nvSpPr>
+          <p:cNvPr id="10" name="TextBox 9"/>
+          <p:cNvSpPr txBox="1"/>
+          <p:nvPr/>
+        </p:nvSpPr>
+        <p:spPr>
+          <a:xfrm>
+            <a:off x="152400" y="4876800"/>
+            <a:ext cx="1752600" cy="646331"/>
+          </a:xfrm>
+          <a:prstGeom prst="rect">
+            <a:avLst/>
+          </a:prstGeom>
+          <a:noFill/>
+        </p:spPr>
+        <p:txBody>
+          <a:bodyPr wrap="square" rtlCol="0">
+            <a:spAutoFit/>
+          </a:bodyPr>
+          <a:lstStyle/>
+          <a:p>
+            <a:r>
+              <a:rPr lang="en-US" b="1" dirty="0" smtClean="0"/>
+              <a:t>Chromosome for Solution</a:t>
+            </a:r>
+            <a:endParaRPr lang="en-US" b="1" dirty="0"/>
+          </a:p>
+        </p:txBody>
+      </p:sp>
+    </p:spTree>
+    <p:extLst>
+      <p:ext uri="{BB962C8B-B14F-4D97-AF65-F5344CB8AC3E}">
+        <p14:creationId xmlns:p14="http://schemas.microsoft.com/office/powerpoint/2010/main" val="1617785062"/>
       </p:ext>
     </p:extLst>
   </p:cSld>
@@ -3429,4 +6318,324 @@
   <a:objectDefaults/>
   <a:extraClrSchemeLst/>
 </a:theme>
+</file>
+
+<file path=ppt/theme/theme2.xml><?xml version="1.0" encoding="utf-8"?>
+<a:theme xmlns:a="http://schemas.openxmlformats.org/drawingml/2006/main" name="Office Theme">
+  <a:themeElements>
+    <a:clrScheme name="Office">
+      <a:dk1>
+        <a:sysClr val="windowText" lastClr="000000"/>
+      </a:dk1>
+      <a:lt1>
+        <a:sysClr val="window" lastClr="FFFFFF"/>
+      </a:lt1>
+      <a:dk2>
+        <a:srgbClr val="1F497D"/>
+      </a:dk2>
+      <a:lt2>
+        <a:srgbClr val="EEECE1"/>
+      </a:lt2>
+      <a:accent1>
+        <a:srgbClr val="4F81BD"/>
+      </a:accent1>
+      <a:accent2>
+        <a:srgbClr val="C0504D"/>
+      </a:accent2>
+      <a:accent3>
+        <a:srgbClr val="9BBB59"/>
+      </a:accent3>
+      <a:accent4>
+        <a:srgbClr val="8064A2"/>
+      </a:accent4>
+      <a:accent5>
+        <a:srgbClr val="4BACC6"/>
+      </a:accent5>
+      <a:accent6>
+        <a:srgbClr val="F79646"/>
+      </a:accent6>
+      <a:hlink>
+        <a:srgbClr val="0000FF"/>
+      </a:hlink>
+      <a:folHlink>
+        <a:srgbClr val="800080"/>
+      </a:folHlink>
+    </a:clrScheme>
+    <a:fontScheme name="Office">
+      <a:majorFont>
+        <a:latin typeface="Calibri"/>
+        <a:ea typeface=""/>
+        <a:cs typeface=""/>
+        <a:font script="Jpan" typeface="ＭＳ Ｐゴシック"/>
+        <a:font script="Hang" typeface="맑은 고딕"/>
+        <a:font script="Hans" typeface="宋体"/>
+        <a:font script="Hant" typeface="新細明體"/>
+        <a:font script="Arab" typeface="Times New Roman"/>
+        <a:font script="Hebr" typeface="Times New Roman"/>
+        <a:font script="Thai" typeface="Angsana New"/>
+        <a:font script="Ethi" typeface="Nyala"/>
+        <a:font script="Beng" typeface="Vrinda"/>
+        <a:font script="Gujr" typeface="Shruti"/>
+        <a:font script="Khmr" typeface="MoolBoran"/>
+        <a:font script="Knda" typeface="Tunga"/>
+        <a:font script="Guru" typeface="Raavi"/>
+        <a:font script="Cans" typeface="Euphemia"/>
+        <a:font script="Cher" typeface="Plantagenet Cherokee"/>
+        <a:font script="Yiii" typeface="Microsoft Yi Baiti"/>
+        <a:font script="Tibt" typeface="Microsoft Himalaya"/>
+        <a:font script="Thaa" typeface="MV Boli"/>
+        <a:font script="Deva" typeface="Mangal"/>
+        <a:font script="Telu" typeface="Gautami"/>
+        <a:font script="Taml" typeface="Latha"/>
+        <a:font script="Syrc" typeface="Estrangelo Edessa"/>
+        <a:font script="Orya" typeface="Kalinga"/>
+        <a:font script="Mlym" typeface="Kartika"/>
+        <a:font script="Laoo" typeface="DokChampa"/>
+        <a:font script="Sinh" typeface="Iskoola Pota"/>
+        <a:font script="Mong" typeface="Mongolian Baiti"/>
+        <a:font script="Viet" typeface="Times New Roman"/>
+        <a:font script="Uigh" typeface="Microsoft Uighur"/>
+        <a:font script="Geor" typeface="Sylfaen"/>
+      </a:majorFont>
+      <a:minorFont>
+        <a:latin typeface="Calibri"/>
+        <a:ea typeface=""/>
+        <a:cs typeface=""/>
+        <a:font script="Jpan" typeface="ＭＳ Ｐゴシック"/>
+        <a:font script="Hang" typeface="맑은 고딕"/>
+        <a:font script="Hans" typeface="宋体"/>
+        <a:font script="Hant" typeface="新細明體"/>
+        <a:font script="Arab" typeface="Arial"/>
+        <a:font script="Hebr" typeface="Arial"/>
+        <a:font script="Thai" typeface="Cordia New"/>
+        <a:font script="Ethi" typeface="Nyala"/>
+        <a:font script="Beng" typeface="Vrinda"/>
+        <a:font script="Gujr" typeface="Shruti"/>
+        <a:font script="Khmr" typeface="DaunPenh"/>
+        <a:font script="Knda" typeface="Tunga"/>
+        <a:font script="Guru" typeface="Raavi"/>
+        <a:font script="Cans" typeface="Euphemia"/>
+        <a:font script="Cher" typeface="Plantagenet Cherokee"/>
+        <a:font script="Yiii" typeface="Microsoft Yi Baiti"/>
+        <a:font script="Tibt" typeface="Microsoft Himalaya"/>
+        <a:font script="Thaa" typeface="MV Boli"/>
+        <a:font script="Deva" typeface="Mangal"/>
+        <a:font script="Telu" typeface="Gautami"/>
+        <a:font script="Taml" typeface="Latha"/>
+        <a:font script="Syrc" typeface="Estrangelo Edessa"/>
+        <a:font script="Orya" typeface="Kalinga"/>
+        <a:font script="Mlym" typeface="Kartika"/>
+        <a:font script="Laoo" typeface="DokChampa"/>
+        <a:font script="Sinh" typeface="Iskoola Pota"/>
+        <a:font script="Mong" typeface="Mongolian Baiti"/>
+        <a:font script="Viet" typeface="Arial"/>
+        <a:font script="Uigh" typeface="Microsoft Uighur"/>
+        <a:font script="Geor" typeface="Sylfaen"/>
+      </a:minorFont>
+    </a:fontScheme>
+    <a:fmtScheme name="Office">
+      <a:fillStyleLst>
+        <a:solidFill>
+          <a:schemeClr val="phClr"/>
+        </a:solidFill>
+        <a:gradFill rotWithShape="1">
+          <a:gsLst>
+            <a:gs pos="0">
+              <a:schemeClr val="phClr">
+                <a:tint val="50000"/>
+                <a:satMod val="300000"/>
+              </a:schemeClr>
+            </a:gs>
+            <a:gs pos="35000">
+              <a:schemeClr val="phClr">
+                <a:tint val="37000"/>
+                <a:satMod val="300000"/>
+              </a:schemeClr>
+            </a:gs>
+            <a:gs pos="100000">
+              <a:schemeClr val="phClr">
+                <a:tint val="15000"/>
+                <a:satMod val="350000"/>
+              </a:schemeClr>
+            </a:gs>
+          </a:gsLst>
+          <a:lin ang="16200000" scaled="1"/>
+        </a:gradFill>
+        <a:gradFill rotWithShape="1">
+          <a:gsLst>
+            <a:gs pos="0">
+              <a:schemeClr val="phClr">
+                <a:tint val="100000"/>
+                <a:shade val="100000"/>
+                <a:satMod val="130000"/>
+              </a:schemeClr>
+            </a:gs>
+            <a:gs pos="100000">
+              <a:schemeClr val="phClr">
+                <a:tint val="50000"/>
+                <a:shade val="100000"/>
+                <a:satMod val="350000"/>
+              </a:schemeClr>
+            </a:gs>
+          </a:gsLst>
+          <a:lin ang="16200000" scaled="0"/>
+        </a:gradFill>
+      </a:fillStyleLst>
+      <a:lnStyleLst>
+        <a:ln w="9525" cap="flat" cmpd="sng" algn="ctr">
+          <a:solidFill>
+            <a:schemeClr val="phClr">
+              <a:shade val="95000"/>
+              <a:satMod val="105000"/>
+            </a:schemeClr>
+          </a:solidFill>
+          <a:prstDash val="solid"/>
+        </a:ln>
+        <a:ln w="25400" cap="flat" cmpd="sng" algn="ctr">
+          <a:solidFill>
+            <a:schemeClr val="phClr"/>
+          </a:solidFill>
+          <a:prstDash val="solid"/>
+        </a:ln>
+        <a:ln w="38100" cap="flat" cmpd="sng" algn="ctr">
+          <a:solidFill>
+            <a:schemeClr val="phClr"/>
+          </a:solidFill>
+          <a:prstDash val="solid"/>
+        </a:ln>
+      </a:lnStyleLst>
+      <a:effectStyleLst>
+        <a:effectStyle>
+          <a:effectLst>
+            <a:outerShdw blurRad="40000" dist="20000" dir="5400000" rotWithShape="0">
+              <a:srgbClr val="000000">
+                <a:alpha val="38000"/>
+              </a:srgbClr>
+            </a:outerShdw>
+          </a:effectLst>
+        </a:effectStyle>
+        <a:effectStyle>
+          <a:effectLst>
+            <a:outerShdw blurRad="40000" dist="23000" dir="5400000" rotWithShape="0">
+              <a:srgbClr val="000000">
+                <a:alpha val="35000"/>
+              </a:srgbClr>
+            </a:outerShdw>
+          </a:effectLst>
+        </a:effectStyle>
+        <a:effectStyle>
+          <a:effectLst>
+            <a:outerShdw blurRad="40000" dist="23000" dir="5400000" rotWithShape="0">
+              <a:srgbClr val="000000">
+                <a:alpha val="35000"/>
+              </a:srgbClr>
+            </a:outerShdw>
+          </a:effectLst>
+          <a:scene3d>
+            <a:camera prst="orthographicFront">
+              <a:rot lat="0" lon="0" rev="0"/>
+            </a:camera>
+            <a:lightRig rig="threePt" dir="t">
+              <a:rot lat="0" lon="0" rev="1200000"/>
+            </a:lightRig>
+          </a:scene3d>
+          <a:sp3d>
+            <a:bevelT w="63500" h="25400"/>
+          </a:sp3d>
+        </a:effectStyle>
+      </a:effectStyleLst>
+      <a:bgFillStyleLst>
+        <a:solidFill>
+          <a:schemeClr val="phClr"/>
+        </a:solidFill>
+        <a:gradFill rotWithShape="1">
+          <a:gsLst>
+            <a:gs pos="0">
+              <a:schemeClr val="phClr">
+                <a:tint val="40000"/>
+                <a:satMod val="350000"/>
+              </a:schemeClr>
+            </a:gs>
+            <a:gs pos="40000">
+              <a:schemeClr val="phClr">
+                <a:tint val="45000"/>
+                <a:shade val="99000"/>
+                <a:satMod val="350000"/>
+              </a:schemeClr>
+            </a:gs>
+            <a:gs pos="100000">
+              <a:schemeClr val="phClr">
+                <a:shade val="20000"/>
+                <a:satMod val="255000"/>
+              </a:schemeClr>
+            </a:gs>
+          </a:gsLst>
+          <a:path path="circle">
+            <a:fillToRect l="50000" t="-80000" r="50000" b="180000"/>
+          </a:path>
+        </a:gradFill>
+        <a:gradFill rotWithShape="1">
+          <a:gsLst>
+            <a:gs pos="0">
+              <a:schemeClr val="phClr">
+                <a:tint val="80000"/>
+                <a:satMod val="300000"/>
+              </a:schemeClr>
+            </a:gs>
+            <a:gs pos="100000">
+              <a:schemeClr val="phClr">
+                <a:shade val="30000"/>
+                <a:satMod val="200000"/>
+              </a:schemeClr>
+            </a:gs>
+          </a:gsLst>
+          <a:path path="circle">
+            <a:fillToRect l="50000" t="50000" r="50000" b="50000"/>
+          </a:path>
+        </a:gradFill>
+      </a:bgFillStyleLst>
+    </a:fmtScheme>
+  </a:themeElements>
+  <a:objectDefaults>
+    <a:spDef>
+      <a:spPr/>
+      <a:bodyPr/>
+      <a:lstStyle/>
+      <a:style>
+        <a:lnRef idx="1">
+          <a:schemeClr val="accent1"/>
+        </a:lnRef>
+        <a:fillRef idx="3">
+          <a:schemeClr val="accent1"/>
+        </a:fillRef>
+        <a:effectRef idx="2">
+          <a:schemeClr val="accent1"/>
+        </a:effectRef>
+        <a:fontRef idx="minor">
+          <a:schemeClr val="lt1"/>
+        </a:fontRef>
+      </a:style>
+    </a:spDef>
+    <a:lnDef>
+      <a:spPr/>
+      <a:bodyPr/>
+      <a:lstStyle/>
+      <a:style>
+        <a:lnRef idx="2">
+          <a:schemeClr val="accent1"/>
+        </a:lnRef>
+        <a:fillRef idx="0">
+          <a:schemeClr val="accent1"/>
+        </a:fillRef>
+        <a:effectRef idx="1">
+          <a:schemeClr val="accent1"/>
+        </a:effectRef>
+        <a:fontRef idx="minor">
+          <a:schemeClr val="tx1"/>
+        </a:fontRef>
+      </a:style>
+    </a:lnDef>
+  </a:objectDefaults>
+  <a:extraClrSchemeLst/>
+</a:theme>
 </file>
--- a/docs/knapsack_presentation.pptx
+++ b/docs/knapsack_presentation.pptx
@@ -5,7 +5,7 @@
     <p:sldMasterId id="2147483648" r:id="rId1"/>
   </p:sldMasterIdLst>
   <p:notesMasterIdLst>
-    <p:notesMasterId r:id="rId15"/>
+    <p:notesMasterId r:id="rId20"/>
   </p:notesMasterIdLst>
   <p:sldIdLst>
     <p:sldId id="256" r:id="rId2"/>
@@ -21,6 +21,11 @@
     <p:sldId id="267" r:id="rId12"/>
     <p:sldId id="268" r:id="rId13"/>
     <p:sldId id="269" r:id="rId14"/>
+    <p:sldId id="270" r:id="rId15"/>
+    <p:sldId id="271" r:id="rId16"/>
+    <p:sldId id="272" r:id="rId17"/>
+    <p:sldId id="273" r:id="rId18"/>
+    <p:sldId id="274" r:id="rId19"/>
   </p:sldIdLst>
   <p:sldSz cx="9144000" cy="6858000" type="screen4x3"/>
   <p:notesSz cx="6858000" cy="9144000"/>
@@ -706,6 +711,426 @@
             <a:fld id="{13601C0D-AD39-8143-8175-88B781727A80}" type="slidenum">
               <a:rPr lang="en-US" smtClean="0"/>
               <a:t>13</a:t>
+            </a:fld>
+            <a:endParaRPr lang="en-US"/>
+          </a:p>
+        </p:txBody>
+      </p:sp>
+    </p:spTree>
+    <p:extLst>
+      <p:ext uri="{BB962C8B-B14F-4D97-AF65-F5344CB8AC3E}">
+        <p14:creationId xmlns:p14="http://schemas.microsoft.com/office/powerpoint/2010/main" val="4165162000"/>
+      </p:ext>
+    </p:extLst>
+  </p:cSld>
+  <p:clrMapOvr>
+    <a:masterClrMapping/>
+  </p:clrMapOvr>
+</p:notes>
+</file>
+
+<file path=ppt/notesSlides/notesSlide4.xml><?xml version="1.0" encoding="utf-8"?>
+<p:notes xmlns:a="http://schemas.openxmlformats.org/drawingml/2006/main" xmlns:r="http://schemas.openxmlformats.org/officeDocument/2006/relationships" xmlns:p="http://schemas.openxmlformats.org/presentationml/2006/main">
+  <p:cSld>
+    <p:spTree>
+      <p:nvGrpSpPr>
+        <p:cNvPr id="1" name=""/>
+        <p:cNvGrpSpPr/>
+        <p:nvPr/>
+      </p:nvGrpSpPr>
+      <p:grpSpPr>
+        <a:xfrm>
+          <a:off x="0" y="0"/>
+          <a:ext cx="0" cy="0"/>
+          <a:chOff x="0" y="0"/>
+          <a:chExt cx="0" cy="0"/>
+        </a:xfrm>
+      </p:grpSpPr>
+      <p:sp>
+        <p:nvSpPr>
+          <p:cNvPr id="2" name="Slide Image Placeholder 1"/>
+          <p:cNvSpPr>
+            <a:spLocks noGrp="1" noRot="1" noChangeAspect="1"/>
+          </p:cNvSpPr>
+          <p:nvPr>
+            <p:ph type="sldImg"/>
+          </p:nvPr>
+        </p:nvSpPr>
+        <p:spPr/>
+      </p:sp>
+      <p:sp>
+        <p:nvSpPr>
+          <p:cNvPr id="3" name="Notes Placeholder 2"/>
+          <p:cNvSpPr>
+            <a:spLocks noGrp="1"/>
+          </p:cNvSpPr>
+          <p:nvPr>
+            <p:ph type="body" idx="1"/>
+          </p:nvPr>
+        </p:nvSpPr>
+        <p:spPr/>
+        <p:txBody>
+          <a:bodyPr/>
+          <a:lstStyle/>
+          <a:p>
+            <a:endParaRPr lang="en-US" dirty="0"/>
+          </a:p>
+        </p:txBody>
+      </p:sp>
+      <p:sp>
+        <p:nvSpPr>
+          <p:cNvPr id="4" name="Slide Number Placeholder 3"/>
+          <p:cNvSpPr>
+            <a:spLocks noGrp="1"/>
+          </p:cNvSpPr>
+          <p:nvPr>
+            <p:ph type="sldNum" sz="quarter" idx="10"/>
+          </p:nvPr>
+        </p:nvSpPr>
+        <p:spPr/>
+        <p:txBody>
+          <a:bodyPr/>
+          <a:lstStyle/>
+          <a:p>
+            <a:fld id="{13601C0D-AD39-8143-8175-88B781727A80}" type="slidenum">
+              <a:rPr lang="en-US" smtClean="0"/>
+              <a:t>14</a:t>
+            </a:fld>
+            <a:endParaRPr lang="en-US"/>
+          </a:p>
+        </p:txBody>
+      </p:sp>
+    </p:spTree>
+    <p:extLst>
+      <p:ext uri="{BB962C8B-B14F-4D97-AF65-F5344CB8AC3E}">
+        <p14:creationId xmlns:p14="http://schemas.microsoft.com/office/powerpoint/2010/main" val="4165162000"/>
+      </p:ext>
+    </p:extLst>
+  </p:cSld>
+  <p:clrMapOvr>
+    <a:masterClrMapping/>
+  </p:clrMapOvr>
+</p:notes>
+</file>
+
+<file path=ppt/notesSlides/notesSlide5.xml><?xml version="1.0" encoding="utf-8"?>
+<p:notes xmlns:a="http://schemas.openxmlformats.org/drawingml/2006/main" xmlns:r="http://schemas.openxmlformats.org/officeDocument/2006/relationships" xmlns:p="http://schemas.openxmlformats.org/presentationml/2006/main">
+  <p:cSld>
+    <p:spTree>
+      <p:nvGrpSpPr>
+        <p:cNvPr id="1" name=""/>
+        <p:cNvGrpSpPr/>
+        <p:nvPr/>
+      </p:nvGrpSpPr>
+      <p:grpSpPr>
+        <a:xfrm>
+          <a:off x="0" y="0"/>
+          <a:ext cx="0" cy="0"/>
+          <a:chOff x="0" y="0"/>
+          <a:chExt cx="0" cy="0"/>
+        </a:xfrm>
+      </p:grpSpPr>
+      <p:sp>
+        <p:nvSpPr>
+          <p:cNvPr id="2" name="Slide Image Placeholder 1"/>
+          <p:cNvSpPr>
+            <a:spLocks noGrp="1" noRot="1" noChangeAspect="1"/>
+          </p:cNvSpPr>
+          <p:nvPr>
+            <p:ph type="sldImg"/>
+          </p:nvPr>
+        </p:nvSpPr>
+        <p:spPr/>
+      </p:sp>
+      <p:sp>
+        <p:nvSpPr>
+          <p:cNvPr id="3" name="Notes Placeholder 2"/>
+          <p:cNvSpPr>
+            <a:spLocks noGrp="1"/>
+          </p:cNvSpPr>
+          <p:nvPr>
+            <p:ph type="body" idx="1"/>
+          </p:nvPr>
+        </p:nvSpPr>
+        <p:spPr/>
+        <p:txBody>
+          <a:bodyPr/>
+          <a:lstStyle/>
+          <a:p>
+            <a:endParaRPr lang="en-US" dirty="0"/>
+          </a:p>
+        </p:txBody>
+      </p:sp>
+      <p:sp>
+        <p:nvSpPr>
+          <p:cNvPr id="4" name="Slide Number Placeholder 3"/>
+          <p:cNvSpPr>
+            <a:spLocks noGrp="1"/>
+          </p:cNvSpPr>
+          <p:nvPr>
+            <p:ph type="sldNum" sz="quarter" idx="10"/>
+          </p:nvPr>
+        </p:nvSpPr>
+        <p:spPr/>
+        <p:txBody>
+          <a:bodyPr/>
+          <a:lstStyle/>
+          <a:p>
+            <a:fld id="{13601C0D-AD39-8143-8175-88B781727A80}" type="slidenum">
+              <a:rPr lang="en-US" smtClean="0"/>
+              <a:t>15</a:t>
+            </a:fld>
+            <a:endParaRPr lang="en-US"/>
+          </a:p>
+        </p:txBody>
+      </p:sp>
+    </p:spTree>
+    <p:extLst>
+      <p:ext uri="{BB962C8B-B14F-4D97-AF65-F5344CB8AC3E}">
+        <p14:creationId xmlns:p14="http://schemas.microsoft.com/office/powerpoint/2010/main" val="4165162000"/>
+      </p:ext>
+    </p:extLst>
+  </p:cSld>
+  <p:clrMapOvr>
+    <a:masterClrMapping/>
+  </p:clrMapOvr>
+</p:notes>
+</file>
+
+<file path=ppt/notesSlides/notesSlide6.xml><?xml version="1.0" encoding="utf-8"?>
+<p:notes xmlns:a="http://schemas.openxmlformats.org/drawingml/2006/main" xmlns:r="http://schemas.openxmlformats.org/officeDocument/2006/relationships" xmlns:p="http://schemas.openxmlformats.org/presentationml/2006/main">
+  <p:cSld>
+    <p:spTree>
+      <p:nvGrpSpPr>
+        <p:cNvPr id="1" name=""/>
+        <p:cNvGrpSpPr/>
+        <p:nvPr/>
+      </p:nvGrpSpPr>
+      <p:grpSpPr>
+        <a:xfrm>
+          <a:off x="0" y="0"/>
+          <a:ext cx="0" cy="0"/>
+          <a:chOff x="0" y="0"/>
+          <a:chExt cx="0" cy="0"/>
+        </a:xfrm>
+      </p:grpSpPr>
+      <p:sp>
+        <p:nvSpPr>
+          <p:cNvPr id="2" name="Slide Image Placeholder 1"/>
+          <p:cNvSpPr>
+            <a:spLocks noGrp="1" noRot="1" noChangeAspect="1"/>
+          </p:cNvSpPr>
+          <p:nvPr>
+            <p:ph type="sldImg"/>
+          </p:nvPr>
+        </p:nvSpPr>
+        <p:spPr/>
+      </p:sp>
+      <p:sp>
+        <p:nvSpPr>
+          <p:cNvPr id="3" name="Notes Placeholder 2"/>
+          <p:cNvSpPr>
+            <a:spLocks noGrp="1"/>
+          </p:cNvSpPr>
+          <p:nvPr>
+            <p:ph type="body" idx="1"/>
+          </p:nvPr>
+        </p:nvSpPr>
+        <p:spPr/>
+        <p:txBody>
+          <a:bodyPr/>
+          <a:lstStyle/>
+          <a:p>
+            <a:endParaRPr lang="en-US" dirty="0"/>
+          </a:p>
+        </p:txBody>
+      </p:sp>
+      <p:sp>
+        <p:nvSpPr>
+          <p:cNvPr id="4" name="Slide Number Placeholder 3"/>
+          <p:cNvSpPr>
+            <a:spLocks noGrp="1"/>
+          </p:cNvSpPr>
+          <p:nvPr>
+            <p:ph type="sldNum" sz="quarter" idx="10"/>
+          </p:nvPr>
+        </p:nvSpPr>
+        <p:spPr/>
+        <p:txBody>
+          <a:bodyPr/>
+          <a:lstStyle/>
+          <a:p>
+            <a:fld id="{13601C0D-AD39-8143-8175-88B781727A80}" type="slidenum">
+              <a:rPr lang="en-US" smtClean="0"/>
+              <a:t>16</a:t>
+            </a:fld>
+            <a:endParaRPr lang="en-US"/>
+          </a:p>
+        </p:txBody>
+      </p:sp>
+    </p:spTree>
+    <p:extLst>
+      <p:ext uri="{BB962C8B-B14F-4D97-AF65-F5344CB8AC3E}">
+        <p14:creationId xmlns:p14="http://schemas.microsoft.com/office/powerpoint/2010/main" val="4165162000"/>
+      </p:ext>
+    </p:extLst>
+  </p:cSld>
+  <p:clrMapOvr>
+    <a:masterClrMapping/>
+  </p:clrMapOvr>
+</p:notes>
+</file>
+
+<file path=ppt/notesSlides/notesSlide7.xml><?xml version="1.0" encoding="utf-8"?>
+<p:notes xmlns:a="http://schemas.openxmlformats.org/drawingml/2006/main" xmlns:r="http://schemas.openxmlformats.org/officeDocument/2006/relationships" xmlns:p="http://schemas.openxmlformats.org/presentationml/2006/main">
+  <p:cSld>
+    <p:spTree>
+      <p:nvGrpSpPr>
+        <p:cNvPr id="1" name=""/>
+        <p:cNvGrpSpPr/>
+        <p:nvPr/>
+      </p:nvGrpSpPr>
+      <p:grpSpPr>
+        <a:xfrm>
+          <a:off x="0" y="0"/>
+          <a:ext cx="0" cy="0"/>
+          <a:chOff x="0" y="0"/>
+          <a:chExt cx="0" cy="0"/>
+        </a:xfrm>
+      </p:grpSpPr>
+      <p:sp>
+        <p:nvSpPr>
+          <p:cNvPr id="2" name="Slide Image Placeholder 1"/>
+          <p:cNvSpPr>
+            <a:spLocks noGrp="1" noRot="1" noChangeAspect="1"/>
+          </p:cNvSpPr>
+          <p:nvPr>
+            <p:ph type="sldImg"/>
+          </p:nvPr>
+        </p:nvSpPr>
+        <p:spPr/>
+      </p:sp>
+      <p:sp>
+        <p:nvSpPr>
+          <p:cNvPr id="3" name="Notes Placeholder 2"/>
+          <p:cNvSpPr>
+            <a:spLocks noGrp="1"/>
+          </p:cNvSpPr>
+          <p:nvPr>
+            <p:ph type="body" idx="1"/>
+          </p:nvPr>
+        </p:nvSpPr>
+        <p:spPr/>
+        <p:txBody>
+          <a:bodyPr/>
+          <a:lstStyle/>
+          <a:p>
+            <a:endParaRPr lang="en-US" dirty="0"/>
+          </a:p>
+        </p:txBody>
+      </p:sp>
+      <p:sp>
+        <p:nvSpPr>
+          <p:cNvPr id="4" name="Slide Number Placeholder 3"/>
+          <p:cNvSpPr>
+            <a:spLocks noGrp="1"/>
+          </p:cNvSpPr>
+          <p:nvPr>
+            <p:ph type="sldNum" sz="quarter" idx="10"/>
+          </p:nvPr>
+        </p:nvSpPr>
+        <p:spPr/>
+        <p:txBody>
+          <a:bodyPr/>
+          <a:lstStyle/>
+          <a:p>
+            <a:fld id="{13601C0D-AD39-8143-8175-88B781727A80}" type="slidenum">
+              <a:rPr lang="en-US" smtClean="0"/>
+              <a:t>17</a:t>
+            </a:fld>
+            <a:endParaRPr lang="en-US"/>
+          </a:p>
+        </p:txBody>
+      </p:sp>
+    </p:spTree>
+    <p:extLst>
+      <p:ext uri="{BB962C8B-B14F-4D97-AF65-F5344CB8AC3E}">
+        <p14:creationId xmlns:p14="http://schemas.microsoft.com/office/powerpoint/2010/main" val="4165162000"/>
+      </p:ext>
+    </p:extLst>
+  </p:cSld>
+  <p:clrMapOvr>
+    <a:masterClrMapping/>
+  </p:clrMapOvr>
+</p:notes>
+</file>
+
+<file path=ppt/notesSlides/notesSlide8.xml><?xml version="1.0" encoding="utf-8"?>
+<p:notes xmlns:a="http://schemas.openxmlformats.org/drawingml/2006/main" xmlns:r="http://schemas.openxmlformats.org/officeDocument/2006/relationships" xmlns:p="http://schemas.openxmlformats.org/presentationml/2006/main">
+  <p:cSld>
+    <p:spTree>
+      <p:nvGrpSpPr>
+        <p:cNvPr id="1" name=""/>
+        <p:cNvGrpSpPr/>
+        <p:nvPr/>
+      </p:nvGrpSpPr>
+      <p:grpSpPr>
+        <a:xfrm>
+          <a:off x="0" y="0"/>
+          <a:ext cx="0" cy="0"/>
+          <a:chOff x="0" y="0"/>
+          <a:chExt cx="0" cy="0"/>
+        </a:xfrm>
+      </p:grpSpPr>
+      <p:sp>
+        <p:nvSpPr>
+          <p:cNvPr id="2" name="Slide Image Placeholder 1"/>
+          <p:cNvSpPr>
+            <a:spLocks noGrp="1" noRot="1" noChangeAspect="1"/>
+          </p:cNvSpPr>
+          <p:nvPr>
+            <p:ph type="sldImg"/>
+          </p:nvPr>
+        </p:nvSpPr>
+        <p:spPr/>
+      </p:sp>
+      <p:sp>
+        <p:nvSpPr>
+          <p:cNvPr id="3" name="Notes Placeholder 2"/>
+          <p:cNvSpPr>
+            <a:spLocks noGrp="1"/>
+          </p:cNvSpPr>
+          <p:nvPr>
+            <p:ph type="body" idx="1"/>
+          </p:nvPr>
+        </p:nvSpPr>
+        <p:spPr/>
+        <p:txBody>
+          <a:bodyPr/>
+          <a:lstStyle/>
+          <a:p>
+            <a:endParaRPr lang="en-US" dirty="0"/>
+          </a:p>
+        </p:txBody>
+      </p:sp>
+      <p:sp>
+        <p:nvSpPr>
+          <p:cNvPr id="4" name="Slide Number Placeholder 3"/>
+          <p:cNvSpPr>
+            <a:spLocks noGrp="1"/>
+          </p:cNvSpPr>
+          <p:nvPr>
+            <p:ph type="sldNum" sz="quarter" idx="10"/>
+          </p:nvPr>
+        </p:nvSpPr>
+        <p:spPr/>
+        <p:txBody>
+          <a:bodyPr/>
+          <a:lstStyle/>
+          <a:p>
+            <a:fld id="{13601C0D-AD39-8143-8175-88B781727A80}" type="slidenum">
+              <a:rPr lang="en-US" smtClean="0"/>
+              <a:t>18</a:t>
             </a:fld>
             <a:endParaRPr lang="en-US"/>
           </a:p>
@@ -4381,7 +4806,7 @@
           <a:graphicData uri="http://schemas.openxmlformats.org/presentationml/2006/ole">
             <mc:AlternateContent xmlns:mc="http://schemas.openxmlformats.org/markup-compatibility/2006">
               <mc:Choice xmlns:v="urn:schemas-microsoft-com:vml" Requires="v">
-                <p:oleObj spid="_x0000_s1029" name="Document" r:id="rId3" imgW="5486400" imgH="838200" progId="Word.Document.12">
+                <p:oleObj spid="_x0000_s1030" name="Document" r:id="rId3" imgW="5486400" imgH="838200" progId="Word.Document.12">
                   <p:link updateAutomatic="1"/>
                 </p:oleObj>
               </mc:Choice>
@@ -4629,7 +5054,7 @@
         </p:spPr>
         <p:txBody>
           <a:bodyPr>
-            <a:normAutofit fontScale="85000" lnSpcReduction="20000"/>
+            <a:normAutofit fontScale="70000" lnSpcReduction="20000"/>
           </a:bodyPr>
           <a:lstStyle/>
           <a:p>
@@ -4656,6 +5081,12 @@
             <a:r>
               <a:rPr lang="en-US" dirty="0" smtClean="0"/>
               <a:t>New solution is created from these common items, then fittest remaining items are added until capacity is reached.</a:t>
+            </a:r>
+          </a:p>
+          <a:p>
+            <a:r>
+              <a:rPr lang="en-US" dirty="0" smtClean="0"/>
+              <a:t>In our experiments, the new solution was never better than the best crowd member. Often the same solution was discovered, or a less optimal solution.</a:t>
             </a:r>
             <a:endParaRPr lang="en-US" dirty="0"/>
           </a:p>
@@ -4695,6 +5126,771 @@
     <p:extLst>
       <p:ext uri="{BB962C8B-B14F-4D97-AF65-F5344CB8AC3E}">
         <p14:creationId xmlns:p14="http://schemas.microsoft.com/office/powerpoint/2010/main" val="3862024793"/>
+      </p:ext>
+    </p:extLst>
+  </p:cSld>
+  <p:clrMapOvr>
+    <a:masterClrMapping/>
+  </p:clrMapOvr>
+</p:sld>
+</file>
+
+<file path=ppt/slides/slide14.xml><?xml version="1.0" encoding="utf-8"?>
+<p:sld xmlns:a="http://schemas.openxmlformats.org/drawingml/2006/main" xmlns:r="http://schemas.openxmlformats.org/officeDocument/2006/relationships" xmlns:p="http://schemas.openxmlformats.org/presentationml/2006/main">
+  <p:cSld>
+    <p:spTree>
+      <p:nvGrpSpPr>
+        <p:cNvPr id="1" name=""/>
+        <p:cNvGrpSpPr/>
+        <p:nvPr/>
+      </p:nvGrpSpPr>
+      <p:grpSpPr>
+        <a:xfrm>
+          <a:off x="0" y="0"/>
+          <a:ext cx="0" cy="0"/>
+          <a:chOff x="0" y="0"/>
+          <a:chExt cx="0" cy="0"/>
+        </a:xfrm>
+      </p:grpSpPr>
+      <p:sp>
+        <p:nvSpPr>
+          <p:cNvPr id="2" name="Title 1"/>
+          <p:cNvSpPr>
+            <a:spLocks noGrp="1"/>
+          </p:cNvSpPr>
+          <p:nvPr>
+            <p:ph type="title"/>
+          </p:nvPr>
+        </p:nvSpPr>
+        <p:spPr/>
+        <p:txBody>
+          <a:bodyPr>
+            <a:normAutofit/>
+          </a:bodyPr>
+          <a:lstStyle/>
+          <a:p>
+            <a:r>
+              <a:rPr lang="en-US" dirty="0" smtClean="0"/>
+              <a:t>Results (</a:t>
+            </a:r>
+            <a:r>
+              <a:rPr lang="en-US" dirty="0"/>
+              <a:t>n</a:t>
+            </a:r>
+            <a:r>
+              <a:rPr lang="en-US" dirty="0" smtClean="0"/>
+              <a:t>=100</a:t>
+            </a:r>
+            <a:r>
+              <a:rPr lang="en-US" dirty="0"/>
+              <a:t>, c</a:t>
+            </a:r>
+            <a:r>
+              <a:rPr lang="en-US" dirty="0" smtClean="0"/>
+              <a:t>=300</a:t>
+            </a:r>
+            <a:r>
+              <a:rPr lang="en-US" dirty="0"/>
+              <a:t>)</a:t>
+            </a:r>
+            <a:endParaRPr lang="en-US" dirty="0"/>
+          </a:p>
+        </p:txBody>
+      </p:sp>
+      <p:sp>
+        <p:nvSpPr>
+          <p:cNvPr id="3" name="Content Placeholder 2"/>
+          <p:cNvSpPr>
+            <a:spLocks noGrp="1"/>
+          </p:cNvSpPr>
+          <p:nvPr>
+            <p:ph idx="1"/>
+          </p:nvPr>
+        </p:nvSpPr>
+        <p:spPr>
+          <a:xfrm>
+            <a:off x="381000" y="5943600"/>
+            <a:ext cx="8458200" cy="762000"/>
+          </a:xfrm>
+        </p:spPr>
+        <p:txBody>
+          <a:bodyPr>
+            <a:normAutofit fontScale="55000" lnSpcReduction="20000"/>
+          </a:bodyPr>
+          <a:lstStyle/>
+          <a:p>
+            <a:pPr marL="0" indent="0">
+              <a:buNone/>
+            </a:pPr>
+            <a:r>
+              <a:rPr lang="en-US" dirty="0" smtClean="0"/>
+              <a:t>Solution evolution over 70 </a:t>
+            </a:r>
+            <a:r>
+              <a:rPr lang="en-US" dirty="0"/>
+              <a:t>generations for n = 100, c = </a:t>
+            </a:r>
+            <a:r>
+              <a:rPr lang="en-US" dirty="0" smtClean="0"/>
+              <a:t>300. Population size = 60. Crowd size = 25.</a:t>
+            </a:r>
+            <a:r>
+              <a:rPr lang="en-US" dirty="0"/>
+              <a:t> </a:t>
+            </a:r>
+            <a:r>
+              <a:rPr lang="en-US" dirty="0" smtClean="0"/>
+              <a:t>Each color line is a different crowd member. Runtime: </a:t>
+            </a:r>
+            <a:r>
+              <a:rPr lang="en-US" dirty="0" smtClean="0"/>
+              <a:t>15.34 sec</a:t>
+            </a:r>
+          </a:p>
+        </p:txBody>
+      </p:sp>
+      <p:pic>
+        <p:nvPicPr>
+          <p:cNvPr id="5" name="Picture 4" descr="ga_performance_n100.png"/>
+          <p:cNvPicPr>
+            <a:picLocks noChangeAspect="1"/>
+          </p:cNvPicPr>
+          <p:nvPr/>
+        </p:nvPicPr>
+        <p:blipFill>
+          <a:blip r:embed="rId3">
+            <a:extLst>
+              <a:ext uri="{28A0092B-C50C-407E-A947-70E740481C1C}">
+                <a14:useLocalDpi xmlns:a14="http://schemas.microsoft.com/office/drawing/2010/main" val="0"/>
+              </a:ext>
+            </a:extLst>
+          </a:blip>
+          <a:stretch>
+            <a:fillRect/>
+          </a:stretch>
+        </p:blipFill>
+        <p:spPr>
+          <a:xfrm>
+            <a:off x="457200" y="1106559"/>
+            <a:ext cx="7997964" cy="4760841"/>
+          </a:xfrm>
+          <a:prstGeom prst="rect">
+            <a:avLst/>
+          </a:prstGeom>
+        </p:spPr>
+      </p:pic>
+    </p:spTree>
+    <p:extLst>
+      <p:ext uri="{BB962C8B-B14F-4D97-AF65-F5344CB8AC3E}">
+        <p14:creationId xmlns:p14="http://schemas.microsoft.com/office/powerpoint/2010/main" val="2342771597"/>
+      </p:ext>
+    </p:extLst>
+  </p:cSld>
+  <p:clrMapOvr>
+    <a:masterClrMapping/>
+  </p:clrMapOvr>
+</p:sld>
+</file>
+
+<file path=ppt/slides/slide15.xml><?xml version="1.0" encoding="utf-8"?>
+<p:sld xmlns:a="http://schemas.openxmlformats.org/drawingml/2006/main" xmlns:r="http://schemas.openxmlformats.org/officeDocument/2006/relationships" xmlns:p="http://schemas.openxmlformats.org/presentationml/2006/main">
+  <p:cSld>
+    <p:spTree>
+      <p:nvGrpSpPr>
+        <p:cNvPr id="1" name=""/>
+        <p:cNvGrpSpPr/>
+        <p:nvPr/>
+      </p:nvGrpSpPr>
+      <p:grpSpPr>
+        <a:xfrm>
+          <a:off x="0" y="0"/>
+          <a:ext cx="0" cy="0"/>
+          <a:chOff x="0" y="0"/>
+          <a:chExt cx="0" cy="0"/>
+        </a:xfrm>
+      </p:grpSpPr>
+      <p:sp>
+        <p:nvSpPr>
+          <p:cNvPr id="2" name="Title 1"/>
+          <p:cNvSpPr>
+            <a:spLocks noGrp="1"/>
+          </p:cNvSpPr>
+          <p:nvPr>
+            <p:ph type="title"/>
+          </p:nvPr>
+        </p:nvSpPr>
+        <p:spPr/>
+        <p:txBody>
+          <a:bodyPr>
+            <a:normAutofit/>
+          </a:bodyPr>
+          <a:lstStyle/>
+          <a:p>
+            <a:r>
+              <a:rPr lang="en-US" dirty="0" smtClean="0"/>
+              <a:t>Results (n=300, c=600)</a:t>
+            </a:r>
+            <a:endParaRPr lang="en-US" dirty="0"/>
+          </a:p>
+        </p:txBody>
+      </p:sp>
+      <p:sp>
+        <p:nvSpPr>
+          <p:cNvPr id="3" name="Content Placeholder 2"/>
+          <p:cNvSpPr>
+            <a:spLocks noGrp="1"/>
+          </p:cNvSpPr>
+          <p:nvPr>
+            <p:ph idx="1"/>
+          </p:nvPr>
+        </p:nvSpPr>
+        <p:spPr>
+          <a:xfrm>
+            <a:off x="381000" y="5943600"/>
+            <a:ext cx="8458200" cy="762000"/>
+          </a:xfrm>
+        </p:spPr>
+        <p:txBody>
+          <a:bodyPr>
+            <a:normAutofit fontScale="70000" lnSpcReduction="20000"/>
+          </a:bodyPr>
+          <a:lstStyle/>
+          <a:p>
+            <a:pPr marL="0" indent="0">
+              <a:buNone/>
+            </a:pPr>
+            <a:r>
+              <a:rPr lang="en-US" dirty="0" smtClean="0"/>
+              <a:t>Solution evolution over 70 </a:t>
+            </a:r>
+            <a:r>
+              <a:rPr lang="en-US" dirty="0"/>
+              <a:t>generations for n = </a:t>
+            </a:r>
+            <a:r>
+              <a:rPr lang="en-US" dirty="0" smtClean="0"/>
+              <a:t>300</a:t>
+            </a:r>
+            <a:r>
+              <a:rPr lang="en-US" dirty="0"/>
+              <a:t>, c = </a:t>
+            </a:r>
+            <a:r>
+              <a:rPr lang="en-US" dirty="0" smtClean="0"/>
+              <a:t>600. Population size = 60. Crowd size = 25.</a:t>
+            </a:r>
+            <a:r>
+              <a:rPr lang="en-US" dirty="0"/>
+              <a:t> </a:t>
+            </a:r>
+            <a:r>
+              <a:rPr lang="en-US" dirty="0" smtClean="0"/>
+              <a:t>Runtime: </a:t>
+            </a:r>
+            <a:r>
+              <a:rPr lang="en-US" dirty="0" smtClean="0"/>
+              <a:t>90.55 sec</a:t>
+            </a:r>
+          </a:p>
+        </p:txBody>
+      </p:sp>
+      <p:pic>
+        <p:nvPicPr>
+          <p:cNvPr id="4" name="Picture 3" descr="ga_performance_n300.png"/>
+          <p:cNvPicPr>
+            <a:picLocks noChangeAspect="1"/>
+          </p:cNvPicPr>
+          <p:nvPr/>
+        </p:nvPicPr>
+        <p:blipFill>
+          <a:blip r:embed="rId3">
+            <a:extLst>
+              <a:ext uri="{28A0092B-C50C-407E-A947-70E740481C1C}">
+                <a14:useLocalDpi xmlns:a14="http://schemas.microsoft.com/office/drawing/2010/main" val="0"/>
+              </a:ext>
+            </a:extLst>
+          </a:blip>
+          <a:stretch>
+            <a:fillRect/>
+          </a:stretch>
+        </p:blipFill>
+        <p:spPr>
+          <a:xfrm>
+            <a:off x="1219200" y="1143000"/>
+            <a:ext cx="6309409" cy="4764878"/>
+          </a:xfrm>
+          <a:prstGeom prst="rect">
+            <a:avLst/>
+          </a:prstGeom>
+        </p:spPr>
+      </p:pic>
+    </p:spTree>
+    <p:extLst>
+      <p:ext uri="{BB962C8B-B14F-4D97-AF65-F5344CB8AC3E}">
+        <p14:creationId xmlns:p14="http://schemas.microsoft.com/office/powerpoint/2010/main" val="3645026756"/>
+      </p:ext>
+    </p:extLst>
+  </p:cSld>
+  <p:clrMapOvr>
+    <a:masterClrMapping/>
+  </p:clrMapOvr>
+</p:sld>
+</file>
+
+<file path=ppt/slides/slide16.xml><?xml version="1.0" encoding="utf-8"?>
+<p:sld xmlns:a="http://schemas.openxmlformats.org/drawingml/2006/main" xmlns:r="http://schemas.openxmlformats.org/officeDocument/2006/relationships" xmlns:p="http://schemas.openxmlformats.org/presentationml/2006/main">
+  <p:cSld>
+    <p:spTree>
+      <p:nvGrpSpPr>
+        <p:cNvPr id="1" name=""/>
+        <p:cNvGrpSpPr/>
+        <p:nvPr/>
+      </p:nvGrpSpPr>
+      <p:grpSpPr>
+        <a:xfrm>
+          <a:off x="0" y="0"/>
+          <a:ext cx="0" cy="0"/>
+          <a:chOff x="0" y="0"/>
+          <a:chExt cx="0" cy="0"/>
+        </a:xfrm>
+      </p:grpSpPr>
+      <p:sp>
+        <p:nvSpPr>
+          <p:cNvPr id="2" name="Title 1"/>
+          <p:cNvSpPr>
+            <a:spLocks noGrp="1"/>
+          </p:cNvSpPr>
+          <p:nvPr>
+            <p:ph type="title"/>
+          </p:nvPr>
+        </p:nvSpPr>
+        <p:spPr/>
+        <p:txBody>
+          <a:bodyPr>
+            <a:normAutofit/>
+          </a:bodyPr>
+          <a:lstStyle/>
+          <a:p>
+            <a:r>
+              <a:rPr lang="en-US" dirty="0" smtClean="0"/>
+              <a:t>Results (n=600, c=1200)</a:t>
+            </a:r>
+            <a:endParaRPr lang="en-US" dirty="0"/>
+          </a:p>
+        </p:txBody>
+      </p:sp>
+      <p:sp>
+        <p:nvSpPr>
+          <p:cNvPr id="3" name="Content Placeholder 2"/>
+          <p:cNvSpPr>
+            <a:spLocks noGrp="1"/>
+          </p:cNvSpPr>
+          <p:nvPr>
+            <p:ph idx="1"/>
+          </p:nvPr>
+        </p:nvSpPr>
+        <p:spPr>
+          <a:xfrm>
+            <a:off x="381000" y="5943600"/>
+            <a:ext cx="8458200" cy="762000"/>
+          </a:xfrm>
+        </p:spPr>
+        <p:txBody>
+          <a:bodyPr>
+            <a:normAutofit fontScale="70000" lnSpcReduction="20000"/>
+          </a:bodyPr>
+          <a:lstStyle/>
+          <a:p>
+            <a:pPr marL="0" indent="0">
+              <a:buNone/>
+            </a:pPr>
+            <a:r>
+              <a:rPr lang="en-US" dirty="0" smtClean="0"/>
+              <a:t>Solution evolution over 70 </a:t>
+            </a:r>
+            <a:r>
+              <a:rPr lang="en-US" dirty="0"/>
+              <a:t>generations for n = </a:t>
+            </a:r>
+            <a:r>
+              <a:rPr lang="en-US" dirty="0" smtClean="0"/>
+              <a:t>600</a:t>
+            </a:r>
+            <a:r>
+              <a:rPr lang="en-US" dirty="0"/>
+              <a:t>, c = </a:t>
+            </a:r>
+            <a:r>
+              <a:rPr lang="en-US" dirty="0" smtClean="0"/>
+              <a:t>1200. Population size = 60. Crowd size = 25.</a:t>
+            </a:r>
+            <a:r>
+              <a:rPr lang="en-US" dirty="0"/>
+              <a:t> </a:t>
+            </a:r>
+            <a:r>
+              <a:rPr lang="en-US" dirty="0" smtClean="0"/>
+              <a:t>Runtime: 316.61 </a:t>
+            </a:r>
+            <a:r>
+              <a:rPr lang="en-US" dirty="0" smtClean="0"/>
+              <a:t>sec</a:t>
+            </a:r>
+          </a:p>
+        </p:txBody>
+      </p:sp>
+      <p:pic>
+        <p:nvPicPr>
+          <p:cNvPr id="5" name="Picture 4" descr="ga_performance_n600.png"/>
+          <p:cNvPicPr>
+            <a:picLocks noChangeAspect="1"/>
+          </p:cNvPicPr>
+          <p:nvPr/>
+        </p:nvPicPr>
+        <p:blipFill>
+          <a:blip r:embed="rId3">
+            <a:extLst>
+              <a:ext uri="{28A0092B-C50C-407E-A947-70E740481C1C}">
+                <a14:useLocalDpi xmlns:a14="http://schemas.microsoft.com/office/drawing/2010/main" val="0"/>
+              </a:ext>
+            </a:extLst>
+          </a:blip>
+          <a:stretch>
+            <a:fillRect/>
+          </a:stretch>
+        </p:blipFill>
+        <p:spPr>
+          <a:xfrm>
+            <a:off x="1219200" y="1143000"/>
+            <a:ext cx="6255810" cy="4724400"/>
+          </a:xfrm>
+          <a:prstGeom prst="rect">
+            <a:avLst/>
+          </a:prstGeom>
+        </p:spPr>
+      </p:pic>
+    </p:spTree>
+    <p:extLst>
+      <p:ext uri="{BB962C8B-B14F-4D97-AF65-F5344CB8AC3E}">
+        <p14:creationId xmlns:p14="http://schemas.microsoft.com/office/powerpoint/2010/main" val="1775093048"/>
+      </p:ext>
+    </p:extLst>
+  </p:cSld>
+  <p:clrMapOvr>
+    <a:masterClrMapping/>
+  </p:clrMapOvr>
+</p:sld>
+</file>
+
+<file path=ppt/slides/slide17.xml><?xml version="1.0" encoding="utf-8"?>
+<p:sld xmlns:a="http://schemas.openxmlformats.org/drawingml/2006/main" xmlns:r="http://schemas.openxmlformats.org/officeDocument/2006/relationships" xmlns:p="http://schemas.openxmlformats.org/presentationml/2006/main">
+  <p:cSld>
+    <p:spTree>
+      <p:nvGrpSpPr>
+        <p:cNvPr id="1" name=""/>
+        <p:cNvGrpSpPr/>
+        <p:nvPr/>
+      </p:nvGrpSpPr>
+      <p:grpSpPr>
+        <a:xfrm>
+          <a:off x="0" y="0"/>
+          <a:ext cx="0" cy="0"/>
+          <a:chOff x="0" y="0"/>
+          <a:chExt cx="0" cy="0"/>
+        </a:xfrm>
+      </p:grpSpPr>
+      <p:sp>
+        <p:nvSpPr>
+          <p:cNvPr id="2" name="Title 1"/>
+          <p:cNvSpPr>
+            <a:spLocks noGrp="1"/>
+          </p:cNvSpPr>
+          <p:nvPr>
+            <p:ph type="title"/>
+          </p:nvPr>
+        </p:nvSpPr>
+        <p:spPr/>
+        <p:txBody>
+          <a:bodyPr>
+            <a:normAutofit/>
+          </a:bodyPr>
+          <a:lstStyle/>
+          <a:p>
+            <a:r>
+              <a:rPr lang="en-US" dirty="0" smtClean="0"/>
+              <a:t>Further Areas for Research</a:t>
+            </a:r>
+            <a:endParaRPr lang="en-US" dirty="0"/>
+          </a:p>
+        </p:txBody>
+      </p:sp>
+      <p:sp>
+        <p:nvSpPr>
+          <p:cNvPr id="4" name="Content Placeholder 3"/>
+          <p:cNvSpPr>
+            <a:spLocks noGrp="1"/>
+          </p:cNvSpPr>
+          <p:nvPr>
+            <p:ph idx="1"/>
+          </p:nvPr>
+        </p:nvSpPr>
+        <p:spPr/>
+        <p:txBody>
+          <a:bodyPr/>
+          <a:lstStyle/>
+          <a:p>
+            <a:r>
+              <a:rPr lang="en-US" dirty="0" smtClean="0"/>
+              <a:t>Adding weights to each objective</a:t>
+            </a:r>
+          </a:p>
+          <a:p>
+            <a:r>
+              <a:rPr lang="en-US" dirty="0" smtClean="0"/>
+              <a:t>Increasing number of objectives</a:t>
+            </a:r>
+          </a:p>
+          <a:p>
+            <a:r>
+              <a:rPr lang="en-US" dirty="0" smtClean="0"/>
+              <a:t>Evaluating alternate fitness measures</a:t>
+            </a:r>
+          </a:p>
+          <a:p>
+            <a:r>
+              <a:rPr lang="en-US" dirty="0" smtClean="0"/>
+              <a:t>Improve </a:t>
+            </a:r>
+            <a:r>
+              <a:rPr lang="en-US" dirty="0" err="1" smtClean="0"/>
+              <a:t>WoC</a:t>
+            </a:r>
+            <a:r>
+              <a:rPr lang="en-US" dirty="0" smtClean="0"/>
+              <a:t> generated solution</a:t>
+            </a:r>
+            <a:endParaRPr lang="en-US" dirty="0"/>
+          </a:p>
+        </p:txBody>
+      </p:sp>
+    </p:spTree>
+    <p:extLst>
+      <p:ext uri="{BB962C8B-B14F-4D97-AF65-F5344CB8AC3E}">
+        <p14:creationId xmlns:p14="http://schemas.microsoft.com/office/powerpoint/2010/main" val="2242088131"/>
+      </p:ext>
+    </p:extLst>
+  </p:cSld>
+  <p:clrMapOvr>
+    <a:masterClrMapping/>
+  </p:clrMapOvr>
+</p:sld>
+</file>
+
+<file path=ppt/slides/slide18.xml><?xml version="1.0" encoding="utf-8"?>
+<p:sld xmlns:a="http://schemas.openxmlformats.org/drawingml/2006/main" xmlns:r="http://schemas.openxmlformats.org/officeDocument/2006/relationships" xmlns:p="http://schemas.openxmlformats.org/presentationml/2006/main">
+  <p:cSld>
+    <p:spTree>
+      <p:nvGrpSpPr>
+        <p:cNvPr id="1" name=""/>
+        <p:cNvGrpSpPr/>
+        <p:nvPr/>
+      </p:nvGrpSpPr>
+      <p:grpSpPr>
+        <a:xfrm>
+          <a:off x="0" y="0"/>
+          <a:ext cx="0" cy="0"/>
+          <a:chOff x="0" y="0"/>
+          <a:chExt cx="0" cy="0"/>
+        </a:xfrm>
+      </p:grpSpPr>
+      <p:sp>
+        <p:nvSpPr>
+          <p:cNvPr id="2" name="Title 1"/>
+          <p:cNvSpPr>
+            <a:spLocks noGrp="1"/>
+          </p:cNvSpPr>
+          <p:nvPr>
+            <p:ph type="title"/>
+          </p:nvPr>
+        </p:nvSpPr>
+        <p:spPr/>
+        <p:txBody>
+          <a:bodyPr>
+            <a:normAutofit/>
+          </a:bodyPr>
+          <a:lstStyle/>
+          <a:p>
+            <a:r>
+              <a:rPr lang="en-US" dirty="0" smtClean="0"/>
+              <a:t>References</a:t>
+            </a:r>
+            <a:endParaRPr lang="en-US" dirty="0"/>
+          </a:p>
+        </p:txBody>
+      </p:sp>
+      <p:sp>
+        <p:nvSpPr>
+          <p:cNvPr id="4" name="Content Placeholder 3"/>
+          <p:cNvSpPr>
+            <a:spLocks noGrp="1"/>
+          </p:cNvSpPr>
+          <p:nvPr>
+            <p:ph idx="1"/>
+          </p:nvPr>
+        </p:nvSpPr>
+        <p:spPr/>
+        <p:txBody>
+          <a:bodyPr>
+            <a:normAutofit fontScale="70000" lnSpcReduction="20000"/>
+          </a:bodyPr>
+          <a:lstStyle/>
+          <a:p>
+            <a:pPr marL="0" indent="0">
+              <a:buNone/>
+            </a:pPr>
+            <a:r>
+              <a:rPr lang="en-US" dirty="0" smtClean="0"/>
+              <a:t>M</a:t>
+            </a:r>
+            <a:r>
+              <a:rPr lang="en-US" dirty="0"/>
+              <a:t>. </a:t>
+            </a:r>
+            <a:r>
+              <a:rPr lang="en-US" dirty="0" err="1"/>
+              <a:t>Hristakeva</a:t>
+            </a:r>
+            <a:r>
+              <a:rPr lang="en-US" dirty="0"/>
+              <a:t>, D. </a:t>
+            </a:r>
+            <a:r>
+              <a:rPr lang="en-US" dirty="0" err="1" smtClean="0"/>
+              <a:t>Shrestha.</a:t>
+            </a:r>
+            <a:r>
+              <a:rPr lang="en-US" u="sng" dirty="0" err="1" smtClean="0">
+                <a:hlinkClick r:id="rId3"/>
+              </a:rPr>
+              <a:t>Solving</a:t>
+            </a:r>
+            <a:r>
+              <a:rPr lang="en-US" u="sng" dirty="0" smtClean="0">
+                <a:hlinkClick r:id="rId3"/>
+              </a:rPr>
+              <a:t> </a:t>
+            </a:r>
+            <a:r>
+              <a:rPr lang="en-US" u="sng" dirty="0">
+                <a:hlinkClick r:id="rId3"/>
+              </a:rPr>
+              <a:t>the 0-1 knapsack problem with genetic algorithms</a:t>
+            </a:r>
+            <a:r>
+              <a:rPr lang="en-US" dirty="0"/>
+              <a:t>." </a:t>
+            </a:r>
+            <a:r>
+              <a:rPr lang="en-US" i="1" dirty="0"/>
+              <a:t>Midwest Instruction and Computing Symposium</a:t>
+            </a:r>
+            <a:r>
+              <a:rPr lang="en-US" dirty="0"/>
+              <a:t>. 2004.</a:t>
+            </a:r>
+          </a:p>
+          <a:p>
+            <a:pPr marL="0" indent="0">
+              <a:buNone/>
+            </a:pPr>
+            <a:r>
+              <a:rPr lang="en-US" dirty="0"/>
+              <a:t> </a:t>
+            </a:r>
+          </a:p>
+          <a:p>
+            <a:pPr marL="0" indent="0">
+              <a:buNone/>
+            </a:pPr>
+            <a:r>
+              <a:rPr lang="en-US" u="sng" dirty="0" smtClean="0">
+                <a:hlinkClick r:id="rId4" tooltip="Richard M. Karp"/>
+              </a:rPr>
+              <a:t>Richard </a:t>
+            </a:r>
+            <a:r>
+              <a:rPr lang="en-US" u="sng" dirty="0">
+                <a:hlinkClick r:id="rId4" tooltip="Richard M. Karp"/>
+              </a:rPr>
+              <a:t>M. Karp</a:t>
+            </a:r>
+            <a:r>
+              <a:rPr lang="en-US" dirty="0"/>
+              <a:t> (1972). </a:t>
+            </a:r>
+            <a:r>
+              <a:rPr lang="en-US" u="sng" dirty="0">
+                <a:hlinkClick r:id="rId5"/>
+              </a:rPr>
+              <a:t>"Reducibility Among Combinatorial Problems"</a:t>
+            </a:r>
+            <a:r>
+              <a:rPr lang="en-US" dirty="0"/>
+              <a:t>. In R. E. Miller and J. W. Thatcher (editors). </a:t>
+            </a:r>
+            <a:r>
+              <a:rPr lang="en-US" i="1" dirty="0"/>
+              <a:t>Complexity of Computer Computations</a:t>
+            </a:r>
+            <a:r>
+              <a:rPr lang="en-US" dirty="0"/>
+              <a:t>. New York: Plenum. pp. 85–103.</a:t>
+            </a:r>
+          </a:p>
+          <a:p>
+            <a:pPr marL="0" indent="0">
+              <a:buNone/>
+            </a:pPr>
+            <a:r>
+              <a:rPr lang="en-US" dirty="0"/>
+              <a:t> </a:t>
+            </a:r>
+          </a:p>
+          <a:p>
+            <a:pPr marL="0" indent="0">
+              <a:buNone/>
+            </a:pPr>
+            <a:r>
+              <a:rPr lang="en-US" u="sng" dirty="0" smtClean="0">
+                <a:hlinkClick r:id="rId6" tooltip="George Dantzig"/>
+              </a:rPr>
+              <a:t>George </a:t>
+            </a:r>
+            <a:r>
+              <a:rPr lang="en-US" u="sng" dirty="0">
+                <a:hlinkClick r:id="rId6" tooltip="George Dantzig"/>
+              </a:rPr>
+              <a:t>B. Dantzig</a:t>
+            </a:r>
+            <a:r>
+              <a:rPr lang="en-US" dirty="0"/>
+              <a:t>, Discrete-Variable </a:t>
+            </a:r>
+            <a:r>
+              <a:rPr lang="en-US" dirty="0" err="1"/>
+              <a:t>Extremum</a:t>
+            </a:r>
+            <a:r>
+              <a:rPr lang="en-US" dirty="0"/>
+              <a:t> Problems, Operations Research Vol. 5, No. 2, April 1957, pp. 266–288,</a:t>
+            </a:r>
+          </a:p>
+        </p:txBody>
+      </p:sp>
+    </p:spTree>
+    <p:extLst>
+      <p:ext uri="{BB962C8B-B14F-4D97-AF65-F5344CB8AC3E}">
+        <p14:creationId xmlns:p14="http://schemas.microsoft.com/office/powerpoint/2010/main" val="1069932616"/>
       </p:ext>
     </p:extLst>
   </p:cSld>

--- a/docs/knapsack_presentation.pptx
+++ b/docs/knapsack_presentation.pptx
@@ -5,7 +5,7 @@
     <p:sldMasterId id="2147483648" r:id="rId1"/>
   </p:sldMasterIdLst>
   <p:notesMasterIdLst>
-    <p:notesMasterId r:id="rId20"/>
+    <p:notesMasterId r:id="rId21"/>
   </p:notesMasterIdLst>
   <p:sldIdLst>
     <p:sldId id="256" r:id="rId2"/>
@@ -26,6 +26,7 @@
     <p:sldId id="272" r:id="rId17"/>
     <p:sldId id="273" r:id="rId18"/>
     <p:sldId id="274" r:id="rId19"/>
+    <p:sldId id="275" r:id="rId20"/>
   </p:sldIdLst>
   <p:sldSz cx="9144000" cy="6858000" type="screen4x3"/>
   <p:notesSz cx="6858000" cy="9144000"/>
@@ -209,7 +210,7 @@
           <a:p>
             <a:fld id="{DFA55D5A-9713-F741-A396-5C05593D88B1}" type="datetimeFigureOut">
               <a:rPr lang="en-US" smtClean="0"/>
-              <a:t>11/18/14</a:t>
+              <a:t>11/18/2014</a:t>
             </a:fld>
             <a:endParaRPr lang="en-US"/>
           </a:p>
@@ -521,7 +522,7 @@
           <a:bodyPr/>
           <a:lstStyle/>
           <a:p>
-            <a:endParaRPr lang="en-US" dirty="0"/>
+            <a:endParaRPr lang="en-US"/>
           </a:p>
         </p:txBody>
       </p:sp>
@@ -552,6 +553,258 @@
     <p:extLst>
       <p:ext uri="{BB962C8B-B14F-4D97-AF65-F5344CB8AC3E}">
         <p14:creationId xmlns:p14="http://schemas.microsoft.com/office/powerpoint/2010/main" val="810787870"/>
+      </p:ext>
+    </p:extLst>
+  </p:cSld>
+  <p:clrMapOvr>
+    <a:masterClrMapping/>
+  </p:clrMapOvr>
+</p:notes>
+</file>
+
+<file path=ppt/notesSlides/notesSlide10.xml><?xml version="1.0" encoding="utf-8"?>
+<p:notes xmlns:a="http://schemas.openxmlformats.org/drawingml/2006/main" xmlns:r="http://schemas.openxmlformats.org/officeDocument/2006/relationships" xmlns:p="http://schemas.openxmlformats.org/presentationml/2006/main">
+  <p:cSld>
+    <p:spTree>
+      <p:nvGrpSpPr>
+        <p:cNvPr id="1" name=""/>
+        <p:cNvGrpSpPr/>
+        <p:nvPr/>
+      </p:nvGrpSpPr>
+      <p:grpSpPr>
+        <a:xfrm>
+          <a:off x="0" y="0"/>
+          <a:ext cx="0" cy="0"/>
+          <a:chOff x="0" y="0"/>
+          <a:chExt cx="0" cy="0"/>
+        </a:xfrm>
+      </p:grpSpPr>
+      <p:sp>
+        <p:nvSpPr>
+          <p:cNvPr id="2" name="Slide Image Placeholder 1"/>
+          <p:cNvSpPr>
+            <a:spLocks noGrp="1" noRot="1" noChangeAspect="1"/>
+          </p:cNvSpPr>
+          <p:nvPr>
+            <p:ph type="sldImg"/>
+          </p:nvPr>
+        </p:nvSpPr>
+        <p:spPr/>
+      </p:sp>
+      <p:sp>
+        <p:nvSpPr>
+          <p:cNvPr id="3" name="Notes Placeholder 2"/>
+          <p:cNvSpPr>
+            <a:spLocks noGrp="1"/>
+          </p:cNvSpPr>
+          <p:nvPr>
+            <p:ph type="body" idx="1"/>
+          </p:nvPr>
+        </p:nvSpPr>
+        <p:spPr/>
+        <p:txBody>
+          <a:bodyPr/>
+          <a:lstStyle/>
+          <a:p>
+            <a:endParaRPr lang="en-US"/>
+          </a:p>
+        </p:txBody>
+      </p:sp>
+      <p:sp>
+        <p:nvSpPr>
+          <p:cNvPr id="4" name="Slide Number Placeholder 3"/>
+          <p:cNvSpPr>
+            <a:spLocks noGrp="1"/>
+          </p:cNvSpPr>
+          <p:nvPr>
+            <p:ph type="sldNum" sz="quarter" idx="10"/>
+          </p:nvPr>
+        </p:nvSpPr>
+        <p:spPr/>
+        <p:txBody>
+          <a:bodyPr/>
+          <a:lstStyle/>
+          <a:p>
+            <a:fld id="{13601C0D-AD39-8143-8175-88B781727A80}" type="slidenum">
+              <a:rPr lang="en-US" smtClean="0"/>
+              <a:t>16</a:t>
+            </a:fld>
+            <a:endParaRPr lang="en-US"/>
+          </a:p>
+        </p:txBody>
+      </p:sp>
+    </p:spTree>
+    <p:extLst>
+      <p:ext uri="{BB962C8B-B14F-4D97-AF65-F5344CB8AC3E}">
+        <p14:creationId xmlns:p14="http://schemas.microsoft.com/office/powerpoint/2010/main" val="4165162000"/>
+      </p:ext>
+    </p:extLst>
+  </p:cSld>
+  <p:clrMapOvr>
+    <a:masterClrMapping/>
+  </p:clrMapOvr>
+</p:notes>
+</file>
+
+<file path=ppt/notesSlides/notesSlide11.xml><?xml version="1.0" encoding="utf-8"?>
+<p:notes xmlns:a="http://schemas.openxmlformats.org/drawingml/2006/main" xmlns:r="http://schemas.openxmlformats.org/officeDocument/2006/relationships" xmlns:p="http://schemas.openxmlformats.org/presentationml/2006/main">
+  <p:cSld>
+    <p:spTree>
+      <p:nvGrpSpPr>
+        <p:cNvPr id="1" name=""/>
+        <p:cNvGrpSpPr/>
+        <p:nvPr/>
+      </p:nvGrpSpPr>
+      <p:grpSpPr>
+        <a:xfrm>
+          <a:off x="0" y="0"/>
+          <a:ext cx="0" cy="0"/>
+          <a:chOff x="0" y="0"/>
+          <a:chExt cx="0" cy="0"/>
+        </a:xfrm>
+      </p:grpSpPr>
+      <p:sp>
+        <p:nvSpPr>
+          <p:cNvPr id="2" name="Slide Image Placeholder 1"/>
+          <p:cNvSpPr>
+            <a:spLocks noGrp="1" noRot="1" noChangeAspect="1"/>
+          </p:cNvSpPr>
+          <p:nvPr>
+            <p:ph type="sldImg"/>
+          </p:nvPr>
+        </p:nvSpPr>
+        <p:spPr/>
+      </p:sp>
+      <p:sp>
+        <p:nvSpPr>
+          <p:cNvPr id="3" name="Notes Placeholder 2"/>
+          <p:cNvSpPr>
+            <a:spLocks noGrp="1"/>
+          </p:cNvSpPr>
+          <p:nvPr>
+            <p:ph type="body" idx="1"/>
+          </p:nvPr>
+        </p:nvSpPr>
+        <p:spPr/>
+        <p:txBody>
+          <a:bodyPr/>
+          <a:lstStyle/>
+          <a:p>
+            <a:endParaRPr lang="en-US"/>
+          </a:p>
+        </p:txBody>
+      </p:sp>
+      <p:sp>
+        <p:nvSpPr>
+          <p:cNvPr id="4" name="Slide Number Placeholder 3"/>
+          <p:cNvSpPr>
+            <a:spLocks noGrp="1"/>
+          </p:cNvSpPr>
+          <p:nvPr>
+            <p:ph type="sldNum" sz="quarter" idx="10"/>
+          </p:nvPr>
+        </p:nvSpPr>
+        <p:spPr/>
+        <p:txBody>
+          <a:bodyPr/>
+          <a:lstStyle/>
+          <a:p>
+            <a:fld id="{13601C0D-AD39-8143-8175-88B781727A80}" type="slidenum">
+              <a:rPr lang="en-US" smtClean="0"/>
+              <a:t>17</a:t>
+            </a:fld>
+            <a:endParaRPr lang="en-US"/>
+          </a:p>
+        </p:txBody>
+      </p:sp>
+    </p:spTree>
+    <p:extLst>
+      <p:ext uri="{BB962C8B-B14F-4D97-AF65-F5344CB8AC3E}">
+        <p14:creationId xmlns:p14="http://schemas.microsoft.com/office/powerpoint/2010/main" val="4165162000"/>
+      </p:ext>
+    </p:extLst>
+  </p:cSld>
+  <p:clrMapOvr>
+    <a:masterClrMapping/>
+  </p:clrMapOvr>
+</p:notes>
+</file>
+
+<file path=ppt/notesSlides/notesSlide12.xml><?xml version="1.0" encoding="utf-8"?>
+<p:notes xmlns:a="http://schemas.openxmlformats.org/drawingml/2006/main" xmlns:r="http://schemas.openxmlformats.org/officeDocument/2006/relationships" xmlns:p="http://schemas.openxmlformats.org/presentationml/2006/main">
+  <p:cSld>
+    <p:spTree>
+      <p:nvGrpSpPr>
+        <p:cNvPr id="1" name=""/>
+        <p:cNvGrpSpPr/>
+        <p:nvPr/>
+      </p:nvGrpSpPr>
+      <p:grpSpPr>
+        <a:xfrm>
+          <a:off x="0" y="0"/>
+          <a:ext cx="0" cy="0"/>
+          <a:chOff x="0" y="0"/>
+          <a:chExt cx="0" cy="0"/>
+        </a:xfrm>
+      </p:grpSpPr>
+      <p:sp>
+        <p:nvSpPr>
+          <p:cNvPr id="2" name="Slide Image Placeholder 1"/>
+          <p:cNvSpPr>
+            <a:spLocks noGrp="1" noRot="1" noChangeAspect="1"/>
+          </p:cNvSpPr>
+          <p:nvPr>
+            <p:ph type="sldImg"/>
+          </p:nvPr>
+        </p:nvSpPr>
+        <p:spPr/>
+      </p:sp>
+      <p:sp>
+        <p:nvSpPr>
+          <p:cNvPr id="3" name="Notes Placeholder 2"/>
+          <p:cNvSpPr>
+            <a:spLocks noGrp="1"/>
+          </p:cNvSpPr>
+          <p:nvPr>
+            <p:ph type="body" idx="1"/>
+          </p:nvPr>
+        </p:nvSpPr>
+        <p:spPr/>
+        <p:txBody>
+          <a:bodyPr/>
+          <a:lstStyle/>
+          <a:p>
+            <a:endParaRPr lang="en-US"/>
+          </a:p>
+        </p:txBody>
+      </p:sp>
+      <p:sp>
+        <p:nvSpPr>
+          <p:cNvPr id="4" name="Slide Number Placeholder 3"/>
+          <p:cNvSpPr>
+            <a:spLocks noGrp="1"/>
+          </p:cNvSpPr>
+          <p:nvPr>
+            <p:ph type="sldNum" sz="quarter" idx="10"/>
+          </p:nvPr>
+        </p:nvSpPr>
+        <p:spPr/>
+        <p:txBody>
+          <a:bodyPr/>
+          <a:lstStyle/>
+          <a:p>
+            <a:fld id="{13601C0D-AD39-8143-8175-88B781727A80}" type="slidenum">
+              <a:rPr lang="en-US" smtClean="0"/>
+              <a:t>18</a:t>
+            </a:fld>
+            <a:endParaRPr lang="en-US"/>
+          </a:p>
+        </p:txBody>
+      </p:sp>
+    </p:spTree>
+    <p:extLst>
+      <p:ext uri="{BB962C8B-B14F-4D97-AF65-F5344CB8AC3E}">
+        <p14:creationId xmlns:p14="http://schemas.microsoft.com/office/powerpoint/2010/main" val="4165162000"/>
       </p:ext>
     </p:extLst>
   </p:cSld>
@@ -605,7 +858,7 @@
           <a:bodyPr/>
           <a:lstStyle/>
           <a:p>
-            <a:endParaRPr lang="en-US" dirty="0"/>
+            <a:endParaRPr lang="en-US"/>
           </a:p>
         </p:txBody>
       </p:sp>
@@ -689,7 +942,15 @@
           <a:bodyPr/>
           <a:lstStyle/>
           <a:p>
-            <a:endParaRPr lang="en-US" dirty="0"/>
+            <a:r>
+              <a:rPr lang="en-US" smtClean="0"/>
+              <a:t>dynamic programming:</a:t>
+            </a:r>
+            <a:r>
+              <a:rPr lang="en-US" baseline="0" smtClean="0"/>
+              <a:t> recursion, sub-problems. remember previous calculations.</a:t>
+            </a:r>
+            <a:endParaRPr lang="en-US"/>
           </a:p>
         </p:txBody>
       </p:sp>
@@ -710,7 +971,7 @@
           <a:p>
             <a:fld id="{13601C0D-AD39-8143-8175-88B781727A80}" type="slidenum">
               <a:rPr lang="en-US" smtClean="0"/>
-              <a:t>13</a:t>
+              <a:t>6</a:t>
             </a:fld>
             <a:endParaRPr lang="en-US"/>
           </a:p>
@@ -719,7 +980,7 @@
     </p:spTree>
     <p:extLst>
       <p:ext uri="{BB962C8B-B14F-4D97-AF65-F5344CB8AC3E}">
-        <p14:creationId xmlns:p14="http://schemas.microsoft.com/office/powerpoint/2010/main" val="4165162000"/>
+        <p14:creationId xmlns:p14="http://schemas.microsoft.com/office/powerpoint/2010/main" val="1970831275"/>
       </p:ext>
     </p:extLst>
   </p:cSld>
@@ -773,7 +1034,7 @@
           <a:bodyPr/>
           <a:lstStyle/>
           <a:p>
-            <a:endParaRPr lang="en-US" dirty="0"/>
+            <a:endParaRPr lang="en-US"/>
           </a:p>
         </p:txBody>
       </p:sp>
@@ -794,7 +1055,7 @@
           <a:p>
             <a:fld id="{13601C0D-AD39-8143-8175-88B781727A80}" type="slidenum">
               <a:rPr lang="en-US" smtClean="0"/>
-              <a:t>14</a:t>
+              <a:t>8</a:t>
             </a:fld>
             <a:endParaRPr lang="en-US"/>
           </a:p>
@@ -803,7 +1064,7 @@
     </p:spTree>
     <p:extLst>
       <p:ext uri="{BB962C8B-B14F-4D97-AF65-F5344CB8AC3E}">
-        <p14:creationId xmlns:p14="http://schemas.microsoft.com/office/powerpoint/2010/main" val="4165162000"/>
+        <p14:creationId xmlns:p14="http://schemas.microsoft.com/office/powerpoint/2010/main" val="3526970729"/>
       </p:ext>
     </p:extLst>
   </p:cSld>
@@ -857,7 +1118,11 @@
           <a:bodyPr/>
           <a:lstStyle/>
           <a:p>
-            <a:endParaRPr lang="en-US" dirty="0"/>
+            <a:r>
+              <a:rPr lang="en-US" smtClean="0"/>
+              <a:t>Ashley end</a:t>
+            </a:r>
+            <a:endParaRPr lang="en-US"/>
           </a:p>
         </p:txBody>
       </p:sp>
@@ -878,7 +1143,7 @@
           <a:p>
             <a:fld id="{13601C0D-AD39-8143-8175-88B781727A80}" type="slidenum">
               <a:rPr lang="en-US" smtClean="0"/>
-              <a:t>15</a:t>
+              <a:t>9</a:t>
             </a:fld>
             <a:endParaRPr lang="en-US"/>
           </a:p>
@@ -887,7 +1152,7 @@
     </p:spTree>
     <p:extLst>
       <p:ext uri="{BB962C8B-B14F-4D97-AF65-F5344CB8AC3E}">
-        <p14:creationId xmlns:p14="http://schemas.microsoft.com/office/powerpoint/2010/main" val="4165162000"/>
+        <p14:creationId xmlns:p14="http://schemas.microsoft.com/office/powerpoint/2010/main" val="2335575922"/>
       </p:ext>
     </p:extLst>
   </p:cSld>
@@ -941,7 +1206,15 @@
           <a:bodyPr/>
           <a:lstStyle/>
           <a:p>
-            <a:endParaRPr lang="en-US" dirty="0"/>
+            <a:r>
+              <a:rPr lang="en-US" smtClean="0"/>
+              <a:t>Sarah</a:t>
+            </a:r>
+            <a:r>
+              <a:rPr lang="en-US" baseline="0" smtClean="0"/>
+              <a:t> start</a:t>
+            </a:r>
+            <a:endParaRPr lang="en-US"/>
           </a:p>
         </p:txBody>
       </p:sp>
@@ -962,7 +1235,7 @@
           <a:p>
             <a:fld id="{13601C0D-AD39-8143-8175-88B781727A80}" type="slidenum">
               <a:rPr lang="en-US" smtClean="0"/>
-              <a:t>16</a:t>
+              <a:t>10</a:t>
             </a:fld>
             <a:endParaRPr lang="en-US"/>
           </a:p>
@@ -971,7 +1244,7 @@
     </p:spTree>
     <p:extLst>
       <p:ext uri="{BB962C8B-B14F-4D97-AF65-F5344CB8AC3E}">
-        <p14:creationId xmlns:p14="http://schemas.microsoft.com/office/powerpoint/2010/main" val="4165162000"/>
+        <p14:creationId xmlns:p14="http://schemas.microsoft.com/office/powerpoint/2010/main" val="3265360334"/>
       </p:ext>
     </p:extLst>
   </p:cSld>
@@ -1025,7 +1298,7 @@
           <a:bodyPr/>
           <a:lstStyle/>
           <a:p>
-            <a:endParaRPr lang="en-US" dirty="0"/>
+            <a:endParaRPr lang="en-US"/>
           </a:p>
         </p:txBody>
       </p:sp>
@@ -1046,7 +1319,7 @@
           <a:p>
             <a:fld id="{13601C0D-AD39-8143-8175-88B781727A80}" type="slidenum">
               <a:rPr lang="en-US" smtClean="0"/>
-              <a:t>17</a:t>
+              <a:t>13</a:t>
             </a:fld>
             <a:endParaRPr lang="en-US"/>
           </a:p>
@@ -1109,7 +1382,7 @@
           <a:bodyPr/>
           <a:lstStyle/>
           <a:p>
-            <a:endParaRPr lang="en-US" dirty="0"/>
+            <a:endParaRPr lang="en-US"/>
           </a:p>
         </p:txBody>
       </p:sp>
@@ -1130,7 +1403,91 @@
           <a:p>
             <a:fld id="{13601C0D-AD39-8143-8175-88B781727A80}" type="slidenum">
               <a:rPr lang="en-US" smtClean="0"/>
-              <a:t>18</a:t>
+              <a:t>14</a:t>
+            </a:fld>
+            <a:endParaRPr lang="en-US"/>
+          </a:p>
+        </p:txBody>
+      </p:sp>
+    </p:spTree>
+    <p:extLst>
+      <p:ext uri="{BB962C8B-B14F-4D97-AF65-F5344CB8AC3E}">
+        <p14:creationId xmlns:p14="http://schemas.microsoft.com/office/powerpoint/2010/main" val="4165162000"/>
+      </p:ext>
+    </p:extLst>
+  </p:cSld>
+  <p:clrMapOvr>
+    <a:masterClrMapping/>
+  </p:clrMapOvr>
+</p:notes>
+</file>
+
+<file path=ppt/notesSlides/notesSlide9.xml><?xml version="1.0" encoding="utf-8"?>
+<p:notes xmlns:a="http://schemas.openxmlformats.org/drawingml/2006/main" xmlns:r="http://schemas.openxmlformats.org/officeDocument/2006/relationships" xmlns:p="http://schemas.openxmlformats.org/presentationml/2006/main">
+  <p:cSld>
+    <p:spTree>
+      <p:nvGrpSpPr>
+        <p:cNvPr id="1" name=""/>
+        <p:cNvGrpSpPr/>
+        <p:nvPr/>
+      </p:nvGrpSpPr>
+      <p:grpSpPr>
+        <a:xfrm>
+          <a:off x="0" y="0"/>
+          <a:ext cx="0" cy="0"/>
+          <a:chOff x="0" y="0"/>
+          <a:chExt cx="0" cy="0"/>
+        </a:xfrm>
+      </p:grpSpPr>
+      <p:sp>
+        <p:nvSpPr>
+          <p:cNvPr id="2" name="Slide Image Placeholder 1"/>
+          <p:cNvSpPr>
+            <a:spLocks noGrp="1" noRot="1" noChangeAspect="1"/>
+          </p:cNvSpPr>
+          <p:nvPr>
+            <p:ph type="sldImg"/>
+          </p:nvPr>
+        </p:nvSpPr>
+        <p:spPr/>
+      </p:sp>
+      <p:sp>
+        <p:nvSpPr>
+          <p:cNvPr id="3" name="Notes Placeholder 2"/>
+          <p:cNvSpPr>
+            <a:spLocks noGrp="1"/>
+          </p:cNvSpPr>
+          <p:nvPr>
+            <p:ph type="body" idx="1"/>
+          </p:nvPr>
+        </p:nvSpPr>
+        <p:spPr/>
+        <p:txBody>
+          <a:bodyPr/>
+          <a:lstStyle/>
+          <a:p>
+            <a:endParaRPr lang="en-US"/>
+          </a:p>
+        </p:txBody>
+      </p:sp>
+      <p:sp>
+        <p:nvSpPr>
+          <p:cNvPr id="4" name="Slide Number Placeholder 3"/>
+          <p:cNvSpPr>
+            <a:spLocks noGrp="1"/>
+          </p:cNvSpPr>
+          <p:nvPr>
+            <p:ph type="sldNum" sz="quarter" idx="10"/>
+          </p:nvPr>
+        </p:nvSpPr>
+        <p:spPr/>
+        <p:txBody>
+          <a:bodyPr/>
+          <a:lstStyle/>
+          <a:p>
+            <a:fld id="{13601C0D-AD39-8143-8175-88B781727A80}" type="slidenum">
+              <a:rPr lang="en-US" smtClean="0"/>
+              <a:t>15</a:t>
             </a:fld>
             <a:endParaRPr lang="en-US"/>
           </a:p>
@@ -1330,7 +1687,7 @@
           <a:p>
             <a:fld id="{08CC8332-1ACC-4406-A169-8A73968D9A6C}" type="datetimeFigureOut">
               <a:rPr lang="en-US" smtClean="0"/>
-              <a:t>11/18/14</a:t>
+              <a:t>11/18/2014</a:t>
             </a:fld>
             <a:endParaRPr lang="en-US"/>
           </a:p>
@@ -1500,7 +1857,7 @@
           <a:p>
             <a:fld id="{08CC8332-1ACC-4406-A169-8A73968D9A6C}" type="datetimeFigureOut">
               <a:rPr lang="en-US" smtClean="0"/>
-              <a:t>11/18/14</a:t>
+              <a:t>11/18/2014</a:t>
             </a:fld>
             <a:endParaRPr lang="en-US"/>
           </a:p>
@@ -1680,7 +2037,7 @@
           <a:p>
             <a:fld id="{08CC8332-1ACC-4406-A169-8A73968D9A6C}" type="datetimeFigureOut">
               <a:rPr lang="en-US" smtClean="0"/>
-              <a:t>11/18/14</a:t>
+              <a:t>11/18/2014</a:t>
             </a:fld>
             <a:endParaRPr lang="en-US"/>
           </a:p>
@@ -1850,7 +2207,7 @@
           <a:p>
             <a:fld id="{08CC8332-1ACC-4406-A169-8A73968D9A6C}" type="datetimeFigureOut">
               <a:rPr lang="en-US" smtClean="0"/>
-              <a:t>11/18/14</a:t>
+              <a:t>11/18/2014</a:t>
             </a:fld>
             <a:endParaRPr lang="en-US"/>
           </a:p>
@@ -2096,7 +2453,7 @@
           <a:p>
             <a:fld id="{08CC8332-1ACC-4406-A169-8A73968D9A6C}" type="datetimeFigureOut">
               <a:rPr lang="en-US" smtClean="0"/>
-              <a:t>11/18/14</a:t>
+              <a:t>11/18/2014</a:t>
             </a:fld>
             <a:endParaRPr lang="en-US"/>
           </a:p>
@@ -2384,7 +2741,7 @@
           <a:p>
             <a:fld id="{08CC8332-1ACC-4406-A169-8A73968D9A6C}" type="datetimeFigureOut">
               <a:rPr lang="en-US" smtClean="0"/>
-              <a:t>11/18/14</a:t>
+              <a:t>11/18/2014</a:t>
             </a:fld>
             <a:endParaRPr lang="en-US"/>
           </a:p>
@@ -2806,7 +3163,7 @@
           <a:p>
             <a:fld id="{08CC8332-1ACC-4406-A169-8A73968D9A6C}" type="datetimeFigureOut">
               <a:rPr lang="en-US" smtClean="0"/>
-              <a:t>11/18/14</a:t>
+              <a:t>11/18/2014</a:t>
             </a:fld>
             <a:endParaRPr lang="en-US"/>
           </a:p>
@@ -2924,7 +3281,7 @@
           <a:p>
             <a:fld id="{08CC8332-1ACC-4406-A169-8A73968D9A6C}" type="datetimeFigureOut">
               <a:rPr lang="en-US" smtClean="0"/>
-              <a:t>11/18/14</a:t>
+              <a:t>11/18/2014</a:t>
             </a:fld>
             <a:endParaRPr lang="en-US"/>
           </a:p>
@@ -3019,7 +3376,7 @@
           <a:p>
             <a:fld id="{08CC8332-1ACC-4406-A169-8A73968D9A6C}" type="datetimeFigureOut">
               <a:rPr lang="en-US" smtClean="0"/>
-              <a:t>11/18/14</a:t>
+              <a:t>11/18/2014</a:t>
             </a:fld>
             <a:endParaRPr lang="en-US"/>
           </a:p>
@@ -3296,7 +3653,7 @@
           <a:p>
             <a:fld id="{08CC8332-1ACC-4406-A169-8A73968D9A6C}" type="datetimeFigureOut">
               <a:rPr lang="en-US" smtClean="0"/>
-              <a:t>11/18/14</a:t>
+              <a:t>11/18/2014</a:t>
             </a:fld>
             <a:endParaRPr lang="en-US"/>
           </a:p>
@@ -3549,7 +3906,7 @@
           <a:p>
             <a:fld id="{08CC8332-1ACC-4406-A169-8A73968D9A6C}" type="datetimeFigureOut">
               <a:rPr lang="en-US" smtClean="0"/>
-              <a:t>11/18/14</a:t>
+              <a:t>11/18/2014</a:t>
             </a:fld>
             <a:endParaRPr lang="en-US"/>
           </a:p>
@@ -3762,7 +4119,7 @@
           <a:p>
             <a:fld id="{08CC8332-1ACC-4406-A169-8A73968D9A6C}" type="datetimeFigureOut">
               <a:rPr lang="en-US" smtClean="0"/>
-              <a:t>11/18/14</a:t>
+              <a:t>11/18/2014</a:t>
             </a:fld>
             <a:endParaRPr lang="en-US"/>
           </a:p>
@@ -4155,10 +4512,10 @@
           <a:lstStyle/>
           <a:p>
             <a:r>
-              <a:rPr lang="en-US" dirty="0" smtClean="0"/>
+              <a:rPr lang="en-US" smtClean="0"/>
               <a:t>A Genetic Algorithm Solution to the Multi-Objective 0-1 Knapsack Problem</a:t>
             </a:r>
-            <a:endParaRPr lang="en-US" dirty="0"/>
+            <a:endParaRPr lang="en-US"/>
           </a:p>
         </p:txBody>
       </p:sp>
@@ -4185,39 +4542,39 @@
           <a:lstStyle/>
           <a:p>
             <a:r>
-              <a:rPr lang="en-US" dirty="0" smtClean="0"/>
+              <a:rPr lang="en-US" smtClean="0"/>
               <a:t>University of Louisville</a:t>
             </a:r>
           </a:p>
           <a:p>
             <a:r>
-              <a:rPr lang="en-US" dirty="0" smtClean="0"/>
+              <a:rPr lang="en-US" smtClean="0"/>
               <a:t>CECS 545</a:t>
             </a:r>
           </a:p>
           <a:p>
             <a:r>
-              <a:rPr lang="en-US" dirty="0" smtClean="0"/>
+              <a:rPr lang="en-US" smtClean="0"/>
               <a:t>Sarah Mullins</a:t>
             </a:r>
           </a:p>
           <a:p>
             <a:r>
-              <a:rPr lang="en-US" dirty="0" smtClean="0"/>
+              <a:rPr lang="en-US" smtClean="0"/>
               <a:t>Ashley </a:t>
             </a:r>
             <a:r>
-              <a:rPr lang="en-US" dirty="0" err="1" smtClean="0"/>
+              <a:rPr lang="en-US" err="1" smtClean="0"/>
               <a:t>Revlett</a:t>
             </a:r>
-            <a:endParaRPr lang="en-US" dirty="0" smtClean="0"/>
-          </a:p>
-          <a:p>
-            <a:r>
-              <a:rPr lang="en-US" dirty="0" smtClean="0"/>
+            <a:endParaRPr lang="en-US" smtClean="0"/>
+          </a:p>
+          <a:p>
+            <a:r>
+              <a:rPr lang="en-US" smtClean="0"/>
               <a:t>November 19, 2014</a:t>
             </a:r>
-            <a:endParaRPr lang="en-US" dirty="0"/>
+            <a:endParaRPr lang="en-US"/>
           </a:p>
         </p:txBody>
       </p:sp>
@@ -4269,10 +4626,10 @@
           <a:lstStyle/>
           <a:p>
             <a:r>
-              <a:rPr lang="en-US" sz="3600" dirty="0" smtClean="0"/>
+              <a:rPr lang="en-US" sz="3600" smtClean="0"/>
               <a:t>Calculating Fitness Score of an Item</a:t>
             </a:r>
-            <a:endParaRPr lang="en-US" sz="3600" dirty="0"/>
+            <a:endParaRPr lang="en-US" sz="3600"/>
           </a:p>
         </p:txBody>
       </p:sp>
@@ -4302,221 +4659,185 @@
               <a:buAutoNum type="arabicPeriod"/>
             </a:pPr>
             <a:r>
-              <a:rPr lang="en-US" dirty="0" smtClean="0"/>
+              <a:rPr lang="en-US" smtClean="0"/>
               <a:t>For each objective, normalize values to 0-1:</a:t>
             </a:r>
           </a:p>
           <a:p>
             <a:r>
-              <a:rPr lang="en-US" dirty="0" err="1" smtClean="0">
+              <a:rPr lang="en-US" smtClean="0">
                 <a:latin typeface="Courier New"/>
               </a:rPr>
-              <a:t>Weight_score</a:t>
-            </a:r>
-            <a:r>
-              <a:rPr lang="en-US" dirty="0" smtClean="0">
-                <a:latin typeface="Courier New"/>
-              </a:rPr>
-              <a:t> = weight/</a:t>
-            </a:r>
-            <a:r>
-              <a:rPr lang="en-US" dirty="0" err="1" smtClean="0">
+              <a:t>Weight_score = weight/</a:t>
+            </a:r>
+            <a:r>
+              <a:rPr lang="en-US" err="1" smtClean="0">
                 <a:latin typeface="Courier New"/>
               </a:rPr>
               <a:t>max_weight</a:t>
             </a:r>
             <a:r>
-              <a:rPr lang="en-US" dirty="0" smtClean="0">
+              <a:rPr lang="en-US" smtClean="0">
                 <a:latin typeface="Courier New"/>
               </a:rPr>
               <a:t/>
             </a:r>
             <a:br>
-              <a:rPr lang="en-US" dirty="0" smtClean="0">
+              <a:rPr lang="en-US" smtClean="0">
                 <a:latin typeface="Courier New"/>
               </a:rPr>
             </a:br>
             <a:r>
-              <a:rPr lang="en-US" dirty="0" err="1" smtClean="0">
+              <a:rPr lang="en-US" err="1" smtClean="0">
                 <a:latin typeface="Courier New"/>
               </a:rPr>
               <a:t>Value_score</a:t>
             </a:r>
             <a:r>
-              <a:rPr lang="en-US" dirty="0" smtClean="0">
+              <a:rPr lang="en-US" smtClean="0">
                 <a:latin typeface="Courier New"/>
               </a:rPr>
               <a:t>  = value/</a:t>
             </a:r>
             <a:r>
-              <a:rPr lang="en-US" dirty="0" err="1" smtClean="0">
+              <a:rPr lang="en-US" err="1" smtClean="0">
                 <a:latin typeface="Courier New"/>
               </a:rPr>
               <a:t>max_value</a:t>
             </a:r>
             <a:r>
-              <a:rPr lang="en-US" dirty="0" smtClean="0">
+              <a:rPr lang="en-US" smtClean="0">
                 <a:latin typeface="Courier New"/>
               </a:rPr>
               <a:t/>
             </a:r>
             <a:br>
-              <a:rPr lang="en-US" dirty="0" smtClean="0">
+              <a:rPr lang="en-US" smtClean="0">
                 <a:latin typeface="Courier New"/>
               </a:rPr>
             </a:br>
             <a:r>
-              <a:rPr lang="en-US" dirty="0" err="1" smtClean="0">
+              <a:rPr lang="en-US" err="1" smtClean="0">
                 <a:latin typeface="Courier New"/>
               </a:rPr>
               <a:t>Price_score</a:t>
             </a:r>
             <a:r>
-              <a:rPr lang="en-US" dirty="0" smtClean="0">
+              <a:rPr lang="en-US" smtClean="0">
                 <a:latin typeface="Courier New"/>
               </a:rPr>
               <a:t>  = price/</a:t>
             </a:r>
             <a:r>
-              <a:rPr lang="en-US" dirty="0" err="1" smtClean="0">
+              <a:rPr lang="en-US" err="1" smtClean="0">
                 <a:latin typeface="Courier New"/>
               </a:rPr>
               <a:t>max_price</a:t>
             </a:r>
-            <a:endParaRPr lang="en-US" dirty="0">
+            <a:endParaRPr lang="en-US">
               <a:latin typeface="Courier New"/>
             </a:endParaRPr>
           </a:p>
           <a:p>
-            <a:endParaRPr lang="en-US" dirty="0" smtClean="0">
+            <a:endParaRPr lang="en-US" smtClean="0">
               <a:latin typeface="Courier New"/>
             </a:endParaRPr>
           </a:p>
           <a:p>
             <a:r>
-              <a:rPr lang="en-US" dirty="0" smtClean="0"/>
+              <a:rPr lang="en-US" smtClean="0"/>
               <a:t>2. For parameters to minimize, invert the scores:</a:t>
             </a:r>
           </a:p>
           <a:p>
             <a:r>
-              <a:rPr lang="en-US" dirty="0" err="1" smtClean="0">
+              <a:rPr lang="en-US" smtClean="0">
                 <a:latin typeface="Courier New"/>
               </a:rPr>
-              <a:t>Weight_score</a:t>
-            </a:r>
-            <a:r>
-              <a:rPr lang="en-US" dirty="0" smtClean="0">
-                <a:latin typeface="Courier New"/>
-              </a:rPr>
-              <a:t> = 1 - </a:t>
-            </a:r>
-            <a:r>
-              <a:rPr lang="en-US" dirty="0" err="1" smtClean="0">
-                <a:latin typeface="Courier New"/>
-              </a:rPr>
-              <a:t>Weight_score</a:t>
-            </a:r>
-            <a:r>
-              <a:rPr lang="en-US" dirty="0" smtClean="0">
-                <a:latin typeface="Courier New"/>
-              </a:rPr>
-              <a:t/>
+              <a:t>Weight_score = 1 - Weight_score</a:t>
             </a:r>
             <a:br>
-              <a:rPr lang="en-US" dirty="0" smtClean="0">
+              <a:rPr lang="en-US" smtClean="0">
                 <a:latin typeface="Courier New"/>
               </a:rPr>
             </a:br>
             <a:r>
-              <a:rPr lang="en-US" dirty="0" err="1" smtClean="0">
+              <a:rPr lang="en-US" err="1" smtClean="0">
                 <a:latin typeface="Courier New"/>
               </a:rPr>
               <a:t>Price_score</a:t>
             </a:r>
             <a:r>
-              <a:rPr lang="en-US" dirty="0" smtClean="0">
+              <a:rPr lang="en-US" smtClean="0">
                 <a:latin typeface="Courier New"/>
               </a:rPr>
               <a:t>  = 1 - </a:t>
             </a:r>
             <a:r>
-              <a:rPr lang="en-US" dirty="0" err="1" smtClean="0">
+              <a:rPr lang="en-US" err="1" smtClean="0">
                 <a:latin typeface="Courier New"/>
               </a:rPr>
               <a:t>Price_score</a:t>
             </a:r>
             <a:r>
-              <a:rPr lang="en-US" dirty="0" smtClean="0">
+              <a:rPr lang="en-US" smtClean="0">
                 <a:latin typeface="Courier New"/>
               </a:rPr>
               <a:t> </a:t>
             </a:r>
           </a:p>
           <a:p>
-            <a:endParaRPr lang="en-US" dirty="0" smtClean="0"/>
-          </a:p>
-          <a:p>
-            <a:r>
-              <a:rPr lang="en-US" dirty="0"/>
+            <a:endParaRPr lang="en-US" smtClean="0"/>
+          </a:p>
+          <a:p>
+            <a:r>
+              <a:rPr lang="en-US"/>
               <a:t>3</a:t>
             </a:r>
             <a:r>
-              <a:rPr lang="en-US" dirty="0" smtClean="0"/>
+              <a:rPr lang="en-US" smtClean="0"/>
               <a:t>. Sum the scores :</a:t>
             </a:r>
-            <a:endParaRPr lang="en-US" dirty="0"/>
-          </a:p>
-          <a:p>
-            <a:r>
-              <a:rPr lang="en-US" dirty="0" smtClean="0">
+            <a:endParaRPr lang="en-US"/>
+          </a:p>
+          <a:p>
+            <a:r>
+              <a:rPr lang="en-US" smtClean="0">
                 <a:latin typeface="Courier New"/>
               </a:rPr>
-              <a:t>Fitness = </a:t>
-            </a:r>
-            <a:r>
-              <a:rPr lang="en-US" dirty="0" err="1" smtClean="0">
-                <a:latin typeface="Courier New"/>
-              </a:rPr>
-              <a:t>Weight_score</a:t>
-            </a:r>
-            <a:r>
-              <a:rPr lang="en-US" dirty="0" smtClean="0">
-                <a:latin typeface="Courier New"/>
-              </a:rPr>
-              <a:t> +  </a:t>
-            </a:r>
-            <a:r>
-              <a:rPr lang="en-US" dirty="0" err="1" smtClean="0">
+              <a:t>Fitness = Weight_score +  </a:t>
+            </a:r>
+            <a:r>
+              <a:rPr lang="en-US" err="1" smtClean="0">
                 <a:latin typeface="Courier New"/>
               </a:rPr>
               <a:t>Value_score</a:t>
             </a:r>
             <a:r>
-              <a:rPr lang="en-US" dirty="0" smtClean="0">
+              <a:rPr lang="en-US" smtClean="0">
                 <a:latin typeface="Courier New"/>
               </a:rPr>
               <a:t> + </a:t>
             </a:r>
             <a:r>
-              <a:rPr lang="en-US" dirty="0" err="1" smtClean="0">
+              <a:rPr lang="en-US" err="1" smtClean="0">
                 <a:latin typeface="Courier New"/>
               </a:rPr>
               <a:t>Price_score</a:t>
             </a:r>
-            <a:endParaRPr lang="en-US" dirty="0">
+            <a:endParaRPr lang="en-US">
               <a:latin typeface="Courier New"/>
             </a:endParaRPr>
           </a:p>
           <a:p>
-            <a:endParaRPr lang="en-US" dirty="0" smtClean="0"/>
-          </a:p>
-          <a:p>
-            <a:r>
-              <a:rPr lang="en-US" dirty="0" smtClean="0"/>
+            <a:endParaRPr lang="en-US" smtClean="0"/>
+          </a:p>
+          <a:p>
+            <a:r>
+              <a:rPr lang="en-US" smtClean="0"/>
               <a:t>4. This aggregate fitness score will be higher for items with high values and low prices and weights.</a:t>
             </a:r>
-            <a:endParaRPr lang="en-US" dirty="0">
+            <a:endParaRPr lang="en-US">
               <a:latin typeface="Courier New"/>
             </a:endParaRPr>
           </a:p>
@@ -4531,7 +4852,7 @@
           <p:nvPr/>
         </p:nvPicPr>
         <p:blipFill>
-          <a:blip r:embed="rId2">
+          <a:blip r:embed="rId3">
             <a:extLst>
               <a:ext uri="{28A0092B-C50C-407E-A947-70E740481C1C}">
                 <a14:useLocalDpi xmlns:a14="http://schemas.microsoft.com/office/drawing/2010/main" val="0"/>
@@ -4575,26 +4896,26 @@
           <a:lstStyle/>
           <a:p>
             <a:r>
-              <a:rPr lang="en-US" sz="1400" dirty="0" smtClean="0">
+              <a:rPr lang="en-US" sz="1400" smtClean="0">
                 <a:latin typeface="Courier New"/>
               </a:rPr>
               <a:t>EXAMPLE:</a:t>
             </a:r>
           </a:p>
           <a:p>
-            <a:endParaRPr lang="en-US" sz="1400" dirty="0" smtClean="0">
+            <a:endParaRPr lang="en-US" sz="1400" smtClean="0">
               <a:latin typeface="Courier New"/>
             </a:endParaRPr>
           </a:p>
           <a:p>
             <a:r>
-              <a:rPr lang="en-US" sz="1400" dirty="0" err="1" smtClean="0">
+              <a:rPr lang="en-US" sz="1400" err="1" smtClean="0">
                 <a:latin typeface="Courier New"/>
               </a:rPr>
               <a:t>max_weight</a:t>
             </a:r>
             <a:r>
-              <a:rPr lang="en-US" sz="1400" dirty="0" smtClean="0">
+              <a:rPr lang="en-US" sz="1400" smtClean="0">
                 <a:latin typeface="Courier New"/>
               </a:rPr>
               <a:t> = 10</a:t>
@@ -4602,13 +4923,13 @@
           </a:p>
           <a:p>
             <a:r>
-              <a:rPr lang="en-US" sz="1400" dirty="0" err="1" smtClean="0">
+              <a:rPr lang="en-US" sz="1400" err="1" smtClean="0">
                 <a:latin typeface="Courier New"/>
               </a:rPr>
               <a:t>max_value</a:t>
             </a:r>
             <a:r>
-              <a:rPr lang="en-US" sz="1400" dirty="0" smtClean="0">
+              <a:rPr lang="en-US" sz="1400" smtClean="0">
                 <a:latin typeface="Courier New"/>
               </a:rPr>
               <a:t>  = 5</a:t>
@@ -4616,81 +4937,75 @@
           </a:p>
           <a:p>
             <a:r>
-              <a:rPr lang="en-US" sz="1400" dirty="0" err="1" smtClean="0">
+              <a:rPr lang="en-US" sz="1400" err="1" smtClean="0">
                 <a:latin typeface="Courier New"/>
               </a:rPr>
               <a:t>max_price</a:t>
             </a:r>
             <a:r>
-              <a:rPr lang="en-US" sz="1400" dirty="0" smtClean="0">
+              <a:rPr lang="en-US" sz="1400" smtClean="0">
                 <a:latin typeface="Courier New"/>
               </a:rPr>
               <a:t>  = 30</a:t>
             </a:r>
           </a:p>
           <a:p>
-            <a:endParaRPr lang="en-US" sz="1400" dirty="0" smtClean="0">
+            <a:endParaRPr lang="en-US" sz="1400" smtClean="0">
               <a:latin typeface="Courier New"/>
             </a:endParaRPr>
           </a:p>
           <a:p>
             <a:r>
-              <a:rPr lang="en-US" sz="1400" dirty="0" err="1" smtClean="0">
+              <a:rPr lang="en-US" sz="1400" smtClean="0">
                 <a:latin typeface="Courier New"/>
               </a:rPr>
-              <a:t>Weight_score</a:t>
-            </a:r>
-            <a:r>
-              <a:rPr lang="en-US" sz="1400" dirty="0" smtClean="0">
-                <a:latin typeface="Courier New"/>
-              </a:rPr>
-              <a:t> = .9</a:t>
-            </a:r>
-          </a:p>
-          <a:p>
-            <a:r>
-              <a:rPr lang="en-US" sz="1400" dirty="0" err="1" smtClean="0">
+              <a:t>Weight_score = .9</a:t>
+            </a:r>
+          </a:p>
+          <a:p>
+            <a:r>
+              <a:rPr lang="en-US" sz="1400" err="1" smtClean="0">
                 <a:latin typeface="Courier New"/>
               </a:rPr>
               <a:t>Value_score</a:t>
             </a:r>
             <a:r>
-              <a:rPr lang="en-US" sz="1400" dirty="0" smtClean="0">
+              <a:rPr lang="en-US" sz="1400" smtClean="0">
                 <a:latin typeface="Courier New"/>
               </a:rPr>
               <a:t> = .06</a:t>
             </a:r>
             <a:br>
-              <a:rPr lang="en-US" sz="1400" dirty="0" smtClean="0">
+              <a:rPr lang="en-US" sz="1400" smtClean="0">
                 <a:latin typeface="Courier New"/>
               </a:rPr>
             </a:br>
             <a:r>
-              <a:rPr lang="en-US" sz="1400" dirty="0" err="1" smtClean="0">
+              <a:rPr lang="en-US" sz="1400" err="1" smtClean="0">
                 <a:latin typeface="Courier New"/>
               </a:rPr>
               <a:t>Price_score</a:t>
             </a:r>
             <a:r>
-              <a:rPr lang="en-US" sz="1400" dirty="0" smtClean="0">
+              <a:rPr lang="en-US" sz="1400" smtClean="0">
                 <a:latin typeface="Courier New"/>
               </a:rPr>
               <a:t> = .89</a:t>
             </a:r>
           </a:p>
           <a:p>
-            <a:endParaRPr lang="en-US" sz="1400" dirty="0" smtClean="0">
+            <a:endParaRPr lang="en-US" sz="1400" smtClean="0">
               <a:latin typeface="Courier New"/>
             </a:endParaRPr>
           </a:p>
           <a:p>
             <a:r>
-              <a:rPr lang="en-US" sz="1400" b="1" dirty="0" smtClean="0">
+              <a:rPr lang="en-US" sz="1400" b="1" smtClean="0">
                 <a:latin typeface="Courier New"/>
               </a:rPr>
               <a:t>Fitness = 1.85</a:t>
             </a:r>
-            <a:endParaRPr lang="en-US" sz="1400" b="1" dirty="0">
+            <a:endParaRPr lang="en-US" sz="1400" b="1">
               <a:latin typeface="Courier New"/>
             </a:endParaRPr>
           </a:p>
@@ -4744,10 +5059,10 @@
           <a:lstStyle/>
           <a:p>
             <a:r>
-              <a:rPr lang="en-US" sz="3600" dirty="0" smtClean="0"/>
+              <a:rPr lang="en-US" sz="3600" smtClean="0"/>
               <a:t>Calculating Fitness Score of a Solution</a:t>
             </a:r>
-            <a:endParaRPr lang="en-US" sz="3600" dirty="0"/>
+            <a:endParaRPr lang="en-US" sz="3600"/>
           </a:p>
         </p:txBody>
       </p:sp>
@@ -4778,7 +5093,7 @@
               <a:buChar char="•"/>
             </a:pPr>
             <a:r>
-              <a:rPr lang="en-US" dirty="0" smtClean="0"/>
+              <a:rPr lang="en-US" smtClean="0"/>
               <a:t>Sum the fitness scores for all items included in the knapsack.</a:t>
             </a:r>
           </a:p>
@@ -4806,7 +5121,7 @@
           <a:graphicData uri="http://schemas.openxmlformats.org/presentationml/2006/ole">
             <mc:AlternateContent xmlns:mc="http://schemas.openxmlformats.org/markup-compatibility/2006">
               <mc:Choice xmlns:v="urn:schemas-microsoft-com:vml" Requires="v">
-                <p:oleObj spid="_x0000_s1030" name="Document" r:id="rId3" imgW="5486400" imgH="838200" progId="Word.Document.12">
+                <p:oleObj spid="_x0000_s1035" name="Document" r:id="rId3" imgW="5486400" imgH="838200" progId="Word.Document.12">
                   <p:link updateAutomatic="1"/>
                 </p:oleObj>
               </mc:Choice>
@@ -4889,10 +5204,10 @@
           <a:lstStyle/>
           <a:p>
             <a:r>
-              <a:rPr lang="en-US" dirty="0" smtClean="0"/>
+              <a:rPr lang="en-US" smtClean="0"/>
               <a:t>Mutation &amp; Crossover Operators</a:t>
             </a:r>
-            <a:endParaRPr lang="en-US" dirty="0"/>
+            <a:endParaRPr lang="en-US"/>
           </a:p>
         </p:txBody>
       </p:sp>
@@ -4914,37 +5229,37 @@
         </p:spPr>
         <p:txBody>
           <a:bodyPr>
-            <a:normAutofit fontScale="85000" lnSpcReduction="10000"/>
+            <a:normAutofit fontScale="92500" lnSpcReduction="10000"/>
           </a:bodyPr>
           <a:lstStyle/>
           <a:p>
             <a:r>
-              <a:rPr lang="en-US" b="1" dirty="0" smtClean="0"/>
+              <a:rPr lang="en-US" b="1" smtClean="0"/>
               <a:t>Mutation: </a:t>
             </a:r>
             <a:r>
-              <a:rPr lang="en-US" dirty="0" smtClean="0"/>
+              <a:rPr lang="en-US" smtClean="0"/>
               <a:t>Flip a random number of bits in the solution’s chromosome. If the result is over capacity, remove the least fit items until within capacity.</a:t>
             </a:r>
           </a:p>
           <a:p>
             <a:r>
-              <a:rPr lang="en-US" b="1" dirty="0" smtClean="0"/>
+              <a:rPr lang="en-US" b="1" smtClean="0"/>
               <a:t>Crossover: </a:t>
             </a:r>
             <a:r>
-              <a:rPr lang="en-US" dirty="0" smtClean="0"/>
+              <a:rPr lang="en-US" smtClean="0"/>
               <a:t>Choose 2 parents, A and B, and combine the first half of A’s chromosome with the second half of B’s chromosome. </a:t>
             </a:r>
             <a:r>
-              <a:rPr lang="en-US" dirty="0"/>
+              <a:rPr lang="en-US"/>
               <a:t>If the result is over capacity, remove the least fit items until within capacity</a:t>
             </a:r>
             <a:r>
-              <a:rPr lang="en-US" dirty="0" smtClean="0"/>
+              <a:rPr lang="en-US" smtClean="0"/>
               <a:t>.</a:t>
             </a:r>
-            <a:endParaRPr lang="en-US" dirty="0"/>
+            <a:endParaRPr lang="en-US"/>
           </a:p>
         </p:txBody>
       </p:sp>
@@ -5029,10 +5344,10 @@
           <a:lstStyle/>
           <a:p>
             <a:r>
-              <a:rPr lang="en-US" dirty="0" smtClean="0"/>
+              <a:rPr lang="en-US" smtClean="0"/>
               <a:t>Crowd Wisdom</a:t>
             </a:r>
-            <a:endParaRPr lang="en-US" dirty="0"/>
+            <a:endParaRPr lang="en-US"/>
           </a:p>
         </p:txBody>
       </p:sp>
@@ -5059,36 +5374,36 @@
           <a:lstStyle/>
           <a:p>
             <a:r>
-              <a:rPr lang="en-US" dirty="0" smtClean="0"/>
+              <a:rPr lang="en-US" smtClean="0"/>
               <a:t>Genetic Algorithm is run many times to produce many good </a:t>
             </a:r>
             <a:r>
-              <a:rPr lang="en-US" dirty="0"/>
+              <a:rPr lang="en-US"/>
               <a:t>but not necessarily optimal </a:t>
             </a:r>
             <a:r>
-              <a:rPr lang="en-US" dirty="0" smtClean="0"/>
+              <a:rPr lang="en-US" smtClean="0"/>
               <a:t>solutions</a:t>
             </a:r>
           </a:p>
           <a:p>
             <a:r>
-              <a:rPr lang="en-US" dirty="0" smtClean="0"/>
+              <a:rPr lang="en-US" smtClean="0"/>
               <a:t>Crowd is analyzed to determine most commonly shared items</a:t>
             </a:r>
           </a:p>
           <a:p>
             <a:r>
-              <a:rPr lang="en-US" dirty="0" smtClean="0"/>
+              <a:rPr lang="en-US" smtClean="0"/>
               <a:t>New solution is created from these common items, then fittest remaining items are added until capacity is reached.</a:t>
             </a:r>
           </a:p>
           <a:p>
             <a:r>
-              <a:rPr lang="en-US" dirty="0" smtClean="0"/>
+              <a:rPr lang="en-US" smtClean="0"/>
               <a:t>In our experiments, the new solution was never better than the best crowd member. Often the same solution was discovered, or a less optimal solution.</a:t>
             </a:r>
-            <a:endParaRPr lang="en-US" dirty="0"/>
+            <a:endParaRPr lang="en-US"/>
           </a:p>
         </p:txBody>
       </p:sp>
@@ -5170,30 +5485,29 @@
           <a:lstStyle/>
           <a:p>
             <a:r>
-              <a:rPr lang="en-US" dirty="0" smtClean="0"/>
+              <a:rPr lang="en-US" smtClean="0"/>
               <a:t>Results (</a:t>
             </a:r>
             <a:r>
-              <a:rPr lang="en-US" dirty="0"/>
+              <a:rPr lang="en-US"/>
               <a:t>n</a:t>
             </a:r>
             <a:r>
-              <a:rPr lang="en-US" dirty="0" smtClean="0"/>
+              <a:rPr lang="en-US" smtClean="0"/>
               <a:t>=100</a:t>
             </a:r>
             <a:r>
-              <a:rPr lang="en-US" dirty="0"/>
+              <a:rPr lang="en-US"/>
               <a:t>, c</a:t>
             </a:r>
             <a:r>
-              <a:rPr lang="en-US" dirty="0" smtClean="0"/>
+              <a:rPr lang="en-US" smtClean="0"/>
               <a:t>=300</a:t>
             </a:r>
             <a:r>
-              <a:rPr lang="en-US" dirty="0"/>
+              <a:rPr lang="en-US"/>
               <a:t>)</a:t>
             </a:r>
-            <a:endParaRPr lang="en-US" dirty="0"/>
           </a:p>
         </p:txBody>
       </p:sp>
@@ -5215,7 +5529,7 @@
         </p:spPr>
         <p:txBody>
           <a:bodyPr>
-            <a:normAutofit fontScale="55000" lnSpcReduction="20000"/>
+            <a:normAutofit fontScale="62500" lnSpcReduction="20000"/>
           </a:bodyPr>
           <a:lstStyle/>
           <a:p>
@@ -5223,28 +5537,24 @@
               <a:buNone/>
             </a:pPr>
             <a:r>
-              <a:rPr lang="en-US" dirty="0" smtClean="0"/>
+              <a:rPr lang="en-US" smtClean="0"/>
               <a:t>Solution evolution over 70 </a:t>
             </a:r>
             <a:r>
-              <a:rPr lang="en-US" dirty="0"/>
+              <a:rPr lang="en-US"/>
               <a:t>generations for n = 100, c = </a:t>
             </a:r>
             <a:r>
-              <a:rPr lang="en-US" dirty="0" smtClean="0"/>
+              <a:rPr lang="en-US" smtClean="0"/>
               <a:t>300. Population size = 60. Crowd size = 25.</a:t>
             </a:r>
             <a:r>
-              <a:rPr lang="en-US" dirty="0"/>
+              <a:rPr lang="en-US"/>
               <a:t> </a:t>
             </a:r>
             <a:r>
-              <a:rPr lang="en-US" dirty="0" smtClean="0"/>
-              <a:t>Each color line is a different crowd member. Runtime: </a:t>
-            </a:r>
-            <a:r>
-              <a:rPr lang="en-US" dirty="0" smtClean="0"/>
-              <a:t>15.34 sec</a:t>
+              <a:rPr lang="en-US" smtClean="0"/>
+              <a:t>Each color line is a different crowd member. Runtime: 15.34 sec</a:t>
             </a:r>
           </a:p>
         </p:txBody>
@@ -5327,10 +5637,10 @@
           <a:lstStyle/>
           <a:p>
             <a:r>
-              <a:rPr lang="en-US" dirty="0" smtClean="0"/>
+              <a:rPr lang="en-US" smtClean="0"/>
               <a:t>Results (n=300, c=600)</a:t>
             </a:r>
-            <a:endParaRPr lang="en-US" dirty="0"/>
+            <a:endParaRPr lang="en-US"/>
           </a:p>
         </p:txBody>
       </p:sp>
@@ -5352,7 +5662,7 @@
         </p:spPr>
         <p:txBody>
           <a:bodyPr>
-            <a:normAutofit fontScale="70000" lnSpcReduction="20000"/>
+            <a:normAutofit fontScale="85000" lnSpcReduction="20000"/>
           </a:bodyPr>
           <a:lstStyle/>
           <a:p>
@@ -5360,36 +5670,32 @@
               <a:buNone/>
             </a:pPr>
             <a:r>
-              <a:rPr lang="en-US" dirty="0" smtClean="0"/>
+              <a:rPr lang="en-US" smtClean="0"/>
               <a:t>Solution evolution over 70 </a:t>
             </a:r>
             <a:r>
-              <a:rPr lang="en-US" dirty="0"/>
+              <a:rPr lang="en-US"/>
               <a:t>generations for n = </a:t>
             </a:r>
             <a:r>
-              <a:rPr lang="en-US" dirty="0" smtClean="0"/>
+              <a:rPr lang="en-US" smtClean="0"/>
               <a:t>300</a:t>
             </a:r>
             <a:r>
-              <a:rPr lang="en-US" dirty="0"/>
+              <a:rPr lang="en-US"/>
               <a:t>, c = </a:t>
             </a:r>
             <a:r>
-              <a:rPr lang="en-US" dirty="0" smtClean="0"/>
+              <a:rPr lang="en-US" smtClean="0"/>
               <a:t>600. Population size = 60. Crowd size = 25.</a:t>
             </a:r>
             <a:r>
-              <a:rPr lang="en-US" dirty="0"/>
+              <a:rPr lang="en-US"/>
               <a:t> </a:t>
             </a:r>
             <a:r>
-              <a:rPr lang="en-US" dirty="0" smtClean="0"/>
-              <a:t>Runtime: </a:t>
-            </a:r>
-            <a:r>
-              <a:rPr lang="en-US" dirty="0" smtClean="0"/>
-              <a:t>90.55 sec</a:t>
+              <a:rPr lang="en-US" smtClean="0"/>
+              <a:t>Runtime: 90.55 sec</a:t>
             </a:r>
           </a:p>
         </p:txBody>
@@ -5472,10 +5778,10 @@
           <a:lstStyle/>
           <a:p>
             <a:r>
-              <a:rPr lang="en-US" dirty="0" smtClean="0"/>
+              <a:rPr lang="en-US" smtClean="0"/>
               <a:t>Results (n=600, c=1200)</a:t>
             </a:r>
-            <a:endParaRPr lang="en-US" dirty="0"/>
+            <a:endParaRPr lang="en-US"/>
           </a:p>
         </p:txBody>
       </p:sp>
@@ -5497,7 +5803,7 @@
         </p:spPr>
         <p:txBody>
           <a:bodyPr>
-            <a:normAutofit fontScale="70000" lnSpcReduction="20000"/>
+            <a:normAutofit fontScale="77500" lnSpcReduction="20000"/>
           </a:bodyPr>
           <a:lstStyle/>
           <a:p>
@@ -5505,36 +5811,32 @@
               <a:buNone/>
             </a:pPr>
             <a:r>
-              <a:rPr lang="en-US" dirty="0" smtClean="0"/>
+              <a:rPr lang="en-US" smtClean="0"/>
               <a:t>Solution evolution over 70 </a:t>
             </a:r>
             <a:r>
-              <a:rPr lang="en-US" dirty="0"/>
+              <a:rPr lang="en-US"/>
               <a:t>generations for n = </a:t>
             </a:r>
             <a:r>
-              <a:rPr lang="en-US" dirty="0" smtClean="0"/>
+              <a:rPr lang="en-US" smtClean="0"/>
               <a:t>600</a:t>
             </a:r>
             <a:r>
-              <a:rPr lang="en-US" dirty="0"/>
+              <a:rPr lang="en-US"/>
               <a:t>, c = </a:t>
             </a:r>
             <a:r>
-              <a:rPr lang="en-US" dirty="0" smtClean="0"/>
+              <a:rPr lang="en-US" smtClean="0"/>
               <a:t>1200. Population size = 60. Crowd size = 25.</a:t>
             </a:r>
             <a:r>
-              <a:rPr lang="en-US" dirty="0"/>
+              <a:rPr lang="en-US"/>
               <a:t> </a:t>
             </a:r>
             <a:r>
-              <a:rPr lang="en-US" dirty="0" smtClean="0"/>
-              <a:t>Runtime: 316.61 </a:t>
-            </a:r>
-            <a:r>
-              <a:rPr lang="en-US" dirty="0" smtClean="0"/>
-              <a:t>sec</a:t>
+              <a:rPr lang="en-US" smtClean="0"/>
+              <a:t>Runtime: 316.61 sec</a:t>
             </a:r>
           </a:p>
         </p:txBody>
@@ -5617,10 +5919,10 @@
           <a:lstStyle/>
           <a:p>
             <a:r>
-              <a:rPr lang="en-US" dirty="0" smtClean="0"/>
+              <a:rPr lang="en-US" smtClean="0"/>
               <a:t>Further Areas for Research</a:t>
             </a:r>
-            <a:endParaRPr lang="en-US" dirty="0"/>
+            <a:endParaRPr lang="en-US"/>
           </a:p>
         </p:txBody>
       </p:sp>
@@ -5640,36 +5942,36 @@
           <a:lstStyle/>
           <a:p>
             <a:r>
-              <a:rPr lang="en-US" dirty="0" smtClean="0"/>
+              <a:rPr lang="en-US" smtClean="0"/>
               <a:t>Adding weights to each objective</a:t>
             </a:r>
           </a:p>
           <a:p>
             <a:r>
-              <a:rPr lang="en-US" dirty="0" smtClean="0"/>
+              <a:rPr lang="en-US" smtClean="0"/>
               <a:t>Increasing number of objectives</a:t>
             </a:r>
           </a:p>
           <a:p>
             <a:r>
-              <a:rPr lang="en-US" dirty="0" smtClean="0"/>
+              <a:rPr lang="en-US" smtClean="0"/>
               <a:t>Evaluating alternate fitness measures</a:t>
             </a:r>
           </a:p>
           <a:p>
             <a:r>
-              <a:rPr lang="en-US" dirty="0" smtClean="0"/>
+              <a:rPr lang="en-US" smtClean="0"/>
               <a:t>Improve </a:t>
             </a:r>
             <a:r>
-              <a:rPr lang="en-US" dirty="0" err="1" smtClean="0"/>
+              <a:rPr lang="en-US" err="1" smtClean="0"/>
               <a:t>WoC</a:t>
             </a:r>
             <a:r>
-              <a:rPr lang="en-US" dirty="0" smtClean="0"/>
+              <a:rPr lang="en-US" smtClean="0"/>
               <a:t> generated solution</a:t>
             </a:r>
-            <a:endParaRPr lang="en-US" dirty="0"/>
+            <a:endParaRPr lang="en-US"/>
           </a:p>
         </p:txBody>
       </p:sp>
@@ -5721,10 +6023,10 @@
           <a:lstStyle/>
           <a:p>
             <a:r>
-              <a:rPr lang="en-US" dirty="0" smtClean="0"/>
+              <a:rPr lang="en-US" smtClean="0"/>
               <a:t>References</a:t>
             </a:r>
-            <a:endParaRPr lang="en-US" dirty="0"/>
+            <a:endParaRPr lang="en-US"/>
           </a:p>
         </p:txBody>
       </p:sp>
@@ -5741,7 +6043,7 @@
         <p:spPr/>
         <p:txBody>
           <a:bodyPr>
-            <a:normAutofit fontScale="70000" lnSpcReduction="20000"/>
+            <a:normAutofit fontScale="85000" lnSpcReduction="20000"/>
           </a:bodyPr>
           <a:lstStyle/>
           <a:p>
@@ -5749,53 +6051,53 @@
               <a:buNone/>
             </a:pPr>
             <a:r>
-              <a:rPr lang="en-US" dirty="0" smtClean="0"/>
+              <a:rPr lang="en-US" smtClean="0"/>
               <a:t>M</a:t>
             </a:r>
             <a:r>
-              <a:rPr lang="en-US" dirty="0"/>
+              <a:rPr lang="en-US"/>
               <a:t>. </a:t>
             </a:r>
             <a:r>
-              <a:rPr lang="en-US" dirty="0" err="1"/>
+              <a:rPr lang="en-US" err="1"/>
               <a:t>Hristakeva</a:t>
             </a:r>
             <a:r>
-              <a:rPr lang="en-US" dirty="0"/>
+              <a:rPr lang="en-US"/>
               <a:t>, D. </a:t>
             </a:r>
             <a:r>
-              <a:rPr lang="en-US" dirty="0" err="1" smtClean="0"/>
+              <a:rPr lang="en-US" err="1" smtClean="0"/>
               <a:t>Shrestha.</a:t>
             </a:r>
             <a:r>
-              <a:rPr lang="en-US" u="sng" dirty="0" err="1" smtClean="0">
+              <a:rPr lang="en-US" u="sng" err="1" smtClean="0">
                 <a:hlinkClick r:id="rId3"/>
               </a:rPr>
               <a:t>Solving</a:t>
             </a:r>
             <a:r>
-              <a:rPr lang="en-US" u="sng" dirty="0" smtClean="0">
+              <a:rPr lang="en-US" u="sng" smtClean="0">
                 <a:hlinkClick r:id="rId3"/>
               </a:rPr>
               <a:t> </a:t>
             </a:r>
             <a:r>
-              <a:rPr lang="en-US" u="sng" dirty="0">
+              <a:rPr lang="en-US" u="sng">
                 <a:hlinkClick r:id="rId3"/>
               </a:rPr>
               <a:t>the 0-1 knapsack problem with genetic algorithms</a:t>
             </a:r>
             <a:r>
-              <a:rPr lang="en-US" dirty="0"/>
+              <a:rPr lang="en-US"/>
               <a:t>." </a:t>
             </a:r>
             <a:r>
-              <a:rPr lang="en-US" i="1" dirty="0"/>
+              <a:rPr lang="en-US" i="1"/>
               <a:t>Midwest Instruction and Computing Symposium</a:t>
             </a:r>
             <a:r>
-              <a:rPr lang="en-US" dirty="0"/>
+              <a:rPr lang="en-US"/>
               <a:t>. 2004.</a:t>
             </a:r>
           </a:p>
@@ -5804,7 +6106,7 @@
               <a:buNone/>
             </a:pPr>
             <a:r>
-              <a:rPr lang="en-US" dirty="0"/>
+              <a:rPr lang="en-US"/>
               <a:t> </a:t>
             </a:r>
           </a:p>
@@ -5813,37 +6115,37 @@
               <a:buNone/>
             </a:pPr>
             <a:r>
-              <a:rPr lang="en-US" u="sng" dirty="0" smtClean="0">
+              <a:rPr lang="en-US" u="sng" smtClean="0">
                 <a:hlinkClick r:id="rId4" tooltip="Richard M. Karp"/>
               </a:rPr>
               <a:t>Richard </a:t>
             </a:r>
             <a:r>
-              <a:rPr lang="en-US" u="sng" dirty="0">
+              <a:rPr lang="en-US" u="sng">
                 <a:hlinkClick r:id="rId4" tooltip="Richard M. Karp"/>
               </a:rPr>
               <a:t>M. Karp</a:t>
             </a:r>
             <a:r>
-              <a:rPr lang="en-US" dirty="0"/>
+              <a:rPr lang="en-US"/>
               <a:t> (1972). </a:t>
             </a:r>
             <a:r>
-              <a:rPr lang="en-US" u="sng" dirty="0">
+              <a:rPr lang="en-US" u="sng">
                 <a:hlinkClick r:id="rId5"/>
               </a:rPr>
               <a:t>"Reducibility Among Combinatorial Problems"</a:t>
             </a:r>
             <a:r>
-              <a:rPr lang="en-US" dirty="0"/>
+              <a:rPr lang="en-US"/>
               <a:t>. In R. E. Miller and J. W. Thatcher (editors). </a:t>
             </a:r>
             <a:r>
-              <a:rPr lang="en-US" i="1" dirty="0"/>
+              <a:rPr lang="en-US" i="1"/>
               <a:t>Complexity of Computer Computations</a:t>
             </a:r>
             <a:r>
-              <a:rPr lang="en-US" dirty="0"/>
+              <a:rPr lang="en-US"/>
               <a:t>. New York: Plenum. pp. 85–103.</a:t>
             </a:r>
           </a:p>
@@ -5852,7 +6154,7 @@
               <a:buNone/>
             </a:pPr>
             <a:r>
-              <a:rPr lang="en-US" dirty="0"/>
+              <a:rPr lang="en-US"/>
               <a:t> </a:t>
             </a:r>
           </a:p>
@@ -5861,27 +6163,27 @@
               <a:buNone/>
             </a:pPr>
             <a:r>
-              <a:rPr lang="en-US" u="sng" dirty="0" smtClean="0">
+              <a:rPr lang="en-US" u="sng" smtClean="0">
                 <a:hlinkClick r:id="rId6" tooltip="George Dantzig"/>
               </a:rPr>
               <a:t>George </a:t>
             </a:r>
             <a:r>
-              <a:rPr lang="en-US" u="sng" dirty="0">
+              <a:rPr lang="en-US" u="sng">
                 <a:hlinkClick r:id="rId6" tooltip="George Dantzig"/>
               </a:rPr>
               <a:t>B. Dantzig</a:t>
             </a:r>
             <a:r>
-              <a:rPr lang="en-US" dirty="0"/>
+              <a:rPr lang="en-US"/>
               <a:t>, Discrete-Variable </a:t>
             </a:r>
             <a:r>
-              <a:rPr lang="en-US" dirty="0" err="1"/>
+              <a:rPr lang="en-US" err="1"/>
               <a:t>Extremum</a:t>
             </a:r>
             <a:r>
-              <a:rPr lang="en-US" dirty="0"/>
+              <a:rPr lang="en-US"/>
               <a:t> Problems, Operations Research Vol. 5, No. 2, April 1957, pp. 266–288,</a:t>
             </a:r>
           </a:p>
@@ -5891,6 +6193,199 @@
     <p:extLst>
       <p:ext uri="{BB962C8B-B14F-4D97-AF65-F5344CB8AC3E}">
         <p14:creationId xmlns:p14="http://schemas.microsoft.com/office/powerpoint/2010/main" val="1069932616"/>
+      </p:ext>
+    </p:extLst>
+  </p:cSld>
+  <p:clrMapOvr>
+    <a:masterClrMapping/>
+  </p:clrMapOvr>
+</p:sld>
+</file>
+
+<file path=ppt/slides/slide19.xml><?xml version="1.0" encoding="utf-8"?>
+<p:sld xmlns:a="http://schemas.openxmlformats.org/drawingml/2006/main" xmlns:r="http://schemas.openxmlformats.org/officeDocument/2006/relationships" xmlns:p="http://schemas.openxmlformats.org/presentationml/2006/main">
+  <p:cSld>
+    <p:spTree>
+      <p:nvGrpSpPr>
+        <p:cNvPr id="1" name=""/>
+        <p:cNvGrpSpPr/>
+        <p:nvPr/>
+      </p:nvGrpSpPr>
+      <p:grpSpPr>
+        <a:xfrm>
+          <a:off x="0" y="0"/>
+          <a:ext cx="0" cy="0"/>
+          <a:chOff x="0" y="0"/>
+          <a:chExt cx="0" cy="0"/>
+        </a:xfrm>
+      </p:grpSpPr>
+      <p:sp>
+        <p:nvSpPr>
+          <p:cNvPr id="2" name="Title 1"/>
+          <p:cNvSpPr>
+            <a:spLocks noGrp="1"/>
+          </p:cNvSpPr>
+          <p:nvPr>
+            <p:ph type="title"/>
+          </p:nvPr>
+        </p:nvSpPr>
+        <p:spPr/>
+        <p:txBody>
+          <a:bodyPr/>
+          <a:lstStyle/>
+          <a:p>
+            <a:r>
+              <a:rPr lang="en-US" smtClean="0"/>
+              <a:t>Thank you for listening!</a:t>
+            </a:r>
+            <a:endParaRPr lang="en-US"/>
+          </a:p>
+        </p:txBody>
+      </p:sp>
+      <p:sp>
+        <p:nvSpPr>
+          <p:cNvPr id="3" name="Content Placeholder 2"/>
+          <p:cNvSpPr>
+            <a:spLocks noGrp="1"/>
+          </p:cNvSpPr>
+          <p:nvPr>
+            <p:ph idx="1"/>
+          </p:nvPr>
+        </p:nvSpPr>
+        <p:spPr/>
+        <p:txBody>
+          <a:bodyPr/>
+          <a:lstStyle/>
+          <a:p>
+            <a:pPr marL="0" indent="0">
+              <a:buNone/>
+            </a:pPr>
+            <a:endParaRPr lang="en-US"/>
+          </a:p>
+          <a:p>
+            <a:pPr marL="0" indent="0">
+              <a:buNone/>
+            </a:pPr>
+            <a:endParaRPr lang="en-US"/>
+          </a:p>
+        </p:txBody>
+      </p:sp>
+      <p:pic>
+        <p:nvPicPr>
+          <p:cNvPr id="2050" name="Picture 2" descr="C:\Users\Sarah\AppData\Local\Microsoft\Windows\Temporary Internet Files\Content.IE5\C1DGKDHF\MC900363168[1].wmf"/>
+          <p:cNvPicPr>
+            <a:picLocks noChangeAspect="1" noChangeArrowheads="1"/>
+          </p:cNvPicPr>
+          <p:nvPr/>
+        </p:nvPicPr>
+        <p:blipFill>
+          <a:blip r:embed="rId2" cstate="print">
+            <a:extLst>
+              <a:ext uri="{28A0092B-C50C-407E-A947-70E740481C1C}">
+                <a14:useLocalDpi xmlns:a14="http://schemas.microsoft.com/office/drawing/2010/main" val="0"/>
+              </a:ext>
+            </a:extLst>
+          </a:blip>
+          <a:srcRect/>
+          <a:stretch>
+            <a:fillRect/>
+          </a:stretch>
+        </p:blipFill>
+        <p:spPr bwMode="auto">
+          <a:xfrm>
+            <a:off x="3871112" y="2506370"/>
+            <a:ext cx="1401775" cy="1845259"/>
+          </a:xfrm>
+          <a:prstGeom prst="rect">
+            <a:avLst/>
+          </a:prstGeom>
+          <a:noFill/>
+          <a:extLst>
+            <a:ext uri="{909E8E84-426E-40DD-AFC4-6F175D3DCCD1}">
+              <a14:hiddenFill xmlns:a14="http://schemas.microsoft.com/office/drawing/2010/main">
+                <a:solidFill>
+                  <a:srgbClr val="FFFFFF"/>
+                </a:solidFill>
+              </a14:hiddenFill>
+            </a:ext>
+          </a:extLst>
+        </p:spPr>
+      </p:pic>
+      <p:pic>
+        <p:nvPicPr>
+          <p:cNvPr id="2051" name="Picture 3" descr="C:\Users\Sarah\AppData\Local\Microsoft\Windows\Temporary Internet Files\Content.IE5\C1DGKDHF\MC900363168[1].wmf"/>
+          <p:cNvPicPr>
+            <a:picLocks noChangeAspect="1" noChangeArrowheads="1"/>
+          </p:cNvPicPr>
+          <p:nvPr/>
+        </p:nvPicPr>
+        <p:blipFill>
+          <a:blip r:embed="rId2" cstate="print">
+            <a:extLst>
+              <a:ext uri="{28A0092B-C50C-407E-A947-70E740481C1C}">
+                <a14:useLocalDpi xmlns:a14="http://schemas.microsoft.com/office/drawing/2010/main" val="0"/>
+              </a:ext>
+            </a:extLst>
+          </a:blip>
+          <a:srcRect/>
+          <a:stretch>
+            <a:fillRect/>
+          </a:stretch>
+        </p:blipFill>
+        <p:spPr bwMode="auto">
+          <a:xfrm>
+            <a:off x="3733800" y="1824684"/>
+            <a:ext cx="2437477" cy="3208630"/>
+          </a:xfrm>
+          <a:prstGeom prst="rect">
+            <a:avLst/>
+          </a:prstGeom>
+          <a:noFill/>
+          <a:extLst>
+            <a:ext uri="{909E8E84-426E-40DD-AFC4-6F175D3DCCD1}">
+              <a14:hiddenFill xmlns:a14="http://schemas.microsoft.com/office/drawing/2010/main">
+                <a:solidFill>
+                  <a:srgbClr val="FFFFFF"/>
+                </a:solidFill>
+              </a14:hiddenFill>
+            </a:ext>
+          </a:extLst>
+        </p:spPr>
+      </p:pic>
+      <p:sp>
+        <p:nvSpPr>
+          <p:cNvPr id="4" name="TextBox 3"/>
+          <p:cNvSpPr txBox="1"/>
+          <p:nvPr/>
+        </p:nvSpPr>
+        <p:spPr>
+          <a:xfrm>
+            <a:off x="3276600" y="5554394"/>
+            <a:ext cx="3984674" cy="646331"/>
+          </a:xfrm>
+          <a:prstGeom prst="rect">
+            <a:avLst/>
+          </a:prstGeom>
+          <a:noFill/>
+        </p:spPr>
+        <p:txBody>
+          <a:bodyPr wrap="square" rtlCol="0">
+            <a:spAutoFit/>
+          </a:bodyPr>
+          <a:lstStyle/>
+          <a:p>
+            <a:r>
+              <a:rPr lang="en-US" sz="3600" smtClean="0"/>
+              <a:t>Any Questions?</a:t>
+            </a:r>
+            <a:endParaRPr lang="en-US" sz="3600"/>
+          </a:p>
+        </p:txBody>
+      </p:sp>
+    </p:spTree>
+    <p:extLst>
+      <p:ext uri="{BB962C8B-B14F-4D97-AF65-F5344CB8AC3E}">
+        <p14:creationId xmlns:p14="http://schemas.microsoft.com/office/powerpoint/2010/main" val="1245005285"/>
       </p:ext>
     </p:extLst>
   </p:cSld>
@@ -5933,10 +6428,10 @@
           <a:lstStyle/>
           <a:p>
             <a:r>
-              <a:rPr lang="en-US" dirty="0" smtClean="0"/>
+              <a:rPr lang="en-US" smtClean="0"/>
               <a:t>Agenda</a:t>
             </a:r>
-            <a:endParaRPr lang="en-US" dirty="0"/>
+            <a:endParaRPr lang="en-US"/>
           </a:p>
         </p:txBody>
       </p:sp>
@@ -5958,118 +6453,108 @@
           <a:lstStyle/>
           <a:p>
             <a:r>
-              <a:rPr lang="en-US" dirty="0" smtClean="0"/>
+              <a:rPr lang="en-US" smtClean="0"/>
               <a:t>Knapsack Problem</a:t>
             </a:r>
           </a:p>
           <a:p>
             <a:pPr lvl="1"/>
             <a:r>
-              <a:rPr lang="en-US" dirty="0" smtClean="0"/>
+              <a:rPr lang="en-US" smtClean="0"/>
               <a:t>Variations</a:t>
             </a:r>
           </a:p>
           <a:p>
             <a:pPr lvl="1"/>
             <a:r>
-              <a:rPr lang="en-US" dirty="0" smtClean="0"/>
+              <a:rPr lang="en-US" smtClean="0"/>
               <a:t>Applications</a:t>
             </a:r>
-            <a:endParaRPr lang="en-US" dirty="0" smtClean="0"/>
           </a:p>
           <a:p>
             <a:pPr lvl="1"/>
             <a:r>
-              <a:rPr lang="en-US" dirty="0" smtClean="0"/>
+              <a:rPr lang="en-US" smtClean="0"/>
               <a:t>Complexity</a:t>
             </a:r>
           </a:p>
           <a:p>
             <a:pPr lvl="1"/>
             <a:r>
-              <a:rPr lang="en-US" dirty="0" smtClean="0"/>
+              <a:rPr lang="en-US" smtClean="0"/>
               <a:t>Solutions</a:t>
             </a:r>
-            <a:endParaRPr lang="en-US" dirty="0" smtClean="0"/>
-          </a:p>
-          <a:p>
-            <a:r>
-              <a:rPr lang="en-US" dirty="0" smtClean="0"/>
-              <a:t>Our </a:t>
-            </a:r>
-            <a:r>
-              <a:rPr lang="en-US" dirty="0" smtClean="0"/>
-              <a:t>Solution – Genetic Algorithm &amp; Wisdom of Crowds</a:t>
+          </a:p>
+          <a:p>
+            <a:r>
+              <a:rPr lang="en-US" smtClean="0"/>
+              <a:t>Our Solution – Genetic Algorithm &amp; Wisdom of Crowds</a:t>
             </a:r>
           </a:p>
           <a:p>
             <a:pPr lvl="1"/>
             <a:r>
-              <a:rPr lang="en-US" dirty="0" smtClean="0"/>
+              <a:rPr lang="en-US" smtClean="0"/>
               <a:t>Encoding</a:t>
             </a:r>
           </a:p>
           <a:p>
             <a:pPr lvl="1"/>
             <a:r>
-              <a:rPr lang="en-US" dirty="0" smtClean="0"/>
-              <a:t>Fitness </a:t>
-            </a:r>
-            <a:r>
-              <a:rPr lang="en-US" dirty="0" smtClean="0"/>
-              <a:t>Function</a:t>
+              <a:rPr lang="en-US" smtClean="0"/>
+              <a:t>Fitness Function</a:t>
             </a:r>
           </a:p>
           <a:p>
             <a:pPr lvl="1"/>
             <a:r>
-              <a:rPr lang="en-US" dirty="0" smtClean="0"/>
+              <a:rPr lang="en-US" smtClean="0"/>
               <a:t>Mutation</a:t>
             </a:r>
           </a:p>
           <a:p>
             <a:pPr lvl="1"/>
             <a:r>
-              <a:rPr lang="en-US" dirty="0" smtClean="0"/>
+              <a:rPr lang="en-US" smtClean="0"/>
               <a:t>Crossover</a:t>
             </a:r>
           </a:p>
           <a:p>
             <a:pPr lvl="1"/>
             <a:r>
-              <a:rPr lang="en-US" dirty="0" smtClean="0"/>
+              <a:rPr lang="en-US" smtClean="0"/>
               <a:t>Crowd Wisdom</a:t>
             </a:r>
           </a:p>
           <a:p>
             <a:r>
-              <a:rPr lang="en-US" dirty="0" smtClean="0"/>
+              <a:rPr lang="en-US" smtClean="0"/>
               <a:t>Results</a:t>
             </a:r>
           </a:p>
           <a:p>
             <a:r>
-              <a:rPr lang="en-US" dirty="0" smtClean="0"/>
+              <a:rPr lang="en-US" smtClean="0"/>
               <a:t>Further Areas for Research</a:t>
             </a:r>
           </a:p>
           <a:p>
             <a:r>
-              <a:rPr lang="en-US" dirty="0" smtClean="0"/>
+              <a:rPr lang="en-US" smtClean="0"/>
               <a:t>References</a:t>
             </a:r>
           </a:p>
           <a:p>
-            <a:endParaRPr lang="en-US" dirty="0" smtClean="0"/>
-          </a:p>
-          <a:p>
-            <a:endParaRPr lang="en-US" dirty="0" smtClean="0"/>
+            <a:endParaRPr lang="en-US" smtClean="0"/>
+          </a:p>
+          <a:p>
+            <a:endParaRPr lang="en-US" smtClean="0"/>
           </a:p>
           <a:p>
             <a:pPr marL="0" indent="0">
               <a:buNone/>
             </a:pPr>
-            <a:endParaRPr lang="en-US" dirty="0"/>
+            <a:endParaRPr lang="en-US"/>
           </a:p>
         </p:txBody>
       </p:sp>
@@ -6121,29 +6606,29 @@
           <a:lstStyle/>
           <a:p>
             <a:r>
-              <a:rPr lang="en-US" dirty="0"/>
+              <a:rPr lang="en-US"/>
               <a:t>Multi-Objective </a:t>
             </a:r>
             <a:r>
-              <a:rPr lang="en-US" dirty="0" smtClean="0"/>
+              <a:rPr lang="en-US" smtClean="0"/>
               <a:t/>
             </a:r>
             <a:br>
-              <a:rPr lang="en-US" dirty="0" smtClean="0"/>
+              <a:rPr lang="en-US" smtClean="0"/>
             </a:br>
             <a:r>
-              <a:rPr lang="en-US" dirty="0" smtClean="0"/>
+              <a:rPr lang="en-US" smtClean="0"/>
               <a:t>0</a:t>
             </a:r>
             <a:r>
-              <a:rPr lang="en-US" dirty="0"/>
+              <a:rPr lang="en-US"/>
               <a:t>-1 Knapsack </a:t>
             </a:r>
             <a:r>
-              <a:rPr lang="en-US" dirty="0" smtClean="0"/>
+              <a:rPr lang="en-US" smtClean="0"/>
               <a:t>Problem (MOKP)</a:t>
             </a:r>
-            <a:endParaRPr lang="en-US" dirty="0"/>
+            <a:endParaRPr lang="en-US"/>
           </a:p>
         </p:txBody>
       </p:sp>
@@ -6170,75 +6655,75 @@
           <a:lstStyle/>
           <a:p>
             <a:r>
-              <a:rPr lang="en-US" b="1" dirty="0" smtClean="0"/>
+              <a:rPr lang="en-US" b="1" smtClean="0"/>
               <a:t>General Knapsack Problem:</a:t>
             </a:r>
             <a:br>
-              <a:rPr lang="en-US" b="1" dirty="0" smtClean="0"/>
+              <a:rPr lang="en-US" b="1" smtClean="0"/>
             </a:br>
             <a:r>
-              <a:rPr lang="en-US" dirty="0" smtClean="0"/>
+              <a:rPr lang="en-US" smtClean="0"/>
               <a:t>How can you fill a knapsack with </a:t>
             </a:r>
             <a:r>
-              <a:rPr lang="en-US" i="1" dirty="0" smtClean="0"/>
+              <a:rPr lang="en-US" i="1" smtClean="0"/>
               <a:t>n</a:t>
             </a:r>
             <a:r>
-              <a:rPr lang="en-US" dirty="0" smtClean="0"/>
+              <a:rPr lang="en-US" smtClean="0"/>
               <a:t> items so that the total value is maximized without exceeding the knapsack’s capacity?</a:t>
             </a:r>
           </a:p>
           <a:p>
-            <a:endParaRPr lang="en-US" dirty="0" smtClean="0"/>
-          </a:p>
-          <a:p>
-            <a:r>
-              <a:rPr lang="en-US" b="1" dirty="0" smtClean="0"/>
+            <a:endParaRPr lang="en-US" smtClean="0"/>
+          </a:p>
+          <a:p>
+            <a:r>
+              <a:rPr lang="en-US" b="1" smtClean="0"/>
               <a:t>0-1 Variation: </a:t>
             </a:r>
             <a:br>
-              <a:rPr lang="en-US" b="1" dirty="0" smtClean="0"/>
+              <a:rPr lang="en-US" b="1" smtClean="0"/>
             </a:br>
             <a:r>
-              <a:rPr lang="en-US" dirty="0" smtClean="0"/>
+              <a:rPr lang="en-US" smtClean="0"/>
               <a:t>Only </a:t>
             </a:r>
             <a:r>
-              <a:rPr lang="en-US" dirty="0"/>
+              <a:rPr lang="en-US"/>
               <a:t>one instance of </a:t>
             </a:r>
             <a:r>
-              <a:rPr lang="en-US" dirty="0" smtClean="0"/>
+              <a:rPr lang="en-US" smtClean="0"/>
               <a:t>a specific item can </a:t>
             </a:r>
             <a:r>
-              <a:rPr lang="en-US" dirty="0"/>
+              <a:rPr lang="en-US"/>
               <a:t>appear in the </a:t>
             </a:r>
             <a:r>
-              <a:rPr lang="en-US" dirty="0" smtClean="0"/>
+              <a:rPr lang="en-US" smtClean="0"/>
               <a:t>knapsack.</a:t>
             </a:r>
           </a:p>
           <a:p>
-            <a:endParaRPr lang="en-US" dirty="0" smtClean="0"/>
-          </a:p>
-          <a:p>
-            <a:r>
-              <a:rPr lang="en-US" b="1" dirty="0" smtClean="0"/>
+            <a:endParaRPr lang="en-US" smtClean="0"/>
+          </a:p>
+          <a:p>
+            <a:r>
+              <a:rPr lang="en-US" b="1" smtClean="0"/>
               <a:t>Multi-Objective Variation:</a:t>
             </a:r>
             <a:br>
-              <a:rPr lang="en-US" b="1" dirty="0" smtClean="0"/>
+              <a:rPr lang="en-US" b="1" smtClean="0"/>
             </a:br>
             <a:r>
-              <a:rPr lang="en-US" dirty="0" smtClean="0"/>
+              <a:rPr lang="en-US" smtClean="0"/>
               <a:t>Optimize the solution so that value is maximized as well as other objectives.</a:t>
             </a:r>
           </a:p>
           <a:p>
-            <a:endParaRPr lang="en-US" dirty="0" smtClean="0"/>
+            <a:endParaRPr lang="en-US" smtClean="0"/>
           </a:p>
         </p:txBody>
       </p:sp>
@@ -6314,10 +6799,10 @@
           <a:lstStyle/>
           <a:p>
             <a:r>
-              <a:rPr lang="en-US" dirty="0" smtClean="0"/>
+              <a:rPr lang="en-US" smtClean="0"/>
               <a:t>Applications of Knapsack</a:t>
             </a:r>
-            <a:endParaRPr lang="en-US" dirty="0"/>
+            <a:endParaRPr lang="en-US"/>
           </a:p>
         </p:txBody>
       </p:sp>
@@ -6339,48 +6824,48 @@
         </p:spPr>
         <p:txBody>
           <a:bodyPr>
-            <a:normAutofit fontScale="92500" lnSpcReduction="10000"/>
+            <a:normAutofit fontScale="92500"/>
           </a:bodyPr>
           <a:lstStyle/>
           <a:p>
             <a:r>
-              <a:rPr lang="en-US" dirty="0" smtClean="0"/>
+              <a:rPr lang="en-US" smtClean="0"/>
               <a:t>Allocating </a:t>
             </a:r>
             <a:r>
-              <a:rPr lang="en-US" dirty="0"/>
+              <a:rPr lang="en-US"/>
               <a:t>investments</a:t>
             </a:r>
           </a:p>
           <a:p>
             <a:r>
-              <a:rPr lang="en-US" dirty="0"/>
+              <a:rPr lang="en-US"/>
               <a:t>Finding least wasteful way to cut raw materials</a:t>
             </a:r>
           </a:p>
           <a:p>
             <a:r>
-              <a:rPr lang="en-US" dirty="0"/>
+              <a:rPr lang="en-US"/>
               <a:t>Loading </a:t>
             </a:r>
             <a:r>
-              <a:rPr lang="en-US" dirty="0" smtClean="0"/>
+              <a:rPr lang="en-US" smtClean="0"/>
               <a:t>airplanes or trucks with packages</a:t>
             </a:r>
           </a:p>
           <a:p>
             <a:r>
-              <a:rPr lang="en-US" dirty="0" smtClean="0"/>
+              <a:rPr lang="en-US" smtClean="0"/>
               <a:t>Cryptography</a:t>
             </a:r>
           </a:p>
           <a:p>
             <a:r>
-              <a:rPr lang="en-US" dirty="0" smtClean="0"/>
+              <a:rPr lang="en-US" smtClean="0"/>
               <a:t>Any </a:t>
             </a:r>
             <a:r>
-              <a:rPr lang="en-US" dirty="0"/>
+              <a:rPr lang="en-US"/>
               <a:t>resource allocation problem with financial and/or physical constraints</a:t>
             </a:r>
           </a:p>
@@ -6489,15 +6974,15 @@
         <p:spPr/>
         <p:txBody>
           <a:bodyPr>
-            <a:normAutofit fontScale="90000"/>
+            <a:normAutofit/>
           </a:bodyPr>
           <a:lstStyle/>
           <a:p>
             <a:r>
-              <a:rPr lang="en-US" dirty="0" smtClean="0"/>
+              <a:rPr lang="en-US" smtClean="0"/>
               <a:t>Complexity of Knapsack Problem</a:t>
             </a:r>
-            <a:endParaRPr lang="en-US" dirty="0"/>
+            <a:endParaRPr lang="en-US"/>
           </a:p>
         </p:txBody>
       </p:sp>
@@ -6524,34 +7009,34 @@
           <a:lstStyle/>
           <a:p>
             <a:r>
-              <a:rPr lang="en-US" dirty="0" smtClean="0"/>
+              <a:rPr lang="en-US" smtClean="0"/>
               <a:t>Decision Problem: Can a value of at least V be achieved without exceeding the weight W?</a:t>
             </a:r>
           </a:p>
           <a:p>
             <a:pPr lvl="1"/>
             <a:r>
-              <a:rPr lang="en-US" b="1" dirty="0" smtClean="0"/>
+              <a:rPr lang="en-US" b="1" smtClean="0"/>
               <a:t>NP</a:t>
             </a:r>
             <a:r>
-              <a:rPr lang="en-US" b="1" dirty="0"/>
+              <a:rPr lang="en-US" b="1"/>
               <a:t>-</a:t>
             </a:r>
             <a:r>
-              <a:rPr lang="en-US" b="1" dirty="0" smtClean="0"/>
+              <a:rPr lang="en-US" b="1" smtClean="0"/>
               <a:t>complete </a:t>
             </a:r>
             <a:r>
-              <a:rPr lang="en-US" dirty="0" smtClean="0"/>
+              <a:rPr lang="en-US" smtClean="0"/>
               <a:t>= </a:t>
             </a:r>
             <a:r>
-              <a:rPr lang="en-US" dirty="0"/>
+              <a:rPr lang="en-US"/>
               <a:t>there is no possible algorithm both correct and fast (polynomial-time) on all </a:t>
             </a:r>
             <a:r>
-              <a:rPr lang="en-US" dirty="0" smtClean="0"/>
+              <a:rPr lang="en-US" smtClean="0"/>
               <a:t>cases</a:t>
             </a:r>
           </a:p>
@@ -6559,60 +7044,52 @@
             <a:pPr marL="0" indent="0">
               <a:buNone/>
             </a:pPr>
-            <a:endParaRPr lang="en-US" dirty="0" smtClean="0"/>
-          </a:p>
-          <a:p>
-            <a:r>
-              <a:rPr lang="en-US" dirty="0" smtClean="0"/>
+            <a:endParaRPr lang="en-US" smtClean="0"/>
+          </a:p>
+          <a:p>
+            <a:r>
+              <a:rPr lang="en-US" smtClean="0"/>
               <a:t>Optimization Problem: Find the optimal packing of a knapsack to maximize the value V without exceeding weight W.  </a:t>
             </a:r>
           </a:p>
           <a:p>
             <a:pPr lvl="1"/>
             <a:r>
-              <a:rPr lang="en-US" b="1" dirty="0" smtClean="0"/>
+              <a:rPr lang="en-US" b="1" smtClean="0"/>
               <a:t>NP-hard </a:t>
             </a:r>
             <a:r>
-              <a:rPr lang="en-US" dirty="0" smtClean="0"/>
+              <a:rPr lang="en-US" smtClean="0"/>
               <a:t>(Non</a:t>
             </a:r>
             <a:r>
-              <a:rPr lang="en-US" dirty="0"/>
+              <a:rPr lang="en-US"/>
               <a:t>-deterministic Polynomial-time </a:t>
             </a:r>
             <a:r>
-              <a:rPr lang="en-US" dirty="0" smtClean="0"/>
-              <a:t>hard) </a:t>
-            </a:r>
-            <a:r>
-              <a:rPr lang="en-US" dirty="0" smtClean="0"/>
-              <a:t>= At </a:t>
-            </a:r>
-            <a:r>
-              <a:rPr lang="en-US" dirty="0" smtClean="0"/>
-              <a:t>least as hard (or harder!) as the hardest problems in NP. </a:t>
+              <a:rPr lang="en-US" smtClean="0"/>
+              <a:t>hard) = At least as hard (or harder!) as the hardest problems in NP. </a:t>
             </a:r>
           </a:p>
           <a:p>
             <a:pPr lvl="1"/>
             <a:r>
-              <a:rPr lang="en-US" dirty="0" smtClean="0"/>
+              <a:rPr lang="en-US" smtClean="0"/>
               <a:t>There </a:t>
             </a:r>
             <a:r>
-              <a:rPr lang="en-US" dirty="0"/>
+              <a:rPr lang="en-US"/>
               <a:t>is no known polynomial algorithm which can tell, given a solution, whether it is </a:t>
             </a:r>
             <a:r>
-              <a:rPr lang="en-US" dirty="0" smtClean="0"/>
+              <a:rPr lang="en-US" smtClean="0"/>
               <a:t>optimal.</a:t>
             </a:r>
           </a:p>
           <a:p>
             <a:pPr lvl="1"/>
             <a:r>
-              <a:rPr lang="en-US" dirty="0" smtClean="0"/>
+              <a:rPr lang="en-US" smtClean="0"/>
               <a:t>Our old friend the Traveling Salesman is also NP-hard.</a:t>
             </a:r>
           </a:p>
@@ -6691,15 +7168,15 @@
         <p:spPr/>
         <p:txBody>
           <a:bodyPr>
-            <a:normAutofit fontScale="90000"/>
+            <a:normAutofit/>
           </a:bodyPr>
           <a:lstStyle/>
           <a:p>
             <a:r>
-              <a:rPr lang="en-US" dirty="0" smtClean="0"/>
+              <a:rPr lang="en-US" smtClean="0"/>
               <a:t>Pseudo-Polynomial Time Solutions</a:t>
             </a:r>
-            <a:endParaRPr lang="en-US" dirty="0"/>
+            <a:endParaRPr lang="en-US"/>
           </a:p>
         </p:txBody>
       </p:sp>
@@ -6726,32 +7203,31 @@
           <a:lstStyle/>
           <a:p>
             <a:r>
-              <a:rPr lang="en-US" dirty="0" smtClean="0"/>
+              <a:rPr lang="en-US" smtClean="0"/>
               <a:t>Greedy Algorithm (not optimal)</a:t>
             </a:r>
           </a:p>
           <a:p>
             <a:r>
-              <a:rPr lang="en-US" dirty="0" smtClean="0"/>
+              <a:rPr lang="en-US" smtClean="0"/>
               <a:t>Dynamic Programming (optimal, similar to Brute Force but more efficient)</a:t>
             </a:r>
           </a:p>
           <a:p>
             <a:r>
-              <a:rPr lang="en-US" dirty="0" smtClean="0"/>
+              <a:rPr lang="en-US" smtClean="0"/>
               <a:t>Allow approximation (near-optimal solutions) – </a:t>
             </a:r>
             <a:r>
-              <a:rPr lang="en-US" b="1" dirty="0" smtClean="0"/>
+              <a:rPr lang="en-US" b="1" smtClean="0"/>
               <a:t>Genetic Algorithms</a:t>
             </a:r>
           </a:p>
           <a:p>
             <a:r>
-              <a:rPr lang="en-US" dirty="0" smtClean="0"/>
+              <a:rPr lang="en-US" smtClean="0"/>
               <a:t>Reduce search space by using dominance relations to remove items that will never be used by best solutions</a:t>
             </a:r>
-            <a:endParaRPr lang="en-US" dirty="0" smtClean="0"/>
           </a:p>
         </p:txBody>
       </p:sp>
@@ -6838,10 +7314,10 @@
           <a:lstStyle/>
           <a:p>
             <a:r>
-              <a:rPr lang="en-US" dirty="0" smtClean="0"/>
+              <a:rPr lang="en-US" smtClean="0"/>
               <a:t>Relevant XKCD Comic</a:t>
             </a:r>
-            <a:endParaRPr lang="en-US" dirty="0"/>
+            <a:endParaRPr lang="en-US"/>
           </a:p>
         </p:txBody>
       </p:sp>
@@ -6891,7 +7367,7 @@
           <a:lstStyle/>
           <a:p>
             <a:r>
-              <a:rPr lang="en-US" dirty="0"/>
+              <a:rPr lang="en-US"/>
               <a:t>Our Example: Grocery Store</a:t>
             </a:r>
           </a:p>
@@ -6920,66 +7396,61 @@
           <a:lstStyle/>
           <a:p>
             <a:r>
-              <a:rPr lang="en-US" dirty="0" smtClean="0"/>
+              <a:rPr lang="en-US" smtClean="0"/>
               <a:t>Given </a:t>
             </a:r>
             <a:r>
-              <a:rPr lang="en-US" dirty="0"/>
+              <a:rPr lang="en-US"/>
               <a:t>a grocery store’s worth of items, how can we most efficiently fill our </a:t>
             </a:r>
             <a:r>
-              <a:rPr lang="en-US" dirty="0" smtClean="0"/>
+              <a:rPr lang="en-US" smtClean="0"/>
               <a:t>grocery bag with n items </a:t>
             </a:r>
             <a:r>
-              <a:rPr lang="en-US" dirty="0"/>
+              <a:rPr lang="en-US"/>
               <a:t>that </a:t>
             </a:r>
             <a:r>
-              <a:rPr lang="en-US" dirty="0" smtClean="0"/>
+              <a:rPr lang="en-US" smtClean="0"/>
               <a:t>are high </a:t>
             </a:r>
             <a:r>
-              <a:rPr lang="en-US" b="1" dirty="0"/>
+              <a:rPr lang="en-US" b="1"/>
               <a:t>in nutritional value</a:t>
             </a:r>
             <a:r>
-              <a:rPr lang="en-US" dirty="0"/>
+              <a:rPr lang="en-US"/>
               <a:t>, low in </a:t>
             </a:r>
             <a:r>
-              <a:rPr lang="en-US" b="1" dirty="0"/>
+              <a:rPr lang="en-US" b="1"/>
               <a:t>price</a:t>
             </a:r>
             <a:r>
-              <a:rPr lang="en-US" dirty="0"/>
+              <a:rPr lang="en-US"/>
               <a:t>, and low in </a:t>
             </a:r>
             <a:r>
-              <a:rPr lang="en-US" b="1" dirty="0"/>
+              <a:rPr lang="en-US" b="1"/>
               <a:t>weight</a:t>
             </a:r>
             <a:r>
-              <a:rPr lang="en-US" dirty="0" smtClean="0"/>
+              <a:rPr lang="en-US" smtClean="0"/>
               <a:t>?</a:t>
             </a:r>
           </a:p>
           <a:p>
             <a:r>
-              <a:rPr lang="en-US" dirty="0" smtClean="0"/>
-              <a:t>Use a Genetic Algorithm to evolve solutions, and the Wisdom of Crowds to find the best solution</a:t>
-            </a:r>
-            <a:r>
-              <a:rPr lang="en-US" dirty="0" smtClean="0"/>
-              <a:t> </a:t>
-            </a:r>
-            <a:endParaRPr lang="en-US" dirty="0" smtClean="0"/>
+              <a:rPr lang="en-US" smtClean="0"/>
+              <a:t>Use a Genetic Algorithm to evolve solutions, and the Wisdom of Crowds to find the best solution </a:t>
+            </a:r>
           </a:p>
           <a:p>
             <a:pPr marL="0" indent="0">
               <a:buNone/>
             </a:pPr>
-            <a:endParaRPr lang="en-US" dirty="0" smtClean="0"/>
+            <a:endParaRPr lang="en-US" smtClean="0"/>
           </a:p>
         </p:txBody>
       </p:sp>
@@ -6992,7 +7463,7 @@
           <p:nvPr/>
         </p:nvPicPr>
         <p:blipFill>
-          <a:blip r:embed="rId2">
+          <a:blip r:embed="rId3">
             <a:extLst>
               <a:ext uri="{28A0092B-C50C-407E-A947-70E740481C1C}">
                 <a14:useLocalDpi xmlns:a14="http://schemas.microsoft.com/office/drawing/2010/main" val="0"/>
@@ -7061,10 +7532,10 @@
           <a:lstStyle/>
           <a:p>
             <a:r>
-              <a:rPr lang="en-US" dirty="0" smtClean="0"/>
+              <a:rPr lang="en-US" smtClean="0"/>
               <a:t>Genetically Encoding a Solution</a:t>
             </a:r>
-            <a:endParaRPr lang="en-US" dirty="0"/>
+            <a:endParaRPr lang="en-US"/>
           </a:p>
         </p:txBody>
       </p:sp>
@@ -7077,7 +7548,7 @@
           <p:nvPr/>
         </p:nvPicPr>
         <p:blipFill>
-          <a:blip r:embed="rId2">
+          <a:blip r:embed="rId3">
             <a:extLst>
               <a:ext uri="{28A0092B-C50C-407E-A947-70E740481C1C}">
                 <a14:useLocalDpi xmlns:a14="http://schemas.microsoft.com/office/drawing/2010/main" val="0"/>
@@ -7107,7 +7578,7 @@
           <p:nvPr/>
         </p:nvPicPr>
         <p:blipFill>
-          <a:blip r:embed="rId3">
+          <a:blip r:embed="rId4" cstate="print">
             <a:extLst>
               <a:ext uri="{28A0092B-C50C-407E-A947-70E740481C1C}">
                 <a14:useLocalDpi xmlns:a14="http://schemas.microsoft.com/office/drawing/2010/main" val="0"/>
@@ -7151,10 +7622,10 @@
           <a:lstStyle/>
           <a:p>
             <a:r>
-              <a:rPr lang="en-US" dirty="0" smtClean="0"/>
+              <a:rPr lang="en-US" smtClean="0"/>
               <a:t>This Knapsack contains Orange, Milk, and Chicken.</a:t>
             </a:r>
-            <a:endParaRPr lang="en-US" dirty="0"/>
+            <a:endParaRPr lang="en-US"/>
           </a:p>
         </p:txBody>
       </p:sp>
@@ -7181,10 +7652,10 @@
           <a:lstStyle/>
           <a:p>
             <a:r>
-              <a:rPr lang="en-US" dirty="0" smtClean="0"/>
+              <a:rPr lang="en-US" smtClean="0"/>
               <a:t>[    0,                     1,                 1,                     0,                  1    ]</a:t>
             </a:r>
-            <a:endParaRPr lang="en-US" dirty="0"/>
+            <a:endParaRPr lang="en-US"/>
           </a:p>
         </p:txBody>
       </p:sp>
@@ -7211,10 +7682,10 @@
           <a:lstStyle/>
           <a:p>
             <a:r>
-              <a:rPr lang="en-US" b="1" dirty="0" smtClean="0"/>
+              <a:rPr lang="en-US" b="1" smtClean="0"/>
               <a:t>Chromosome for Solution</a:t>
             </a:r>
-            <a:endParaRPr lang="en-US" b="1" dirty="0"/>
+            <a:endParaRPr lang="en-US" b="1"/>
           </a:p>
         </p:txBody>
       </p:sp>

--- a/docs/knapsack_presentation.pptx
+++ b/docs/knapsack_presentation.pptx
@@ -942,14 +942,6 @@
           <a:bodyPr/>
           <a:lstStyle/>
           <a:p>
-            <a:r>
-              <a:rPr lang="en-US" smtClean="0"/>
-              <a:t>dynamic programming:</a:t>
-            </a:r>
-            <a:r>
-              <a:rPr lang="en-US" baseline="0" smtClean="0"/>
-              <a:t> recursion, sub-problems. remember previous calculations.</a:t>
-            </a:r>
             <a:endParaRPr lang="en-US"/>
           </a:p>
         </p:txBody>
@@ -5121,7 +5113,7 @@
           <a:graphicData uri="http://schemas.openxmlformats.org/presentationml/2006/ole">
             <mc:AlternateContent xmlns:mc="http://schemas.openxmlformats.org/markup-compatibility/2006">
               <mc:Choice xmlns:v="urn:schemas-microsoft-com:vml" Requires="v">
-                <p:oleObj spid="_x0000_s1035" name="Document" r:id="rId3" imgW="5486400" imgH="838200" progId="Word.Document.12">
+                <p:oleObj spid="_x0000_s1036" name="Document" r:id="rId3" imgW="5486400" imgH="838200" progId="Word.Document.12">
                   <p:link updateAutomatic="1"/>
                 </p:oleObj>
               </mc:Choice>
@@ -6334,7 +6326,7 @@
         </p:blipFill>
         <p:spPr bwMode="auto">
           <a:xfrm>
-            <a:off x="3733800" y="1824684"/>
+            <a:off x="3429000" y="1824684"/>
             <a:ext cx="2437477" cy="3208630"/>
           </a:xfrm>
           <a:prstGeom prst="rect">
@@ -6360,7 +6352,7 @@
         </p:nvSpPr>
         <p:spPr>
           <a:xfrm>
-            <a:off x="3276600" y="5554394"/>
+            <a:off x="3048000" y="5554394"/>
             <a:ext cx="3984674" cy="646331"/>
           </a:xfrm>
           <a:prstGeom prst="rect">

--- a/docs/knapsack_presentation.pptx
+++ b/docs/knapsack_presentation.pptx
@@ -5113,7 +5113,7 @@
           <a:graphicData uri="http://schemas.openxmlformats.org/presentationml/2006/ole">
             <mc:AlternateContent xmlns:mc="http://schemas.openxmlformats.org/markup-compatibility/2006">
               <mc:Choice xmlns:v="urn:schemas-microsoft-com:vml" Requires="v">
-                <p:oleObj spid="_x0000_s1036" name="Document" r:id="rId3" imgW="5486400" imgH="838200" progId="Word.Document.12">
+                <p:oleObj spid="_x0000_s1039" name="Document" r:id="rId3" imgW="5486400" imgH="838200" progId="Word.Document.12">
                   <p:link updateAutomatic="1"/>
                 </p:oleObj>
               </mc:Choice>
@@ -5935,14 +5935,31 @@
           <a:p>
             <a:r>
               <a:rPr lang="en-US" smtClean="0"/>
-              <a:t>Adding weights to each objective</a:t>
-            </a:r>
-          </a:p>
-          <a:p>
-            <a:r>
-              <a:rPr lang="en-US" smtClean="0"/>
-              <a:t>Increasing number of objectives</a:t>
-            </a:r>
+              <a:t>Increasing </a:t>
+            </a:r>
+            <a:r>
+              <a:rPr lang="en-US" smtClean="0"/>
+              <a:t>number of </a:t>
+            </a:r>
+            <a:r>
+              <a:rPr lang="en-US" smtClean="0"/>
+              <a:t>objectives</a:t>
+            </a:r>
+          </a:p>
+          <a:p>
+            <a:r>
+              <a:rPr lang="en-US"/>
+              <a:t>Adding weights to </a:t>
+            </a:r>
+            <a:r>
+              <a:rPr lang="en-US"/>
+              <a:t>each </a:t>
+            </a:r>
+            <a:r>
+              <a:rPr lang="en-US" smtClean="0"/>
+              <a:t>objective</a:t>
+            </a:r>
+            <a:endParaRPr lang="en-US" smtClean="0"/>
           </a:p>
           <a:p>
             <a:r>

--- a/docs/knapsack_presentation.pptx
+++ b/docs/knapsack_presentation.pptx
@@ -2,10 +2,10 @@
 <file path=ppt/presentation.xml><?xml version="1.0" encoding="utf-8"?>
 <p:presentation xmlns:a="http://schemas.openxmlformats.org/drawingml/2006/main" xmlns:r="http://schemas.openxmlformats.org/officeDocument/2006/relationships" xmlns:p="http://schemas.openxmlformats.org/presentationml/2006/main" saveSubsetFonts="1">
   <p:sldMasterIdLst>
-    <p:sldMasterId id="2147483648" r:id="rId1"/>
+    <p:sldMasterId id="2147483801" r:id="rId1"/>
   </p:sldMasterIdLst>
   <p:notesMasterIdLst>
-    <p:notesMasterId r:id="rId21"/>
+    <p:notesMasterId r:id="rId23"/>
   </p:notesMasterIdLst>
   <p:sldIdLst>
     <p:sldId id="256" r:id="rId2"/>
@@ -24,9 +24,11 @@
     <p:sldId id="270" r:id="rId15"/>
     <p:sldId id="271" r:id="rId16"/>
     <p:sldId id="272" r:id="rId17"/>
-    <p:sldId id="273" r:id="rId18"/>
-    <p:sldId id="274" r:id="rId19"/>
-    <p:sldId id="275" r:id="rId20"/>
+    <p:sldId id="277" r:id="rId18"/>
+    <p:sldId id="276" r:id="rId19"/>
+    <p:sldId id="273" r:id="rId20"/>
+    <p:sldId id="274" r:id="rId21"/>
+    <p:sldId id="275" r:id="rId22"/>
   </p:sldIdLst>
   <p:sldSz cx="9144000" cy="6858000" type="screen4x3"/>
   <p:notesSz cx="6858000" cy="9144000"/>
@@ -128,6 +130,202 @@
 </p:presentation>
 </file>
 
+<file path=ppt/charts/chart1.xml><?xml version="1.0" encoding="utf-8"?>
+<c:chartSpace xmlns:c="http://schemas.openxmlformats.org/drawingml/2006/chart" xmlns:a="http://schemas.openxmlformats.org/drawingml/2006/main" xmlns:r="http://schemas.openxmlformats.org/officeDocument/2006/relationships">
+  <c:date1904 val="0"/>
+  <c:lang val="en-US"/>
+  <c:roundedCorners val="0"/>
+  <mc:AlternateContent xmlns:mc="http://schemas.openxmlformats.org/markup-compatibility/2006">
+    <mc:Choice xmlns:c14="http://schemas.microsoft.com/office/drawing/2007/8/2/chart" Requires="c14">
+      <c14:style val="118"/>
+    </mc:Choice>
+    <mc:Fallback>
+      <c:style val="18"/>
+    </mc:Fallback>
+  </mc:AlternateContent>
+  <c:chart>
+    <c:autoTitleDeleted val="0"/>
+    <c:plotArea>
+      <c:layout>
+        <c:manualLayout>
+          <c:layoutTarget val="inner"/>
+          <c:xMode val="edge"/>
+          <c:yMode val="edge"/>
+          <c:x val="0.132221620070771"/>
+          <c:y val="0.0743034055727554"/>
+          <c:w val="0.820146800981861"/>
+          <c:h val="0.809442968235782"/>
+        </c:manualLayout>
+      </c:layout>
+      <c:scatterChart>
+        <c:scatterStyle val="smoothMarker"/>
+        <c:varyColors val="0"/>
+        <c:ser>
+          <c:idx val="0"/>
+          <c:order val="0"/>
+          <c:xVal>
+            <c:numRef>
+              <c:f>Sheet1!$A$1:$A$8</c:f>
+              <c:numCache>
+                <c:formatCode>General</c:formatCode>
+                <c:ptCount val="8"/>
+                <c:pt idx="0">
+                  <c:v>10.0</c:v>
+                </c:pt>
+                <c:pt idx="1">
+                  <c:v>20.0</c:v>
+                </c:pt>
+                <c:pt idx="2">
+                  <c:v>40.0</c:v>
+                </c:pt>
+                <c:pt idx="3">
+                  <c:v>80.0</c:v>
+                </c:pt>
+                <c:pt idx="4">
+                  <c:v>160.0</c:v>
+                </c:pt>
+                <c:pt idx="5">
+                  <c:v>320.0</c:v>
+                </c:pt>
+                <c:pt idx="6">
+                  <c:v>640.0</c:v>
+                </c:pt>
+                <c:pt idx="7">
+                  <c:v>1280.0</c:v>
+                </c:pt>
+              </c:numCache>
+            </c:numRef>
+          </c:xVal>
+          <c:yVal>
+            <c:numRef>
+              <c:f>Sheet1!$B$1:$B$8</c:f>
+              <c:numCache>
+                <c:formatCode>General</c:formatCode>
+                <c:ptCount val="8"/>
+                <c:pt idx="0">
+                  <c:v>1.64687895775</c:v>
+                </c:pt>
+                <c:pt idx="1">
+                  <c:v>2.48517394066</c:v>
+                </c:pt>
+                <c:pt idx="2">
+                  <c:v>4.59294605255</c:v>
+                </c:pt>
+                <c:pt idx="3">
+                  <c:v>10.5048480034</c:v>
+                </c:pt>
+                <c:pt idx="4">
+                  <c:v>28.0887970924</c:v>
+                </c:pt>
+                <c:pt idx="5">
+                  <c:v>100.658760071</c:v>
+                </c:pt>
+                <c:pt idx="6">
+                  <c:v>320.98754406</c:v>
+                </c:pt>
+                <c:pt idx="7">
+                  <c:v>1196.0113759</c:v>
+                </c:pt>
+              </c:numCache>
+            </c:numRef>
+          </c:yVal>
+          <c:smooth val="1"/>
+        </c:ser>
+        <c:dLbls>
+          <c:showLegendKey val="0"/>
+          <c:showVal val="0"/>
+          <c:showCatName val="0"/>
+          <c:showSerName val="0"/>
+          <c:showPercent val="0"/>
+          <c:showBubbleSize val="0"/>
+        </c:dLbls>
+        <c:axId val="-2096652952"/>
+        <c:axId val="-2096876552"/>
+      </c:scatterChart>
+      <c:valAx>
+        <c:axId val="-2096652952"/>
+        <c:scaling>
+          <c:orientation val="minMax"/>
+        </c:scaling>
+        <c:delete val="0"/>
+        <c:axPos val="b"/>
+        <c:title>
+          <c:tx>
+            <c:rich>
+              <a:bodyPr/>
+              <a:lstStyle/>
+              <a:p>
+                <a:pPr>
+                  <a:defRPr/>
+                </a:pPr>
+                <a:r>
+                  <a:rPr lang="en-US" i="1"/>
+                  <a:t>n</a:t>
+                </a:r>
+                <a:r>
+                  <a:rPr lang="en-US"/>
+                  <a:t> Number of Items</a:t>
+                </a:r>
+              </a:p>
+            </c:rich>
+          </c:tx>
+          <c:layout/>
+          <c:overlay val="0"/>
+        </c:title>
+        <c:numFmt formatCode="General" sourceLinked="1"/>
+        <c:majorTickMark val="out"/>
+        <c:minorTickMark val="none"/>
+        <c:tickLblPos val="nextTo"/>
+        <c:crossAx val="-2096876552"/>
+        <c:crosses val="autoZero"/>
+        <c:crossBetween val="midCat"/>
+      </c:valAx>
+      <c:valAx>
+        <c:axId val="-2096876552"/>
+        <c:scaling>
+          <c:orientation val="minMax"/>
+        </c:scaling>
+        <c:delete val="0"/>
+        <c:axPos val="l"/>
+        <c:majorGridlines/>
+        <c:title>
+          <c:tx>
+            <c:rich>
+              <a:bodyPr rot="-5400000" vert="horz"/>
+              <a:lstStyle/>
+              <a:p>
+                <a:pPr>
+                  <a:defRPr/>
+                </a:pPr>
+                <a:r>
+                  <a:rPr lang="en-US"/>
+                  <a:t>Runtime (ms)</a:t>
+                </a:r>
+              </a:p>
+            </c:rich>
+          </c:tx>
+          <c:layout/>
+          <c:overlay val="0"/>
+        </c:title>
+        <c:numFmt formatCode="General" sourceLinked="1"/>
+        <c:majorTickMark val="out"/>
+        <c:minorTickMark val="none"/>
+        <c:tickLblPos val="nextTo"/>
+        <c:crossAx val="-2096652952"/>
+        <c:crosses val="autoZero"/>
+        <c:crossBetween val="midCat"/>
+      </c:valAx>
+    </c:plotArea>
+    <c:plotVisOnly val="1"/>
+    <c:dispBlanksAs val="gap"/>
+    <c:showDLblsOverMax val="0"/>
+  </c:chart>
+  <c:externalData r:id="rId1">
+    <c:autoUpdate val="0"/>
+  </c:externalData>
+</c:chartSpace>
+</file>
+
 <file path=ppt/notesMasters/notesMaster1.xml><?xml version="1.0" encoding="utf-8"?>
 <p:notesMaster xmlns:a="http://schemas.openxmlformats.org/drawingml/2006/main" xmlns:r="http://schemas.openxmlformats.org/officeDocument/2006/relationships" xmlns:p="http://schemas.openxmlformats.org/presentationml/2006/main">
   <p:cSld>
@@ -210,7 +408,7 @@
           <a:p>
             <a:fld id="{DFA55D5A-9713-F741-A396-5C05593D88B1}" type="datetimeFigureOut">
               <a:rPr lang="en-US" smtClean="0"/>
-              <a:t>11/18/2014</a:t>
+              <a:t>11/18/14</a:t>
             </a:fld>
             <a:endParaRPr lang="en-US"/>
           </a:p>
@@ -814,6 +1012,174 @@
 </p:notes>
 </file>
 
+<file path=ppt/notesSlides/notesSlide13.xml><?xml version="1.0" encoding="utf-8"?>
+<p:notes xmlns:a="http://schemas.openxmlformats.org/drawingml/2006/main" xmlns:r="http://schemas.openxmlformats.org/officeDocument/2006/relationships" xmlns:p="http://schemas.openxmlformats.org/presentationml/2006/main">
+  <p:cSld>
+    <p:spTree>
+      <p:nvGrpSpPr>
+        <p:cNvPr id="1" name=""/>
+        <p:cNvGrpSpPr/>
+        <p:nvPr/>
+      </p:nvGrpSpPr>
+      <p:grpSpPr>
+        <a:xfrm>
+          <a:off x="0" y="0"/>
+          <a:ext cx="0" cy="0"/>
+          <a:chOff x="0" y="0"/>
+          <a:chExt cx="0" cy="0"/>
+        </a:xfrm>
+      </p:grpSpPr>
+      <p:sp>
+        <p:nvSpPr>
+          <p:cNvPr id="2" name="Slide Image Placeholder 1"/>
+          <p:cNvSpPr>
+            <a:spLocks noGrp="1" noRot="1" noChangeAspect="1"/>
+          </p:cNvSpPr>
+          <p:nvPr>
+            <p:ph type="sldImg"/>
+          </p:nvPr>
+        </p:nvSpPr>
+        <p:spPr/>
+      </p:sp>
+      <p:sp>
+        <p:nvSpPr>
+          <p:cNvPr id="3" name="Notes Placeholder 2"/>
+          <p:cNvSpPr>
+            <a:spLocks noGrp="1"/>
+          </p:cNvSpPr>
+          <p:nvPr>
+            <p:ph type="body" idx="1"/>
+          </p:nvPr>
+        </p:nvSpPr>
+        <p:spPr/>
+        <p:txBody>
+          <a:bodyPr/>
+          <a:lstStyle/>
+          <a:p>
+            <a:endParaRPr lang="en-US"/>
+          </a:p>
+        </p:txBody>
+      </p:sp>
+      <p:sp>
+        <p:nvSpPr>
+          <p:cNvPr id="4" name="Slide Number Placeholder 3"/>
+          <p:cNvSpPr>
+            <a:spLocks noGrp="1"/>
+          </p:cNvSpPr>
+          <p:nvPr>
+            <p:ph type="sldNum" sz="quarter" idx="10"/>
+          </p:nvPr>
+        </p:nvSpPr>
+        <p:spPr/>
+        <p:txBody>
+          <a:bodyPr/>
+          <a:lstStyle/>
+          <a:p>
+            <a:fld id="{13601C0D-AD39-8143-8175-88B781727A80}" type="slidenum">
+              <a:rPr lang="en-US" smtClean="0"/>
+              <a:t>19</a:t>
+            </a:fld>
+            <a:endParaRPr lang="en-US"/>
+          </a:p>
+        </p:txBody>
+      </p:sp>
+    </p:spTree>
+    <p:extLst>
+      <p:ext uri="{BB962C8B-B14F-4D97-AF65-F5344CB8AC3E}">
+        <p14:creationId xmlns:p14="http://schemas.microsoft.com/office/powerpoint/2010/main" val="4165162000"/>
+      </p:ext>
+    </p:extLst>
+  </p:cSld>
+  <p:clrMapOvr>
+    <a:masterClrMapping/>
+  </p:clrMapOvr>
+</p:notes>
+</file>
+
+<file path=ppt/notesSlides/notesSlide14.xml><?xml version="1.0" encoding="utf-8"?>
+<p:notes xmlns:a="http://schemas.openxmlformats.org/drawingml/2006/main" xmlns:r="http://schemas.openxmlformats.org/officeDocument/2006/relationships" xmlns:p="http://schemas.openxmlformats.org/presentationml/2006/main">
+  <p:cSld>
+    <p:spTree>
+      <p:nvGrpSpPr>
+        <p:cNvPr id="1" name=""/>
+        <p:cNvGrpSpPr/>
+        <p:nvPr/>
+      </p:nvGrpSpPr>
+      <p:grpSpPr>
+        <a:xfrm>
+          <a:off x="0" y="0"/>
+          <a:ext cx="0" cy="0"/>
+          <a:chOff x="0" y="0"/>
+          <a:chExt cx="0" cy="0"/>
+        </a:xfrm>
+      </p:grpSpPr>
+      <p:sp>
+        <p:nvSpPr>
+          <p:cNvPr id="2" name="Slide Image Placeholder 1"/>
+          <p:cNvSpPr>
+            <a:spLocks noGrp="1" noRot="1" noChangeAspect="1"/>
+          </p:cNvSpPr>
+          <p:nvPr>
+            <p:ph type="sldImg"/>
+          </p:nvPr>
+        </p:nvSpPr>
+        <p:spPr/>
+      </p:sp>
+      <p:sp>
+        <p:nvSpPr>
+          <p:cNvPr id="3" name="Notes Placeholder 2"/>
+          <p:cNvSpPr>
+            <a:spLocks noGrp="1"/>
+          </p:cNvSpPr>
+          <p:nvPr>
+            <p:ph type="body" idx="1"/>
+          </p:nvPr>
+        </p:nvSpPr>
+        <p:spPr/>
+        <p:txBody>
+          <a:bodyPr/>
+          <a:lstStyle/>
+          <a:p>
+            <a:endParaRPr lang="en-US"/>
+          </a:p>
+        </p:txBody>
+      </p:sp>
+      <p:sp>
+        <p:nvSpPr>
+          <p:cNvPr id="4" name="Slide Number Placeholder 3"/>
+          <p:cNvSpPr>
+            <a:spLocks noGrp="1"/>
+          </p:cNvSpPr>
+          <p:nvPr>
+            <p:ph type="sldNum" sz="quarter" idx="10"/>
+          </p:nvPr>
+        </p:nvSpPr>
+        <p:spPr/>
+        <p:txBody>
+          <a:bodyPr/>
+          <a:lstStyle/>
+          <a:p>
+            <a:fld id="{13601C0D-AD39-8143-8175-88B781727A80}" type="slidenum">
+              <a:rPr lang="en-US" smtClean="0"/>
+              <a:t>20</a:t>
+            </a:fld>
+            <a:endParaRPr lang="en-US"/>
+          </a:p>
+        </p:txBody>
+      </p:sp>
+    </p:spTree>
+    <p:extLst>
+      <p:ext uri="{BB962C8B-B14F-4D97-AF65-F5344CB8AC3E}">
+        <p14:creationId xmlns:p14="http://schemas.microsoft.com/office/powerpoint/2010/main" val="4165162000"/>
+      </p:ext>
+    </p:extLst>
+  </p:cSld>
+  <p:clrMapOvr>
+    <a:masterClrMapping/>
+  </p:clrMapOvr>
+</p:notes>
+</file>
+
 <file path=ppt/notesSlides/notesSlide2.xml><?xml version="1.0" encoding="utf-8"?>
 <p:notes xmlns:a="http://schemas.openxmlformats.org/drawingml/2006/main" xmlns:r="http://schemas.openxmlformats.org/officeDocument/2006/relationships" xmlns:p="http://schemas.openxmlformats.org/presentationml/2006/main">
   <p:cSld>
@@ -1527,19 +1893,44 @@
         </p:nvSpPr>
         <p:spPr>
           <a:xfrm>
-            <a:off x="685800" y="2130425"/>
-            <a:ext cx="7772400" cy="1470025"/>
+            <a:off x="1322921" y="1523999"/>
+            <a:ext cx="6498158" cy="1724867"/>
           </a:xfrm>
         </p:spPr>
         <p:txBody>
-          <a:bodyPr/>
-          <a:lstStyle/>
+          <a:bodyPr vert="horz" lIns="91440" tIns="45720" rIns="91440" bIns="45720" rtlCol="0" anchor="b" anchorCtr="0">
+            <a:noAutofit/>
+          </a:bodyPr>
+          <a:lstStyle>
+            <a:lvl1pPr marL="0" indent="0" algn="ctr" defTabSz="914400" rtl="0" eaLnBrk="1" latinLnBrk="0" hangingPunct="1">
+              <a:spcBef>
+                <a:spcPct val="0"/>
+              </a:spcBef>
+              <a:buClr>
+                <a:schemeClr val="accent1">
+                  <a:lumMod val="60000"/>
+                  <a:lumOff val="40000"/>
+                </a:schemeClr>
+              </a:buClr>
+              <a:buSzPct val="110000"/>
+              <a:buFont typeface="Wingdings 2" pitchFamily="18" charset="2"/>
+              <a:buNone/>
+              <a:defRPr sz="4600" kern="1200">
+                <a:solidFill>
+                  <a:schemeClr val="accent1"/>
+                </a:solidFill>
+                <a:latin typeface="+mj-lt"/>
+                <a:ea typeface="+mj-ea"/>
+                <a:cs typeface="+mj-cs"/>
+              </a:defRPr>
+            </a:lvl1pPr>
+          </a:lstStyle>
           <a:p>
             <a:r>
               <a:rPr lang="en-US" smtClean="0"/>
               <a:t>Click to edit Master title style</a:t>
             </a:r>
-            <a:endParaRPr lang="en-US"/>
+            <a:endParaRPr/>
           </a:p>
         </p:txBody>
       </p:sp>
@@ -1555,16 +1946,1084 @@
         </p:nvSpPr>
         <p:spPr>
           <a:xfrm>
-            <a:off x="1371600" y="3886200"/>
-            <a:ext cx="6400800" cy="1752600"/>
+            <a:off x="1322921" y="3299012"/>
+            <a:ext cx="6498159" cy="916641"/>
           </a:xfrm>
         </p:spPr>
         <p:txBody>
+          <a:bodyPr vert="horz" lIns="91440" tIns="45720" rIns="91440" bIns="45720" rtlCol="0">
+            <a:normAutofit/>
+          </a:bodyPr>
+          <a:lstStyle>
+            <a:lvl1pPr marL="0" indent="0" algn="ctr" defTabSz="914400" rtl="0" eaLnBrk="1" latinLnBrk="0" hangingPunct="1">
+              <a:spcBef>
+                <a:spcPts val="300"/>
+              </a:spcBef>
+              <a:buClr>
+                <a:schemeClr val="accent1">
+                  <a:lumMod val="60000"/>
+                  <a:lumOff val="40000"/>
+                </a:schemeClr>
+              </a:buClr>
+              <a:buSzPct val="110000"/>
+              <a:buFont typeface="Wingdings 2" pitchFamily="18" charset="2"/>
+              <a:buNone/>
+              <a:defRPr sz="1800" kern="1200">
+                <a:solidFill>
+                  <a:schemeClr val="tx1">
+                    <a:tint val="75000"/>
+                  </a:schemeClr>
+                </a:solidFill>
+                <a:latin typeface="+mn-lt"/>
+                <a:ea typeface="+mn-ea"/>
+                <a:cs typeface="+mn-cs"/>
+              </a:defRPr>
+            </a:lvl1pPr>
+            <a:lvl2pPr marL="457200" indent="0" algn="ctr">
+              <a:buNone/>
+              <a:defRPr>
+                <a:solidFill>
+                  <a:schemeClr val="tx1">
+                    <a:tint val="75000"/>
+                  </a:schemeClr>
+                </a:solidFill>
+              </a:defRPr>
+            </a:lvl2pPr>
+            <a:lvl3pPr marL="914400" indent="0" algn="ctr">
+              <a:buNone/>
+              <a:defRPr>
+                <a:solidFill>
+                  <a:schemeClr val="tx1">
+                    <a:tint val="75000"/>
+                  </a:schemeClr>
+                </a:solidFill>
+              </a:defRPr>
+            </a:lvl3pPr>
+            <a:lvl4pPr marL="1371600" indent="0" algn="ctr">
+              <a:buNone/>
+              <a:defRPr>
+                <a:solidFill>
+                  <a:schemeClr val="tx1">
+                    <a:tint val="75000"/>
+                  </a:schemeClr>
+                </a:solidFill>
+              </a:defRPr>
+            </a:lvl4pPr>
+            <a:lvl5pPr marL="1828800" indent="0" algn="ctr">
+              <a:buNone/>
+              <a:defRPr>
+                <a:solidFill>
+                  <a:schemeClr val="tx1">
+                    <a:tint val="75000"/>
+                  </a:schemeClr>
+                </a:solidFill>
+              </a:defRPr>
+            </a:lvl5pPr>
+            <a:lvl6pPr marL="2286000" indent="0" algn="ctr">
+              <a:buNone/>
+              <a:defRPr>
+                <a:solidFill>
+                  <a:schemeClr val="tx1">
+                    <a:tint val="75000"/>
+                  </a:schemeClr>
+                </a:solidFill>
+              </a:defRPr>
+            </a:lvl6pPr>
+            <a:lvl7pPr marL="2743200" indent="0" algn="ctr">
+              <a:buNone/>
+              <a:defRPr>
+                <a:solidFill>
+                  <a:schemeClr val="tx1">
+                    <a:tint val="75000"/>
+                  </a:schemeClr>
+                </a:solidFill>
+              </a:defRPr>
+            </a:lvl7pPr>
+            <a:lvl8pPr marL="3200400" indent="0" algn="ctr">
+              <a:buNone/>
+              <a:defRPr>
+                <a:solidFill>
+                  <a:schemeClr val="tx1">
+                    <a:tint val="75000"/>
+                  </a:schemeClr>
+                </a:solidFill>
+              </a:defRPr>
+            </a:lvl8pPr>
+            <a:lvl9pPr marL="3657600" indent="0" algn="ctr">
+              <a:buNone/>
+              <a:defRPr>
+                <a:solidFill>
+                  <a:schemeClr val="tx1">
+                    <a:tint val="75000"/>
+                  </a:schemeClr>
+                </a:solidFill>
+              </a:defRPr>
+            </a:lvl9pPr>
+          </a:lstStyle>
+          <a:p>
+            <a:r>
+              <a:rPr lang="en-US" smtClean="0"/>
+              <a:t>Click to edit Master subtitle style</a:t>
+            </a:r>
+            <a:endParaRPr dirty="0"/>
+          </a:p>
+        </p:txBody>
+      </p:sp>
+      <p:sp>
+        <p:nvSpPr>
+          <p:cNvPr id="4" name="Date Placeholder 3"/>
+          <p:cNvSpPr>
+            <a:spLocks noGrp="1"/>
+          </p:cNvSpPr>
+          <p:nvPr>
+            <p:ph type="dt" sz="half" idx="10"/>
+          </p:nvPr>
+        </p:nvSpPr>
+        <p:spPr/>
+        <p:txBody>
+          <a:bodyPr/>
+          <a:lstStyle/>
+          <a:p>
+            <a:fld id="{08CC8332-1ACC-4406-A169-8A73968D9A6C}" type="datetimeFigureOut">
+              <a:rPr lang="en-US" smtClean="0"/>
+              <a:t>11/18/14</a:t>
+            </a:fld>
+            <a:endParaRPr lang="en-US"/>
+          </a:p>
+        </p:txBody>
+      </p:sp>
+      <p:sp>
+        <p:nvSpPr>
+          <p:cNvPr id="5" name="Footer Placeholder 4"/>
+          <p:cNvSpPr>
+            <a:spLocks noGrp="1"/>
+          </p:cNvSpPr>
+          <p:nvPr>
+            <p:ph type="ftr" sz="quarter" idx="11"/>
+          </p:nvPr>
+        </p:nvSpPr>
+        <p:spPr/>
+        <p:txBody>
+          <a:bodyPr/>
+          <a:lstStyle/>
+          <a:p>
+            <a:endParaRPr lang="en-US"/>
+          </a:p>
+        </p:txBody>
+      </p:sp>
+      <p:sp>
+        <p:nvSpPr>
+          <p:cNvPr id="6" name="Slide Number Placeholder 5"/>
+          <p:cNvSpPr>
+            <a:spLocks noGrp="1"/>
+          </p:cNvSpPr>
+          <p:nvPr>
+            <p:ph type="sldNum" sz="quarter" idx="12"/>
+          </p:nvPr>
+        </p:nvSpPr>
+        <p:spPr/>
+        <p:txBody>
+          <a:bodyPr/>
+          <a:lstStyle/>
+          <a:p>
+            <a:fld id="{2754ED01-E2A0-4C1E-8E21-014B99041579}" type="slidenum">
+              <a:rPr lang="en-US" smtClean="0"/>
+              <a:pPr/>
+              <a:t>‹#›</a:t>
+            </a:fld>
+            <a:endParaRPr lang="en-US"/>
+          </a:p>
+        </p:txBody>
+      </p:sp>
+    </p:spTree>
+  </p:cSld>
+  <p:clrMapOvr>
+    <a:masterClrMapping/>
+  </p:clrMapOvr>
+</p:sldLayout>
+</file>
+
+<file path=ppt/slideLayouts/slideLayout10.xml><?xml version="1.0" encoding="utf-8"?>
+<p:sldLayout xmlns:a="http://schemas.openxmlformats.org/drawingml/2006/main" xmlns:r="http://schemas.openxmlformats.org/officeDocument/2006/relationships" xmlns:p="http://schemas.openxmlformats.org/presentationml/2006/main" preserve="1">
+  <p:cSld name="Picture with Caption">
+    <p:spTree>
+      <p:nvGrpSpPr>
+        <p:cNvPr id="1" name=""/>
+        <p:cNvGrpSpPr/>
+        <p:nvPr/>
+      </p:nvGrpSpPr>
+      <p:grpSpPr>
+        <a:xfrm>
+          <a:off x="0" y="0"/>
+          <a:ext cx="0" cy="0"/>
+          <a:chOff x="0" y="0"/>
+          <a:chExt cx="0" cy="0"/>
+        </a:xfrm>
+      </p:grpSpPr>
+      <p:sp>
+        <p:nvSpPr>
+          <p:cNvPr id="2" name="Title 1"/>
+          <p:cNvSpPr>
+            <a:spLocks noGrp="1"/>
+          </p:cNvSpPr>
+          <p:nvPr>
+            <p:ph type="title"/>
+          </p:nvPr>
+        </p:nvSpPr>
+        <p:spPr>
+          <a:xfrm>
+            <a:off x="533398" y="611872"/>
+            <a:ext cx="4079545" cy="1162050"/>
+          </a:xfrm>
+        </p:spPr>
+        <p:txBody>
+          <a:bodyPr anchor="b"/>
+          <a:lstStyle>
+            <a:lvl1pPr algn="ctr">
+              <a:defRPr sz="3600" b="0"/>
+            </a:lvl1pPr>
+          </a:lstStyle>
+          <a:p>
+            <a:r>
+              <a:rPr lang="en-US" smtClean="0"/>
+              <a:t>Click to edit Master title style</a:t>
+            </a:r>
+            <a:endParaRPr/>
+          </a:p>
+        </p:txBody>
+      </p:sp>
+      <p:sp>
+        <p:nvSpPr>
+          <p:cNvPr id="4" name="Text Placeholder 3"/>
+          <p:cNvSpPr>
+            <a:spLocks noGrp="1"/>
+          </p:cNvSpPr>
+          <p:nvPr>
+            <p:ph type="body" sz="half" idx="2"/>
+          </p:nvPr>
+        </p:nvSpPr>
+        <p:spPr>
+          <a:xfrm>
+            <a:off x="533398" y="1787856"/>
+            <a:ext cx="4079545" cy="3720152"/>
+          </a:xfrm>
+        </p:spPr>
+        <p:txBody>
+          <a:bodyPr>
+            <a:normAutofit/>
+          </a:bodyPr>
+          <a:lstStyle>
+            <a:lvl1pPr marL="0" indent="0" algn="ctr">
+              <a:spcBef>
+                <a:spcPts val="600"/>
+              </a:spcBef>
+              <a:buNone/>
+              <a:defRPr sz="1800"/>
+            </a:lvl1pPr>
+            <a:lvl2pPr marL="457200" indent="0">
+              <a:buNone/>
+              <a:defRPr sz="1200"/>
+            </a:lvl2pPr>
+            <a:lvl3pPr marL="914400" indent="0">
+              <a:buNone/>
+              <a:defRPr sz="1000"/>
+            </a:lvl3pPr>
+            <a:lvl4pPr marL="1371600" indent="0">
+              <a:buNone/>
+              <a:defRPr sz="900"/>
+            </a:lvl4pPr>
+            <a:lvl5pPr marL="1828800" indent="0">
+              <a:buNone/>
+              <a:defRPr sz="900"/>
+            </a:lvl5pPr>
+            <a:lvl6pPr marL="2286000" indent="0">
+              <a:buNone/>
+              <a:defRPr sz="900"/>
+            </a:lvl6pPr>
+            <a:lvl7pPr marL="2743200" indent="0">
+              <a:buNone/>
+              <a:defRPr sz="900"/>
+            </a:lvl7pPr>
+            <a:lvl8pPr marL="3200400" indent="0">
+              <a:buNone/>
+              <a:defRPr sz="900"/>
+            </a:lvl8pPr>
+            <a:lvl9pPr marL="3657600" indent="0">
+              <a:buNone/>
+              <a:defRPr sz="900"/>
+            </a:lvl9pPr>
+          </a:lstStyle>
+          <a:p>
+            <a:pPr lvl="0"/>
+            <a:r>
+              <a:rPr lang="en-US" smtClean="0"/>
+              <a:t>Click to edit Master text styles</a:t>
+            </a:r>
+          </a:p>
+        </p:txBody>
+      </p:sp>
+      <p:sp>
+        <p:nvSpPr>
+          <p:cNvPr id="5" name="Date Placeholder 4"/>
+          <p:cNvSpPr>
+            <a:spLocks noGrp="1"/>
+          </p:cNvSpPr>
+          <p:nvPr>
+            <p:ph type="dt" sz="half" idx="10"/>
+          </p:nvPr>
+        </p:nvSpPr>
+        <p:spPr/>
+        <p:txBody>
+          <a:bodyPr/>
+          <a:lstStyle/>
+          <a:p>
+            <a:fld id="{08CC8332-1ACC-4406-A169-8A73968D9A6C}" type="datetimeFigureOut">
+              <a:rPr lang="en-US" smtClean="0"/>
+              <a:t>11/18/14</a:t>
+            </a:fld>
+            <a:endParaRPr lang="en-US"/>
+          </a:p>
+        </p:txBody>
+      </p:sp>
+      <p:sp>
+        <p:nvSpPr>
+          <p:cNvPr id="6" name="Footer Placeholder 5"/>
+          <p:cNvSpPr>
+            <a:spLocks noGrp="1"/>
+          </p:cNvSpPr>
+          <p:nvPr>
+            <p:ph type="ftr" sz="quarter" idx="11"/>
+          </p:nvPr>
+        </p:nvSpPr>
+        <p:spPr/>
+        <p:txBody>
+          <a:bodyPr/>
+          <a:lstStyle/>
+          <a:p>
+            <a:endParaRPr lang="en-US"/>
+          </a:p>
+        </p:txBody>
+      </p:sp>
+      <p:sp>
+        <p:nvSpPr>
+          <p:cNvPr id="7" name="Slide Number Placeholder 6"/>
+          <p:cNvSpPr>
+            <a:spLocks noGrp="1"/>
+          </p:cNvSpPr>
+          <p:nvPr>
+            <p:ph type="sldNum" sz="quarter" idx="12"/>
+          </p:nvPr>
+        </p:nvSpPr>
+        <p:spPr/>
+        <p:txBody>
+          <a:bodyPr/>
+          <a:lstStyle/>
+          <a:p>
+            <a:fld id="{B9D84707-D478-4998-84AC-D0E530C94A1D}" type="slidenum">
+              <a:rPr lang="en-US" smtClean="0"/>
+              <a:t>‹#›</a:t>
+            </a:fld>
+            <a:endParaRPr lang="en-US"/>
+          </a:p>
+        </p:txBody>
+      </p:sp>
+      <p:sp>
+        <p:nvSpPr>
+          <p:cNvPr id="8" name="Picture Placeholder 2"/>
+          <p:cNvSpPr>
+            <a:spLocks noGrp="1"/>
+          </p:cNvSpPr>
+          <p:nvPr>
+            <p:ph type="pic" idx="1"/>
+          </p:nvPr>
+        </p:nvSpPr>
+        <p:spPr>
+          <a:xfrm>
+            <a:off x="5090617" y="359392"/>
+            <a:ext cx="3657600" cy="5318077"/>
+          </a:xfrm>
+          <a:ln w="3175">
+            <a:solidFill>
+              <a:schemeClr val="bg1"/>
+            </a:solidFill>
+          </a:ln>
+          <a:effectLst>
+            <a:outerShdw blurRad="63500" sx="100500" sy="100500" algn="ctr" rotWithShape="0">
+              <a:prstClr val="black">
+                <a:alpha val="50000"/>
+              </a:prstClr>
+            </a:outerShdw>
+          </a:effectLst>
+        </p:spPr>
+        <p:txBody>
+          <a:bodyPr vert="horz" lIns="91440" tIns="45720" rIns="91440" bIns="45720" rtlCol="0">
+            <a:normAutofit/>
+          </a:bodyPr>
+          <a:lstStyle>
+            <a:lvl1pPr marL="0" indent="0" algn="l" defTabSz="914400" rtl="0" eaLnBrk="1" latinLnBrk="0" hangingPunct="1">
+              <a:spcBef>
+                <a:spcPts val="2000"/>
+              </a:spcBef>
+              <a:buClr>
+                <a:schemeClr val="accent1">
+                  <a:lumMod val="60000"/>
+                  <a:lumOff val="40000"/>
+                </a:schemeClr>
+              </a:buClr>
+              <a:buSzPct val="110000"/>
+              <a:buFont typeface="Wingdings 2" pitchFamily="18" charset="2"/>
+              <a:buNone/>
+              <a:defRPr sz="3200" kern="1200">
+                <a:solidFill>
+                  <a:schemeClr val="tx1">
+                    <a:lumMod val="65000"/>
+                    <a:lumOff val="35000"/>
+                  </a:schemeClr>
+                </a:solidFill>
+                <a:latin typeface="+mn-lt"/>
+                <a:ea typeface="+mn-ea"/>
+                <a:cs typeface="+mn-cs"/>
+              </a:defRPr>
+            </a:lvl1pPr>
+            <a:lvl2pPr marL="457200" indent="0">
+              <a:buNone/>
+              <a:defRPr sz="2800"/>
+            </a:lvl2pPr>
+            <a:lvl3pPr marL="914400" indent="0">
+              <a:buNone/>
+              <a:defRPr sz="2400"/>
+            </a:lvl3pPr>
+            <a:lvl4pPr marL="1371600" indent="0">
+              <a:buNone/>
+              <a:defRPr sz="2000"/>
+            </a:lvl4pPr>
+            <a:lvl5pPr marL="1828800" indent="0">
+              <a:buNone/>
+              <a:defRPr sz="2000"/>
+            </a:lvl5pPr>
+            <a:lvl6pPr marL="2286000" indent="0">
+              <a:buNone/>
+              <a:defRPr sz="2000"/>
+            </a:lvl6pPr>
+            <a:lvl7pPr marL="2743200" indent="0">
+              <a:buNone/>
+              <a:defRPr sz="2000"/>
+            </a:lvl7pPr>
+            <a:lvl8pPr marL="3200400" indent="0">
+              <a:buNone/>
+              <a:defRPr sz="2000"/>
+            </a:lvl8pPr>
+            <a:lvl9pPr marL="3657600" indent="0">
+              <a:buNone/>
+              <a:defRPr sz="2000"/>
+            </a:lvl9pPr>
+          </a:lstStyle>
+          <a:p>
+            <a:r>
+              <a:rPr lang="en-US" smtClean="0"/>
+              <a:t>Drag picture to placeholder or click icon to add</a:t>
+            </a:r>
+            <a:endParaRPr/>
+          </a:p>
+        </p:txBody>
+      </p:sp>
+    </p:spTree>
+  </p:cSld>
+  <p:clrMapOvr>
+    <a:masterClrMapping/>
+  </p:clrMapOvr>
+</p:sldLayout>
+</file>
+
+<file path=ppt/slideLayouts/slideLayout11.xml><?xml version="1.0" encoding="utf-8"?>
+<p:sldLayout xmlns:a="http://schemas.openxmlformats.org/drawingml/2006/main" xmlns:r="http://schemas.openxmlformats.org/officeDocument/2006/relationships" xmlns:p="http://schemas.openxmlformats.org/presentationml/2006/main" type="vertTx" preserve="1">
+  <p:cSld name="Title and Vertical Text">
+    <p:spTree>
+      <p:nvGrpSpPr>
+        <p:cNvPr id="1" name=""/>
+        <p:cNvGrpSpPr/>
+        <p:nvPr/>
+      </p:nvGrpSpPr>
+      <p:grpSpPr>
+        <a:xfrm>
+          <a:off x="0" y="0"/>
+          <a:ext cx="0" cy="0"/>
+          <a:chOff x="0" y="0"/>
+          <a:chExt cx="0" cy="0"/>
+        </a:xfrm>
+      </p:grpSpPr>
+      <p:sp>
+        <p:nvSpPr>
+          <p:cNvPr id="2" name="Title 1"/>
+          <p:cNvSpPr>
+            <a:spLocks noGrp="1"/>
+          </p:cNvSpPr>
+          <p:nvPr>
+            <p:ph type="title"/>
+          </p:nvPr>
+        </p:nvSpPr>
+        <p:spPr/>
+        <p:txBody>
+          <a:bodyPr/>
+          <a:lstStyle/>
+          <a:p>
+            <a:r>
+              <a:rPr lang="en-US" smtClean="0"/>
+              <a:t>Click to edit Master title style</a:t>
+            </a:r>
+            <a:endParaRPr/>
+          </a:p>
+        </p:txBody>
+      </p:sp>
+      <p:sp>
+        <p:nvSpPr>
+          <p:cNvPr id="3" name="Vertical Text Placeholder 2"/>
+          <p:cNvSpPr>
+            <a:spLocks noGrp="1"/>
+          </p:cNvSpPr>
+          <p:nvPr>
+            <p:ph type="body" orient="vert" idx="1"/>
+          </p:nvPr>
+        </p:nvSpPr>
+        <p:spPr/>
+        <p:txBody>
+          <a:bodyPr vert="eaVert"/>
+          <a:lstStyle>
+            <a:lvl5pPr>
+              <a:defRPr/>
+            </a:lvl5pPr>
+          </a:lstStyle>
+          <a:p>
+            <a:pPr lvl="0"/>
+            <a:r>
+              <a:rPr lang="en-US" smtClean="0"/>
+              <a:t>Click to edit Master text styles</a:t>
+            </a:r>
+          </a:p>
+          <a:p>
+            <a:pPr lvl="1"/>
+            <a:r>
+              <a:rPr lang="en-US" smtClean="0"/>
+              <a:t>Second level</a:t>
+            </a:r>
+          </a:p>
+          <a:p>
+            <a:pPr lvl="2"/>
+            <a:r>
+              <a:rPr lang="en-US" smtClean="0"/>
+              <a:t>Third level</a:t>
+            </a:r>
+          </a:p>
+          <a:p>
+            <a:pPr lvl="3"/>
+            <a:r>
+              <a:rPr lang="en-US" smtClean="0"/>
+              <a:t>Fourth level</a:t>
+            </a:r>
+          </a:p>
+          <a:p>
+            <a:pPr lvl="4"/>
+            <a:r>
+              <a:rPr lang="en-US" smtClean="0"/>
+              <a:t>Fifth level</a:t>
+            </a:r>
+            <a:endParaRPr dirty="0"/>
+          </a:p>
+        </p:txBody>
+      </p:sp>
+      <p:sp>
+        <p:nvSpPr>
+          <p:cNvPr id="4" name="Date Placeholder 3"/>
+          <p:cNvSpPr>
+            <a:spLocks noGrp="1"/>
+          </p:cNvSpPr>
+          <p:nvPr>
+            <p:ph type="dt" sz="half" idx="10"/>
+          </p:nvPr>
+        </p:nvSpPr>
+        <p:spPr/>
+        <p:txBody>
+          <a:bodyPr/>
+          <a:lstStyle/>
+          <a:p>
+            <a:fld id="{08CC8332-1ACC-4406-A169-8A73968D9A6C}" type="datetimeFigureOut">
+              <a:rPr lang="en-US" smtClean="0"/>
+              <a:t>11/18/14</a:t>
+            </a:fld>
+            <a:endParaRPr lang="en-US"/>
+          </a:p>
+        </p:txBody>
+      </p:sp>
+      <p:sp>
+        <p:nvSpPr>
+          <p:cNvPr id="5" name="Footer Placeholder 4"/>
+          <p:cNvSpPr>
+            <a:spLocks noGrp="1"/>
+          </p:cNvSpPr>
+          <p:nvPr>
+            <p:ph type="ftr" sz="quarter" idx="11"/>
+          </p:nvPr>
+        </p:nvSpPr>
+        <p:spPr/>
+        <p:txBody>
+          <a:bodyPr/>
+          <a:lstStyle/>
+          <a:p>
+            <a:endParaRPr lang="en-US"/>
+          </a:p>
+        </p:txBody>
+      </p:sp>
+      <p:sp>
+        <p:nvSpPr>
+          <p:cNvPr id="6" name="Slide Number Placeholder 5"/>
+          <p:cNvSpPr>
+            <a:spLocks noGrp="1"/>
+          </p:cNvSpPr>
+          <p:nvPr>
+            <p:ph type="sldNum" sz="quarter" idx="12"/>
+          </p:nvPr>
+        </p:nvSpPr>
+        <p:spPr/>
+        <p:txBody>
+          <a:bodyPr/>
+          <a:lstStyle/>
+          <a:p>
+            <a:fld id="{B9D84707-D478-4998-84AC-D0E530C94A1D}" type="slidenum">
+              <a:rPr lang="en-US" smtClean="0"/>
+              <a:t>‹#›</a:t>
+            </a:fld>
+            <a:endParaRPr lang="en-US"/>
+          </a:p>
+        </p:txBody>
+      </p:sp>
+    </p:spTree>
+  </p:cSld>
+  <p:clrMapOvr>
+    <a:masterClrMapping/>
+  </p:clrMapOvr>
+</p:sldLayout>
+</file>
+
+<file path=ppt/slideLayouts/slideLayout12.xml><?xml version="1.0" encoding="utf-8"?>
+<p:sldLayout xmlns:a="http://schemas.openxmlformats.org/drawingml/2006/main" xmlns:r="http://schemas.openxmlformats.org/officeDocument/2006/relationships" xmlns:p="http://schemas.openxmlformats.org/presentationml/2006/main" type="vertTitleAndTx" preserve="1">
+  <p:cSld name="Vertical Title and Text">
+    <p:spTree>
+      <p:nvGrpSpPr>
+        <p:cNvPr id="1" name=""/>
+        <p:cNvGrpSpPr/>
+        <p:nvPr/>
+      </p:nvGrpSpPr>
+      <p:grpSpPr>
+        <a:xfrm>
+          <a:off x="0" y="0"/>
+          <a:ext cx="0" cy="0"/>
+          <a:chOff x="0" y="0"/>
+          <a:chExt cx="0" cy="0"/>
+        </a:xfrm>
+      </p:grpSpPr>
+      <p:sp>
+        <p:nvSpPr>
+          <p:cNvPr id="2" name="Vertical Title 1"/>
+          <p:cNvSpPr>
+            <a:spLocks noGrp="1"/>
+          </p:cNvSpPr>
+          <p:nvPr>
+            <p:ph type="title" orient="vert"/>
+          </p:nvPr>
+        </p:nvSpPr>
+        <p:spPr>
+          <a:xfrm>
+            <a:off x="7369792" y="368301"/>
+            <a:ext cx="1524000" cy="5575300"/>
+          </a:xfrm>
+        </p:spPr>
+        <p:txBody>
+          <a:bodyPr vert="eaVert"/>
+          <a:lstStyle/>
+          <a:p>
+            <a:r>
+              <a:rPr lang="en-US" smtClean="0"/>
+              <a:t>Click to edit Master title style</a:t>
+            </a:r>
+            <a:endParaRPr/>
+          </a:p>
+        </p:txBody>
+      </p:sp>
+      <p:sp>
+        <p:nvSpPr>
+          <p:cNvPr id="3" name="Vertical Text Placeholder 2"/>
+          <p:cNvSpPr>
+            <a:spLocks noGrp="1"/>
+          </p:cNvSpPr>
+          <p:nvPr>
+            <p:ph type="body" orient="vert" idx="1"/>
+          </p:nvPr>
+        </p:nvSpPr>
+        <p:spPr>
+          <a:xfrm>
+            <a:off x="549274" y="368301"/>
+            <a:ext cx="6689726" cy="5575300"/>
+          </a:xfrm>
+        </p:spPr>
+        <p:txBody>
+          <a:bodyPr vert="eaVert"/>
+          <a:lstStyle>
+            <a:lvl5pPr>
+              <a:defRPr/>
+            </a:lvl5pPr>
+          </a:lstStyle>
+          <a:p>
+            <a:pPr lvl="0"/>
+            <a:r>
+              <a:rPr lang="en-US" smtClean="0"/>
+              <a:t>Click to edit Master text styles</a:t>
+            </a:r>
+          </a:p>
+          <a:p>
+            <a:pPr lvl="1"/>
+            <a:r>
+              <a:rPr lang="en-US" smtClean="0"/>
+              <a:t>Second level</a:t>
+            </a:r>
+          </a:p>
+          <a:p>
+            <a:pPr lvl="2"/>
+            <a:r>
+              <a:rPr lang="en-US" smtClean="0"/>
+              <a:t>Third level</a:t>
+            </a:r>
+          </a:p>
+          <a:p>
+            <a:pPr lvl="3"/>
+            <a:r>
+              <a:rPr lang="en-US" smtClean="0"/>
+              <a:t>Fourth level</a:t>
+            </a:r>
+          </a:p>
+          <a:p>
+            <a:pPr lvl="4"/>
+            <a:r>
+              <a:rPr lang="en-US" smtClean="0"/>
+              <a:t>Fifth level</a:t>
+            </a:r>
+            <a:endParaRPr dirty="0"/>
+          </a:p>
+        </p:txBody>
+      </p:sp>
+      <p:sp>
+        <p:nvSpPr>
+          <p:cNvPr id="4" name="Date Placeholder 3"/>
+          <p:cNvSpPr>
+            <a:spLocks noGrp="1"/>
+          </p:cNvSpPr>
+          <p:nvPr>
+            <p:ph type="dt" sz="half" idx="10"/>
+          </p:nvPr>
+        </p:nvSpPr>
+        <p:spPr/>
+        <p:txBody>
+          <a:bodyPr/>
+          <a:lstStyle/>
+          <a:p>
+            <a:fld id="{08CC8332-1ACC-4406-A169-8A73968D9A6C}" type="datetimeFigureOut">
+              <a:rPr lang="en-US" smtClean="0"/>
+              <a:t>11/18/14</a:t>
+            </a:fld>
+            <a:endParaRPr lang="en-US"/>
+          </a:p>
+        </p:txBody>
+      </p:sp>
+      <p:sp>
+        <p:nvSpPr>
+          <p:cNvPr id="5" name="Footer Placeholder 4"/>
+          <p:cNvSpPr>
+            <a:spLocks noGrp="1"/>
+          </p:cNvSpPr>
+          <p:nvPr>
+            <p:ph type="ftr" sz="quarter" idx="11"/>
+          </p:nvPr>
+        </p:nvSpPr>
+        <p:spPr/>
+        <p:txBody>
+          <a:bodyPr/>
+          <a:lstStyle/>
+          <a:p>
+            <a:endParaRPr lang="en-US"/>
+          </a:p>
+        </p:txBody>
+      </p:sp>
+      <p:sp>
+        <p:nvSpPr>
+          <p:cNvPr id="6" name="Slide Number Placeholder 5"/>
+          <p:cNvSpPr>
+            <a:spLocks noGrp="1"/>
+          </p:cNvSpPr>
+          <p:nvPr>
+            <p:ph type="sldNum" sz="quarter" idx="12"/>
+          </p:nvPr>
+        </p:nvSpPr>
+        <p:spPr/>
+        <p:txBody>
+          <a:bodyPr/>
+          <a:lstStyle/>
+          <a:p>
+            <a:fld id="{B9D84707-D478-4998-84AC-D0E530C94A1D}" type="slidenum">
+              <a:rPr lang="en-US" smtClean="0"/>
+              <a:t>‹#›</a:t>
+            </a:fld>
+            <a:endParaRPr lang="en-US"/>
+          </a:p>
+        </p:txBody>
+      </p:sp>
+    </p:spTree>
+  </p:cSld>
+  <p:clrMapOvr>
+    <a:masterClrMapping/>
+  </p:clrMapOvr>
+</p:sldLayout>
+</file>
+
+<file path=ppt/slideLayouts/slideLayout2.xml><?xml version="1.0" encoding="utf-8"?>
+<p:sldLayout xmlns:a="http://schemas.openxmlformats.org/drawingml/2006/main" xmlns:r="http://schemas.openxmlformats.org/officeDocument/2006/relationships" xmlns:p="http://schemas.openxmlformats.org/presentationml/2006/main" type="obj" preserve="1">
+  <p:cSld name="Title and Content">
+    <p:spTree>
+      <p:nvGrpSpPr>
+        <p:cNvPr id="1" name=""/>
+        <p:cNvGrpSpPr/>
+        <p:nvPr/>
+      </p:nvGrpSpPr>
+      <p:grpSpPr>
+        <a:xfrm>
+          <a:off x="0" y="0"/>
+          <a:ext cx="0" cy="0"/>
+          <a:chOff x="0" y="0"/>
+          <a:chExt cx="0" cy="0"/>
+        </a:xfrm>
+      </p:grpSpPr>
+      <p:sp>
+        <p:nvSpPr>
+          <p:cNvPr id="2" name="Title 1"/>
+          <p:cNvSpPr>
+            <a:spLocks noGrp="1"/>
+          </p:cNvSpPr>
+          <p:nvPr>
+            <p:ph type="title"/>
+          </p:nvPr>
+        </p:nvSpPr>
+        <p:spPr/>
+        <p:txBody>
+          <a:bodyPr/>
+          <a:lstStyle/>
+          <a:p>
+            <a:r>
+              <a:rPr lang="en-US" smtClean="0"/>
+              <a:t>Click to edit Master title style</a:t>
+            </a:r>
+            <a:endParaRPr/>
+          </a:p>
+        </p:txBody>
+      </p:sp>
+      <p:sp>
+        <p:nvSpPr>
+          <p:cNvPr id="3" name="Content Placeholder 2"/>
+          <p:cNvSpPr>
+            <a:spLocks noGrp="1"/>
+          </p:cNvSpPr>
+          <p:nvPr>
+            <p:ph idx="1"/>
+          </p:nvPr>
+        </p:nvSpPr>
+        <p:spPr/>
+        <p:txBody>
           <a:bodyPr/>
           <a:lstStyle>
+            <a:lvl5pPr>
+              <a:defRPr/>
+            </a:lvl5pPr>
+          </a:lstStyle>
+          <a:p>
+            <a:pPr lvl="0"/>
+            <a:r>
+              <a:rPr lang="en-US" smtClean="0"/>
+              <a:t>Click to edit Master text styles</a:t>
+            </a:r>
+          </a:p>
+          <a:p>
+            <a:pPr lvl="1"/>
+            <a:r>
+              <a:rPr lang="en-US" smtClean="0"/>
+              <a:t>Second level</a:t>
+            </a:r>
+          </a:p>
+          <a:p>
+            <a:pPr lvl="2"/>
+            <a:r>
+              <a:rPr lang="en-US" smtClean="0"/>
+              <a:t>Third level</a:t>
+            </a:r>
+          </a:p>
+          <a:p>
+            <a:pPr lvl="3"/>
+            <a:r>
+              <a:rPr lang="en-US" smtClean="0"/>
+              <a:t>Fourth level</a:t>
+            </a:r>
+          </a:p>
+          <a:p>
+            <a:pPr lvl="4"/>
+            <a:r>
+              <a:rPr lang="en-US" smtClean="0"/>
+              <a:t>Fifth level</a:t>
+            </a:r>
+            <a:endParaRPr dirty="0"/>
+          </a:p>
+        </p:txBody>
+      </p:sp>
+      <p:sp>
+        <p:nvSpPr>
+          <p:cNvPr id="4" name="Date Placeholder 3"/>
+          <p:cNvSpPr>
+            <a:spLocks noGrp="1"/>
+          </p:cNvSpPr>
+          <p:nvPr>
+            <p:ph type="dt" sz="half" idx="10"/>
+          </p:nvPr>
+        </p:nvSpPr>
+        <p:spPr/>
+        <p:txBody>
+          <a:bodyPr/>
+          <a:lstStyle/>
+          <a:p>
+            <a:fld id="{08CC8332-1ACC-4406-A169-8A73968D9A6C}" type="datetimeFigureOut">
+              <a:rPr lang="en-US" smtClean="0"/>
+              <a:t>11/18/14</a:t>
+            </a:fld>
+            <a:endParaRPr lang="en-US"/>
+          </a:p>
+        </p:txBody>
+      </p:sp>
+      <p:sp>
+        <p:nvSpPr>
+          <p:cNvPr id="5" name="Footer Placeholder 4"/>
+          <p:cNvSpPr>
+            <a:spLocks noGrp="1"/>
+          </p:cNvSpPr>
+          <p:nvPr>
+            <p:ph type="ftr" sz="quarter" idx="11"/>
+          </p:nvPr>
+        </p:nvSpPr>
+        <p:spPr/>
+        <p:txBody>
+          <a:bodyPr/>
+          <a:lstStyle/>
+          <a:p>
+            <a:endParaRPr lang="en-US"/>
+          </a:p>
+        </p:txBody>
+      </p:sp>
+      <p:sp>
+        <p:nvSpPr>
+          <p:cNvPr id="6" name="Slide Number Placeholder 5"/>
+          <p:cNvSpPr>
+            <a:spLocks noGrp="1"/>
+          </p:cNvSpPr>
+          <p:nvPr>
+            <p:ph type="sldNum" sz="quarter" idx="12"/>
+          </p:nvPr>
+        </p:nvSpPr>
+        <p:spPr/>
+        <p:txBody>
+          <a:bodyPr/>
+          <a:lstStyle/>
+          <a:p>
+            <a:fld id="{B9D84707-D478-4998-84AC-D0E530C94A1D}" type="slidenum">
+              <a:rPr lang="en-US" smtClean="0"/>
+              <a:t>‹#›</a:t>
+            </a:fld>
+            <a:endParaRPr lang="en-US"/>
+          </a:p>
+        </p:txBody>
+      </p:sp>
+    </p:spTree>
+  </p:cSld>
+  <p:clrMapOvr>
+    <a:masterClrMapping/>
+  </p:clrMapOvr>
+</p:sldLayout>
+</file>
+
+<file path=ppt/slideLayouts/slideLayout3.xml><?xml version="1.0" encoding="utf-8"?>
+<p:sldLayout xmlns:a="http://schemas.openxmlformats.org/drawingml/2006/main" xmlns:r="http://schemas.openxmlformats.org/officeDocument/2006/relationships" xmlns:p="http://schemas.openxmlformats.org/presentationml/2006/main" preserve="1">
+  <p:cSld name="Title Slide with Picture">
+    <p:spTree>
+      <p:nvGrpSpPr>
+        <p:cNvPr id="1" name=""/>
+        <p:cNvGrpSpPr/>
+        <p:nvPr/>
+      </p:nvGrpSpPr>
+      <p:grpSpPr>
+        <a:xfrm>
+          <a:off x="0" y="0"/>
+          <a:ext cx="0" cy="0"/>
+          <a:chOff x="0" y="0"/>
+          <a:chExt cx="0" cy="0"/>
+        </a:xfrm>
+      </p:grpSpPr>
+      <p:sp>
+        <p:nvSpPr>
+          <p:cNvPr id="2" name="Title 1"/>
+          <p:cNvSpPr>
+            <a:spLocks noGrp="1"/>
+          </p:cNvSpPr>
+          <p:nvPr>
+            <p:ph type="ctrTitle"/>
+          </p:nvPr>
+        </p:nvSpPr>
+        <p:spPr>
+          <a:xfrm>
+            <a:off x="363538" y="3352801"/>
+            <a:ext cx="8416925" cy="1470025"/>
+          </a:xfrm>
+        </p:spPr>
+        <p:txBody>
+          <a:bodyPr/>
+          <a:lstStyle/>
+          <a:p>
+            <a:r>
+              <a:rPr lang="en-US" smtClean="0"/>
+              <a:t>Click to edit Master title style</a:t>
+            </a:r>
+            <a:endParaRPr dirty="0"/>
+          </a:p>
+        </p:txBody>
+      </p:sp>
+      <p:sp>
+        <p:nvSpPr>
+          <p:cNvPr id="3" name="Subtitle 2"/>
+          <p:cNvSpPr>
+            <a:spLocks noGrp="1"/>
+          </p:cNvSpPr>
+          <p:nvPr>
+            <p:ph type="subTitle" idx="1"/>
+          </p:nvPr>
+        </p:nvSpPr>
+        <p:spPr>
+          <a:xfrm>
+            <a:off x="363538" y="4771029"/>
+            <a:ext cx="8416925" cy="972671"/>
+          </a:xfrm>
+        </p:spPr>
+        <p:txBody>
+          <a:bodyPr>
+            <a:normAutofit/>
+          </a:bodyPr>
+          <a:lstStyle>
             <a:lvl1pPr marL="0" indent="0" algn="ctr">
+              <a:spcBef>
+                <a:spcPts val="300"/>
+              </a:spcBef>
               <a:buNone/>
-              <a:defRPr>
+              <a:defRPr sz="1800">
                 <a:solidFill>
                   <a:schemeClr val="tx1">
                     <a:tint val="75000"/>
@@ -1658,7 +3117,7 @@
               <a:rPr lang="en-US" smtClean="0"/>
               <a:t>Click to edit Master subtitle style</a:t>
             </a:r>
-            <a:endParaRPr lang="en-US"/>
+            <a:endParaRPr dirty="0"/>
           </a:p>
         </p:txBody>
       </p:sp>
@@ -1679,7 +3138,7 @@
           <a:p>
             <a:fld id="{08CC8332-1ACC-4406-A169-8A73968D9A6C}" type="datetimeFigureOut">
               <a:rPr lang="en-US" smtClean="0"/>
-              <a:t>11/18/2014</a:t>
+              <a:t>11/18/14</a:t>
             </a:fld>
             <a:endParaRPr lang="en-US"/>
           </a:p>
@@ -1727,12 +3186,84 @@
           </a:p>
         </p:txBody>
       </p:sp>
+      <p:sp>
+        <p:nvSpPr>
+          <p:cNvPr id="9" name="Picture Placeholder 2"/>
+          <p:cNvSpPr>
+            <a:spLocks noGrp="1"/>
+          </p:cNvSpPr>
+          <p:nvPr>
+            <p:ph type="pic" idx="13"/>
+          </p:nvPr>
+        </p:nvSpPr>
+        <p:spPr>
+          <a:xfrm>
+            <a:off x="370980" y="363538"/>
+            <a:ext cx="8402040" cy="2836862"/>
+          </a:xfrm>
+          <a:ln w="3175">
+            <a:solidFill>
+              <a:schemeClr val="bg1"/>
+            </a:solidFill>
+          </a:ln>
+          <a:effectLst>
+            <a:outerShdw blurRad="63500" sx="100500" sy="100500" algn="ctr" rotWithShape="0">
+              <a:prstClr val="black">
+                <a:alpha val="50000"/>
+              </a:prstClr>
+            </a:outerShdw>
+          </a:effectLst>
+        </p:spPr>
+        <p:txBody>
+          <a:bodyPr/>
+          <a:lstStyle>
+            <a:lvl1pPr marL="0" indent="0">
+              <a:buNone/>
+              <a:defRPr sz="3200"/>
+            </a:lvl1pPr>
+            <a:lvl2pPr marL="457200" indent="0">
+              <a:buNone/>
+              <a:defRPr sz="2800"/>
+            </a:lvl2pPr>
+            <a:lvl3pPr marL="914400" indent="0">
+              <a:buNone/>
+              <a:defRPr sz="2400"/>
+            </a:lvl3pPr>
+            <a:lvl4pPr marL="1371600" indent="0">
+              <a:buNone/>
+              <a:defRPr sz="2000"/>
+            </a:lvl4pPr>
+            <a:lvl5pPr marL="1828800" indent="0">
+              <a:buNone/>
+              <a:defRPr sz="2000"/>
+            </a:lvl5pPr>
+            <a:lvl6pPr marL="2286000" indent="0">
+              <a:buNone/>
+              <a:defRPr sz="2000"/>
+            </a:lvl6pPr>
+            <a:lvl7pPr marL="2743200" indent="0">
+              <a:buNone/>
+              <a:defRPr sz="2000"/>
+            </a:lvl7pPr>
+            <a:lvl8pPr marL="3200400" indent="0">
+              <a:buNone/>
+              <a:defRPr sz="2000"/>
+            </a:lvl8pPr>
+            <a:lvl9pPr marL="3657600" indent="0">
+              <a:buNone/>
+              <a:defRPr sz="2000"/>
+            </a:lvl9pPr>
+          </a:lstStyle>
+          <a:p>
+            <a:r>
+              <a:rPr lang="en-US" smtClean="0"/>
+              <a:t>Drag picture to placeholder or click icon to add</a:t>
+            </a:r>
+            <a:endParaRPr/>
+          </a:p>
+        </p:txBody>
+      </p:sp>
     </p:spTree>
-    <p:extLst>
-      <p:ext uri="{BB962C8B-B14F-4D97-AF65-F5344CB8AC3E}">
-        <p14:creationId xmlns:p14="http://schemas.microsoft.com/office/powerpoint/2010/main" val="700285041"/>
-      </p:ext>
-    </p:extLst>
   </p:cSld>
   <p:clrMapOvr>
     <a:masterClrMapping/>
@@ -1740,527 +3271,7 @@
 </p:sldLayout>
 </file>
 
-<file path=ppt/slideLayouts/slideLayout10.xml><?xml version="1.0" encoding="utf-8"?>
-<p:sldLayout xmlns:a="http://schemas.openxmlformats.org/drawingml/2006/main" xmlns:r="http://schemas.openxmlformats.org/officeDocument/2006/relationships" xmlns:p="http://schemas.openxmlformats.org/presentationml/2006/main" type="vertTx" preserve="1">
-  <p:cSld name="Title and Vertical Text">
-    <p:spTree>
-      <p:nvGrpSpPr>
-        <p:cNvPr id="1" name=""/>
-        <p:cNvGrpSpPr/>
-        <p:nvPr/>
-      </p:nvGrpSpPr>
-      <p:grpSpPr>
-        <a:xfrm>
-          <a:off x="0" y="0"/>
-          <a:ext cx="0" cy="0"/>
-          <a:chOff x="0" y="0"/>
-          <a:chExt cx="0" cy="0"/>
-        </a:xfrm>
-      </p:grpSpPr>
-      <p:sp>
-        <p:nvSpPr>
-          <p:cNvPr id="2" name="Title 1"/>
-          <p:cNvSpPr>
-            <a:spLocks noGrp="1"/>
-          </p:cNvSpPr>
-          <p:nvPr>
-            <p:ph type="title"/>
-          </p:nvPr>
-        </p:nvSpPr>
-        <p:spPr/>
-        <p:txBody>
-          <a:bodyPr/>
-          <a:lstStyle/>
-          <a:p>
-            <a:r>
-              <a:rPr lang="en-US" smtClean="0"/>
-              <a:t>Click to edit Master title style</a:t>
-            </a:r>
-            <a:endParaRPr lang="en-US"/>
-          </a:p>
-        </p:txBody>
-      </p:sp>
-      <p:sp>
-        <p:nvSpPr>
-          <p:cNvPr id="3" name="Vertical Text Placeholder 2"/>
-          <p:cNvSpPr>
-            <a:spLocks noGrp="1"/>
-          </p:cNvSpPr>
-          <p:nvPr>
-            <p:ph type="body" orient="vert" idx="1"/>
-          </p:nvPr>
-        </p:nvSpPr>
-        <p:spPr/>
-        <p:txBody>
-          <a:bodyPr vert="eaVert"/>
-          <a:lstStyle/>
-          <a:p>
-            <a:pPr lvl="0"/>
-            <a:r>
-              <a:rPr lang="en-US" smtClean="0"/>
-              <a:t>Click to edit Master text styles</a:t>
-            </a:r>
-          </a:p>
-          <a:p>
-            <a:pPr lvl="1"/>
-            <a:r>
-              <a:rPr lang="en-US" smtClean="0"/>
-              <a:t>Second level</a:t>
-            </a:r>
-          </a:p>
-          <a:p>
-            <a:pPr lvl="2"/>
-            <a:r>
-              <a:rPr lang="en-US" smtClean="0"/>
-              <a:t>Third level</a:t>
-            </a:r>
-          </a:p>
-          <a:p>
-            <a:pPr lvl="3"/>
-            <a:r>
-              <a:rPr lang="en-US" smtClean="0"/>
-              <a:t>Fourth level</a:t>
-            </a:r>
-          </a:p>
-          <a:p>
-            <a:pPr lvl="4"/>
-            <a:r>
-              <a:rPr lang="en-US" smtClean="0"/>
-              <a:t>Fifth level</a:t>
-            </a:r>
-            <a:endParaRPr lang="en-US"/>
-          </a:p>
-        </p:txBody>
-      </p:sp>
-      <p:sp>
-        <p:nvSpPr>
-          <p:cNvPr id="4" name="Date Placeholder 3"/>
-          <p:cNvSpPr>
-            <a:spLocks noGrp="1"/>
-          </p:cNvSpPr>
-          <p:nvPr>
-            <p:ph type="dt" sz="half" idx="10"/>
-          </p:nvPr>
-        </p:nvSpPr>
-        <p:spPr/>
-        <p:txBody>
-          <a:bodyPr/>
-          <a:lstStyle/>
-          <a:p>
-            <a:fld id="{08CC8332-1ACC-4406-A169-8A73968D9A6C}" type="datetimeFigureOut">
-              <a:rPr lang="en-US" smtClean="0"/>
-              <a:t>11/18/2014</a:t>
-            </a:fld>
-            <a:endParaRPr lang="en-US"/>
-          </a:p>
-        </p:txBody>
-      </p:sp>
-      <p:sp>
-        <p:nvSpPr>
-          <p:cNvPr id="5" name="Footer Placeholder 4"/>
-          <p:cNvSpPr>
-            <a:spLocks noGrp="1"/>
-          </p:cNvSpPr>
-          <p:nvPr>
-            <p:ph type="ftr" sz="quarter" idx="11"/>
-          </p:nvPr>
-        </p:nvSpPr>
-        <p:spPr/>
-        <p:txBody>
-          <a:bodyPr/>
-          <a:lstStyle/>
-          <a:p>
-            <a:endParaRPr lang="en-US"/>
-          </a:p>
-        </p:txBody>
-      </p:sp>
-      <p:sp>
-        <p:nvSpPr>
-          <p:cNvPr id="6" name="Slide Number Placeholder 5"/>
-          <p:cNvSpPr>
-            <a:spLocks noGrp="1"/>
-          </p:cNvSpPr>
-          <p:nvPr>
-            <p:ph type="sldNum" sz="quarter" idx="12"/>
-          </p:nvPr>
-        </p:nvSpPr>
-        <p:spPr/>
-        <p:txBody>
-          <a:bodyPr/>
-          <a:lstStyle/>
-          <a:p>
-            <a:fld id="{B9D84707-D478-4998-84AC-D0E530C94A1D}" type="slidenum">
-              <a:rPr lang="en-US" smtClean="0"/>
-              <a:t>‹#›</a:t>
-            </a:fld>
-            <a:endParaRPr lang="en-US"/>
-          </a:p>
-        </p:txBody>
-      </p:sp>
-    </p:spTree>
-    <p:extLst>
-      <p:ext uri="{BB962C8B-B14F-4D97-AF65-F5344CB8AC3E}">
-        <p14:creationId xmlns:p14="http://schemas.microsoft.com/office/powerpoint/2010/main" val="1278912781"/>
-      </p:ext>
-    </p:extLst>
-  </p:cSld>
-  <p:clrMapOvr>
-    <a:masterClrMapping/>
-  </p:clrMapOvr>
-</p:sldLayout>
-</file>
-
-<file path=ppt/slideLayouts/slideLayout11.xml><?xml version="1.0" encoding="utf-8"?>
-<p:sldLayout xmlns:a="http://schemas.openxmlformats.org/drawingml/2006/main" xmlns:r="http://schemas.openxmlformats.org/officeDocument/2006/relationships" xmlns:p="http://schemas.openxmlformats.org/presentationml/2006/main" type="vertTitleAndTx" preserve="1">
-  <p:cSld name="Vertical Title and Text">
-    <p:spTree>
-      <p:nvGrpSpPr>
-        <p:cNvPr id="1" name=""/>
-        <p:cNvGrpSpPr/>
-        <p:nvPr/>
-      </p:nvGrpSpPr>
-      <p:grpSpPr>
-        <a:xfrm>
-          <a:off x="0" y="0"/>
-          <a:ext cx="0" cy="0"/>
-          <a:chOff x="0" y="0"/>
-          <a:chExt cx="0" cy="0"/>
-        </a:xfrm>
-      </p:grpSpPr>
-      <p:sp>
-        <p:nvSpPr>
-          <p:cNvPr id="2" name="Vertical Title 1"/>
-          <p:cNvSpPr>
-            <a:spLocks noGrp="1"/>
-          </p:cNvSpPr>
-          <p:nvPr>
-            <p:ph type="title" orient="vert"/>
-          </p:nvPr>
-        </p:nvSpPr>
-        <p:spPr>
-          <a:xfrm>
-            <a:off x="6629400" y="274638"/>
-            <a:ext cx="2057400" cy="5851525"/>
-          </a:xfrm>
-        </p:spPr>
-        <p:txBody>
-          <a:bodyPr vert="eaVert"/>
-          <a:lstStyle/>
-          <a:p>
-            <a:r>
-              <a:rPr lang="en-US" smtClean="0"/>
-              <a:t>Click to edit Master title style</a:t>
-            </a:r>
-            <a:endParaRPr lang="en-US"/>
-          </a:p>
-        </p:txBody>
-      </p:sp>
-      <p:sp>
-        <p:nvSpPr>
-          <p:cNvPr id="3" name="Vertical Text Placeholder 2"/>
-          <p:cNvSpPr>
-            <a:spLocks noGrp="1"/>
-          </p:cNvSpPr>
-          <p:nvPr>
-            <p:ph type="body" orient="vert" idx="1"/>
-          </p:nvPr>
-        </p:nvSpPr>
-        <p:spPr>
-          <a:xfrm>
-            <a:off x="457200" y="274638"/>
-            <a:ext cx="6019800" cy="5851525"/>
-          </a:xfrm>
-        </p:spPr>
-        <p:txBody>
-          <a:bodyPr vert="eaVert"/>
-          <a:lstStyle/>
-          <a:p>
-            <a:pPr lvl="0"/>
-            <a:r>
-              <a:rPr lang="en-US" smtClean="0"/>
-              <a:t>Click to edit Master text styles</a:t>
-            </a:r>
-          </a:p>
-          <a:p>
-            <a:pPr lvl="1"/>
-            <a:r>
-              <a:rPr lang="en-US" smtClean="0"/>
-              <a:t>Second level</a:t>
-            </a:r>
-          </a:p>
-          <a:p>
-            <a:pPr lvl="2"/>
-            <a:r>
-              <a:rPr lang="en-US" smtClean="0"/>
-              <a:t>Third level</a:t>
-            </a:r>
-          </a:p>
-          <a:p>
-            <a:pPr lvl="3"/>
-            <a:r>
-              <a:rPr lang="en-US" smtClean="0"/>
-              <a:t>Fourth level</a:t>
-            </a:r>
-          </a:p>
-          <a:p>
-            <a:pPr lvl="4"/>
-            <a:r>
-              <a:rPr lang="en-US" smtClean="0"/>
-              <a:t>Fifth level</a:t>
-            </a:r>
-            <a:endParaRPr lang="en-US"/>
-          </a:p>
-        </p:txBody>
-      </p:sp>
-      <p:sp>
-        <p:nvSpPr>
-          <p:cNvPr id="4" name="Date Placeholder 3"/>
-          <p:cNvSpPr>
-            <a:spLocks noGrp="1"/>
-          </p:cNvSpPr>
-          <p:nvPr>
-            <p:ph type="dt" sz="half" idx="10"/>
-          </p:nvPr>
-        </p:nvSpPr>
-        <p:spPr/>
-        <p:txBody>
-          <a:bodyPr/>
-          <a:lstStyle/>
-          <a:p>
-            <a:fld id="{08CC8332-1ACC-4406-A169-8A73968D9A6C}" type="datetimeFigureOut">
-              <a:rPr lang="en-US" smtClean="0"/>
-              <a:t>11/18/2014</a:t>
-            </a:fld>
-            <a:endParaRPr lang="en-US"/>
-          </a:p>
-        </p:txBody>
-      </p:sp>
-      <p:sp>
-        <p:nvSpPr>
-          <p:cNvPr id="5" name="Footer Placeholder 4"/>
-          <p:cNvSpPr>
-            <a:spLocks noGrp="1"/>
-          </p:cNvSpPr>
-          <p:nvPr>
-            <p:ph type="ftr" sz="quarter" idx="11"/>
-          </p:nvPr>
-        </p:nvSpPr>
-        <p:spPr/>
-        <p:txBody>
-          <a:bodyPr/>
-          <a:lstStyle/>
-          <a:p>
-            <a:endParaRPr lang="en-US"/>
-          </a:p>
-        </p:txBody>
-      </p:sp>
-      <p:sp>
-        <p:nvSpPr>
-          <p:cNvPr id="6" name="Slide Number Placeholder 5"/>
-          <p:cNvSpPr>
-            <a:spLocks noGrp="1"/>
-          </p:cNvSpPr>
-          <p:nvPr>
-            <p:ph type="sldNum" sz="quarter" idx="12"/>
-          </p:nvPr>
-        </p:nvSpPr>
-        <p:spPr/>
-        <p:txBody>
-          <a:bodyPr/>
-          <a:lstStyle/>
-          <a:p>
-            <a:fld id="{B9D84707-D478-4998-84AC-D0E530C94A1D}" type="slidenum">
-              <a:rPr lang="en-US" smtClean="0"/>
-              <a:t>‹#›</a:t>
-            </a:fld>
-            <a:endParaRPr lang="en-US"/>
-          </a:p>
-        </p:txBody>
-      </p:sp>
-    </p:spTree>
-    <p:extLst>
-      <p:ext uri="{BB962C8B-B14F-4D97-AF65-F5344CB8AC3E}">
-        <p14:creationId xmlns:p14="http://schemas.microsoft.com/office/powerpoint/2010/main" val="2306971789"/>
-      </p:ext>
-    </p:extLst>
-  </p:cSld>
-  <p:clrMapOvr>
-    <a:masterClrMapping/>
-  </p:clrMapOvr>
-</p:sldLayout>
-</file>
-
-<file path=ppt/slideLayouts/slideLayout2.xml><?xml version="1.0" encoding="utf-8"?>
-<p:sldLayout xmlns:a="http://schemas.openxmlformats.org/drawingml/2006/main" xmlns:r="http://schemas.openxmlformats.org/officeDocument/2006/relationships" xmlns:p="http://schemas.openxmlformats.org/presentationml/2006/main" type="obj" preserve="1">
-  <p:cSld name="Title and Content">
-    <p:spTree>
-      <p:nvGrpSpPr>
-        <p:cNvPr id="1" name=""/>
-        <p:cNvGrpSpPr/>
-        <p:nvPr/>
-      </p:nvGrpSpPr>
-      <p:grpSpPr>
-        <a:xfrm>
-          <a:off x="0" y="0"/>
-          <a:ext cx="0" cy="0"/>
-          <a:chOff x="0" y="0"/>
-          <a:chExt cx="0" cy="0"/>
-        </a:xfrm>
-      </p:grpSpPr>
-      <p:sp>
-        <p:nvSpPr>
-          <p:cNvPr id="2" name="Title 1"/>
-          <p:cNvSpPr>
-            <a:spLocks noGrp="1"/>
-          </p:cNvSpPr>
-          <p:nvPr>
-            <p:ph type="title"/>
-          </p:nvPr>
-        </p:nvSpPr>
-        <p:spPr/>
-        <p:txBody>
-          <a:bodyPr/>
-          <a:lstStyle/>
-          <a:p>
-            <a:r>
-              <a:rPr lang="en-US" smtClean="0"/>
-              <a:t>Click to edit Master title style</a:t>
-            </a:r>
-            <a:endParaRPr lang="en-US"/>
-          </a:p>
-        </p:txBody>
-      </p:sp>
-      <p:sp>
-        <p:nvSpPr>
-          <p:cNvPr id="3" name="Content Placeholder 2"/>
-          <p:cNvSpPr>
-            <a:spLocks noGrp="1"/>
-          </p:cNvSpPr>
-          <p:nvPr>
-            <p:ph idx="1"/>
-          </p:nvPr>
-        </p:nvSpPr>
-        <p:spPr/>
-        <p:txBody>
-          <a:bodyPr/>
-          <a:lstStyle/>
-          <a:p>
-            <a:pPr lvl="0"/>
-            <a:r>
-              <a:rPr lang="en-US" smtClean="0"/>
-              <a:t>Click to edit Master text styles</a:t>
-            </a:r>
-          </a:p>
-          <a:p>
-            <a:pPr lvl="1"/>
-            <a:r>
-              <a:rPr lang="en-US" smtClean="0"/>
-              <a:t>Second level</a:t>
-            </a:r>
-          </a:p>
-          <a:p>
-            <a:pPr lvl="2"/>
-            <a:r>
-              <a:rPr lang="en-US" smtClean="0"/>
-              <a:t>Third level</a:t>
-            </a:r>
-          </a:p>
-          <a:p>
-            <a:pPr lvl="3"/>
-            <a:r>
-              <a:rPr lang="en-US" smtClean="0"/>
-              <a:t>Fourth level</a:t>
-            </a:r>
-          </a:p>
-          <a:p>
-            <a:pPr lvl="4"/>
-            <a:r>
-              <a:rPr lang="en-US" smtClean="0"/>
-              <a:t>Fifth level</a:t>
-            </a:r>
-            <a:endParaRPr lang="en-US"/>
-          </a:p>
-        </p:txBody>
-      </p:sp>
-      <p:sp>
-        <p:nvSpPr>
-          <p:cNvPr id="4" name="Date Placeholder 3"/>
-          <p:cNvSpPr>
-            <a:spLocks noGrp="1"/>
-          </p:cNvSpPr>
-          <p:nvPr>
-            <p:ph type="dt" sz="half" idx="10"/>
-          </p:nvPr>
-        </p:nvSpPr>
-        <p:spPr/>
-        <p:txBody>
-          <a:bodyPr/>
-          <a:lstStyle/>
-          <a:p>
-            <a:fld id="{08CC8332-1ACC-4406-A169-8A73968D9A6C}" type="datetimeFigureOut">
-              <a:rPr lang="en-US" smtClean="0"/>
-              <a:t>11/18/2014</a:t>
-            </a:fld>
-            <a:endParaRPr lang="en-US"/>
-          </a:p>
-        </p:txBody>
-      </p:sp>
-      <p:sp>
-        <p:nvSpPr>
-          <p:cNvPr id="5" name="Footer Placeholder 4"/>
-          <p:cNvSpPr>
-            <a:spLocks noGrp="1"/>
-          </p:cNvSpPr>
-          <p:nvPr>
-            <p:ph type="ftr" sz="quarter" idx="11"/>
-          </p:nvPr>
-        </p:nvSpPr>
-        <p:spPr/>
-        <p:txBody>
-          <a:bodyPr/>
-          <a:lstStyle/>
-          <a:p>
-            <a:endParaRPr lang="en-US"/>
-          </a:p>
-        </p:txBody>
-      </p:sp>
-      <p:sp>
-        <p:nvSpPr>
-          <p:cNvPr id="6" name="Slide Number Placeholder 5"/>
-          <p:cNvSpPr>
-            <a:spLocks noGrp="1"/>
-          </p:cNvSpPr>
-          <p:nvPr>
-            <p:ph type="sldNum" sz="quarter" idx="12"/>
-          </p:nvPr>
-        </p:nvSpPr>
-        <p:spPr/>
-        <p:txBody>
-          <a:bodyPr/>
-          <a:lstStyle/>
-          <a:p>
-            <a:fld id="{B9D84707-D478-4998-84AC-D0E530C94A1D}" type="slidenum">
-              <a:rPr lang="en-US" smtClean="0"/>
-              <a:t>‹#›</a:t>
-            </a:fld>
-            <a:endParaRPr lang="en-US"/>
-          </a:p>
-        </p:txBody>
-      </p:sp>
-    </p:spTree>
-    <p:extLst>
-      <p:ext uri="{BB962C8B-B14F-4D97-AF65-F5344CB8AC3E}">
-        <p14:creationId xmlns:p14="http://schemas.microsoft.com/office/powerpoint/2010/main" val="1693676664"/>
-      </p:ext>
-    </p:extLst>
-  </p:cSld>
-  <p:clrMapOvr>
-    <a:masterClrMapping/>
-  </p:clrMapOvr>
-</p:sldLayout>
-</file>
-
-<file path=ppt/slideLayouts/slideLayout3.xml><?xml version="1.0" encoding="utf-8"?>
+<file path=ppt/slideLayouts/slideLayout4.xml><?xml version="1.0" encoding="utf-8"?>
 <p:sldLayout xmlns:a="http://schemas.openxmlformats.org/drawingml/2006/main" xmlns:r="http://schemas.openxmlformats.org/officeDocument/2006/relationships" xmlns:p="http://schemas.openxmlformats.org/presentationml/2006/main" type="secHead" preserve="1">
   <p:cSld name="Section Header">
     <p:spTree>
@@ -2289,15 +3300,15 @@
         </p:nvSpPr>
         <p:spPr>
           <a:xfrm>
-            <a:off x="722313" y="4406900"/>
-            <a:ext cx="7772400" cy="1362075"/>
+            <a:off x="549275" y="2403144"/>
+            <a:ext cx="8056563" cy="1362075"/>
           </a:xfrm>
         </p:spPr>
         <p:txBody>
-          <a:bodyPr anchor="t"/>
+          <a:bodyPr anchor="b" anchorCtr="0"/>
           <a:lstStyle>
-            <a:lvl1pPr algn="l">
-              <a:defRPr sz="4000" b="1" cap="all"/>
+            <a:lvl1pPr algn="ctr">
+              <a:defRPr sz="4600" b="0" cap="none" baseline="0"/>
             </a:lvl1pPr>
           </a:lstStyle>
           <a:p>
@@ -2305,7 +3316,7 @@
               <a:rPr lang="en-US" smtClean="0"/>
               <a:t>Click to edit Master title style</a:t>
             </a:r>
-            <a:endParaRPr lang="en-US"/>
+            <a:endParaRPr/>
           </a:p>
         </p:txBody>
       </p:sp>
@@ -2321,16 +3332,21 @@
         </p:nvSpPr>
         <p:spPr>
           <a:xfrm>
-            <a:off x="722313" y="2906713"/>
-            <a:ext cx="7772400" cy="1500187"/>
+            <a:off x="549275" y="3736005"/>
+            <a:ext cx="8056563" cy="1500187"/>
           </a:xfrm>
         </p:spPr>
         <p:txBody>
-          <a:bodyPr anchor="b"/>
+          <a:bodyPr anchor="t" anchorCtr="0">
+            <a:normAutofit/>
+          </a:bodyPr>
           <a:lstStyle>
-            <a:lvl1pPr marL="0" indent="0">
+            <a:lvl1pPr marL="0" indent="0" algn="ctr">
+              <a:spcBef>
+                <a:spcPts val="300"/>
+              </a:spcBef>
               <a:buNone/>
-              <a:defRPr sz="2000">
+              <a:defRPr sz="1800">
                 <a:solidFill>
                   <a:schemeClr val="tx1">
                     <a:tint val="75000"/>
@@ -2445,7 +3461,7 @@
           <a:p>
             <a:fld id="{08CC8332-1ACC-4406-A169-8A73968D9A6C}" type="datetimeFigureOut">
               <a:rPr lang="en-US" smtClean="0"/>
-              <a:t>11/18/2014</a:t>
+              <a:t>11/18/14</a:t>
             </a:fld>
             <a:endParaRPr lang="en-US"/>
           </a:p>
@@ -2494,11 +3510,6 @@
         </p:txBody>
       </p:sp>
     </p:spTree>
-    <p:extLst>
-      <p:ext uri="{BB962C8B-B14F-4D97-AF65-F5344CB8AC3E}">
-        <p14:creationId xmlns:p14="http://schemas.microsoft.com/office/powerpoint/2010/main" val="130342503"/>
-      </p:ext>
-    </p:extLst>
   </p:cSld>
   <p:clrMapOvr>
     <a:masterClrMapping/>
@@ -2506,7 +3517,7 @@
 </p:sldLayout>
 </file>
 
-<file path=ppt/slideLayouts/slideLayout4.xml><?xml version="1.0" encoding="utf-8"?>
+<file path=ppt/slideLayouts/slideLayout5.xml><?xml version="1.0" encoding="utf-8"?>
 <p:sldLayout xmlns:a="http://schemas.openxmlformats.org/drawingml/2006/main" xmlns:r="http://schemas.openxmlformats.org/officeDocument/2006/relationships" xmlns:p="http://schemas.openxmlformats.org/presentationml/2006/main" type="twoObj" preserve="1">
   <p:cSld name="Two Content">
     <p:spTree>
@@ -2533,46 +3544,56 @@
             <p:ph type="title"/>
           </p:nvPr>
         </p:nvSpPr>
-        <p:spPr/>
-        <p:txBody>
-          <a:bodyPr/>
-          <a:lstStyle/>
-          <a:p>
-            <a:r>
-              <a:rPr lang="en-US" smtClean="0"/>
-              <a:t>Click to edit Master title style</a:t>
-            </a:r>
-            <a:endParaRPr lang="en-US"/>
-          </a:p>
-        </p:txBody>
-      </p:sp>
-      <p:sp>
-        <p:nvSpPr>
-          <p:cNvPr id="3" name="Content Placeholder 2"/>
-          <p:cNvSpPr>
-            <a:spLocks noGrp="1"/>
-          </p:cNvSpPr>
-          <p:nvPr>
-            <p:ph sz="half" idx="1"/>
-          </p:nvPr>
-        </p:nvSpPr>
         <p:spPr>
           <a:xfrm>
-            <a:off x="457200" y="1600200"/>
-            <a:ext cx="4038600" cy="4525963"/>
+            <a:off x="549275" y="107576"/>
+            <a:ext cx="8042276" cy="1336956"/>
           </a:xfrm>
         </p:spPr>
         <p:txBody>
           <a:bodyPr/>
+          <a:lstStyle/>
+          <a:p>
+            <a:r>
+              <a:rPr lang="en-US" smtClean="0"/>
+              <a:t>Click to edit Master title style</a:t>
+            </a:r>
+            <a:endParaRPr/>
+          </a:p>
+        </p:txBody>
+      </p:sp>
+      <p:sp>
+        <p:nvSpPr>
+          <p:cNvPr id="3" name="Content Placeholder 2"/>
+          <p:cNvSpPr>
+            <a:spLocks noGrp="1"/>
+          </p:cNvSpPr>
+          <p:nvPr>
+            <p:ph sz="half" idx="1"/>
+          </p:nvPr>
+        </p:nvSpPr>
+        <p:spPr>
+          <a:xfrm>
+            <a:off x="549275" y="1600201"/>
+            <a:ext cx="3840480" cy="4343400"/>
+          </a:xfrm>
+        </p:spPr>
+        <p:txBody>
+          <a:bodyPr>
+            <a:normAutofit/>
+          </a:bodyPr>
           <a:lstStyle>
             <a:lvl1pPr>
-              <a:defRPr sz="2800"/>
+              <a:spcBef>
+                <a:spcPts val="1600"/>
+              </a:spcBef>
+              <a:defRPr sz="2000"/>
             </a:lvl1pPr>
             <a:lvl2pPr>
-              <a:defRPr sz="2400"/>
+              <a:defRPr sz="1800"/>
             </a:lvl2pPr>
             <a:lvl3pPr>
-              <a:defRPr sz="2000"/>
+              <a:defRPr sz="1800"/>
             </a:lvl3pPr>
             <a:lvl4pPr>
               <a:defRPr sz="1800"/>
@@ -2627,7 +3648,7 @@
               <a:rPr lang="en-US" smtClean="0"/>
               <a:t>Fifth level</a:t>
             </a:r>
-            <a:endParaRPr lang="en-US"/>
+            <a:endParaRPr dirty="0"/>
           </a:p>
         </p:txBody>
       </p:sp>
@@ -2643,21 +3664,26 @@
         </p:nvSpPr>
         <p:spPr>
           <a:xfrm>
-            <a:off x="4648200" y="1600200"/>
-            <a:ext cx="4038600" cy="4525963"/>
+            <a:off x="4751071" y="1600201"/>
+            <a:ext cx="3840480" cy="4343400"/>
           </a:xfrm>
         </p:spPr>
         <p:txBody>
-          <a:bodyPr/>
+          <a:bodyPr>
+            <a:normAutofit/>
+          </a:bodyPr>
           <a:lstStyle>
             <a:lvl1pPr>
-              <a:defRPr sz="2800"/>
+              <a:spcBef>
+                <a:spcPts val="1600"/>
+              </a:spcBef>
+              <a:defRPr sz="2000"/>
             </a:lvl1pPr>
             <a:lvl2pPr>
-              <a:defRPr sz="2400"/>
+              <a:defRPr sz="1800"/>
             </a:lvl2pPr>
             <a:lvl3pPr>
-              <a:defRPr sz="2000"/>
+              <a:defRPr sz="1800"/>
             </a:lvl3pPr>
             <a:lvl4pPr>
               <a:defRPr sz="1800"/>
@@ -2712,7 +3738,7 @@
               <a:rPr lang="en-US" smtClean="0"/>
               <a:t>Fifth level</a:t>
             </a:r>
-            <a:endParaRPr lang="en-US"/>
+            <a:endParaRPr dirty="0"/>
           </a:p>
         </p:txBody>
       </p:sp>
@@ -2733,7 +3759,7 @@
           <a:p>
             <a:fld id="{08CC8332-1ACC-4406-A169-8A73968D9A6C}" type="datetimeFigureOut">
               <a:rPr lang="en-US" smtClean="0"/>
-              <a:t>11/18/2014</a:t>
+              <a:t>11/18/14</a:t>
             </a:fld>
             <a:endParaRPr lang="en-US"/>
           </a:p>
@@ -2782,11 +3808,6 @@
         </p:txBody>
       </p:sp>
     </p:spTree>
-    <p:extLst>
-      <p:ext uri="{BB962C8B-B14F-4D97-AF65-F5344CB8AC3E}">
-        <p14:creationId xmlns:p14="http://schemas.microsoft.com/office/powerpoint/2010/main" val="3886061790"/>
-      </p:ext>
-    </p:extLst>
   </p:cSld>
   <p:clrMapOvr>
     <a:masterClrMapping/>
@@ -2794,7 +3815,7 @@
 </p:sldLayout>
 </file>
 
-<file path=ppt/slideLayouts/slideLayout5.xml><?xml version="1.0" encoding="utf-8"?>
+<file path=ppt/slideLayouts/slideLayout6.xml><?xml version="1.0" encoding="utf-8"?>
 <p:sldLayout xmlns:a="http://schemas.openxmlformats.org/drawingml/2006/main" xmlns:r="http://schemas.openxmlformats.org/officeDocument/2006/relationships" xmlns:p="http://schemas.openxmlformats.org/presentationml/2006/main" type="twoTxTwoObj" preserve="1">
   <p:cSld name="Comparison">
     <p:spTree>
@@ -2821,7 +3842,12 @@
             <p:ph type="title"/>
           </p:nvPr>
         </p:nvSpPr>
-        <p:spPr/>
+        <p:spPr>
+          <a:xfrm>
+            <a:off x="549274" y="107576"/>
+            <a:ext cx="8042276" cy="1336956"/>
+          </a:xfrm>
+        </p:spPr>
         <p:txBody>
           <a:bodyPr/>
           <a:lstStyle>
@@ -2834,7 +3860,7 @@
               <a:rPr lang="en-US" smtClean="0"/>
               <a:t>Click to edit Master title style</a:t>
             </a:r>
-            <a:endParaRPr lang="en-US"/>
+            <a:endParaRPr/>
           </a:p>
         </p:txBody>
       </p:sp>
@@ -2850,16 +3876,28 @@
         </p:nvSpPr>
         <p:spPr>
           <a:xfrm>
-            <a:off x="457200" y="1535113"/>
-            <a:ext cx="4040188" cy="639762"/>
+            <a:off x="549274" y="1453224"/>
+            <a:ext cx="3840480" cy="750887"/>
           </a:xfrm>
         </p:spPr>
         <p:txBody>
-          <a:bodyPr anchor="b"/>
+          <a:bodyPr anchor="b">
+            <a:noAutofit/>
+          </a:bodyPr>
           <a:lstStyle>
-            <a:lvl1pPr marL="0" indent="0">
+            <a:lvl1pPr marL="0" indent="0" algn="ctr">
+              <a:spcBef>
+                <a:spcPts val="0"/>
+              </a:spcBef>
               <a:buNone/>
-              <a:defRPr sz="2400" b="1"/>
+              <a:defRPr sz="2400" b="0">
+                <a:solidFill>
+                  <a:schemeClr val="accent1">
+                    <a:lumMod val="60000"/>
+                    <a:lumOff val="40000"/>
+                  </a:schemeClr>
+                </a:solidFill>
+              </a:defRPr>
             </a:lvl1pPr>
             <a:lvl2pPr marL="457200" indent="0">
               <a:buNone/>
@@ -2915,27 +3953,32 @@
         </p:nvSpPr>
         <p:spPr>
           <a:xfrm>
-            <a:off x="457200" y="2174875"/>
-            <a:ext cx="4040188" cy="3951288"/>
+            <a:off x="549274" y="2347415"/>
+            <a:ext cx="3840480" cy="3596185"/>
           </a:xfrm>
         </p:spPr>
         <p:txBody>
-          <a:bodyPr/>
+          <a:bodyPr>
+            <a:normAutofit/>
+          </a:bodyPr>
           <a:lstStyle>
             <a:lvl1pPr>
-              <a:defRPr sz="2400"/>
+              <a:spcBef>
+                <a:spcPts val="1600"/>
+              </a:spcBef>
+              <a:defRPr sz="2000"/>
             </a:lvl1pPr>
             <a:lvl2pPr>
-              <a:defRPr sz="2000"/>
+              <a:defRPr sz="1800"/>
             </a:lvl2pPr>
             <a:lvl3pPr>
               <a:defRPr sz="1800"/>
             </a:lvl3pPr>
             <a:lvl4pPr>
-              <a:defRPr sz="1600"/>
+              <a:defRPr sz="1800"/>
             </a:lvl4pPr>
             <a:lvl5pPr>
-              <a:defRPr sz="1600"/>
+              <a:defRPr sz="1800"/>
             </a:lvl5pPr>
             <a:lvl6pPr>
               <a:defRPr sz="1600"/>
@@ -2984,7 +4027,7 @@
               <a:rPr lang="en-US" smtClean="0"/>
               <a:t>Fifth level</a:t>
             </a:r>
-            <a:endParaRPr lang="en-US"/>
+            <a:endParaRPr dirty="0"/>
           </a:p>
         </p:txBody>
       </p:sp>
@@ -3000,16 +4043,28 @@
         </p:nvSpPr>
         <p:spPr>
           <a:xfrm>
-            <a:off x="4645025" y="1535113"/>
-            <a:ext cx="4041775" cy="639762"/>
+            <a:off x="4751070" y="1453224"/>
+            <a:ext cx="3840480" cy="750887"/>
           </a:xfrm>
         </p:spPr>
         <p:txBody>
-          <a:bodyPr anchor="b"/>
+          <a:bodyPr anchor="b">
+            <a:noAutofit/>
+          </a:bodyPr>
           <a:lstStyle>
-            <a:lvl1pPr marL="0" indent="0">
+            <a:lvl1pPr marL="0" indent="0" algn="ctr">
+              <a:spcBef>
+                <a:spcPts val="0"/>
+              </a:spcBef>
               <a:buNone/>
-              <a:defRPr sz="2400" b="1"/>
+              <a:defRPr sz="2400" b="0">
+                <a:solidFill>
+                  <a:schemeClr val="accent1">
+                    <a:lumMod val="60000"/>
+                    <a:lumOff val="40000"/>
+                  </a:schemeClr>
+                </a:solidFill>
+              </a:defRPr>
             </a:lvl1pPr>
             <a:lvl2pPr marL="457200" indent="0">
               <a:buNone/>
@@ -3065,27 +4120,32 @@
         </p:nvSpPr>
         <p:spPr>
           <a:xfrm>
-            <a:off x="4645025" y="2174875"/>
-            <a:ext cx="4041775" cy="3951288"/>
+            <a:off x="4751070" y="2347415"/>
+            <a:ext cx="3840480" cy="3596185"/>
           </a:xfrm>
         </p:spPr>
         <p:txBody>
-          <a:bodyPr/>
+          <a:bodyPr>
+            <a:normAutofit/>
+          </a:bodyPr>
           <a:lstStyle>
             <a:lvl1pPr>
-              <a:defRPr sz="2400"/>
+              <a:spcBef>
+                <a:spcPts val="1600"/>
+              </a:spcBef>
+              <a:defRPr sz="2000"/>
             </a:lvl1pPr>
             <a:lvl2pPr>
-              <a:defRPr sz="2000"/>
+              <a:defRPr sz="1800"/>
             </a:lvl2pPr>
             <a:lvl3pPr>
               <a:defRPr sz="1800"/>
             </a:lvl3pPr>
             <a:lvl4pPr>
-              <a:defRPr sz="1600"/>
+              <a:defRPr sz="1800"/>
             </a:lvl4pPr>
             <a:lvl5pPr>
-              <a:defRPr sz="1600"/>
+              <a:defRPr sz="1800"/>
             </a:lvl5pPr>
             <a:lvl6pPr>
               <a:defRPr sz="1600"/>
@@ -3134,7 +4194,7 @@
               <a:rPr lang="en-US" smtClean="0"/>
               <a:t>Fifth level</a:t>
             </a:r>
-            <a:endParaRPr lang="en-US"/>
+            <a:endParaRPr dirty="0"/>
           </a:p>
         </p:txBody>
       </p:sp>
@@ -3155,7 +4215,7 @@
           <a:p>
             <a:fld id="{08CC8332-1ACC-4406-A169-8A73968D9A6C}" type="datetimeFigureOut">
               <a:rPr lang="en-US" smtClean="0"/>
-              <a:t>11/18/2014</a:t>
+              <a:t>11/18/14</a:t>
             </a:fld>
             <a:endParaRPr lang="en-US"/>
           </a:p>
@@ -3204,11 +4264,6 @@
         </p:txBody>
       </p:sp>
     </p:spTree>
-    <p:extLst>
-      <p:ext uri="{BB962C8B-B14F-4D97-AF65-F5344CB8AC3E}">
-        <p14:creationId xmlns:p14="http://schemas.microsoft.com/office/powerpoint/2010/main" val="1701715041"/>
-      </p:ext>
-    </p:extLst>
   </p:cSld>
   <p:clrMapOvr>
     <a:masterClrMapping/>
@@ -3216,7 +4271,7 @@
 </p:sldLayout>
 </file>
 
-<file path=ppt/slideLayouts/slideLayout6.xml><?xml version="1.0" encoding="utf-8"?>
+<file path=ppt/slideLayouts/slideLayout7.xml><?xml version="1.0" encoding="utf-8"?>
 <p:sldLayout xmlns:a="http://schemas.openxmlformats.org/drawingml/2006/main" xmlns:r="http://schemas.openxmlformats.org/officeDocument/2006/relationships" xmlns:p="http://schemas.openxmlformats.org/presentationml/2006/main" type="titleOnly" preserve="1">
   <p:cSld name="Title Only">
     <p:spTree>
@@ -3252,7 +4307,7 @@
               <a:rPr lang="en-US" smtClean="0"/>
               <a:t>Click to edit Master title style</a:t>
             </a:r>
-            <a:endParaRPr lang="en-US"/>
+            <a:endParaRPr/>
           </a:p>
         </p:txBody>
       </p:sp>
@@ -3273,7 +4328,7 @@
           <a:p>
             <a:fld id="{08CC8332-1ACC-4406-A169-8A73968D9A6C}" type="datetimeFigureOut">
               <a:rPr lang="en-US" smtClean="0"/>
-              <a:t>11/18/2014</a:t>
+              <a:t>11/18/14</a:t>
             </a:fld>
             <a:endParaRPr lang="en-US"/>
           </a:p>
@@ -3322,11 +4377,6 @@
         </p:txBody>
       </p:sp>
     </p:spTree>
-    <p:extLst>
-      <p:ext uri="{BB962C8B-B14F-4D97-AF65-F5344CB8AC3E}">
-        <p14:creationId xmlns:p14="http://schemas.microsoft.com/office/powerpoint/2010/main" val="91081752"/>
-      </p:ext>
-    </p:extLst>
   </p:cSld>
   <p:clrMapOvr>
     <a:masterClrMapping/>
@@ -3334,7 +4384,7 @@
 </p:sldLayout>
 </file>
 
-<file path=ppt/slideLayouts/slideLayout7.xml><?xml version="1.0" encoding="utf-8"?>
+<file path=ppt/slideLayouts/slideLayout8.xml><?xml version="1.0" encoding="utf-8"?>
 <p:sldLayout xmlns:a="http://schemas.openxmlformats.org/drawingml/2006/main" xmlns:r="http://schemas.openxmlformats.org/officeDocument/2006/relationships" xmlns:p="http://schemas.openxmlformats.org/presentationml/2006/main" type="blank" preserve="1">
   <p:cSld name="Blank">
     <p:spTree>
@@ -3368,7 +4418,7 @@
           <a:p>
             <a:fld id="{08CC8332-1ACC-4406-A169-8A73968D9A6C}" type="datetimeFigureOut">
               <a:rPr lang="en-US" smtClean="0"/>
-              <a:t>11/18/2014</a:t>
+              <a:t>11/18/14</a:t>
             </a:fld>
             <a:endParaRPr lang="en-US"/>
           </a:p>
@@ -3417,11 +4467,6 @@
         </p:txBody>
       </p:sp>
     </p:spTree>
-    <p:extLst>
-      <p:ext uri="{BB962C8B-B14F-4D97-AF65-F5344CB8AC3E}">
-        <p14:creationId xmlns:p14="http://schemas.microsoft.com/office/powerpoint/2010/main" val="75938849"/>
-      </p:ext>
-    </p:extLst>
   </p:cSld>
   <p:clrMapOvr>
     <a:masterClrMapping/>
@@ -3429,7 +4474,7 @@
 </p:sldLayout>
 </file>
 
-<file path=ppt/slideLayouts/slideLayout8.xml><?xml version="1.0" encoding="utf-8"?>
+<file path=ppt/slideLayouts/slideLayout9.xml><?xml version="1.0" encoding="utf-8"?>
 <p:sldLayout xmlns:a="http://schemas.openxmlformats.org/drawingml/2006/main" xmlns:r="http://schemas.openxmlformats.org/officeDocument/2006/relationships" xmlns:p="http://schemas.openxmlformats.org/presentationml/2006/main" type="objTx" preserve="1">
   <p:cSld name="Content with Caption">
     <p:spTree>
@@ -3458,15 +4503,15 @@
         </p:nvSpPr>
         <p:spPr>
           <a:xfrm>
-            <a:off x="457200" y="273050"/>
-            <a:ext cx="3008313" cy="1162050"/>
+            <a:off x="533399" y="611872"/>
+            <a:ext cx="3840480" cy="1162050"/>
           </a:xfrm>
         </p:spPr>
         <p:txBody>
           <a:bodyPr anchor="b"/>
           <a:lstStyle>
-            <a:lvl1pPr algn="l">
-              <a:defRPr sz="2000" b="1"/>
+            <a:lvl1pPr algn="ctr">
+              <a:defRPr sz="3600" b="0"/>
             </a:lvl1pPr>
           </a:lstStyle>
           <a:p>
@@ -3474,7 +4519,7 @@
               <a:rPr lang="en-US" smtClean="0"/>
               <a:t>Click to edit Master title style</a:t>
             </a:r>
-            <a:endParaRPr lang="en-US"/>
+            <a:endParaRPr/>
           </a:p>
         </p:txBody>
       </p:sp>
@@ -3490,27 +4535,32 @@
         </p:nvSpPr>
         <p:spPr>
           <a:xfrm>
-            <a:off x="3575050" y="273050"/>
-            <a:ext cx="5111750" cy="5853113"/>
+            <a:off x="4742824" y="368300"/>
+            <a:ext cx="3840480" cy="5575300"/>
           </a:xfrm>
         </p:spPr>
         <p:txBody>
-          <a:bodyPr/>
+          <a:bodyPr>
+            <a:normAutofit/>
+          </a:bodyPr>
           <a:lstStyle>
             <a:lvl1pPr>
-              <a:defRPr sz="3200"/>
+              <a:spcBef>
+                <a:spcPts val="2000"/>
+              </a:spcBef>
+              <a:defRPr sz="2200"/>
             </a:lvl1pPr>
             <a:lvl2pPr>
-              <a:defRPr sz="2800"/>
+              <a:defRPr sz="2000"/>
             </a:lvl2pPr>
             <a:lvl3pPr>
-              <a:defRPr sz="2400"/>
+              <a:defRPr sz="1800"/>
             </a:lvl3pPr>
             <a:lvl4pPr>
-              <a:defRPr sz="2000"/>
+              <a:defRPr sz="1800"/>
             </a:lvl4pPr>
             <a:lvl5pPr>
-              <a:defRPr sz="2000"/>
+              <a:defRPr sz="1800"/>
             </a:lvl5pPr>
             <a:lvl6pPr>
               <a:defRPr sz="2000"/>
@@ -3559,7 +4609,7 @@
               <a:rPr lang="en-US" smtClean="0"/>
               <a:t>Fifth level</a:t>
             </a:r>
-            <a:endParaRPr lang="en-US"/>
+            <a:endParaRPr dirty="0"/>
           </a:p>
         </p:txBody>
       </p:sp>
@@ -3575,16 +4625,21 @@
         </p:nvSpPr>
         <p:spPr>
           <a:xfrm>
-            <a:off x="457200" y="1435100"/>
-            <a:ext cx="3008313" cy="4691063"/>
+            <a:off x="533399" y="1787856"/>
+            <a:ext cx="3840480" cy="3720152"/>
           </a:xfrm>
         </p:spPr>
         <p:txBody>
-          <a:bodyPr/>
+          <a:bodyPr>
+            <a:normAutofit/>
+          </a:bodyPr>
           <a:lstStyle>
-            <a:lvl1pPr marL="0" indent="0">
+            <a:lvl1pPr marL="0" indent="0" algn="ctr">
+              <a:spcBef>
+                <a:spcPts val="600"/>
+              </a:spcBef>
               <a:buNone/>
-              <a:defRPr sz="1400"/>
+              <a:defRPr sz="1800"/>
             </a:lvl1pPr>
             <a:lvl2pPr marL="457200" indent="0">
               <a:buNone/>
@@ -3645,7 +4700,7 @@
           <a:p>
             <a:fld id="{08CC8332-1ACC-4406-A169-8A73968D9A6C}" type="datetimeFigureOut">
               <a:rPr lang="en-US" smtClean="0"/>
-              <a:t>11/18/2014</a:t>
+              <a:t>11/18/14</a:t>
             </a:fld>
             <a:endParaRPr lang="en-US"/>
           </a:p>
@@ -3685,273 +4740,16 @@
           <a:bodyPr/>
           <a:lstStyle/>
           <a:p>
-            <a:fld id="{B9D84707-D478-4998-84AC-D0E530C94A1D}" type="slidenum">
-              <a:rPr lang="en-US" smtClean="0"/>
+            <a:fld id="{2754ED01-E2A0-4C1E-8E21-014B99041579}" type="slidenum">
+              <a:rPr lang="en-US" smtClean="0"/>
+              <a:pPr/>
               <a:t>‹#›</a:t>
             </a:fld>
-            <a:endParaRPr lang="en-US"/>
+            <a:endParaRPr lang="en-US" dirty="0"/>
           </a:p>
         </p:txBody>
       </p:sp>
     </p:spTree>
-    <p:extLst>
-      <p:ext uri="{BB962C8B-B14F-4D97-AF65-F5344CB8AC3E}">
-        <p14:creationId xmlns:p14="http://schemas.microsoft.com/office/powerpoint/2010/main" val="963001917"/>
-      </p:ext>
-    </p:extLst>
-  </p:cSld>
-  <p:clrMapOvr>
-    <a:masterClrMapping/>
-  </p:clrMapOvr>
-</p:sldLayout>
-</file>
-
-<file path=ppt/slideLayouts/slideLayout9.xml><?xml version="1.0" encoding="utf-8"?>
-<p:sldLayout xmlns:a="http://schemas.openxmlformats.org/drawingml/2006/main" xmlns:r="http://schemas.openxmlformats.org/officeDocument/2006/relationships" xmlns:p="http://schemas.openxmlformats.org/presentationml/2006/main" type="picTx" preserve="1">
-  <p:cSld name="Picture with Caption">
-    <p:spTree>
-      <p:nvGrpSpPr>
-        <p:cNvPr id="1" name=""/>
-        <p:cNvGrpSpPr/>
-        <p:nvPr/>
-      </p:nvGrpSpPr>
-      <p:grpSpPr>
-        <a:xfrm>
-          <a:off x="0" y="0"/>
-          <a:ext cx="0" cy="0"/>
-          <a:chOff x="0" y="0"/>
-          <a:chExt cx="0" cy="0"/>
-        </a:xfrm>
-      </p:grpSpPr>
-      <p:sp>
-        <p:nvSpPr>
-          <p:cNvPr id="2" name="Title 1"/>
-          <p:cNvSpPr>
-            <a:spLocks noGrp="1"/>
-          </p:cNvSpPr>
-          <p:nvPr>
-            <p:ph type="title"/>
-          </p:nvPr>
-        </p:nvSpPr>
-        <p:spPr>
-          <a:xfrm>
-            <a:off x="1792288" y="4800600"/>
-            <a:ext cx="5486400" cy="566738"/>
-          </a:xfrm>
-        </p:spPr>
-        <p:txBody>
-          <a:bodyPr anchor="b"/>
-          <a:lstStyle>
-            <a:lvl1pPr algn="l">
-              <a:defRPr sz="2000" b="1"/>
-            </a:lvl1pPr>
-          </a:lstStyle>
-          <a:p>
-            <a:r>
-              <a:rPr lang="en-US" smtClean="0"/>
-              <a:t>Click to edit Master title style</a:t>
-            </a:r>
-            <a:endParaRPr lang="en-US"/>
-          </a:p>
-        </p:txBody>
-      </p:sp>
-      <p:sp>
-        <p:nvSpPr>
-          <p:cNvPr id="3" name="Picture Placeholder 2"/>
-          <p:cNvSpPr>
-            <a:spLocks noGrp="1"/>
-          </p:cNvSpPr>
-          <p:nvPr>
-            <p:ph type="pic" idx="1"/>
-          </p:nvPr>
-        </p:nvSpPr>
-        <p:spPr>
-          <a:xfrm>
-            <a:off x="1792288" y="612775"/>
-            <a:ext cx="5486400" cy="4114800"/>
-          </a:xfrm>
-        </p:spPr>
-        <p:txBody>
-          <a:bodyPr/>
-          <a:lstStyle>
-            <a:lvl1pPr marL="0" indent="0">
-              <a:buNone/>
-              <a:defRPr sz="3200"/>
-            </a:lvl1pPr>
-            <a:lvl2pPr marL="457200" indent="0">
-              <a:buNone/>
-              <a:defRPr sz="2800"/>
-            </a:lvl2pPr>
-            <a:lvl3pPr marL="914400" indent="0">
-              <a:buNone/>
-              <a:defRPr sz="2400"/>
-            </a:lvl3pPr>
-            <a:lvl4pPr marL="1371600" indent="0">
-              <a:buNone/>
-              <a:defRPr sz="2000"/>
-            </a:lvl4pPr>
-            <a:lvl5pPr marL="1828800" indent="0">
-              <a:buNone/>
-              <a:defRPr sz="2000"/>
-            </a:lvl5pPr>
-            <a:lvl6pPr marL="2286000" indent="0">
-              <a:buNone/>
-              <a:defRPr sz="2000"/>
-            </a:lvl6pPr>
-            <a:lvl7pPr marL="2743200" indent="0">
-              <a:buNone/>
-              <a:defRPr sz="2000"/>
-            </a:lvl7pPr>
-            <a:lvl8pPr marL="3200400" indent="0">
-              <a:buNone/>
-              <a:defRPr sz="2000"/>
-            </a:lvl8pPr>
-            <a:lvl9pPr marL="3657600" indent="0">
-              <a:buNone/>
-              <a:defRPr sz="2000"/>
-            </a:lvl9pPr>
-          </a:lstStyle>
-          <a:p>
-            <a:endParaRPr lang="en-US"/>
-          </a:p>
-        </p:txBody>
-      </p:sp>
-      <p:sp>
-        <p:nvSpPr>
-          <p:cNvPr id="4" name="Text Placeholder 3"/>
-          <p:cNvSpPr>
-            <a:spLocks noGrp="1"/>
-          </p:cNvSpPr>
-          <p:nvPr>
-            <p:ph type="body" sz="half" idx="2"/>
-          </p:nvPr>
-        </p:nvSpPr>
-        <p:spPr>
-          <a:xfrm>
-            <a:off x="1792288" y="5367338"/>
-            <a:ext cx="5486400" cy="804862"/>
-          </a:xfrm>
-        </p:spPr>
-        <p:txBody>
-          <a:bodyPr/>
-          <a:lstStyle>
-            <a:lvl1pPr marL="0" indent="0">
-              <a:buNone/>
-              <a:defRPr sz="1400"/>
-            </a:lvl1pPr>
-            <a:lvl2pPr marL="457200" indent="0">
-              <a:buNone/>
-              <a:defRPr sz="1200"/>
-            </a:lvl2pPr>
-            <a:lvl3pPr marL="914400" indent="0">
-              <a:buNone/>
-              <a:defRPr sz="1000"/>
-            </a:lvl3pPr>
-            <a:lvl4pPr marL="1371600" indent="0">
-              <a:buNone/>
-              <a:defRPr sz="900"/>
-            </a:lvl4pPr>
-            <a:lvl5pPr marL="1828800" indent="0">
-              <a:buNone/>
-              <a:defRPr sz="900"/>
-            </a:lvl5pPr>
-            <a:lvl6pPr marL="2286000" indent="0">
-              <a:buNone/>
-              <a:defRPr sz="900"/>
-            </a:lvl6pPr>
-            <a:lvl7pPr marL="2743200" indent="0">
-              <a:buNone/>
-              <a:defRPr sz="900"/>
-            </a:lvl7pPr>
-            <a:lvl8pPr marL="3200400" indent="0">
-              <a:buNone/>
-              <a:defRPr sz="900"/>
-            </a:lvl8pPr>
-            <a:lvl9pPr marL="3657600" indent="0">
-              <a:buNone/>
-              <a:defRPr sz="900"/>
-            </a:lvl9pPr>
-          </a:lstStyle>
-          <a:p>
-            <a:pPr lvl="0"/>
-            <a:r>
-              <a:rPr lang="en-US" smtClean="0"/>
-              <a:t>Click to edit Master text styles</a:t>
-            </a:r>
-          </a:p>
-        </p:txBody>
-      </p:sp>
-      <p:sp>
-        <p:nvSpPr>
-          <p:cNvPr id="5" name="Date Placeholder 4"/>
-          <p:cNvSpPr>
-            <a:spLocks noGrp="1"/>
-          </p:cNvSpPr>
-          <p:nvPr>
-            <p:ph type="dt" sz="half" idx="10"/>
-          </p:nvPr>
-        </p:nvSpPr>
-        <p:spPr/>
-        <p:txBody>
-          <a:bodyPr/>
-          <a:lstStyle/>
-          <a:p>
-            <a:fld id="{08CC8332-1ACC-4406-A169-8A73968D9A6C}" type="datetimeFigureOut">
-              <a:rPr lang="en-US" smtClean="0"/>
-              <a:t>11/18/2014</a:t>
-            </a:fld>
-            <a:endParaRPr lang="en-US"/>
-          </a:p>
-        </p:txBody>
-      </p:sp>
-      <p:sp>
-        <p:nvSpPr>
-          <p:cNvPr id="6" name="Footer Placeholder 5"/>
-          <p:cNvSpPr>
-            <a:spLocks noGrp="1"/>
-          </p:cNvSpPr>
-          <p:nvPr>
-            <p:ph type="ftr" sz="quarter" idx="11"/>
-          </p:nvPr>
-        </p:nvSpPr>
-        <p:spPr/>
-        <p:txBody>
-          <a:bodyPr/>
-          <a:lstStyle/>
-          <a:p>
-            <a:endParaRPr lang="en-US"/>
-          </a:p>
-        </p:txBody>
-      </p:sp>
-      <p:sp>
-        <p:nvSpPr>
-          <p:cNvPr id="7" name="Slide Number Placeholder 6"/>
-          <p:cNvSpPr>
-            <a:spLocks noGrp="1"/>
-          </p:cNvSpPr>
-          <p:nvPr>
-            <p:ph type="sldNum" sz="quarter" idx="12"/>
-          </p:nvPr>
-        </p:nvSpPr>
-        <p:spPr/>
-        <p:txBody>
-          <a:bodyPr/>
-          <a:lstStyle/>
-          <a:p>
-            <a:fld id="{B9D84707-D478-4998-84AC-D0E530C94A1D}" type="slidenum">
-              <a:rPr lang="en-US" smtClean="0"/>
-              <a:t>‹#›</a:t>
-            </a:fld>
-            <a:endParaRPr lang="en-US"/>
-          </a:p>
-        </p:txBody>
-      </p:sp>
-    </p:spTree>
-    <p:extLst>
-      <p:ext uri="{BB962C8B-B14F-4D97-AF65-F5344CB8AC3E}">
-        <p14:creationId xmlns:p14="http://schemas.microsoft.com/office/powerpoint/2010/main" val="2027537835"/>
-      </p:ext>
-    </p:extLst>
   </p:cSld>
   <p:clrMapOvr>
     <a:masterClrMapping/>
@@ -3993,24 +4791,24 @@
         </p:nvSpPr>
         <p:spPr>
           <a:xfrm>
-            <a:off x="457200" y="274638"/>
-            <a:ext cx="8229600" cy="1143000"/>
+            <a:off x="549275" y="107576"/>
+            <a:ext cx="8042276" cy="1035424"/>
           </a:xfrm>
           <a:prstGeom prst="rect">
             <a:avLst/>
           </a:prstGeom>
         </p:spPr>
         <p:txBody>
-          <a:bodyPr vert="horz" lIns="91440" tIns="45720" rIns="91440" bIns="45720" rtlCol="0" anchor="ctr">
-            <a:normAutofit/>
+          <a:bodyPr vert="horz" lIns="91440" tIns="45720" rIns="91440" bIns="45720" rtlCol="0" anchor="b" anchorCtr="0">
+            <a:noAutofit/>
           </a:bodyPr>
           <a:lstStyle/>
           <a:p>
             <a:r>
-              <a:rPr lang="en-US" smtClean="0"/>
+              <a:rPr lang="en-US" dirty="0" smtClean="0"/>
               <a:t>Click to edit Master title style</a:t>
             </a:r>
-            <a:endParaRPr lang="en-US"/>
+            <a:endParaRPr dirty="0"/>
           </a:p>
         </p:txBody>
       </p:sp>
@@ -4026,8 +4824,8 @@
         </p:nvSpPr>
         <p:spPr>
           <a:xfrm>
-            <a:off x="457200" y="1600200"/>
-            <a:ext cx="8229600" cy="4525963"/>
+            <a:off x="549275" y="1447800"/>
+            <a:ext cx="8042276" cy="4343400"/>
           </a:xfrm>
           <a:prstGeom prst="rect">
             <a:avLst/>
@@ -4072,7 +4870,7 @@
               <a:rPr lang="en-US" smtClean="0"/>
               <a:t>Fifth level</a:t>
             </a:r>
-            <a:endParaRPr lang="en-US"/>
+            <a:endParaRPr dirty="0"/>
           </a:p>
         </p:txBody>
       </p:sp>
@@ -4088,7 +4886,7 @@
         </p:nvSpPr>
         <p:spPr>
           <a:xfrm>
-            <a:off x="457200" y="6356350"/>
+            <a:off x="5629835" y="6275668"/>
             <a:ext cx="2133600" cy="365125"/>
           </a:xfrm>
           <a:prstGeom prst="rect">
@@ -4098,12 +4896,10 @@
         <p:txBody>
           <a:bodyPr vert="horz" lIns="91440" tIns="45720" rIns="91440" bIns="45720" rtlCol="0" anchor="ctr"/>
           <a:lstStyle>
-            <a:lvl1pPr algn="l">
+            <a:lvl1pPr algn="r">
               <a:defRPr sz="1200">
                 <a:solidFill>
-                  <a:schemeClr val="tx1">
-                    <a:tint val="75000"/>
-                  </a:schemeClr>
+                  <a:schemeClr val="bg1"/>
                 </a:solidFill>
               </a:defRPr>
             </a:lvl1pPr>
@@ -4111,7 +4907,7 @@
           <a:p>
             <a:fld id="{08CC8332-1ACC-4406-A169-8A73968D9A6C}" type="datetimeFigureOut">
               <a:rPr lang="en-US" smtClean="0"/>
-              <a:t>11/18/2014</a:t>
+              <a:t>11/18/14</a:t>
             </a:fld>
             <a:endParaRPr lang="en-US"/>
           </a:p>
@@ -4129,8 +4925,8 @@
         </p:nvSpPr>
         <p:spPr>
           <a:xfrm>
-            <a:off x="3124200" y="6356350"/>
-            <a:ext cx="2895600" cy="365125"/>
+            <a:off x="264458" y="6275668"/>
+            <a:ext cx="4840941" cy="365125"/>
           </a:xfrm>
           <a:prstGeom prst="rect">
             <a:avLst/>
@@ -4139,12 +4935,10 @@
         <p:txBody>
           <a:bodyPr vert="horz" lIns="91440" tIns="45720" rIns="91440" bIns="45720" rtlCol="0" anchor="ctr"/>
           <a:lstStyle>
-            <a:lvl1pPr algn="ctr">
+            <a:lvl1pPr algn="l">
               <a:defRPr sz="1200">
                 <a:solidFill>
-                  <a:schemeClr val="tx1">
-                    <a:tint val="75000"/>
-                  </a:schemeClr>
+                  <a:schemeClr val="bg1"/>
                 </a:solidFill>
               </a:defRPr>
             </a:lvl1pPr>
@@ -4166,8 +4960,8 @@
         </p:nvSpPr>
         <p:spPr>
           <a:xfrm>
-            <a:off x="6553200" y="6356350"/>
-            <a:ext cx="2133600" cy="365125"/>
+            <a:off x="7897906" y="6275668"/>
+            <a:ext cx="990600" cy="365125"/>
           </a:xfrm>
           <a:prstGeom prst="rect">
             <a:avLst/>
@@ -4177,11 +4971,9 @@
           <a:bodyPr vert="horz" lIns="91440" tIns="45720" rIns="91440" bIns="45720" rtlCol="0" anchor="ctr"/>
           <a:lstStyle>
             <a:lvl1pPr algn="r">
-              <a:defRPr sz="1200">
+              <a:defRPr sz="3600">
                 <a:solidFill>
-                  <a:schemeClr val="tx1">
-                    <a:tint val="75000"/>
-                  </a:schemeClr>
+                  <a:schemeClr val="bg1"/>
                 </a:solidFill>
               </a:defRPr>
             </a:lvl1pPr>
@@ -4196,25 +4988,21 @@
         </p:txBody>
       </p:sp>
     </p:spTree>
-    <p:extLst>
-      <p:ext uri="{BB962C8B-B14F-4D97-AF65-F5344CB8AC3E}">
-        <p14:creationId xmlns:p14="http://schemas.microsoft.com/office/powerpoint/2010/main" val="3919941589"/>
-      </p:ext>
-    </p:extLst>
   </p:cSld>
   <p:clrMap bg1="lt1" tx1="dk1" bg2="lt2" tx2="dk2" accent1="accent1" accent2="accent2" accent3="accent3" accent4="accent4" accent5="accent5" accent6="accent6" hlink="hlink" folHlink="folHlink"/>
   <p:sldLayoutIdLst>
-    <p:sldLayoutId id="2147483649" r:id="rId1"/>
-    <p:sldLayoutId id="2147483650" r:id="rId2"/>
-    <p:sldLayoutId id="2147483651" r:id="rId3"/>
-    <p:sldLayoutId id="2147483652" r:id="rId4"/>
-    <p:sldLayoutId id="2147483653" r:id="rId5"/>
-    <p:sldLayoutId id="2147483654" r:id="rId6"/>
-    <p:sldLayoutId id="2147483655" r:id="rId7"/>
-    <p:sldLayoutId id="2147483656" r:id="rId8"/>
-    <p:sldLayoutId id="2147483657" r:id="rId9"/>
-    <p:sldLayoutId id="2147483658" r:id="rId10"/>
-    <p:sldLayoutId id="2147483659" r:id="rId11"/>
+    <p:sldLayoutId id="2147483802" r:id="rId1"/>
+    <p:sldLayoutId id="2147483803" r:id="rId2"/>
+    <p:sldLayoutId id="2147483804" r:id="rId3"/>
+    <p:sldLayoutId id="2147483805" r:id="rId4"/>
+    <p:sldLayoutId id="2147483806" r:id="rId5"/>
+    <p:sldLayoutId id="2147483807" r:id="rId6"/>
+    <p:sldLayoutId id="2147483808" r:id="rId7"/>
+    <p:sldLayoutId id="2147483809" r:id="rId8"/>
+    <p:sldLayoutId id="2147483810" r:id="rId9"/>
+    <p:sldLayoutId id="2147483811" r:id="rId10"/>
+    <p:sldLayoutId id="2147483812" r:id="rId11"/>
+    <p:sldLayoutId id="2147483813" r:id="rId12"/>
   </p:sldLayoutIdLst>
   <p:txStyles>
     <p:titleStyle>
@@ -4223,9 +5011,9 @@
           <a:spcPct val="0"/>
         </a:spcBef>
         <a:buNone/>
-        <a:defRPr sz="4400" kern="1200">
+        <a:defRPr sz="3800" kern="1200">
           <a:solidFill>
-            <a:schemeClr val="tx1"/>
+            <a:schemeClr val="accent1"/>
           </a:solidFill>
           <a:latin typeface="+mj-lt"/>
           <a:ea typeface="+mj-ea"/>
@@ -4234,135 +5022,217 @@
       </a:lvl1pPr>
     </p:titleStyle>
     <p:bodyStyle>
-      <a:lvl1pPr marL="342900" indent="-342900" algn="l" defTabSz="914400" rtl="0" eaLnBrk="1" latinLnBrk="0" hangingPunct="1">
+      <a:lvl1pPr marL="349250" indent="-349250" algn="l" defTabSz="914400" rtl="0" eaLnBrk="1" latinLnBrk="0" hangingPunct="1">
         <a:spcBef>
-          <a:spcPct val="20000"/>
+          <a:spcPts val="2000"/>
         </a:spcBef>
-        <a:buFont typeface="Arial" panose="020B0604020202020204" pitchFamily="34" charset="0"/>
-        <a:buChar char="•"/>
-        <a:defRPr sz="3200" kern="1200">
+        <a:buClr>
+          <a:schemeClr val="accent1">
+            <a:lumMod val="60000"/>
+            <a:lumOff val="40000"/>
+          </a:schemeClr>
+        </a:buClr>
+        <a:buSzPct val="110000"/>
+        <a:buFont typeface="Wingdings 2" pitchFamily="18" charset="2"/>
+        <a:buChar char=""/>
+        <a:defRPr sz="2400" kern="1200">
           <a:solidFill>
-            <a:schemeClr val="tx1"/>
+            <a:schemeClr val="tx1">
+              <a:lumMod val="65000"/>
+              <a:lumOff val="35000"/>
+            </a:schemeClr>
           </a:solidFill>
           <a:latin typeface="+mn-lt"/>
           <a:ea typeface="+mn-ea"/>
           <a:cs typeface="+mn-cs"/>
         </a:defRPr>
       </a:lvl1pPr>
-      <a:lvl2pPr marL="742950" indent="-285750" algn="l" defTabSz="914400" rtl="0" eaLnBrk="1" latinLnBrk="0" hangingPunct="1">
+      <a:lvl2pPr marL="685800" indent="-336550" algn="l" defTabSz="914400" rtl="0" eaLnBrk="1" latinLnBrk="0" hangingPunct="1">
         <a:spcBef>
-          <a:spcPct val="20000"/>
+          <a:spcPts val="600"/>
         </a:spcBef>
-        <a:buFont typeface="Arial" panose="020B0604020202020204" pitchFamily="34" charset="0"/>
-        <a:buChar char="–"/>
-        <a:defRPr sz="2800" kern="1200">
+        <a:buClr>
+          <a:schemeClr val="accent1">
+            <a:lumMod val="75000"/>
+          </a:schemeClr>
+        </a:buClr>
+        <a:buSzPct val="110000"/>
+        <a:buFont typeface="Wingdings 2" pitchFamily="18" charset="2"/>
+        <a:buChar char=""/>
+        <a:defRPr sz="2200" kern="1200">
           <a:solidFill>
-            <a:schemeClr val="tx1"/>
+            <a:schemeClr val="tx1">
+              <a:lumMod val="65000"/>
+              <a:lumOff val="35000"/>
+            </a:schemeClr>
           </a:solidFill>
           <a:latin typeface="+mn-lt"/>
           <a:ea typeface="+mn-ea"/>
           <a:cs typeface="+mn-cs"/>
         </a:defRPr>
       </a:lvl2pPr>
-      <a:lvl3pPr marL="1143000" indent="-228600" algn="l" defTabSz="914400" rtl="0" eaLnBrk="1" latinLnBrk="0" hangingPunct="1">
+      <a:lvl3pPr marL="968375" indent="-282575" algn="l" defTabSz="914400" rtl="0" eaLnBrk="1" latinLnBrk="0" hangingPunct="1">
         <a:spcBef>
-          <a:spcPct val="20000"/>
+          <a:spcPts val="600"/>
         </a:spcBef>
-        <a:buFont typeface="Arial" panose="020B0604020202020204" pitchFamily="34" charset="0"/>
-        <a:buChar char="•"/>
-        <a:defRPr sz="2400" kern="1200">
+        <a:buClr>
+          <a:schemeClr val="accent1">
+            <a:lumMod val="60000"/>
+            <a:lumOff val="40000"/>
+          </a:schemeClr>
+        </a:buClr>
+        <a:buSzPct val="110000"/>
+        <a:buFont typeface="Wingdings 2" pitchFamily="18" charset="2"/>
+        <a:buChar char=""/>
+        <a:defRPr sz="2000" kern="1200">
           <a:solidFill>
-            <a:schemeClr val="tx1"/>
+            <a:schemeClr val="tx1">
+              <a:lumMod val="65000"/>
+              <a:lumOff val="35000"/>
+            </a:schemeClr>
           </a:solidFill>
           <a:latin typeface="+mn-lt"/>
           <a:ea typeface="+mn-ea"/>
           <a:cs typeface="+mn-cs"/>
         </a:defRPr>
       </a:lvl3pPr>
-      <a:lvl4pPr marL="1600200" indent="-228600" algn="l" defTabSz="914400" rtl="0" eaLnBrk="1" latinLnBrk="0" hangingPunct="1">
+      <a:lvl4pPr marL="1263650" indent="-295275" algn="l" defTabSz="914400" rtl="0" eaLnBrk="1" latinLnBrk="0" hangingPunct="1">
         <a:spcBef>
-          <a:spcPct val="20000"/>
+          <a:spcPts val="600"/>
         </a:spcBef>
-        <a:buFont typeface="Arial" panose="020B0604020202020204" pitchFamily="34" charset="0"/>
-        <a:buChar char="–"/>
-        <a:defRPr sz="2000" kern="1200">
+        <a:buClr>
+          <a:schemeClr val="accent1">
+            <a:lumMod val="75000"/>
+          </a:schemeClr>
+        </a:buClr>
+        <a:buSzPct val="110000"/>
+        <a:buFont typeface="Wingdings 2" pitchFamily="18" charset="2"/>
+        <a:buChar char=""/>
+        <a:defRPr sz="1800" kern="1200">
           <a:solidFill>
-            <a:schemeClr val="tx1"/>
+            <a:schemeClr val="tx1">
+              <a:lumMod val="65000"/>
+              <a:lumOff val="35000"/>
+            </a:schemeClr>
           </a:solidFill>
           <a:latin typeface="+mn-lt"/>
           <a:ea typeface="+mn-ea"/>
           <a:cs typeface="+mn-cs"/>
         </a:defRPr>
       </a:lvl4pPr>
-      <a:lvl5pPr marL="2057400" indent="-228600" algn="l" defTabSz="914400" rtl="0" eaLnBrk="1" latinLnBrk="0" hangingPunct="1">
+      <a:lvl5pPr marL="1546225" indent="-282575" algn="l" defTabSz="914400" rtl="0" eaLnBrk="1" latinLnBrk="0" hangingPunct="1">
         <a:spcBef>
-          <a:spcPct val="20000"/>
+          <a:spcPts val="600"/>
         </a:spcBef>
-        <a:buFont typeface="Arial" panose="020B0604020202020204" pitchFamily="34" charset="0"/>
-        <a:buChar char="»"/>
-        <a:defRPr sz="2000" kern="1200">
+        <a:buClr>
+          <a:schemeClr val="accent1">
+            <a:lumMod val="60000"/>
+            <a:lumOff val="40000"/>
+          </a:schemeClr>
+        </a:buClr>
+        <a:buSzPct val="110000"/>
+        <a:buFont typeface="Wingdings 2" pitchFamily="18" charset="2"/>
+        <a:buChar char=""/>
+        <a:defRPr sz="1800" kern="1200">
           <a:solidFill>
-            <a:schemeClr val="tx1"/>
+            <a:schemeClr val="tx1">
+              <a:lumMod val="65000"/>
+              <a:lumOff val="35000"/>
+            </a:schemeClr>
           </a:solidFill>
           <a:latin typeface="+mn-lt"/>
           <a:ea typeface="+mn-ea"/>
           <a:cs typeface="+mn-cs"/>
         </a:defRPr>
       </a:lvl5pPr>
-      <a:lvl6pPr marL="2514600" indent="-228600" algn="l" defTabSz="914400" rtl="0" eaLnBrk="1" latinLnBrk="0" hangingPunct="1">
+      <a:lvl6pPr marL="1828800" indent="-282575" algn="l" defTabSz="914400" rtl="0" eaLnBrk="1" latinLnBrk="0" hangingPunct="1">
         <a:spcBef>
           <a:spcPct val="20000"/>
         </a:spcBef>
-        <a:buFont typeface="Arial" panose="020B0604020202020204" pitchFamily="34" charset="0"/>
-        <a:buChar char="•"/>
-        <a:defRPr sz="2000" kern="1200">
+        <a:buClr>
+          <a:schemeClr val="accent2"/>
+        </a:buClr>
+        <a:buSzPct val="110000"/>
+        <a:buFont typeface="Wingdings 2" pitchFamily="18" charset="2"/>
+        <a:buChar char=""/>
+        <a:defRPr lang="en-US" sz="1800" kern="1200" dirty="0" smtClean="0">
           <a:solidFill>
-            <a:schemeClr val="tx1"/>
+            <a:schemeClr val="tx1">
+              <a:lumMod val="65000"/>
+              <a:lumOff val="35000"/>
+            </a:schemeClr>
           </a:solidFill>
           <a:latin typeface="+mn-lt"/>
           <a:ea typeface="+mn-ea"/>
           <a:cs typeface="+mn-cs"/>
         </a:defRPr>
       </a:lvl6pPr>
-      <a:lvl7pPr marL="2971800" indent="-228600" algn="l" defTabSz="914400" rtl="0" eaLnBrk="1" latinLnBrk="0" hangingPunct="1">
+      <a:lvl7pPr marL="2117725" indent="-282575" algn="l" defTabSz="914400" rtl="0" eaLnBrk="1" latinLnBrk="0" hangingPunct="1">
         <a:spcBef>
           <a:spcPct val="20000"/>
         </a:spcBef>
-        <a:buFont typeface="Arial" panose="020B0604020202020204" pitchFamily="34" charset="0"/>
-        <a:buChar char="•"/>
-        <a:defRPr sz="2000" kern="1200">
+        <a:buClr>
+          <a:schemeClr val="accent1">
+            <a:lumMod val="60000"/>
+            <a:lumOff val="40000"/>
+          </a:schemeClr>
+        </a:buClr>
+        <a:buSzPct val="110000"/>
+        <a:buFont typeface="Wingdings 2" pitchFamily="18" charset="2"/>
+        <a:buChar char=""/>
+        <a:defRPr lang="en-US" sz="1800" kern="1200" dirty="0" smtClean="0">
           <a:solidFill>
-            <a:schemeClr val="tx1"/>
+            <a:schemeClr val="tx1">
+              <a:lumMod val="65000"/>
+              <a:lumOff val="35000"/>
+            </a:schemeClr>
           </a:solidFill>
           <a:latin typeface="+mn-lt"/>
           <a:ea typeface="+mn-ea"/>
           <a:cs typeface="+mn-cs"/>
         </a:defRPr>
       </a:lvl7pPr>
-      <a:lvl8pPr marL="3429000" indent="-228600" algn="l" defTabSz="914400" rtl="0" eaLnBrk="1" latinLnBrk="0" hangingPunct="1">
+      <a:lvl8pPr marL="2398713" indent="-282575" algn="l" defTabSz="914400" rtl="0" eaLnBrk="1" latinLnBrk="0" hangingPunct="1">
         <a:spcBef>
           <a:spcPct val="20000"/>
         </a:spcBef>
-        <a:buFont typeface="Arial" panose="020B0604020202020204" pitchFamily="34" charset="0"/>
-        <a:buChar char="•"/>
-        <a:defRPr sz="2000" kern="1200">
+        <a:buClr>
+          <a:schemeClr val="accent2"/>
+        </a:buClr>
+        <a:buSzPct val="110000"/>
+        <a:buFont typeface="Wingdings 2" pitchFamily="18" charset="2"/>
+        <a:buChar char=""/>
+        <a:defRPr lang="en-US" sz="1800" kern="1200" dirty="0" smtClean="0">
           <a:solidFill>
-            <a:schemeClr val="tx1"/>
+            <a:schemeClr val="tx1">
+              <a:lumMod val="65000"/>
+              <a:lumOff val="35000"/>
+            </a:schemeClr>
           </a:solidFill>
           <a:latin typeface="+mn-lt"/>
           <a:ea typeface="+mn-ea"/>
           <a:cs typeface="+mn-cs"/>
         </a:defRPr>
       </a:lvl8pPr>
-      <a:lvl9pPr marL="3886200" indent="-228600" algn="l" defTabSz="914400" rtl="0" eaLnBrk="1" latinLnBrk="0" hangingPunct="1">
+      <a:lvl9pPr marL="2689225" indent="-282575" algn="l" defTabSz="914400" rtl="0" eaLnBrk="1" latinLnBrk="0" hangingPunct="1">
         <a:spcBef>
           <a:spcPct val="20000"/>
         </a:spcBef>
-        <a:buFont typeface="Arial" panose="020B0604020202020204" pitchFamily="34" charset="0"/>
-        <a:buChar char="•"/>
-        <a:defRPr sz="2000" kern="1200">
+        <a:buClr>
+          <a:schemeClr val="accent1">
+            <a:lumMod val="60000"/>
+            <a:lumOff val="40000"/>
+          </a:schemeClr>
+        </a:buClr>
+        <a:buSzPct val="110000"/>
+        <a:buFont typeface="Wingdings 2" pitchFamily="18" charset="2"/>
+        <a:buChar char=""/>
+        <a:defRPr lang="en-US" sz="1800" kern="1200" dirty="0">
           <a:solidFill>
-            <a:schemeClr val="tx1"/>
+            <a:schemeClr val="tx1">
+              <a:lumMod val="65000"/>
+              <a:lumOff val="35000"/>
+            </a:schemeClr>
           </a:solidFill>
           <a:latin typeface="+mn-lt"/>
           <a:ea typeface="+mn-ea"/>
@@ -4372,7 +5242,7 @@
     </p:bodyStyle>
     <p:otherStyle>
       <a:defPPr>
-        <a:defRPr lang="en-US"/>
+        <a:defRPr/>
       </a:defPPr>
       <a:lvl1pPr marL="0" algn="l" defTabSz="914400" rtl="0" eaLnBrk="1" latinLnBrk="0" hangingPunct="1">
         <a:defRPr sz="1800" kern="1200">
@@ -4496,18 +5366,58 @@
             <p:ph type="ctrTitle"/>
           </p:nvPr>
         </p:nvSpPr>
-        <p:spPr/>
+        <p:spPr>
+          <a:xfrm>
+            <a:off x="1322921" y="3048000"/>
+            <a:ext cx="6498158" cy="886666"/>
+          </a:xfrm>
+        </p:spPr>
         <p:txBody>
           <a:bodyPr>
-            <a:normAutofit fontScale="90000"/>
+            <a:noAutofit/>
           </a:bodyPr>
           <a:lstStyle/>
           <a:p>
             <a:r>
-              <a:rPr lang="en-US" smtClean="0"/>
-              <a:t>A Genetic Algorithm Solution to the Multi-Objective 0-1 Knapsack Problem</a:t>
-            </a:r>
-            <a:endParaRPr lang="en-US"/>
+              <a:rPr lang="en-US" sz="3600" dirty="0"/>
+              <a:t>Multi-Objective Knapsack </a:t>
+            </a:r>
+            <a:r>
+              <a:rPr lang="en-US" sz="3600" dirty="0" smtClean="0"/>
+              <a:t>Problem</a:t>
+            </a:r>
+            <a:r>
+              <a:rPr lang="en-US" sz="3600" dirty="0"/>
+              <a:t> </a:t>
+            </a:r>
+            <a:r>
+              <a:rPr lang="en-US" sz="3600" dirty="0" smtClean="0"/>
+              <a:t>Solved Using </a:t>
+            </a:r>
+            <a:r>
+              <a:rPr lang="en-US" sz="3600" dirty="0"/>
+              <a:t>Genetic </a:t>
+            </a:r>
+            <a:r>
+              <a:rPr lang="en-US" sz="3600" dirty="0" smtClean="0"/>
+              <a:t>Algorithms </a:t>
+            </a:r>
+            <a:r>
+              <a:rPr lang="en-US" sz="3600" dirty="0"/>
+              <a:t>and Wisdom of </a:t>
+            </a:r>
+            <a:r>
+              <a:rPr lang="en-US" sz="3600" dirty="0" smtClean="0"/>
+              <a:t>Crowds</a:t>
+            </a:r>
+            <a:r>
+              <a:rPr lang="en-US" sz="3600" dirty="0"/>
+              <a:t/>
+            </a:r>
+            <a:br>
+              <a:rPr lang="en-US" sz="3600" dirty="0"/>
+            </a:br>
+            <a:endParaRPr lang="en-US" sz="3600" dirty="0"/>
           </a:p>
         </p:txBody>
       </p:sp>
@@ -4529,44 +5439,59 @@
         </p:spPr>
         <p:txBody>
           <a:bodyPr>
-            <a:normAutofit fontScale="55000" lnSpcReduction="20000"/>
+            <a:normAutofit fontScale="85000" lnSpcReduction="20000"/>
           </a:bodyPr>
           <a:lstStyle/>
           <a:p>
             <a:r>
-              <a:rPr lang="en-US" smtClean="0"/>
+              <a:rPr lang="en-US" dirty="0" smtClean="0"/>
               <a:t>University of Louisville</a:t>
             </a:r>
           </a:p>
           <a:p>
             <a:r>
-              <a:rPr lang="en-US" smtClean="0"/>
-              <a:t>CECS 545</a:t>
-            </a:r>
-          </a:p>
-          <a:p>
-            <a:r>
-              <a:rPr lang="en-US" smtClean="0"/>
-              <a:t>Sarah Mullins</a:t>
-            </a:r>
-          </a:p>
-          <a:p>
-            <a:r>
-              <a:rPr lang="en-US" smtClean="0"/>
+              <a:rPr lang="en-US" dirty="0" smtClean="0"/>
+              <a:t>Speed School of Engineering</a:t>
+            </a:r>
+          </a:p>
+          <a:p>
+            <a:r>
+              <a:rPr lang="en-US" dirty="0" smtClean="0"/>
+              <a:t>CECS </a:t>
+            </a:r>
+            <a:r>
+              <a:rPr lang="en-US" dirty="0" smtClean="0"/>
+              <a:t>545</a:t>
+            </a:r>
+          </a:p>
+          <a:p>
+            <a:r>
+              <a:rPr lang="en-US" dirty="0" smtClean="0"/>
+              <a:t>Sarah </a:t>
+            </a:r>
+            <a:r>
+              <a:rPr lang="en-US" dirty="0" smtClean="0"/>
+              <a:t>Mullins</a:t>
+            </a:r>
+            <a:endParaRPr lang="en-US" dirty="0" smtClean="0"/>
+          </a:p>
+          <a:p>
+            <a:r>
+              <a:rPr lang="en-US" dirty="0" smtClean="0"/>
               <a:t>Ashley </a:t>
             </a:r>
             <a:r>
-              <a:rPr lang="en-US" err="1" smtClean="0"/>
+              <a:rPr lang="en-US" dirty="0" err="1" smtClean="0"/>
               <a:t>Revlett</a:t>
             </a:r>
-            <a:endParaRPr lang="en-US" smtClean="0"/>
-          </a:p>
-          <a:p>
-            <a:r>
-              <a:rPr lang="en-US" smtClean="0"/>
+            <a:endParaRPr lang="en-US" dirty="0" smtClean="0"/>
+          </a:p>
+          <a:p>
+            <a:r>
+              <a:rPr lang="en-US" dirty="0" smtClean="0"/>
               <a:t>November 19, 2014</a:t>
             </a:r>
-            <a:endParaRPr lang="en-US"/>
+            <a:endParaRPr lang="en-US" dirty="0"/>
           </a:p>
         </p:txBody>
       </p:sp>
@@ -4613,7 +5538,7 @@
         <p:spPr/>
         <p:txBody>
           <a:bodyPr>
-            <a:normAutofit/>
+            <a:normAutofit fontScale="90000"/>
           </a:bodyPr>
           <a:lstStyle/>
           <a:p>
@@ -5046,15 +5971,15 @@
         <p:spPr/>
         <p:txBody>
           <a:bodyPr>
-            <a:normAutofit/>
+            <a:normAutofit fontScale="90000"/>
           </a:bodyPr>
           <a:lstStyle/>
           <a:p>
             <a:r>
-              <a:rPr lang="en-US" sz="3600" smtClean="0"/>
+              <a:rPr lang="en-US" sz="3600" dirty="0" smtClean="0"/>
               <a:t>Calculating Fitness Score of a Solution</a:t>
             </a:r>
-            <a:endParaRPr lang="en-US" sz="3600"/>
+            <a:endParaRPr lang="en-US" sz="3600" dirty="0"/>
           </a:p>
         </p:txBody>
       </p:sp>
@@ -5067,7 +5992,7 @@
         <p:spPr>
           <a:xfrm>
             <a:off x="609600" y="4267200"/>
-            <a:ext cx="7924800" cy="369332"/>
+            <a:ext cx="7924800" cy="1107996"/>
           </a:xfrm>
           <a:prstGeom prst="rect">
             <a:avLst/>
@@ -5085,8 +6010,16 @@
               <a:buChar char="•"/>
             </a:pPr>
             <a:r>
-              <a:rPr lang="en-US" smtClean="0"/>
-              <a:t>Sum the fitness scores for all items included in the knapsack.</a:t>
+              <a:rPr lang="en-US" sz="2200" dirty="0" smtClean="0"/>
+              <a:t>The Fitness Score for a solution (knapsack packing) is the s</a:t>
+            </a:r>
+            <a:r>
+              <a:rPr lang="en-US" sz="2200" dirty="0" smtClean="0"/>
+              <a:t>um of the </a:t>
+            </a:r>
+            <a:r>
+              <a:rPr lang="en-US" sz="2200" dirty="0" smtClean="0"/>
+              <a:t>fitness scores for all items included in the knapsack.</a:t>
             </a:r>
           </a:p>
         </p:txBody>
@@ -5113,7 +6046,7 @@
           <a:graphicData uri="http://schemas.openxmlformats.org/presentationml/2006/ole">
             <mc:AlternateContent xmlns:mc="http://schemas.openxmlformats.org/markup-compatibility/2006">
               <mc:Choice xmlns:v="urn:schemas-microsoft-com:vml" Requires="v">
-                <p:oleObj spid="_x0000_s1039" name="Document" r:id="rId3" imgW="5486400" imgH="838200" progId="Word.Document.12">
+                <p:oleObj spid="_x0000_s1044" name="Document" r:id="rId3" imgW="5486400" imgH="838200" progId="Word.Document.12">
                   <p:link updateAutomatic="1"/>
                 </p:oleObj>
               </mc:Choice>
@@ -5221,7 +6154,7 @@
         </p:spPr>
         <p:txBody>
           <a:bodyPr>
-            <a:normAutofit fontScale="92500" lnSpcReduction="10000"/>
+            <a:normAutofit/>
           </a:bodyPr>
           <a:lstStyle/>
           <a:p>
@@ -5361,7 +6294,7 @@
         </p:spPr>
         <p:txBody>
           <a:bodyPr>
-            <a:normAutofit fontScale="70000" lnSpcReduction="20000"/>
+            <a:normAutofit fontScale="85000" lnSpcReduction="20000"/>
           </a:bodyPr>
           <a:lstStyle/>
           <a:p>
@@ -5521,7 +6454,7 @@
         </p:spPr>
         <p:txBody>
           <a:bodyPr>
-            <a:normAutofit fontScale="62500" lnSpcReduction="20000"/>
+            <a:normAutofit fontScale="70000" lnSpcReduction="20000"/>
           </a:bodyPr>
           <a:lstStyle/>
           <a:p>
@@ -5654,7 +6587,7 @@
         </p:spPr>
         <p:txBody>
           <a:bodyPr>
-            <a:normAutofit fontScale="85000" lnSpcReduction="20000"/>
+            <a:normAutofit fontScale="92500" lnSpcReduction="10000"/>
           </a:bodyPr>
           <a:lstStyle/>
           <a:p>
@@ -5795,7 +6728,7 @@
         </p:spPr>
         <p:txBody>
           <a:bodyPr>
-            <a:normAutofit fontScale="77500" lnSpcReduction="20000"/>
+            <a:normAutofit fontScale="92500" lnSpcReduction="10000"/>
           </a:bodyPr>
           <a:lstStyle/>
           <a:p>
@@ -5911,16 +6844,28 @@
           <a:lstStyle/>
           <a:p>
             <a:r>
-              <a:rPr lang="en-US" smtClean="0"/>
-              <a:t>Further Areas for Research</a:t>
-            </a:r>
-            <a:endParaRPr lang="en-US"/>
-          </a:p>
-        </p:txBody>
-      </p:sp>
-      <p:sp>
-        <p:nvSpPr>
-          <p:cNvPr id="4" name="Content Placeholder 3"/>
+              <a:rPr lang="en-US" dirty="0" err="1" smtClean="0"/>
+              <a:t>WoC</a:t>
+            </a:r>
+            <a:r>
+              <a:rPr lang="en-US" dirty="0" smtClean="0"/>
+              <a:t> Solution </a:t>
+            </a:r>
+            <a:r>
+              <a:rPr lang="en-US" dirty="0" err="1" smtClean="0"/>
+              <a:t>vs</a:t>
+            </a:r>
+            <a:r>
+              <a:rPr lang="en-US" dirty="0" smtClean="0"/>
+              <a:t> GA Solutions</a:t>
+            </a:r>
+            <a:endParaRPr lang="en-US" dirty="0"/>
+          </a:p>
+        </p:txBody>
+      </p:sp>
+      <p:sp>
+        <p:nvSpPr>
+          <p:cNvPr id="3" name="Content Placeholder 2"/>
           <p:cNvSpPr>
             <a:spLocks noGrp="1"/>
           </p:cNvSpPr>
@@ -5928,66 +6873,1056 @@
             <p:ph idx="1"/>
           </p:nvPr>
         </p:nvSpPr>
-        <p:spPr/>
-        <p:txBody>
-          <a:bodyPr/>
-          <a:lstStyle/>
-          <a:p>
-            <a:r>
-              <a:rPr lang="en-US" smtClean="0"/>
-              <a:t>Increasing </a:t>
-            </a:r>
-            <a:r>
-              <a:rPr lang="en-US" smtClean="0"/>
-              <a:t>number of </a:t>
-            </a:r>
-            <a:r>
-              <a:rPr lang="en-US" smtClean="0"/>
-              <a:t>objectives</a:t>
-            </a:r>
-          </a:p>
-          <a:p>
-            <a:r>
-              <a:rPr lang="en-US"/>
-              <a:t>Adding weights to </a:t>
-            </a:r>
-            <a:r>
-              <a:rPr lang="en-US"/>
-              <a:t>each </a:t>
-            </a:r>
-            <a:r>
-              <a:rPr lang="en-US" smtClean="0"/>
-              <a:t>objective</a:t>
-            </a:r>
-            <a:endParaRPr lang="en-US" smtClean="0"/>
-          </a:p>
-          <a:p>
-            <a:r>
-              <a:rPr lang="en-US" smtClean="0"/>
-              <a:t>Evaluating alternate fitness measures</a:t>
-            </a:r>
-          </a:p>
-          <a:p>
-            <a:r>
-              <a:rPr lang="en-US" smtClean="0"/>
-              <a:t>Improve </a:t>
-            </a:r>
-            <a:r>
-              <a:rPr lang="en-US" err="1" smtClean="0"/>
+        <p:spPr>
+          <a:xfrm>
+            <a:off x="381000" y="5410200"/>
+            <a:ext cx="8458200" cy="1295400"/>
+          </a:xfrm>
+        </p:spPr>
+        <p:txBody>
+          <a:bodyPr>
+            <a:normAutofit/>
+          </a:bodyPr>
+          <a:lstStyle/>
+          <a:p>
+            <a:pPr marL="0" indent="0">
+              <a:buNone/>
+            </a:pPr>
+            <a:r>
+              <a:rPr lang="en-US" dirty="0" smtClean="0"/>
+              <a:t>In </a:t>
+            </a:r>
+            <a:r>
+              <a:rPr lang="en-US" dirty="0" smtClean="0"/>
+              <a:t>experiments, </a:t>
+            </a:r>
+            <a:r>
+              <a:rPr lang="en-US" dirty="0" smtClean="0"/>
+              <a:t>the best GA Solution from the crowd was always better than the newly developed </a:t>
+            </a:r>
+            <a:r>
+              <a:rPr lang="en-US" dirty="0" err="1" smtClean="0"/>
               <a:t>WoC</a:t>
             </a:r>
             <a:r>
-              <a:rPr lang="en-US" smtClean="0"/>
-              <a:t> generated solution</a:t>
-            </a:r>
-            <a:endParaRPr lang="en-US"/>
-          </a:p>
-        </p:txBody>
-      </p:sp>
+              <a:rPr lang="en-US" dirty="0" smtClean="0"/>
+              <a:t> Solution.</a:t>
+            </a:r>
+            <a:endParaRPr lang="en-US" dirty="0" smtClean="0"/>
+          </a:p>
+        </p:txBody>
+      </p:sp>
+      <p:graphicFrame>
+        <p:nvGraphicFramePr>
+          <p:cNvPr id="6" name="Table 5"/>
+          <p:cNvGraphicFramePr>
+            <a:graphicFrameLocks noGrp="1"/>
+          </p:cNvGraphicFramePr>
+          <p:nvPr>
+            <p:extLst>
+              <p:ext uri="{D42A27DB-BD31-4B8C-83A1-F6EECF244321}">
+                <p14:modId xmlns:p14="http://schemas.microsoft.com/office/powerpoint/2010/main" val="2130876792"/>
+              </p:ext>
+            </p:extLst>
+          </p:nvPr>
+        </p:nvGraphicFramePr>
+        <p:xfrm>
+          <a:off x="1447800" y="1752600"/>
+          <a:ext cx="6172198" cy="2895600"/>
+        </p:xfrm>
+        <a:graphic>
+          <a:graphicData uri="http://schemas.openxmlformats.org/drawingml/2006/table">
+            <a:tbl>
+              <a:tblPr>
+                <a:tableStyleId>{793D81CF-94F2-401A-BA57-92F5A7B2D0C5}</a:tableStyleId>
+              </a:tblPr>
+              <a:tblGrid>
+                <a:gridCol w="838198"/>
+                <a:gridCol w="685800"/>
+                <a:gridCol w="1600200"/>
+                <a:gridCol w="1600200"/>
+                <a:gridCol w="1447800"/>
+              </a:tblGrid>
+              <a:tr h="361950">
+                <a:tc>
+                  <a:txBody>
+                    <a:bodyPr/>
+                    <a:lstStyle/>
+                    <a:p>
+                      <a:pPr algn="r" fontAlgn="b"/>
+                      <a:r>
+                        <a:rPr lang="en-US" sz="1400" u="none" strike="noStrike" dirty="0">
+                          <a:effectLst/>
+                        </a:rPr>
+                        <a:t>n</a:t>
+                      </a:r>
+                      <a:endParaRPr lang="en-US" sz="1400" b="1" i="0" u="none" strike="noStrike" dirty="0">
+                        <a:solidFill>
+                          <a:srgbClr val="000000"/>
+                        </a:solidFill>
+                        <a:effectLst/>
+                        <a:latin typeface="Helvetica"/>
+                      </a:endParaRPr>
+                    </a:p>
+                  </a:txBody>
+                  <a:tcPr anchor="b">
+                    <a:solidFill>
+                      <a:schemeClr val="bg1">
+                        <a:lumMod val="85000"/>
+                      </a:schemeClr>
+                    </a:solidFill>
+                  </a:tcPr>
+                </a:tc>
+                <a:tc>
+                  <a:txBody>
+                    <a:bodyPr/>
+                    <a:lstStyle/>
+                    <a:p>
+                      <a:pPr algn="r" fontAlgn="b"/>
+                      <a:r>
+                        <a:rPr lang="en-US" sz="1400" u="none" strike="noStrike" dirty="0">
+                          <a:effectLst/>
+                        </a:rPr>
+                        <a:t>c</a:t>
+                      </a:r>
+                      <a:endParaRPr lang="en-US" sz="1400" b="1" i="0" u="none" strike="noStrike" dirty="0">
+                        <a:solidFill>
+                          <a:srgbClr val="000000"/>
+                        </a:solidFill>
+                        <a:effectLst/>
+                        <a:latin typeface="Helvetica"/>
+                      </a:endParaRPr>
+                    </a:p>
+                  </a:txBody>
+                  <a:tcPr anchor="b">
+                    <a:solidFill>
+                      <a:schemeClr val="bg1">
+                        <a:lumMod val="85000"/>
+                      </a:schemeClr>
+                    </a:solidFill>
+                  </a:tcPr>
+                </a:tc>
+                <a:tc>
+                  <a:txBody>
+                    <a:bodyPr/>
+                    <a:lstStyle/>
+                    <a:p>
+                      <a:pPr algn="r" fontAlgn="b"/>
+                      <a:r>
+                        <a:rPr lang="en-US" sz="1400" u="none" strike="noStrike" dirty="0">
+                          <a:effectLst/>
+                        </a:rPr>
+                        <a:t>Runtime</a:t>
+                      </a:r>
+                      <a:endParaRPr lang="en-US" sz="1400" b="1" i="0" u="none" strike="noStrike" dirty="0">
+                        <a:solidFill>
+                          <a:srgbClr val="000000"/>
+                        </a:solidFill>
+                        <a:effectLst/>
+                        <a:latin typeface="Helvetica"/>
+                      </a:endParaRPr>
+                    </a:p>
+                  </a:txBody>
+                  <a:tcPr anchor="b">
+                    <a:solidFill>
+                      <a:schemeClr val="bg1">
+                        <a:lumMod val="85000"/>
+                      </a:schemeClr>
+                    </a:solidFill>
+                  </a:tcPr>
+                </a:tc>
+                <a:tc>
+                  <a:txBody>
+                    <a:bodyPr/>
+                    <a:lstStyle/>
+                    <a:p>
+                      <a:pPr algn="r" fontAlgn="b"/>
+                      <a:r>
+                        <a:rPr lang="de-DE" sz="1400" u="none" strike="noStrike" dirty="0">
+                          <a:effectLst/>
+                        </a:rPr>
+                        <a:t>Best GA Fitness</a:t>
+                      </a:r>
+                      <a:endParaRPr lang="de-DE" sz="1400" b="1" i="0" u="none" strike="noStrike" dirty="0">
+                        <a:solidFill>
+                          <a:srgbClr val="000000"/>
+                        </a:solidFill>
+                        <a:effectLst/>
+                        <a:latin typeface="Helvetica"/>
+                      </a:endParaRPr>
+                    </a:p>
+                  </a:txBody>
+                  <a:tcPr anchor="b">
+                    <a:solidFill>
+                      <a:schemeClr val="bg1">
+                        <a:lumMod val="85000"/>
+                      </a:schemeClr>
+                    </a:solidFill>
+                  </a:tcPr>
+                </a:tc>
+                <a:tc>
+                  <a:txBody>
+                    <a:bodyPr/>
+                    <a:lstStyle/>
+                    <a:p>
+                      <a:pPr algn="r" fontAlgn="b"/>
+                      <a:r>
+                        <a:rPr lang="en-US" sz="1400" u="none" strike="noStrike" dirty="0" err="1">
+                          <a:effectLst/>
+                        </a:rPr>
+                        <a:t>WoC</a:t>
+                      </a:r>
+                      <a:r>
+                        <a:rPr lang="en-US" sz="1400" u="none" strike="noStrike" dirty="0">
+                          <a:effectLst/>
+                        </a:rPr>
+                        <a:t> Fitness</a:t>
+                      </a:r>
+                      <a:endParaRPr lang="en-US" sz="1400" b="1" i="0" u="none" strike="noStrike" dirty="0">
+                        <a:solidFill>
+                          <a:srgbClr val="000000"/>
+                        </a:solidFill>
+                        <a:effectLst/>
+                        <a:latin typeface="Helvetica"/>
+                      </a:endParaRPr>
+                    </a:p>
+                  </a:txBody>
+                  <a:tcPr anchor="b">
+                    <a:solidFill>
+                      <a:schemeClr val="bg1">
+                        <a:lumMod val="85000"/>
+                      </a:schemeClr>
+                    </a:solidFill>
+                  </a:tcPr>
+                </a:tc>
+              </a:tr>
+              <a:tr h="361950">
+                <a:tc>
+                  <a:txBody>
+                    <a:bodyPr/>
+                    <a:lstStyle/>
+                    <a:p>
+                      <a:pPr algn="r" fontAlgn="b"/>
+                      <a:r>
+                        <a:rPr lang="en-US" sz="1400" u="none" strike="noStrike" dirty="0">
+                          <a:effectLst/>
+                        </a:rPr>
+                        <a:t>10</a:t>
+                      </a:r>
+                      <a:endParaRPr lang="en-US" sz="1400" b="0" i="0" u="none" strike="noStrike" dirty="0">
+                        <a:solidFill>
+                          <a:srgbClr val="000000"/>
+                        </a:solidFill>
+                        <a:effectLst/>
+                        <a:latin typeface="Helvetica"/>
+                      </a:endParaRPr>
+                    </a:p>
+                  </a:txBody>
+                  <a:tcPr anchor="b"/>
+                </a:tc>
+                <a:tc>
+                  <a:txBody>
+                    <a:bodyPr/>
+                    <a:lstStyle/>
+                    <a:p>
+                      <a:pPr algn="r" fontAlgn="b"/>
+                      <a:r>
+                        <a:rPr lang="en-US" sz="1400" u="none" strike="noStrike">
+                          <a:effectLst/>
+                        </a:rPr>
+                        <a:t>200</a:t>
+                      </a:r>
+                      <a:endParaRPr lang="en-US" sz="1400" b="0" i="0" u="none" strike="noStrike">
+                        <a:solidFill>
+                          <a:srgbClr val="000000"/>
+                        </a:solidFill>
+                        <a:effectLst/>
+                        <a:latin typeface="Helvetica"/>
+                      </a:endParaRPr>
+                    </a:p>
+                  </a:txBody>
+                  <a:tcPr anchor="b"/>
+                </a:tc>
+                <a:tc>
+                  <a:txBody>
+                    <a:bodyPr/>
+                    <a:lstStyle/>
+                    <a:p>
+                      <a:pPr algn="r" fontAlgn="b"/>
+                      <a:r>
+                        <a:rPr lang="en-US" sz="1400" u="none" strike="noStrike" dirty="0">
+                          <a:effectLst/>
+                        </a:rPr>
+                        <a:t>1.646878958</a:t>
+                      </a:r>
+                      <a:endParaRPr lang="en-US" sz="1400" b="0" i="0" u="none" strike="noStrike" dirty="0">
+                        <a:solidFill>
+                          <a:srgbClr val="000000"/>
+                        </a:solidFill>
+                        <a:effectLst/>
+                        <a:latin typeface="Helvetica"/>
+                      </a:endParaRPr>
+                    </a:p>
+                  </a:txBody>
+                  <a:tcPr anchor="b"/>
+                </a:tc>
+                <a:tc>
+                  <a:txBody>
+                    <a:bodyPr/>
+                    <a:lstStyle/>
+                    <a:p>
+                      <a:pPr algn="r" fontAlgn="b"/>
+                      <a:r>
+                        <a:rPr lang="en-US" sz="1400" u="none" strike="noStrike" dirty="0">
+                          <a:effectLst/>
+                        </a:rPr>
+                        <a:t>10.44</a:t>
+                      </a:r>
+                      <a:endParaRPr lang="en-US" sz="1400" b="0" i="0" u="none" strike="noStrike" dirty="0">
+                        <a:solidFill>
+                          <a:srgbClr val="000000"/>
+                        </a:solidFill>
+                        <a:effectLst/>
+                        <a:latin typeface="Helvetica"/>
+                      </a:endParaRPr>
+                    </a:p>
+                  </a:txBody>
+                  <a:tcPr anchor="b"/>
+                </a:tc>
+                <a:tc>
+                  <a:txBody>
+                    <a:bodyPr/>
+                    <a:lstStyle/>
+                    <a:p>
+                      <a:pPr algn="r" fontAlgn="b"/>
+                      <a:r>
+                        <a:rPr lang="en-US" sz="1400" u="none" strike="noStrike">
+                          <a:effectLst/>
+                        </a:rPr>
+                        <a:t>4.77</a:t>
+                      </a:r>
+                      <a:endParaRPr lang="en-US" sz="1400" b="0" i="0" u="none" strike="noStrike">
+                        <a:solidFill>
+                          <a:srgbClr val="000000"/>
+                        </a:solidFill>
+                        <a:effectLst/>
+                        <a:latin typeface="Helvetica"/>
+                      </a:endParaRPr>
+                    </a:p>
+                  </a:txBody>
+                  <a:tcPr anchor="b"/>
+                </a:tc>
+              </a:tr>
+              <a:tr h="361950">
+                <a:tc>
+                  <a:txBody>
+                    <a:bodyPr/>
+                    <a:lstStyle/>
+                    <a:p>
+                      <a:pPr algn="r" fontAlgn="b"/>
+                      <a:r>
+                        <a:rPr lang="en-US" sz="1400" u="none" strike="noStrike" dirty="0">
+                          <a:effectLst/>
+                        </a:rPr>
+                        <a:t>20</a:t>
+                      </a:r>
+                      <a:endParaRPr lang="en-US" sz="1400" b="0" i="0" u="none" strike="noStrike" dirty="0">
+                        <a:solidFill>
+                          <a:srgbClr val="000000"/>
+                        </a:solidFill>
+                        <a:effectLst/>
+                        <a:latin typeface="Helvetica"/>
+                      </a:endParaRPr>
+                    </a:p>
+                  </a:txBody>
+                  <a:tcPr anchor="b"/>
+                </a:tc>
+                <a:tc>
+                  <a:txBody>
+                    <a:bodyPr/>
+                    <a:lstStyle/>
+                    <a:p>
+                      <a:pPr algn="r" fontAlgn="b"/>
+                      <a:r>
+                        <a:rPr lang="en-US" sz="1400" u="none" strike="noStrike">
+                          <a:effectLst/>
+                        </a:rPr>
+                        <a:t>200</a:t>
+                      </a:r>
+                      <a:endParaRPr lang="en-US" sz="1400" b="0" i="0" u="none" strike="noStrike">
+                        <a:solidFill>
+                          <a:srgbClr val="000000"/>
+                        </a:solidFill>
+                        <a:effectLst/>
+                        <a:latin typeface="Helvetica"/>
+                      </a:endParaRPr>
+                    </a:p>
+                  </a:txBody>
+                  <a:tcPr anchor="b"/>
+                </a:tc>
+                <a:tc>
+                  <a:txBody>
+                    <a:bodyPr/>
+                    <a:lstStyle/>
+                    <a:p>
+                      <a:pPr algn="r" fontAlgn="b"/>
+                      <a:r>
+                        <a:rPr lang="en-US" sz="1400" u="none" strike="noStrike" dirty="0">
+                          <a:effectLst/>
+                        </a:rPr>
+                        <a:t>2.485173941</a:t>
+                      </a:r>
+                      <a:endParaRPr lang="en-US" sz="1400" b="0" i="0" u="none" strike="noStrike" dirty="0">
+                        <a:solidFill>
+                          <a:srgbClr val="000000"/>
+                        </a:solidFill>
+                        <a:effectLst/>
+                        <a:latin typeface="Helvetica"/>
+                      </a:endParaRPr>
+                    </a:p>
+                  </a:txBody>
+                  <a:tcPr anchor="b"/>
+                </a:tc>
+                <a:tc>
+                  <a:txBody>
+                    <a:bodyPr/>
+                    <a:lstStyle/>
+                    <a:p>
+                      <a:pPr algn="r" fontAlgn="b"/>
+                      <a:r>
+                        <a:rPr lang="en-US" sz="1400" u="none" strike="noStrike">
+                          <a:effectLst/>
+                        </a:rPr>
+                        <a:t>18.98</a:t>
+                      </a:r>
+                      <a:endParaRPr lang="en-US" sz="1400" b="0" i="0" u="none" strike="noStrike">
+                        <a:solidFill>
+                          <a:srgbClr val="000000"/>
+                        </a:solidFill>
+                        <a:effectLst/>
+                        <a:latin typeface="Helvetica"/>
+                      </a:endParaRPr>
+                    </a:p>
+                  </a:txBody>
+                  <a:tcPr anchor="b"/>
+                </a:tc>
+                <a:tc>
+                  <a:txBody>
+                    <a:bodyPr/>
+                    <a:lstStyle/>
+                    <a:p>
+                      <a:pPr algn="r" fontAlgn="b"/>
+                      <a:r>
+                        <a:rPr lang="en-US" sz="1400" u="none" strike="noStrike">
+                          <a:effectLst/>
+                        </a:rPr>
+                        <a:t>8.01</a:t>
+                      </a:r>
+                      <a:endParaRPr lang="en-US" sz="1400" b="0" i="0" u="none" strike="noStrike">
+                        <a:solidFill>
+                          <a:srgbClr val="000000"/>
+                        </a:solidFill>
+                        <a:effectLst/>
+                        <a:latin typeface="Helvetica"/>
+                      </a:endParaRPr>
+                    </a:p>
+                  </a:txBody>
+                  <a:tcPr anchor="b"/>
+                </a:tc>
+              </a:tr>
+              <a:tr h="361950">
+                <a:tc>
+                  <a:txBody>
+                    <a:bodyPr/>
+                    <a:lstStyle/>
+                    <a:p>
+                      <a:pPr algn="r" fontAlgn="b"/>
+                      <a:r>
+                        <a:rPr lang="en-US" sz="1400" u="none" strike="noStrike" dirty="0">
+                          <a:effectLst/>
+                        </a:rPr>
+                        <a:t>40</a:t>
+                      </a:r>
+                      <a:endParaRPr lang="en-US" sz="1400" b="0" i="0" u="none" strike="noStrike" dirty="0">
+                        <a:solidFill>
+                          <a:srgbClr val="000000"/>
+                        </a:solidFill>
+                        <a:effectLst/>
+                        <a:latin typeface="Helvetica"/>
+                      </a:endParaRPr>
+                    </a:p>
+                  </a:txBody>
+                  <a:tcPr anchor="b"/>
+                </a:tc>
+                <a:tc>
+                  <a:txBody>
+                    <a:bodyPr/>
+                    <a:lstStyle/>
+                    <a:p>
+                      <a:pPr algn="r" fontAlgn="b"/>
+                      <a:r>
+                        <a:rPr lang="en-US" sz="1400" u="none" strike="noStrike">
+                          <a:effectLst/>
+                        </a:rPr>
+                        <a:t>200</a:t>
+                      </a:r>
+                      <a:endParaRPr lang="en-US" sz="1400" b="0" i="0" u="none" strike="noStrike">
+                        <a:solidFill>
+                          <a:srgbClr val="000000"/>
+                        </a:solidFill>
+                        <a:effectLst/>
+                        <a:latin typeface="Helvetica"/>
+                      </a:endParaRPr>
+                    </a:p>
+                  </a:txBody>
+                  <a:tcPr anchor="b"/>
+                </a:tc>
+                <a:tc>
+                  <a:txBody>
+                    <a:bodyPr/>
+                    <a:lstStyle/>
+                    <a:p>
+                      <a:pPr algn="r" fontAlgn="b"/>
+                      <a:r>
+                        <a:rPr lang="en-US" sz="1400" u="none" strike="noStrike" dirty="0">
+                          <a:effectLst/>
+                        </a:rPr>
+                        <a:t>4.592946053</a:t>
+                      </a:r>
+                      <a:endParaRPr lang="en-US" sz="1400" b="0" i="0" u="none" strike="noStrike" dirty="0">
+                        <a:solidFill>
+                          <a:srgbClr val="000000"/>
+                        </a:solidFill>
+                        <a:effectLst/>
+                        <a:latin typeface="Helvetica"/>
+                      </a:endParaRPr>
+                    </a:p>
+                  </a:txBody>
+                  <a:tcPr anchor="b"/>
+                </a:tc>
+                <a:tc>
+                  <a:txBody>
+                    <a:bodyPr/>
+                    <a:lstStyle/>
+                    <a:p>
+                      <a:pPr algn="r" fontAlgn="b"/>
+                      <a:r>
+                        <a:rPr lang="en-US" sz="1400" u="none" strike="noStrike">
+                          <a:effectLst/>
+                        </a:rPr>
+                        <a:t>21.16</a:t>
+                      </a:r>
+                      <a:endParaRPr lang="en-US" sz="1400" b="0" i="0" u="none" strike="noStrike">
+                        <a:solidFill>
+                          <a:srgbClr val="000000"/>
+                        </a:solidFill>
+                        <a:effectLst/>
+                        <a:latin typeface="Helvetica"/>
+                      </a:endParaRPr>
+                    </a:p>
+                  </a:txBody>
+                  <a:tcPr anchor="b"/>
+                </a:tc>
+                <a:tc>
+                  <a:txBody>
+                    <a:bodyPr/>
+                    <a:lstStyle/>
+                    <a:p>
+                      <a:pPr algn="r" fontAlgn="b"/>
+                      <a:r>
+                        <a:rPr lang="en-US" sz="1400" u="none" strike="noStrike">
+                          <a:effectLst/>
+                        </a:rPr>
+                        <a:t>7.89</a:t>
+                      </a:r>
+                      <a:endParaRPr lang="en-US" sz="1400" b="0" i="0" u="none" strike="noStrike">
+                        <a:solidFill>
+                          <a:srgbClr val="000000"/>
+                        </a:solidFill>
+                        <a:effectLst/>
+                        <a:latin typeface="Helvetica"/>
+                      </a:endParaRPr>
+                    </a:p>
+                  </a:txBody>
+                  <a:tcPr anchor="b"/>
+                </a:tc>
+              </a:tr>
+              <a:tr h="361950">
+                <a:tc>
+                  <a:txBody>
+                    <a:bodyPr/>
+                    <a:lstStyle/>
+                    <a:p>
+                      <a:pPr algn="r" fontAlgn="b"/>
+                      <a:r>
+                        <a:rPr lang="en-US" sz="1400" u="none" strike="noStrike" dirty="0">
+                          <a:effectLst/>
+                        </a:rPr>
+                        <a:t>80</a:t>
+                      </a:r>
+                      <a:endParaRPr lang="en-US" sz="1400" b="0" i="0" u="none" strike="noStrike" dirty="0">
+                        <a:solidFill>
+                          <a:srgbClr val="000000"/>
+                        </a:solidFill>
+                        <a:effectLst/>
+                        <a:latin typeface="Helvetica"/>
+                      </a:endParaRPr>
+                    </a:p>
+                  </a:txBody>
+                  <a:tcPr anchor="b"/>
+                </a:tc>
+                <a:tc>
+                  <a:txBody>
+                    <a:bodyPr/>
+                    <a:lstStyle/>
+                    <a:p>
+                      <a:pPr algn="r" fontAlgn="b"/>
+                      <a:r>
+                        <a:rPr lang="en-US" sz="1400" u="none" strike="noStrike">
+                          <a:effectLst/>
+                        </a:rPr>
+                        <a:t>200</a:t>
+                      </a:r>
+                      <a:endParaRPr lang="en-US" sz="1400" b="0" i="0" u="none" strike="noStrike">
+                        <a:solidFill>
+                          <a:srgbClr val="000000"/>
+                        </a:solidFill>
+                        <a:effectLst/>
+                        <a:latin typeface="Helvetica"/>
+                      </a:endParaRPr>
+                    </a:p>
+                  </a:txBody>
+                  <a:tcPr anchor="b"/>
+                </a:tc>
+                <a:tc>
+                  <a:txBody>
+                    <a:bodyPr/>
+                    <a:lstStyle/>
+                    <a:p>
+                      <a:pPr algn="r" fontAlgn="b"/>
+                      <a:r>
+                        <a:rPr lang="en-US" sz="1400" u="none" strike="noStrike" dirty="0" smtClean="0">
+                          <a:effectLst/>
+                        </a:rPr>
+                        <a:t>10.50484800</a:t>
+                      </a:r>
+                      <a:endParaRPr lang="en-US" sz="1400" b="0" i="0" u="none" strike="noStrike" dirty="0">
+                        <a:solidFill>
+                          <a:srgbClr val="000000"/>
+                        </a:solidFill>
+                        <a:effectLst/>
+                        <a:latin typeface="Helvetica"/>
+                      </a:endParaRPr>
+                    </a:p>
+                  </a:txBody>
+                  <a:tcPr anchor="b"/>
+                </a:tc>
+                <a:tc>
+                  <a:txBody>
+                    <a:bodyPr/>
+                    <a:lstStyle/>
+                    <a:p>
+                      <a:pPr algn="r" fontAlgn="b"/>
+                      <a:r>
+                        <a:rPr lang="en-US" sz="1400" u="none" strike="noStrike" dirty="0">
+                          <a:effectLst/>
+                        </a:rPr>
+                        <a:t>39.43</a:t>
+                      </a:r>
+                      <a:endParaRPr lang="en-US" sz="1400" b="0" i="0" u="none" strike="noStrike" dirty="0">
+                        <a:solidFill>
+                          <a:srgbClr val="000000"/>
+                        </a:solidFill>
+                        <a:effectLst/>
+                        <a:latin typeface="Helvetica"/>
+                      </a:endParaRPr>
+                    </a:p>
+                  </a:txBody>
+                  <a:tcPr anchor="b"/>
+                </a:tc>
+                <a:tc>
+                  <a:txBody>
+                    <a:bodyPr/>
+                    <a:lstStyle/>
+                    <a:p>
+                      <a:pPr algn="r" fontAlgn="b"/>
+                      <a:r>
+                        <a:rPr lang="en-US" sz="1400" u="none" strike="noStrike">
+                          <a:effectLst/>
+                        </a:rPr>
+                        <a:t>13.69</a:t>
+                      </a:r>
+                      <a:endParaRPr lang="en-US" sz="1400" b="0" i="0" u="none" strike="noStrike">
+                        <a:solidFill>
+                          <a:srgbClr val="000000"/>
+                        </a:solidFill>
+                        <a:effectLst/>
+                        <a:latin typeface="Helvetica"/>
+                      </a:endParaRPr>
+                    </a:p>
+                  </a:txBody>
+                  <a:tcPr anchor="b"/>
+                </a:tc>
+              </a:tr>
+              <a:tr h="361950">
+                <a:tc>
+                  <a:txBody>
+                    <a:bodyPr/>
+                    <a:lstStyle/>
+                    <a:p>
+                      <a:pPr algn="r" fontAlgn="b"/>
+                      <a:r>
+                        <a:rPr lang="en-US" sz="1400" u="none" strike="noStrike" dirty="0">
+                          <a:effectLst/>
+                        </a:rPr>
+                        <a:t>160</a:t>
+                      </a:r>
+                      <a:endParaRPr lang="en-US" sz="1400" b="0" i="0" u="none" strike="noStrike" dirty="0">
+                        <a:solidFill>
+                          <a:srgbClr val="000000"/>
+                        </a:solidFill>
+                        <a:effectLst/>
+                        <a:latin typeface="Helvetica"/>
+                      </a:endParaRPr>
+                    </a:p>
+                  </a:txBody>
+                  <a:tcPr anchor="b"/>
+                </a:tc>
+                <a:tc>
+                  <a:txBody>
+                    <a:bodyPr/>
+                    <a:lstStyle/>
+                    <a:p>
+                      <a:pPr algn="r" fontAlgn="b"/>
+                      <a:r>
+                        <a:rPr lang="en-US" sz="1400" u="none" strike="noStrike">
+                          <a:effectLst/>
+                        </a:rPr>
+                        <a:t>200</a:t>
+                      </a:r>
+                      <a:endParaRPr lang="en-US" sz="1400" b="0" i="0" u="none" strike="noStrike">
+                        <a:solidFill>
+                          <a:srgbClr val="000000"/>
+                        </a:solidFill>
+                        <a:effectLst/>
+                        <a:latin typeface="Helvetica"/>
+                      </a:endParaRPr>
+                    </a:p>
+                  </a:txBody>
+                  <a:tcPr anchor="b"/>
+                </a:tc>
+                <a:tc>
+                  <a:txBody>
+                    <a:bodyPr/>
+                    <a:lstStyle/>
+                    <a:p>
+                      <a:pPr algn="r" fontAlgn="b"/>
+                      <a:r>
+                        <a:rPr lang="en-US" sz="1400" u="none" strike="noStrike" dirty="0">
+                          <a:effectLst/>
+                        </a:rPr>
+                        <a:t>28.08879709</a:t>
+                      </a:r>
+                      <a:endParaRPr lang="en-US" sz="1400" b="0" i="0" u="none" strike="noStrike" dirty="0">
+                        <a:solidFill>
+                          <a:srgbClr val="000000"/>
+                        </a:solidFill>
+                        <a:effectLst/>
+                        <a:latin typeface="Helvetica"/>
+                      </a:endParaRPr>
+                    </a:p>
+                  </a:txBody>
+                  <a:tcPr anchor="b"/>
+                </a:tc>
+                <a:tc>
+                  <a:txBody>
+                    <a:bodyPr/>
+                    <a:lstStyle/>
+                    <a:p>
+                      <a:pPr algn="r" fontAlgn="b"/>
+                      <a:r>
+                        <a:rPr lang="en-US" sz="1400" u="none" strike="noStrike">
+                          <a:effectLst/>
+                        </a:rPr>
+                        <a:t>53.98</a:t>
+                      </a:r>
+                      <a:endParaRPr lang="en-US" sz="1400" b="0" i="0" u="none" strike="noStrike">
+                        <a:solidFill>
+                          <a:srgbClr val="000000"/>
+                        </a:solidFill>
+                        <a:effectLst/>
+                        <a:latin typeface="Helvetica"/>
+                      </a:endParaRPr>
+                    </a:p>
+                  </a:txBody>
+                  <a:tcPr anchor="b"/>
+                </a:tc>
+                <a:tc>
+                  <a:txBody>
+                    <a:bodyPr/>
+                    <a:lstStyle/>
+                    <a:p>
+                      <a:pPr algn="r" fontAlgn="b"/>
+                      <a:r>
+                        <a:rPr lang="en-US" sz="1400" u="none" strike="noStrike">
+                          <a:effectLst/>
+                        </a:rPr>
+                        <a:t>13.97</a:t>
+                      </a:r>
+                      <a:endParaRPr lang="en-US" sz="1400" b="0" i="0" u="none" strike="noStrike">
+                        <a:solidFill>
+                          <a:srgbClr val="000000"/>
+                        </a:solidFill>
+                        <a:effectLst/>
+                        <a:latin typeface="Helvetica"/>
+                      </a:endParaRPr>
+                    </a:p>
+                  </a:txBody>
+                  <a:tcPr anchor="b"/>
+                </a:tc>
+              </a:tr>
+              <a:tr h="361950">
+                <a:tc>
+                  <a:txBody>
+                    <a:bodyPr/>
+                    <a:lstStyle/>
+                    <a:p>
+                      <a:pPr algn="r" fontAlgn="b"/>
+                      <a:r>
+                        <a:rPr lang="en-US" sz="1400" u="none" strike="noStrike" dirty="0">
+                          <a:effectLst/>
+                        </a:rPr>
+                        <a:t>320</a:t>
+                      </a:r>
+                      <a:endParaRPr lang="en-US" sz="1400" b="0" i="0" u="none" strike="noStrike" dirty="0">
+                        <a:solidFill>
+                          <a:srgbClr val="000000"/>
+                        </a:solidFill>
+                        <a:effectLst/>
+                        <a:latin typeface="Helvetica"/>
+                      </a:endParaRPr>
+                    </a:p>
+                  </a:txBody>
+                  <a:tcPr anchor="b"/>
+                </a:tc>
+                <a:tc>
+                  <a:txBody>
+                    <a:bodyPr/>
+                    <a:lstStyle/>
+                    <a:p>
+                      <a:pPr algn="r" fontAlgn="b"/>
+                      <a:r>
+                        <a:rPr lang="en-US" sz="1400" u="none" strike="noStrike">
+                          <a:effectLst/>
+                        </a:rPr>
+                        <a:t>200</a:t>
+                      </a:r>
+                      <a:endParaRPr lang="en-US" sz="1400" b="0" i="0" u="none" strike="noStrike">
+                        <a:solidFill>
+                          <a:srgbClr val="000000"/>
+                        </a:solidFill>
+                        <a:effectLst/>
+                        <a:latin typeface="Helvetica"/>
+                      </a:endParaRPr>
+                    </a:p>
+                  </a:txBody>
+                  <a:tcPr anchor="b"/>
+                </a:tc>
+                <a:tc>
+                  <a:txBody>
+                    <a:bodyPr/>
+                    <a:lstStyle/>
+                    <a:p>
+                      <a:pPr algn="r" fontAlgn="b"/>
+                      <a:r>
+                        <a:rPr lang="en-US" sz="1400" u="none" strike="noStrike" dirty="0">
+                          <a:effectLst/>
+                        </a:rPr>
+                        <a:t>100.6587601</a:t>
+                      </a:r>
+                      <a:endParaRPr lang="en-US" sz="1400" b="0" i="0" u="none" strike="noStrike" dirty="0">
+                        <a:solidFill>
+                          <a:srgbClr val="000000"/>
+                        </a:solidFill>
+                        <a:effectLst/>
+                        <a:latin typeface="Helvetica"/>
+                      </a:endParaRPr>
+                    </a:p>
+                  </a:txBody>
+                  <a:tcPr anchor="b"/>
+                </a:tc>
+                <a:tc>
+                  <a:txBody>
+                    <a:bodyPr/>
+                    <a:lstStyle/>
+                    <a:p>
+                      <a:pPr algn="r" fontAlgn="b"/>
+                      <a:r>
+                        <a:rPr lang="en-US" sz="1400" u="none" strike="noStrike">
+                          <a:effectLst/>
+                        </a:rPr>
+                        <a:t>106.85</a:t>
+                      </a:r>
+                      <a:endParaRPr lang="en-US" sz="1400" b="0" i="0" u="none" strike="noStrike">
+                        <a:solidFill>
+                          <a:srgbClr val="000000"/>
+                        </a:solidFill>
+                        <a:effectLst/>
+                        <a:latin typeface="Helvetica"/>
+                      </a:endParaRPr>
+                    </a:p>
+                  </a:txBody>
+                  <a:tcPr anchor="b"/>
+                </a:tc>
+                <a:tc>
+                  <a:txBody>
+                    <a:bodyPr/>
+                    <a:lstStyle/>
+                    <a:p>
+                      <a:pPr algn="r" fontAlgn="b"/>
+                      <a:r>
+                        <a:rPr lang="en-US" sz="1400" u="none" strike="noStrike">
+                          <a:effectLst/>
+                        </a:rPr>
+                        <a:t>38.68</a:t>
+                      </a:r>
+                      <a:endParaRPr lang="en-US" sz="1400" b="0" i="0" u="none" strike="noStrike">
+                        <a:solidFill>
+                          <a:srgbClr val="000000"/>
+                        </a:solidFill>
+                        <a:effectLst/>
+                        <a:latin typeface="Helvetica"/>
+                      </a:endParaRPr>
+                    </a:p>
+                  </a:txBody>
+                  <a:tcPr anchor="b"/>
+                </a:tc>
+              </a:tr>
+              <a:tr h="361950">
+                <a:tc>
+                  <a:txBody>
+                    <a:bodyPr/>
+                    <a:lstStyle/>
+                    <a:p>
+                      <a:pPr algn="r" fontAlgn="b"/>
+                      <a:r>
+                        <a:rPr lang="en-US" sz="1400" u="none" strike="noStrike" dirty="0">
+                          <a:effectLst/>
+                        </a:rPr>
+                        <a:t>1280</a:t>
+                      </a:r>
+                      <a:endParaRPr lang="en-US" sz="1400" b="0" i="0" u="none" strike="noStrike" dirty="0">
+                        <a:solidFill>
+                          <a:srgbClr val="000000"/>
+                        </a:solidFill>
+                        <a:effectLst/>
+                        <a:latin typeface="Helvetica"/>
+                      </a:endParaRPr>
+                    </a:p>
+                  </a:txBody>
+                  <a:tcPr anchor="b"/>
+                </a:tc>
+                <a:tc>
+                  <a:txBody>
+                    <a:bodyPr/>
+                    <a:lstStyle/>
+                    <a:p>
+                      <a:pPr algn="r" fontAlgn="b"/>
+                      <a:r>
+                        <a:rPr lang="en-US" sz="1400" u="none" strike="noStrike" dirty="0">
+                          <a:effectLst/>
+                        </a:rPr>
+                        <a:t>200</a:t>
+                      </a:r>
+                      <a:endParaRPr lang="en-US" sz="1400" b="0" i="0" u="none" strike="noStrike" dirty="0">
+                        <a:solidFill>
+                          <a:srgbClr val="000000"/>
+                        </a:solidFill>
+                        <a:effectLst/>
+                        <a:latin typeface="Helvetica"/>
+                      </a:endParaRPr>
+                    </a:p>
+                  </a:txBody>
+                  <a:tcPr anchor="b"/>
+                </a:tc>
+                <a:tc>
+                  <a:txBody>
+                    <a:bodyPr/>
+                    <a:lstStyle/>
+                    <a:p>
+                      <a:pPr algn="r" fontAlgn="b"/>
+                      <a:r>
+                        <a:rPr lang="en-US" sz="1400" u="none" strike="noStrike" dirty="0">
+                          <a:effectLst/>
+                        </a:rPr>
+                        <a:t>1196.011376</a:t>
+                      </a:r>
+                      <a:endParaRPr lang="en-US" sz="1400" b="0" i="0" u="none" strike="noStrike" dirty="0">
+                        <a:solidFill>
+                          <a:srgbClr val="000000"/>
+                        </a:solidFill>
+                        <a:effectLst/>
+                        <a:latin typeface="Helvetica"/>
+                      </a:endParaRPr>
+                    </a:p>
+                  </a:txBody>
+                  <a:tcPr anchor="b"/>
+                </a:tc>
+                <a:tc>
+                  <a:txBody>
+                    <a:bodyPr/>
+                    <a:lstStyle/>
+                    <a:p>
+                      <a:pPr algn="r" fontAlgn="b"/>
+                      <a:r>
+                        <a:rPr lang="en-US" sz="1400" u="none" strike="noStrike">
+                          <a:effectLst/>
+                        </a:rPr>
+                        <a:t>87.56</a:t>
+                      </a:r>
+                      <a:endParaRPr lang="en-US" sz="1400" b="0" i="0" u="none" strike="noStrike">
+                        <a:solidFill>
+                          <a:srgbClr val="000000"/>
+                        </a:solidFill>
+                        <a:effectLst/>
+                        <a:latin typeface="Helvetica"/>
+                      </a:endParaRPr>
+                    </a:p>
+                  </a:txBody>
+                  <a:tcPr anchor="b"/>
+                </a:tc>
+                <a:tc>
+                  <a:txBody>
+                    <a:bodyPr/>
+                    <a:lstStyle/>
+                    <a:p>
+                      <a:pPr algn="r" fontAlgn="b"/>
+                      <a:r>
+                        <a:rPr lang="en-US" sz="1400" u="none" strike="noStrike" dirty="0">
+                          <a:effectLst/>
+                        </a:rPr>
+                        <a:t>23.08</a:t>
+                      </a:r>
+                      <a:endParaRPr lang="en-US" sz="1400" b="0" i="0" u="none" strike="noStrike" dirty="0">
+                        <a:solidFill>
+                          <a:srgbClr val="000000"/>
+                        </a:solidFill>
+                        <a:effectLst/>
+                        <a:latin typeface="Helvetica"/>
+                      </a:endParaRPr>
+                    </a:p>
+                  </a:txBody>
+                  <a:tcPr anchor="b"/>
+                </a:tc>
+              </a:tr>
+            </a:tbl>
+          </a:graphicData>
+        </a:graphic>
+      </p:graphicFrame>
     </p:spTree>
     <p:extLst>
       <p:ext uri="{BB962C8B-B14F-4D97-AF65-F5344CB8AC3E}">
-        <p14:creationId xmlns:p14="http://schemas.microsoft.com/office/powerpoint/2010/main" val="2242088131"/>
+        <p14:creationId xmlns:p14="http://schemas.microsoft.com/office/powerpoint/2010/main" val="3674262168"/>
       </p:ext>
     </p:extLst>
   </p:cSld>
@@ -6032,6 +7967,415 @@
           <a:lstStyle/>
           <a:p>
             <a:r>
+              <a:rPr lang="en-US" dirty="0" smtClean="0"/>
+              <a:t>Runtime for various sizes of </a:t>
+            </a:r>
+            <a:r>
+              <a:rPr lang="en-US" i="1" dirty="0" smtClean="0"/>
+              <a:t>n</a:t>
+            </a:r>
+            <a:endParaRPr lang="en-US" i="1" dirty="0"/>
+          </a:p>
+        </p:txBody>
+      </p:sp>
+      <p:sp>
+        <p:nvSpPr>
+          <p:cNvPr id="3" name="Content Placeholder 2"/>
+          <p:cNvSpPr>
+            <a:spLocks noGrp="1"/>
+          </p:cNvSpPr>
+          <p:nvPr>
+            <p:ph idx="1"/>
+          </p:nvPr>
+        </p:nvSpPr>
+        <p:spPr>
+          <a:xfrm>
+            <a:off x="381000" y="5943600"/>
+            <a:ext cx="8458200" cy="762000"/>
+          </a:xfrm>
+        </p:spPr>
+        <p:txBody>
+          <a:bodyPr>
+            <a:normAutofit/>
+          </a:bodyPr>
+          <a:lstStyle/>
+          <a:p>
+            <a:pPr marL="0" indent="0" algn="ctr">
+              <a:buNone/>
+            </a:pPr>
+            <a:r>
+              <a:rPr lang="en-US" dirty="0" smtClean="0"/>
+              <a:t>For large n, runtime increases nearly linearly.</a:t>
+            </a:r>
+            <a:endParaRPr lang="en-US" dirty="0" smtClean="0"/>
+          </a:p>
+        </p:txBody>
+      </p:sp>
+      <p:graphicFrame>
+        <p:nvGraphicFramePr>
+          <p:cNvPr id="6" name="Chart 5"/>
+          <p:cNvGraphicFramePr>
+            <a:graphicFrameLocks/>
+          </p:cNvGraphicFramePr>
+          <p:nvPr>
+            <p:extLst>
+              <p:ext uri="{D42A27DB-BD31-4B8C-83A1-F6EECF244321}">
+                <p14:modId xmlns:p14="http://schemas.microsoft.com/office/powerpoint/2010/main" val="3700441576"/>
+              </p:ext>
+            </p:extLst>
+          </p:nvPr>
+        </p:nvGraphicFramePr>
+        <p:xfrm>
+          <a:off x="1143000" y="1447800"/>
+          <a:ext cx="6273800" cy="4102100"/>
+        </p:xfrm>
+        <a:graphic>
+          <a:graphicData uri="http://schemas.openxmlformats.org/drawingml/2006/chart">
+            <c:chart xmlns:c="http://schemas.openxmlformats.org/drawingml/2006/chart" xmlns:r="http://schemas.openxmlformats.org/officeDocument/2006/relationships" r:id="rId3"/>
+          </a:graphicData>
+        </a:graphic>
+      </p:graphicFrame>
+    </p:spTree>
+    <p:extLst>
+      <p:ext uri="{BB962C8B-B14F-4D97-AF65-F5344CB8AC3E}">
+        <p14:creationId xmlns:p14="http://schemas.microsoft.com/office/powerpoint/2010/main" val="3004489367"/>
+      </p:ext>
+    </p:extLst>
+  </p:cSld>
+  <p:clrMapOvr>
+    <a:masterClrMapping/>
+  </p:clrMapOvr>
+</p:sld>
+</file>
+
+<file path=ppt/slides/slide19.xml><?xml version="1.0" encoding="utf-8"?>
+<p:sld xmlns:a="http://schemas.openxmlformats.org/drawingml/2006/main" xmlns:r="http://schemas.openxmlformats.org/officeDocument/2006/relationships" xmlns:p="http://schemas.openxmlformats.org/presentationml/2006/main">
+  <p:cSld>
+    <p:spTree>
+      <p:nvGrpSpPr>
+        <p:cNvPr id="1" name=""/>
+        <p:cNvGrpSpPr/>
+        <p:nvPr/>
+      </p:nvGrpSpPr>
+      <p:grpSpPr>
+        <a:xfrm>
+          <a:off x="0" y="0"/>
+          <a:ext cx="0" cy="0"/>
+          <a:chOff x="0" y="0"/>
+          <a:chExt cx="0" cy="0"/>
+        </a:xfrm>
+      </p:grpSpPr>
+      <p:sp>
+        <p:nvSpPr>
+          <p:cNvPr id="2" name="Title 1"/>
+          <p:cNvSpPr>
+            <a:spLocks noGrp="1"/>
+          </p:cNvSpPr>
+          <p:nvPr>
+            <p:ph type="title"/>
+          </p:nvPr>
+        </p:nvSpPr>
+        <p:spPr/>
+        <p:txBody>
+          <a:bodyPr>
+            <a:normAutofit/>
+          </a:bodyPr>
+          <a:lstStyle/>
+          <a:p>
+            <a:r>
+              <a:rPr lang="en-US" smtClean="0"/>
+              <a:t>Further Areas for Research</a:t>
+            </a:r>
+            <a:endParaRPr lang="en-US"/>
+          </a:p>
+        </p:txBody>
+      </p:sp>
+      <p:sp>
+        <p:nvSpPr>
+          <p:cNvPr id="4" name="Content Placeholder 3"/>
+          <p:cNvSpPr>
+            <a:spLocks noGrp="1"/>
+          </p:cNvSpPr>
+          <p:nvPr>
+            <p:ph idx="1"/>
+          </p:nvPr>
+        </p:nvSpPr>
+        <p:spPr/>
+        <p:txBody>
+          <a:bodyPr/>
+          <a:lstStyle/>
+          <a:p>
+            <a:r>
+              <a:rPr lang="en-US" dirty="0" smtClean="0"/>
+              <a:t>Increasing number of objectives</a:t>
+            </a:r>
+          </a:p>
+          <a:p>
+            <a:r>
+              <a:rPr lang="en-US" dirty="0"/>
+              <a:t>Adding weights to each </a:t>
+            </a:r>
+            <a:r>
+              <a:rPr lang="en-US" dirty="0" smtClean="0"/>
+              <a:t>objective</a:t>
+            </a:r>
+          </a:p>
+          <a:p>
+            <a:r>
+              <a:rPr lang="en-US" dirty="0" smtClean="0"/>
+              <a:t>Evaluating alternate fitness measures</a:t>
+            </a:r>
+          </a:p>
+          <a:p>
+            <a:r>
+              <a:rPr lang="en-US" dirty="0" smtClean="0"/>
+              <a:t>Improve </a:t>
+            </a:r>
+            <a:r>
+              <a:rPr lang="en-US" dirty="0" err="1" smtClean="0"/>
+              <a:t>WoC</a:t>
+            </a:r>
+            <a:r>
+              <a:rPr lang="en-US" dirty="0" smtClean="0"/>
+              <a:t> generated solution</a:t>
+            </a:r>
+            <a:endParaRPr lang="en-US" dirty="0"/>
+          </a:p>
+        </p:txBody>
+      </p:sp>
+    </p:spTree>
+    <p:extLst>
+      <p:ext uri="{BB962C8B-B14F-4D97-AF65-F5344CB8AC3E}">
+        <p14:creationId xmlns:p14="http://schemas.microsoft.com/office/powerpoint/2010/main" val="2242088131"/>
+      </p:ext>
+    </p:extLst>
+  </p:cSld>
+  <p:clrMapOvr>
+    <a:masterClrMapping/>
+  </p:clrMapOvr>
+</p:sld>
+</file>
+
+<file path=ppt/slides/slide2.xml><?xml version="1.0" encoding="utf-8"?>
+<p:sld xmlns:a="http://schemas.openxmlformats.org/drawingml/2006/main" xmlns:r="http://schemas.openxmlformats.org/officeDocument/2006/relationships" xmlns:p="http://schemas.openxmlformats.org/presentationml/2006/main">
+  <p:cSld>
+    <p:spTree>
+      <p:nvGrpSpPr>
+        <p:cNvPr id="1" name=""/>
+        <p:cNvGrpSpPr/>
+        <p:nvPr/>
+      </p:nvGrpSpPr>
+      <p:grpSpPr>
+        <a:xfrm>
+          <a:off x="0" y="0"/>
+          <a:ext cx="0" cy="0"/>
+          <a:chOff x="0" y="0"/>
+          <a:chExt cx="0" cy="0"/>
+        </a:xfrm>
+      </p:grpSpPr>
+      <p:sp>
+        <p:nvSpPr>
+          <p:cNvPr id="2" name="Title 1"/>
+          <p:cNvSpPr>
+            <a:spLocks noGrp="1"/>
+          </p:cNvSpPr>
+          <p:nvPr>
+            <p:ph type="title"/>
+          </p:nvPr>
+        </p:nvSpPr>
+        <p:spPr>
+          <a:xfrm>
+            <a:off x="549275" y="107576"/>
+            <a:ext cx="8042276" cy="883024"/>
+          </a:xfrm>
+        </p:spPr>
+        <p:txBody>
+          <a:bodyPr/>
+          <a:lstStyle/>
+          <a:p>
+            <a:r>
+              <a:rPr lang="en-US" dirty="0" smtClean="0"/>
+              <a:t>What We’re Covering</a:t>
+            </a:r>
+            <a:endParaRPr lang="en-US" dirty="0"/>
+          </a:p>
+        </p:txBody>
+      </p:sp>
+      <p:sp>
+        <p:nvSpPr>
+          <p:cNvPr id="3" name="Content Placeholder 2"/>
+          <p:cNvSpPr>
+            <a:spLocks noGrp="1"/>
+          </p:cNvSpPr>
+          <p:nvPr>
+            <p:ph idx="1"/>
+          </p:nvPr>
+        </p:nvSpPr>
+        <p:spPr>
+          <a:xfrm>
+            <a:off x="549275" y="1295400"/>
+            <a:ext cx="8042276" cy="5181599"/>
+          </a:xfrm>
+        </p:spPr>
+        <p:txBody>
+          <a:bodyPr>
+            <a:normAutofit fontScale="92500" lnSpcReduction="20000"/>
+          </a:bodyPr>
+          <a:lstStyle/>
+          <a:p>
+            <a:r>
+              <a:rPr lang="en-US" dirty="0" smtClean="0"/>
+              <a:t>Knapsack Problem</a:t>
+            </a:r>
+          </a:p>
+          <a:p>
+            <a:pPr lvl="1"/>
+            <a:r>
+              <a:rPr lang="en-US" dirty="0" smtClean="0"/>
+              <a:t>Variations</a:t>
+            </a:r>
+          </a:p>
+          <a:p>
+            <a:pPr lvl="1"/>
+            <a:r>
+              <a:rPr lang="en-US" dirty="0" smtClean="0"/>
+              <a:t>Applications</a:t>
+            </a:r>
+          </a:p>
+          <a:p>
+            <a:pPr lvl="1"/>
+            <a:r>
+              <a:rPr lang="en-US" dirty="0" smtClean="0"/>
+              <a:t>Complexity</a:t>
+            </a:r>
+          </a:p>
+          <a:p>
+            <a:pPr lvl="1"/>
+            <a:r>
+              <a:rPr lang="en-US" dirty="0" smtClean="0"/>
+              <a:t>Solutions</a:t>
+            </a:r>
+          </a:p>
+          <a:p>
+            <a:r>
+              <a:rPr lang="en-US" dirty="0" smtClean="0"/>
+              <a:t>Our Solution – Genetic Algorithm &amp; Wisdom of Crowds</a:t>
+            </a:r>
+          </a:p>
+          <a:p>
+            <a:pPr lvl="1"/>
+            <a:r>
+              <a:rPr lang="en-US" dirty="0" smtClean="0"/>
+              <a:t>Encoding</a:t>
+            </a:r>
+          </a:p>
+          <a:p>
+            <a:pPr lvl="1"/>
+            <a:r>
+              <a:rPr lang="en-US" dirty="0" smtClean="0"/>
+              <a:t>Fitness Function</a:t>
+            </a:r>
+          </a:p>
+          <a:p>
+            <a:pPr lvl="1"/>
+            <a:r>
+              <a:rPr lang="en-US" dirty="0" smtClean="0"/>
+              <a:t>Mutation</a:t>
+            </a:r>
+          </a:p>
+          <a:p>
+            <a:pPr lvl="1"/>
+            <a:r>
+              <a:rPr lang="en-US" dirty="0" smtClean="0"/>
+              <a:t>Crossover</a:t>
+            </a:r>
+          </a:p>
+          <a:p>
+            <a:pPr lvl="1"/>
+            <a:r>
+              <a:rPr lang="en-US" dirty="0" smtClean="0"/>
+              <a:t>Crowd Wisdom</a:t>
+            </a:r>
+          </a:p>
+          <a:p>
+            <a:r>
+              <a:rPr lang="en-US" dirty="0" smtClean="0"/>
+              <a:t>Results</a:t>
+            </a:r>
+          </a:p>
+          <a:p>
+            <a:r>
+              <a:rPr lang="en-US" dirty="0" smtClean="0"/>
+              <a:t>Further Areas for </a:t>
+            </a:r>
+            <a:r>
+              <a:rPr lang="en-US" dirty="0" smtClean="0"/>
+              <a:t>Research &amp; References</a:t>
+            </a:r>
+            <a:endParaRPr lang="en-US" dirty="0" smtClean="0"/>
+          </a:p>
+          <a:p>
+            <a:endParaRPr lang="en-US" dirty="0" smtClean="0"/>
+          </a:p>
+          <a:p>
+            <a:endParaRPr lang="en-US" dirty="0" smtClean="0"/>
+          </a:p>
+          <a:p>
+            <a:pPr marL="0" indent="0">
+              <a:buNone/>
+            </a:pPr>
+            <a:endParaRPr lang="en-US" dirty="0"/>
+          </a:p>
+        </p:txBody>
+      </p:sp>
+    </p:spTree>
+    <p:extLst>
+      <p:ext uri="{BB962C8B-B14F-4D97-AF65-F5344CB8AC3E}">
+        <p14:creationId xmlns:p14="http://schemas.microsoft.com/office/powerpoint/2010/main" val="3796600850"/>
+      </p:ext>
+    </p:extLst>
+  </p:cSld>
+  <p:clrMapOvr>
+    <a:masterClrMapping/>
+  </p:clrMapOvr>
+</p:sld>
+</file>
+
+<file path=ppt/slides/slide20.xml><?xml version="1.0" encoding="utf-8"?>
+<p:sld xmlns:a="http://schemas.openxmlformats.org/drawingml/2006/main" xmlns:r="http://schemas.openxmlformats.org/officeDocument/2006/relationships" xmlns:p="http://schemas.openxmlformats.org/presentationml/2006/main">
+  <p:cSld>
+    <p:spTree>
+      <p:nvGrpSpPr>
+        <p:cNvPr id="1" name=""/>
+        <p:cNvGrpSpPr/>
+        <p:nvPr/>
+      </p:nvGrpSpPr>
+      <p:grpSpPr>
+        <a:xfrm>
+          <a:off x="0" y="0"/>
+          <a:ext cx="0" cy="0"/>
+          <a:chOff x="0" y="0"/>
+          <a:chExt cx="0" cy="0"/>
+        </a:xfrm>
+      </p:grpSpPr>
+      <p:sp>
+        <p:nvSpPr>
+          <p:cNvPr id="2" name="Title 1"/>
+          <p:cNvSpPr>
+            <a:spLocks noGrp="1"/>
+          </p:cNvSpPr>
+          <p:nvPr>
+            <p:ph type="title"/>
+          </p:nvPr>
+        </p:nvSpPr>
+        <p:spPr/>
+        <p:txBody>
+          <a:bodyPr>
+            <a:normAutofit/>
+          </a:bodyPr>
+          <a:lstStyle/>
+          <a:p>
+            <a:r>
               <a:rPr lang="en-US" smtClean="0"/>
               <a:t>References</a:t>
             </a:r>
@@ -6052,7 +8396,7 @@
         <p:spPr/>
         <p:txBody>
           <a:bodyPr>
-            <a:normAutofit fontScale="85000" lnSpcReduction="20000"/>
+            <a:normAutofit fontScale="92500" lnSpcReduction="20000"/>
           </a:bodyPr>
           <a:lstStyle/>
           <a:p>
@@ -6211,7 +8555,7 @@
 </p:sld>
 </file>
 
-<file path=ppt/slides/slide19.xml><?xml version="1.0" encoding="utf-8"?>
+<file path=ppt/slides/slide21.xml><?xml version="1.0" encoding="utf-8"?>
 <p:sld xmlns:a="http://schemas.openxmlformats.org/drawingml/2006/main" xmlns:r="http://schemas.openxmlformats.org/officeDocument/2006/relationships" xmlns:p="http://schemas.openxmlformats.org/presentationml/2006/main">
   <p:cSld>
     <p:spTree>
@@ -6310,7 +8654,7 @@
           </a:prstGeom>
           <a:noFill/>
           <a:extLst>
-            <a:ext uri="{909E8E84-426E-40DD-AFC4-6F175D3DCCD1}">
+            <a:ext uri="{909E8E84-426E-40dd-AFC4-6F175D3DCCD1}">
               <a14:hiddenFill xmlns:a14="http://schemas.microsoft.com/office/drawing/2010/main">
                 <a:solidFill>
                   <a:srgbClr val="FFFFFF"/>
@@ -6351,7 +8695,7 @@
           </a:prstGeom>
           <a:noFill/>
           <a:extLst>
-            <a:ext uri="{909E8E84-426E-40DD-AFC4-6F175D3DCCD1}">
+            <a:ext uri="{909E8E84-426E-40dd-AFC4-6F175D3DCCD1}">
               <a14:hiddenFill xmlns:a14="http://schemas.microsoft.com/office/drawing/2010/main">
                 <a:solidFill>
                   <a:srgbClr val="FFFFFF"/>
@@ -6395,182 +8739,6 @@
     <p:extLst>
       <p:ext uri="{BB962C8B-B14F-4D97-AF65-F5344CB8AC3E}">
         <p14:creationId xmlns:p14="http://schemas.microsoft.com/office/powerpoint/2010/main" val="1245005285"/>
-      </p:ext>
-    </p:extLst>
-  </p:cSld>
-  <p:clrMapOvr>
-    <a:masterClrMapping/>
-  </p:clrMapOvr>
-</p:sld>
-</file>
-
-<file path=ppt/slides/slide2.xml><?xml version="1.0" encoding="utf-8"?>
-<p:sld xmlns:a="http://schemas.openxmlformats.org/drawingml/2006/main" xmlns:r="http://schemas.openxmlformats.org/officeDocument/2006/relationships" xmlns:p="http://schemas.openxmlformats.org/presentationml/2006/main">
-  <p:cSld>
-    <p:spTree>
-      <p:nvGrpSpPr>
-        <p:cNvPr id="1" name=""/>
-        <p:cNvGrpSpPr/>
-        <p:nvPr/>
-      </p:nvGrpSpPr>
-      <p:grpSpPr>
-        <a:xfrm>
-          <a:off x="0" y="0"/>
-          <a:ext cx="0" cy="0"/>
-          <a:chOff x="0" y="0"/>
-          <a:chExt cx="0" cy="0"/>
-        </a:xfrm>
-      </p:grpSpPr>
-      <p:sp>
-        <p:nvSpPr>
-          <p:cNvPr id="2" name="Title 1"/>
-          <p:cNvSpPr>
-            <a:spLocks noGrp="1"/>
-          </p:cNvSpPr>
-          <p:nvPr>
-            <p:ph type="title"/>
-          </p:nvPr>
-        </p:nvSpPr>
-        <p:spPr/>
-        <p:txBody>
-          <a:bodyPr/>
-          <a:lstStyle/>
-          <a:p>
-            <a:r>
-              <a:rPr lang="en-US" smtClean="0"/>
-              <a:t>Agenda</a:t>
-            </a:r>
-            <a:endParaRPr lang="en-US"/>
-          </a:p>
-        </p:txBody>
-      </p:sp>
-      <p:sp>
-        <p:nvSpPr>
-          <p:cNvPr id="3" name="Content Placeholder 2"/>
-          <p:cNvSpPr>
-            <a:spLocks noGrp="1"/>
-          </p:cNvSpPr>
-          <p:nvPr>
-            <p:ph idx="1"/>
-          </p:nvPr>
-        </p:nvSpPr>
-        <p:spPr/>
-        <p:txBody>
-          <a:bodyPr>
-            <a:normAutofit fontScale="70000" lnSpcReduction="20000"/>
-          </a:bodyPr>
-          <a:lstStyle/>
-          <a:p>
-            <a:r>
-              <a:rPr lang="en-US" smtClean="0"/>
-              <a:t>Knapsack Problem</a:t>
-            </a:r>
-          </a:p>
-          <a:p>
-            <a:pPr lvl="1"/>
-            <a:r>
-              <a:rPr lang="en-US" smtClean="0"/>
-              <a:t>Variations</a:t>
-            </a:r>
-          </a:p>
-          <a:p>
-            <a:pPr lvl="1"/>
-            <a:r>
-              <a:rPr lang="en-US" smtClean="0"/>
-              <a:t>Applications</a:t>
-            </a:r>
-          </a:p>
-          <a:p>
-            <a:pPr lvl="1"/>
-            <a:r>
-              <a:rPr lang="en-US" smtClean="0"/>
-              <a:t>Complexity</a:t>
-            </a:r>
-          </a:p>
-          <a:p>
-            <a:pPr lvl="1"/>
-            <a:r>
-              <a:rPr lang="en-US" smtClean="0"/>
-              <a:t>Solutions</a:t>
-            </a:r>
-          </a:p>
-          <a:p>
-            <a:r>
-              <a:rPr lang="en-US" smtClean="0"/>
-              <a:t>Our Solution – Genetic Algorithm &amp; Wisdom of Crowds</a:t>
-            </a:r>
-          </a:p>
-          <a:p>
-            <a:pPr lvl="1"/>
-            <a:r>
-              <a:rPr lang="en-US" smtClean="0"/>
-              <a:t>Encoding</a:t>
-            </a:r>
-          </a:p>
-          <a:p>
-            <a:pPr lvl="1"/>
-            <a:r>
-              <a:rPr lang="en-US" smtClean="0"/>
-              <a:t>Fitness Function</a:t>
-            </a:r>
-          </a:p>
-          <a:p>
-            <a:pPr lvl="1"/>
-            <a:r>
-              <a:rPr lang="en-US" smtClean="0"/>
-              <a:t>Mutation</a:t>
-            </a:r>
-          </a:p>
-          <a:p>
-            <a:pPr lvl="1"/>
-            <a:r>
-              <a:rPr lang="en-US" smtClean="0"/>
-              <a:t>Crossover</a:t>
-            </a:r>
-          </a:p>
-          <a:p>
-            <a:pPr lvl="1"/>
-            <a:r>
-              <a:rPr lang="en-US" smtClean="0"/>
-              <a:t>Crowd Wisdom</a:t>
-            </a:r>
-          </a:p>
-          <a:p>
-            <a:r>
-              <a:rPr lang="en-US" smtClean="0"/>
-              <a:t>Results</a:t>
-            </a:r>
-          </a:p>
-          <a:p>
-            <a:r>
-              <a:rPr lang="en-US" smtClean="0"/>
-              <a:t>Further Areas for Research</a:t>
-            </a:r>
-          </a:p>
-          <a:p>
-            <a:r>
-              <a:rPr lang="en-US" smtClean="0"/>
-              <a:t>References</a:t>
-            </a:r>
-          </a:p>
-          <a:p>
-            <a:endParaRPr lang="en-US" smtClean="0"/>
-          </a:p>
-          <a:p>
-            <a:endParaRPr lang="en-US" smtClean="0"/>
-          </a:p>
-          <a:p>
-            <a:pPr marL="0" indent="0">
-              <a:buNone/>
-            </a:pPr>
-            <a:endParaRPr lang="en-US"/>
-          </a:p>
-        </p:txBody>
-      </p:sp>
-    </p:spTree>
-    <p:extLst>
-      <p:ext uri="{BB962C8B-B14F-4D97-AF65-F5344CB8AC3E}">
-        <p14:creationId xmlns:p14="http://schemas.microsoft.com/office/powerpoint/2010/main" val="3796600850"/>
       </p:ext>
     </p:extLst>
   </p:cSld>
@@ -6607,7 +8775,12 @@
             <p:ph type="title"/>
           </p:nvPr>
         </p:nvSpPr>
-        <p:spPr/>
+        <p:spPr>
+          <a:xfrm>
+            <a:off x="549275" y="304800"/>
+            <a:ext cx="8042276" cy="1035424"/>
+          </a:xfrm>
+        </p:spPr>
         <p:txBody>
           <a:bodyPr>
             <a:normAutofit fontScale="90000"/>
@@ -6615,29 +8788,29 @@
           <a:lstStyle/>
           <a:p>
             <a:r>
-              <a:rPr lang="en-US"/>
+              <a:rPr lang="en-US" dirty="0"/>
               <a:t>Multi-Objective </a:t>
             </a:r>
             <a:r>
-              <a:rPr lang="en-US" smtClean="0"/>
+              <a:rPr lang="en-US" dirty="0" smtClean="0"/>
               <a:t/>
             </a:r>
             <a:br>
-              <a:rPr lang="en-US" smtClean="0"/>
+              <a:rPr lang="en-US" dirty="0" smtClean="0"/>
             </a:br>
             <a:r>
-              <a:rPr lang="en-US" smtClean="0"/>
+              <a:rPr lang="en-US" dirty="0" smtClean="0"/>
               <a:t>0</a:t>
             </a:r>
             <a:r>
-              <a:rPr lang="en-US"/>
+              <a:rPr lang="en-US" dirty="0"/>
               <a:t>-1 Knapsack </a:t>
             </a:r>
             <a:r>
-              <a:rPr lang="en-US" smtClean="0"/>
+              <a:rPr lang="en-US" dirty="0" smtClean="0"/>
               <a:t>Problem (MOKP)</a:t>
             </a:r>
-            <a:endParaRPr lang="en-US"/>
+            <a:endParaRPr lang="en-US" dirty="0"/>
           </a:p>
         </p:txBody>
       </p:sp>
@@ -6659,80 +8832,96 @@
         </p:spPr>
         <p:txBody>
           <a:bodyPr>
-            <a:normAutofit fontScale="70000" lnSpcReduction="20000"/>
+            <a:normAutofit fontScale="77500" lnSpcReduction="20000"/>
           </a:bodyPr>
           <a:lstStyle/>
           <a:p>
             <a:r>
-              <a:rPr lang="en-US" b="1" smtClean="0"/>
+              <a:rPr lang="en-US" dirty="0" smtClean="0"/>
               <a:t>General Knapsack Problem:</a:t>
             </a:r>
             <a:br>
-              <a:rPr lang="en-US" b="1" smtClean="0"/>
+              <a:rPr lang="en-US" dirty="0" smtClean="0"/>
             </a:br>
             <a:r>
-              <a:rPr lang="en-US" smtClean="0"/>
+              <a:rPr lang="en-US" dirty="0" smtClean="0"/>
               <a:t>How can you fill a knapsack with </a:t>
             </a:r>
             <a:r>
-              <a:rPr lang="en-US" i="1" smtClean="0"/>
+              <a:rPr lang="en-US" i="1" dirty="0" smtClean="0"/>
               <a:t>n</a:t>
             </a:r>
             <a:r>
-              <a:rPr lang="en-US" smtClean="0"/>
-              <a:t> items so that the total value is maximized without exceeding the knapsack’s capacity?</a:t>
-            </a:r>
-          </a:p>
-          <a:p>
-            <a:endParaRPr lang="en-US" smtClean="0"/>
-          </a:p>
-          <a:p>
-            <a:r>
-              <a:rPr lang="en-US" b="1" smtClean="0"/>
+              <a:rPr lang="en-US" dirty="0" smtClean="0"/>
+              <a:t> items so that the total value is maximized without exceeding the knapsack’s capacity</a:t>
+            </a:r>
+            <a:r>
+              <a:rPr lang="en-US" dirty="0" smtClean="0"/>
+              <a:t>?</a:t>
+            </a:r>
+            <a:endParaRPr lang="en-US" dirty="0" smtClean="0"/>
+          </a:p>
+          <a:p>
+            <a:r>
+              <a:rPr lang="en-US" dirty="0" smtClean="0"/>
               <a:t>0-1 Variation: </a:t>
             </a:r>
             <a:br>
-              <a:rPr lang="en-US" b="1" smtClean="0"/>
+              <a:rPr lang="en-US" dirty="0" smtClean="0"/>
             </a:br>
             <a:r>
-              <a:rPr lang="en-US" smtClean="0"/>
+              <a:rPr lang="en-US" dirty="0" smtClean="0"/>
               <a:t>Only </a:t>
             </a:r>
             <a:r>
-              <a:rPr lang="en-US"/>
+              <a:rPr lang="en-US" dirty="0"/>
               <a:t>one instance of </a:t>
             </a:r>
             <a:r>
-              <a:rPr lang="en-US" smtClean="0"/>
+              <a:rPr lang="en-US" dirty="0" smtClean="0"/>
               <a:t>a specific item can </a:t>
             </a:r>
             <a:r>
-              <a:rPr lang="en-US"/>
+              <a:rPr lang="en-US" dirty="0"/>
               <a:t>appear in the </a:t>
             </a:r>
             <a:r>
-              <a:rPr lang="en-US" smtClean="0"/>
-              <a:t>knapsack.</a:t>
-            </a:r>
-          </a:p>
-          <a:p>
-            <a:endParaRPr lang="en-US" smtClean="0"/>
-          </a:p>
-          <a:p>
-            <a:r>
-              <a:rPr lang="en-US" b="1" smtClean="0"/>
+              <a:rPr lang="en-US" dirty="0" smtClean="0"/>
+              <a:t>knapsack</a:t>
+            </a:r>
+            <a:r>
+              <a:rPr lang="en-US" dirty="0" smtClean="0"/>
+              <a:t>.</a:t>
+            </a:r>
+            <a:endParaRPr lang="en-US" dirty="0" smtClean="0"/>
+          </a:p>
+          <a:p>
+            <a:r>
+              <a:rPr lang="en-US" dirty="0" smtClean="0"/>
               <a:t>Multi-Objective Variation:</a:t>
             </a:r>
+            <a:r>
+              <a:rPr lang="en-US" b="1" dirty="0" smtClean="0"/>
+              <a:t/>
+            </a:r>
             <a:br>
-              <a:rPr lang="en-US" b="1" smtClean="0"/>
+              <a:rPr lang="en-US" b="1" dirty="0" smtClean="0"/>
             </a:br>
             <a:r>
-              <a:rPr lang="en-US" smtClean="0"/>
-              <a:t>Optimize the solution so that value is maximized as well as other objectives.</a:t>
-            </a:r>
-          </a:p>
-          <a:p>
-            <a:endParaRPr lang="en-US" smtClean="0"/>
+              <a:rPr lang="en-US" dirty="0" smtClean="0"/>
+              <a:t>Optimize the solution so that value is maximized as well as other objectives</a:t>
+            </a:r>
+            <a:r>
+              <a:rPr lang="en-US" dirty="0" smtClean="0"/>
+              <a:t>. </a:t>
+            </a:r>
+          </a:p>
+          <a:p>
+            <a:r>
+              <a:rPr lang="en-US" dirty="0" smtClean="0"/>
+              <a:t>Goal is to create a state of “Pareto optimality,” where it’s impossible to improve one objective’s value without making another objective worse.</a:t>
+            </a:r>
+            <a:endParaRPr lang="en-US" dirty="0" smtClean="0"/>
           </a:p>
         </p:txBody>
       </p:sp>
@@ -6833,7 +9022,7 @@
         </p:spPr>
         <p:txBody>
           <a:bodyPr>
-            <a:normAutofit fontScale="92500"/>
+            <a:normAutofit/>
           </a:bodyPr>
           <a:lstStyle/>
           <a:p>
@@ -7008,97 +9197,92 @@
         <p:spPr>
           <a:xfrm>
             <a:off x="457200" y="1600200"/>
-            <a:ext cx="4495800" cy="5181600"/>
+            <a:ext cx="4267200" cy="5486400"/>
           </a:xfrm>
         </p:spPr>
         <p:txBody>
           <a:bodyPr>
-            <a:normAutofit fontScale="62500" lnSpcReduction="20000"/>
+            <a:normAutofit fontScale="77500" lnSpcReduction="20000"/>
           </a:bodyPr>
           <a:lstStyle/>
           <a:p>
             <a:r>
-              <a:rPr lang="en-US" smtClean="0"/>
+              <a:rPr lang="en-US" dirty="0" smtClean="0"/>
               <a:t>Decision Problem: Can a value of at least V be achieved without exceeding the weight W?</a:t>
             </a:r>
           </a:p>
           <a:p>
             <a:pPr lvl="1"/>
             <a:r>
-              <a:rPr lang="en-US" b="1" smtClean="0"/>
+              <a:rPr lang="en-US" b="1" dirty="0" smtClean="0"/>
               <a:t>NP</a:t>
             </a:r>
             <a:r>
-              <a:rPr lang="en-US" b="1"/>
+              <a:rPr lang="en-US" b="1" dirty="0"/>
               <a:t>-</a:t>
             </a:r>
             <a:r>
-              <a:rPr lang="en-US" b="1" smtClean="0"/>
+              <a:rPr lang="en-US" b="1" dirty="0" smtClean="0"/>
               <a:t>complete </a:t>
             </a:r>
             <a:r>
-              <a:rPr lang="en-US" smtClean="0"/>
+              <a:rPr lang="en-US" dirty="0" smtClean="0"/>
               <a:t>= </a:t>
             </a:r>
             <a:r>
-              <a:rPr lang="en-US"/>
+              <a:rPr lang="en-US" dirty="0"/>
               <a:t>there is no possible algorithm both correct and fast (polynomial-time) on all </a:t>
             </a:r>
             <a:r>
-              <a:rPr lang="en-US" smtClean="0"/>
+              <a:rPr lang="en-US" dirty="0" smtClean="0"/>
               <a:t>cases</a:t>
             </a:r>
-          </a:p>
-          <a:p>
-            <a:pPr marL="0" indent="0">
-              <a:buNone/>
-            </a:pPr>
-            <a:endParaRPr lang="en-US" smtClean="0"/>
-          </a:p>
-          <a:p>
-            <a:r>
-              <a:rPr lang="en-US" smtClean="0"/>
+            <a:endParaRPr lang="en-US" dirty="0" smtClean="0"/>
+          </a:p>
+          <a:p>
+            <a:r>
+              <a:rPr lang="en-US" dirty="0" smtClean="0"/>
               <a:t>Optimization Problem: Find the optimal packing of a knapsack to maximize the value V without exceeding weight W.  </a:t>
             </a:r>
           </a:p>
           <a:p>
             <a:pPr lvl="1"/>
             <a:r>
-              <a:rPr lang="en-US" b="1" smtClean="0"/>
+              <a:rPr lang="en-US" b="1" dirty="0" smtClean="0"/>
               <a:t>NP-hard </a:t>
             </a:r>
             <a:r>
-              <a:rPr lang="en-US" smtClean="0"/>
+              <a:rPr lang="en-US" dirty="0" smtClean="0"/>
               <a:t>(Non</a:t>
             </a:r>
             <a:r>
-              <a:rPr lang="en-US"/>
+              <a:rPr lang="en-US" dirty="0"/>
               <a:t>-deterministic Polynomial-time </a:t>
             </a:r>
             <a:r>
-              <a:rPr lang="en-US" smtClean="0"/>
+              <a:rPr lang="en-US" dirty="0" smtClean="0"/>
               <a:t>hard) = At least as hard (or harder!) as the hardest problems in NP. </a:t>
             </a:r>
           </a:p>
           <a:p>
             <a:pPr lvl="1"/>
             <a:r>
-              <a:rPr lang="en-US" smtClean="0"/>
+              <a:rPr lang="en-US" dirty="0" smtClean="0"/>
               <a:t>There </a:t>
             </a:r>
             <a:r>
-              <a:rPr lang="en-US"/>
+              <a:rPr lang="en-US" dirty="0"/>
               <a:t>is no known polynomial algorithm which can tell, given a solution, whether it is </a:t>
             </a:r>
             <a:r>
-              <a:rPr lang="en-US" smtClean="0"/>
+              <a:rPr lang="en-US" dirty="0" smtClean="0"/>
               <a:t>optimal.</a:t>
             </a:r>
           </a:p>
           <a:p>
             <a:pPr lvl="1"/>
             <a:r>
-              <a:rPr lang="en-US" smtClean="0"/>
+              <a:rPr lang="en-US" dirty="0" smtClean="0"/>
               <a:t>Our old friend the Traveling Salesman is also NP-hard.</a:t>
             </a:r>
           </a:p>
@@ -7126,8 +9310,8 @@
         </p:blipFill>
         <p:spPr>
           <a:xfrm>
-            <a:off x="5052462" y="1981200"/>
-            <a:ext cx="4075103" cy="2954855"/>
+            <a:off x="4800600" y="1600200"/>
+            <a:ext cx="4472538" cy="3243035"/>
           </a:xfrm>
           <a:prstGeom prst="rect">
             <a:avLst/>
@@ -7177,7 +9361,7 @@
         <p:spPr/>
         <p:txBody>
           <a:bodyPr>
-            <a:normAutofit/>
+            <a:normAutofit fontScale="90000"/>
           </a:bodyPr>
           <a:lstStyle/>
           <a:p>
@@ -7212,31 +9396,45 @@
           <a:lstStyle/>
           <a:p>
             <a:r>
-              <a:rPr lang="en-US" smtClean="0"/>
+              <a:rPr lang="en-US" dirty="0" smtClean="0"/>
               <a:t>Greedy Algorithm (not optimal)</a:t>
             </a:r>
           </a:p>
           <a:p>
             <a:r>
-              <a:rPr lang="en-US" smtClean="0"/>
+              <a:rPr lang="en-US" dirty="0" smtClean="0"/>
               <a:t>Dynamic Programming (optimal, similar to Brute Force but more efficient)</a:t>
             </a:r>
           </a:p>
           <a:p>
             <a:r>
-              <a:rPr lang="en-US" smtClean="0"/>
-              <a:t>Allow approximation (near-optimal solutions) – </a:t>
-            </a:r>
-            <a:r>
-              <a:rPr lang="en-US" b="1" smtClean="0"/>
-              <a:t>Genetic Algorithms</a:t>
-            </a:r>
-          </a:p>
-          <a:p>
-            <a:r>
-              <a:rPr lang="en-US" smtClean="0"/>
-              <a:t>Reduce search space by using dominance relations to remove items that will never be used by best solutions</a:t>
-            </a:r>
+              <a:rPr lang="en-US" dirty="0" smtClean="0"/>
+              <a:t>Allow </a:t>
+            </a:r>
+            <a:r>
+              <a:rPr lang="en-US" dirty="0"/>
+              <a:t>approximation (near-optimal solutions) – </a:t>
+            </a:r>
+            <a:r>
+              <a:rPr lang="en-US" b="1" dirty="0"/>
+              <a:t>Genetic </a:t>
+            </a:r>
+            <a:r>
+              <a:rPr lang="en-US" b="1" dirty="0" smtClean="0"/>
+              <a:t>Algorithms</a:t>
+            </a:r>
+            <a:endParaRPr lang="en-US" dirty="0"/>
+          </a:p>
+          <a:p>
+            <a:r>
+              <a:rPr lang="en-US" dirty="0"/>
+              <a:t>Reduce search space by using dominance relations to remove items that will never be used by best </a:t>
+            </a:r>
+            <a:r>
+              <a:rPr lang="en-US" dirty="0" smtClean="0"/>
+              <a:t>solutions</a:t>
+            </a:r>
+            <a:endParaRPr lang="en-US" dirty="0"/>
           </a:p>
         </p:txBody>
       </p:sp>
@@ -7292,8 +9490,8 @@
         </p:blipFill>
         <p:spPr>
           <a:xfrm>
-            <a:off x="457200" y="1295400"/>
-            <a:ext cx="8114146" cy="5248837"/>
+            <a:off x="304800" y="999564"/>
+            <a:ext cx="8585334" cy="5553636"/>
           </a:xfrm>
           <a:prstGeom prst="rect">
             <a:avLst/>
@@ -7312,21 +9510,21 @@
         </p:nvSpPr>
         <p:spPr>
           <a:xfrm>
-            <a:off x="457200" y="274638"/>
-            <a:ext cx="8229600" cy="1143000"/>
+            <a:off x="549275" y="107576"/>
+            <a:ext cx="8042276" cy="654424"/>
           </a:xfrm>
         </p:spPr>
         <p:txBody>
           <a:bodyPr>
-            <a:normAutofit/>
+            <a:normAutofit fontScale="90000"/>
           </a:bodyPr>
           <a:lstStyle/>
           <a:p>
             <a:r>
-              <a:rPr lang="en-US" smtClean="0"/>
+              <a:rPr lang="en-US" dirty="0" smtClean="0"/>
               <a:t>Relevant XKCD Comic</a:t>
             </a:r>
-            <a:endParaRPr lang="en-US"/>
+            <a:endParaRPr lang="en-US" dirty="0"/>
           </a:p>
         </p:txBody>
       </p:sp>
@@ -7376,8 +9574,16 @@
           <a:lstStyle/>
           <a:p>
             <a:r>
-              <a:rPr lang="en-US"/>
-              <a:t>Our Example: Grocery Store</a:t>
+              <a:rPr lang="en-US" dirty="0"/>
+              <a:t>Our </a:t>
+            </a:r>
+            <a:r>
+              <a:rPr lang="en-US" dirty="0" smtClean="0"/>
+              <a:t>Scenario: </a:t>
+            </a:r>
+            <a:r>
+              <a:rPr lang="en-US" dirty="0"/>
+              <a:t>Grocery Store</a:t>
             </a:r>
           </a:p>
         </p:txBody>
@@ -7400,66 +9606,79 @@
         </p:spPr>
         <p:txBody>
           <a:bodyPr>
-            <a:normAutofit lnSpcReduction="10000"/>
+            <a:normAutofit/>
           </a:bodyPr>
           <a:lstStyle/>
           <a:p>
             <a:r>
-              <a:rPr lang="en-US" smtClean="0"/>
+              <a:rPr lang="en-US" dirty="0" smtClean="0"/>
               <a:t>Given </a:t>
             </a:r>
             <a:r>
-              <a:rPr lang="en-US"/>
+              <a:rPr lang="en-US" dirty="0"/>
               <a:t>a grocery store’s worth of items, how can we most efficiently fill our </a:t>
             </a:r>
             <a:r>
-              <a:rPr lang="en-US" smtClean="0"/>
-              <a:t>grocery bag with n items </a:t>
-            </a:r>
-            <a:r>
-              <a:rPr lang="en-US"/>
+              <a:rPr lang="en-US" dirty="0" smtClean="0"/>
+              <a:t>grocery bag with </a:t>
+            </a:r>
+            <a:r>
+              <a:rPr lang="en-US" i="1" dirty="0" smtClean="0"/>
+              <a:t>n</a:t>
+            </a:r>
+            <a:r>
+              <a:rPr lang="en-US" dirty="0" smtClean="0"/>
+              <a:t> items </a:t>
+            </a:r>
+            <a:r>
+              <a:rPr lang="en-US" dirty="0"/>
               <a:t>that </a:t>
             </a:r>
             <a:r>
-              <a:rPr lang="en-US" smtClean="0"/>
+              <a:rPr lang="en-US" dirty="0" smtClean="0"/>
               <a:t>are high </a:t>
             </a:r>
             <a:r>
-              <a:rPr lang="en-US" b="1"/>
+              <a:rPr lang="en-US" b="1" dirty="0"/>
               <a:t>in nutritional value</a:t>
             </a:r>
             <a:r>
-              <a:rPr lang="en-US"/>
+              <a:rPr lang="en-US" dirty="0"/>
               <a:t>, low in </a:t>
             </a:r>
             <a:r>
-              <a:rPr lang="en-US" b="1"/>
+              <a:rPr lang="en-US" b="1" dirty="0"/>
               <a:t>price</a:t>
             </a:r>
             <a:r>
-              <a:rPr lang="en-US"/>
+              <a:rPr lang="en-US" dirty="0"/>
               <a:t>, and low in </a:t>
             </a:r>
             <a:r>
-              <a:rPr lang="en-US" b="1"/>
+              <a:rPr lang="en-US" b="1" dirty="0"/>
               <a:t>weight</a:t>
             </a:r>
             <a:r>
-              <a:rPr lang="en-US" smtClean="0"/>
+              <a:rPr lang="en-US" dirty="0" smtClean="0"/>
               <a:t>?</a:t>
             </a:r>
           </a:p>
           <a:p>
             <a:r>
-              <a:rPr lang="en-US" smtClean="0"/>
-              <a:t>Use a Genetic Algorithm to evolve solutions, and the Wisdom of Crowds to find the best solution </a:t>
-            </a:r>
+              <a:rPr lang="en-US" dirty="0" smtClean="0"/>
+              <a:t>Use a Genetic Algorithm to evolve solutions, and the Wisdom of Crowds to find the best </a:t>
+            </a:r>
+            <a:r>
+              <a:rPr lang="en-US" dirty="0" smtClean="0"/>
+              <a:t>solution.</a:t>
+            </a:r>
+            <a:endParaRPr lang="en-US" dirty="0" smtClean="0"/>
           </a:p>
           <a:p>
             <a:pPr marL="0" indent="0">
               <a:buNone/>
             </a:pPr>
-            <a:endParaRPr lang="en-US" smtClean="0"/>
+            <a:endParaRPr lang="en-US" dirty="0" smtClean="0"/>
           </a:p>
         </p:txBody>
       </p:sp>
@@ -7570,7 +9789,7 @@
         </p:blipFill>
         <p:spPr>
           <a:xfrm>
-            <a:off x="381000" y="1905000"/>
+            <a:off x="381000" y="1524000"/>
             <a:ext cx="8229601" cy="2812172"/>
           </a:xfrm>
           <a:prstGeom prst="rect">
@@ -7600,7 +9819,7 @@
         </p:blipFill>
         <p:spPr>
           <a:xfrm>
-            <a:off x="609600" y="5638800"/>
+            <a:off x="685800" y="4572000"/>
             <a:ext cx="685801" cy="990600"/>
           </a:xfrm>
           <a:prstGeom prst="rect">
@@ -7616,7 +9835,7 @@
         </p:nvSpPr>
         <p:spPr>
           <a:xfrm>
-            <a:off x="1981200" y="5943600"/>
+            <a:off x="2209800" y="5486400"/>
             <a:ext cx="6248400" cy="369332"/>
           </a:xfrm>
           <a:prstGeom prst="rect">
@@ -7631,10 +9850,10 @@
           <a:lstStyle/>
           <a:p>
             <a:r>
-              <a:rPr lang="en-US" smtClean="0"/>
+              <a:rPr lang="en-US" i="1" dirty="0" smtClean="0"/>
               <a:t>This Knapsack contains Orange, Milk, and Chicken.</a:t>
             </a:r>
-            <a:endParaRPr lang="en-US"/>
+            <a:endParaRPr lang="en-US" i="1" dirty="0"/>
           </a:p>
         </p:txBody>
       </p:sp>
@@ -7646,8 +9865,8 @@
         </p:nvSpPr>
         <p:spPr>
           <a:xfrm>
-            <a:off x="1905000" y="5029200"/>
-            <a:ext cx="6726759" cy="369332"/>
+            <a:off x="1905000" y="4800600"/>
+            <a:ext cx="6845894" cy="369332"/>
           </a:xfrm>
           <a:prstGeom prst="rect">
             <a:avLst/>
@@ -7661,10 +9880,42 @@
           <a:lstStyle/>
           <a:p>
             <a:r>
-              <a:rPr lang="en-US" smtClean="0"/>
-              <a:t>[    0,                     1,                 1,                     0,                  1    ]</a:t>
-            </a:r>
-            <a:endParaRPr lang="en-US"/>
+              <a:rPr lang="en-US" dirty="0" smtClean="0"/>
+              <a:t>[    0,          </a:t>
+            </a:r>
+            <a:r>
+              <a:rPr lang="en-US" dirty="0" smtClean="0"/>
+              <a:t>      1</a:t>
+            </a:r>
+            <a:r>
+              <a:rPr lang="en-US" dirty="0" smtClean="0"/>
+              <a:t>,         </a:t>
+            </a:r>
+            <a:r>
+              <a:rPr lang="en-US" dirty="0" smtClean="0"/>
+              <a:t>     </a:t>
+            </a:r>
+            <a:r>
+              <a:rPr lang="en-US" dirty="0" smtClean="0"/>
+              <a:t>1,            </a:t>
+            </a:r>
+            <a:r>
+              <a:rPr lang="en-US" dirty="0" smtClean="0"/>
+              <a:t>       </a:t>
+            </a:r>
+            <a:r>
+              <a:rPr lang="en-US" dirty="0" smtClean="0"/>
+              <a:t>0,         </a:t>
+            </a:r>
+            <a:r>
+              <a:rPr lang="en-US" dirty="0" smtClean="0"/>
+              <a:t>       </a:t>
+            </a:r>
+            <a:r>
+              <a:rPr lang="en-US" dirty="0" smtClean="0"/>
+              <a:t>1    ]</a:t>
+            </a:r>
+            <a:endParaRPr lang="en-US" dirty="0"/>
           </a:p>
         </p:txBody>
       </p:sp>
@@ -7676,7 +9927,7 @@
         </p:nvSpPr>
         <p:spPr>
           <a:xfrm>
-            <a:off x="152400" y="4876800"/>
+            <a:off x="228600" y="5715000"/>
             <a:ext cx="1752600" cy="646331"/>
           </a:xfrm>
           <a:prstGeom prst="rect">
@@ -7691,10 +9942,10 @@
           <a:lstStyle/>
           <a:p>
             <a:r>
-              <a:rPr lang="en-US" b="1" smtClean="0"/>
+              <a:rPr lang="en-US" b="1" dirty="0" smtClean="0"/>
               <a:t>Chromosome for Solution</a:t>
             </a:r>
-            <a:endParaRPr lang="en-US" b="1"/>
+            <a:endParaRPr lang="en-US" b="1" dirty="0"/>
           </a:p>
         </p:txBody>
       </p:sp>
@@ -7712,9 +9963,9 @@
 </file>
 
 <file path=ppt/theme/theme1.xml><?xml version="1.0" encoding="utf-8"?>
-<a:theme xmlns:a="http://schemas.openxmlformats.org/drawingml/2006/main" name="Office Theme">
+<a:theme xmlns:a="http://schemas.openxmlformats.org/drawingml/2006/main" name="Breeze">
   <a:themeElements>
-    <a:clrScheme name="Office">
+    <a:clrScheme name="Breeze">
       <a:dk1>
         <a:sysClr val="windowText" lastClr="000000"/>
       </a:dk1>
@@ -7722,162 +9973,103 @@
         <a:sysClr val="window" lastClr="FFFFFF"/>
       </a:lt1>
       <a:dk2>
-        <a:srgbClr val="1F497D"/>
+        <a:srgbClr val="09213B"/>
       </a:dk2>
       <a:lt2>
-        <a:srgbClr val="EEECE1"/>
+        <a:srgbClr val="D5EDF4"/>
       </a:lt2>
       <a:accent1>
-        <a:srgbClr val="4F81BD"/>
+        <a:srgbClr val="2C7C9F"/>
       </a:accent1>
       <a:accent2>
-        <a:srgbClr val="C0504D"/>
+        <a:srgbClr val="244A58"/>
       </a:accent2>
       <a:accent3>
-        <a:srgbClr val="9BBB59"/>
+        <a:srgbClr val="E2751D"/>
       </a:accent3>
       <a:accent4>
-        <a:srgbClr val="8064A2"/>
+        <a:srgbClr val="FFB400"/>
       </a:accent4>
       <a:accent5>
-        <a:srgbClr val="4BACC6"/>
+        <a:srgbClr val="7EB606"/>
       </a:accent5>
       <a:accent6>
-        <a:srgbClr val="F79646"/>
+        <a:srgbClr val="C00000"/>
       </a:accent6>
       <a:hlink>
-        <a:srgbClr val="0000FF"/>
+        <a:srgbClr val="7030A0"/>
       </a:hlink>
       <a:folHlink>
-        <a:srgbClr val="800080"/>
+        <a:srgbClr val="00B0F0"/>
       </a:folHlink>
     </a:clrScheme>
-    <a:fontScheme name="Office">
+    <a:fontScheme name="Breeze">
       <a:majorFont>
-        <a:latin typeface="Calibri"/>
+        <a:latin typeface="News Gothic MT"/>
         <a:ea typeface=""/>
         <a:cs typeface=""/>
         <a:font script="Jpan" typeface="ＭＳ Ｐゴシック"/>
-        <a:font script="Hang" typeface="맑은 고딕"/>
-        <a:font script="Hans" typeface="宋体"/>
-        <a:font script="Hant" typeface="新細明體"/>
-        <a:font script="Arab" typeface="Times New Roman"/>
-        <a:font script="Hebr" typeface="Times New Roman"/>
-        <a:font script="Thai" typeface="Angsana New"/>
-        <a:font script="Ethi" typeface="Nyala"/>
-        <a:font script="Beng" typeface="Vrinda"/>
-        <a:font script="Gujr" typeface="Shruti"/>
-        <a:font script="Khmr" typeface="MoolBoran"/>
-        <a:font script="Knda" typeface="Tunga"/>
-        <a:font script="Guru" typeface="Raavi"/>
-        <a:font script="Cans" typeface="Euphemia"/>
-        <a:font script="Cher" typeface="Plantagenet Cherokee"/>
-        <a:font script="Yiii" typeface="Microsoft Yi Baiti"/>
-        <a:font script="Tibt" typeface="Microsoft Himalaya"/>
-        <a:font script="Thaa" typeface="MV Boli"/>
-        <a:font script="Deva" typeface="Mangal"/>
-        <a:font script="Telu" typeface="Gautami"/>
-        <a:font script="Taml" typeface="Latha"/>
-        <a:font script="Syrc" typeface="Estrangelo Edessa"/>
-        <a:font script="Orya" typeface="Kalinga"/>
-        <a:font script="Mlym" typeface="Kartika"/>
-        <a:font script="Laoo" typeface="DokChampa"/>
-        <a:font script="Sinh" typeface="Iskoola Pota"/>
-        <a:font script="Mong" typeface="Mongolian Baiti"/>
-        <a:font script="Viet" typeface="Times New Roman"/>
-        <a:font script="Uigh" typeface="Microsoft Uighur"/>
-        <a:font script="Geor" typeface="Sylfaen"/>
       </a:majorFont>
       <a:minorFont>
-        <a:latin typeface="Calibri"/>
+        <a:latin typeface="News Gothic MT"/>
         <a:ea typeface=""/>
         <a:cs typeface=""/>
         <a:font script="Jpan" typeface="ＭＳ Ｐゴシック"/>
-        <a:font script="Hang" typeface="맑은 고딕"/>
-        <a:font script="Hans" typeface="宋体"/>
-        <a:font script="Hant" typeface="新細明體"/>
-        <a:font script="Arab" typeface="Arial"/>
-        <a:font script="Hebr" typeface="Arial"/>
-        <a:font script="Thai" typeface="Cordia New"/>
-        <a:font script="Ethi" typeface="Nyala"/>
-        <a:font script="Beng" typeface="Vrinda"/>
-        <a:font script="Gujr" typeface="Shruti"/>
-        <a:font script="Khmr" typeface="DaunPenh"/>
-        <a:font script="Knda" typeface="Tunga"/>
-        <a:font script="Guru" typeface="Raavi"/>
-        <a:font script="Cans" typeface="Euphemia"/>
-        <a:font script="Cher" typeface="Plantagenet Cherokee"/>
-        <a:font script="Yiii" typeface="Microsoft Yi Baiti"/>
-        <a:font script="Tibt" typeface="Microsoft Himalaya"/>
-        <a:font script="Thaa" typeface="MV Boli"/>
-        <a:font script="Deva" typeface="Mangal"/>
-        <a:font script="Telu" typeface="Gautami"/>
-        <a:font script="Taml" typeface="Latha"/>
-        <a:font script="Syrc" typeface="Estrangelo Edessa"/>
-        <a:font script="Orya" typeface="Kalinga"/>
-        <a:font script="Mlym" typeface="Kartika"/>
-        <a:font script="Laoo" typeface="DokChampa"/>
-        <a:font script="Sinh" typeface="Iskoola Pota"/>
-        <a:font script="Mong" typeface="Mongolian Baiti"/>
-        <a:font script="Viet" typeface="Arial"/>
-        <a:font script="Uigh" typeface="Microsoft Uighur"/>
-        <a:font script="Geor" typeface="Sylfaen"/>
       </a:minorFont>
     </a:fontScheme>
-    <a:fmtScheme name="Office">
+    <a:fmtScheme name="Breeze">
       <a:fillStyleLst>
         <a:solidFill>
           <a:schemeClr val="phClr"/>
         </a:solidFill>
         <a:gradFill rotWithShape="1">
           <a:gsLst>
-            <a:gs pos="0">
+            <a:gs pos="31000">
               <a:schemeClr val="phClr">
-                <a:tint val="50000"/>
-                <a:satMod val="300000"/>
-              </a:schemeClr>
-            </a:gs>
-            <a:gs pos="35000">
-              <a:schemeClr val="phClr">
-                <a:tint val="37000"/>
-                <a:satMod val="300000"/>
+                <a:tint val="100000"/>
+                <a:shade val="100000"/>
+                <a:satMod val="120000"/>
               </a:schemeClr>
             </a:gs>
             <a:gs pos="100000">
               <a:schemeClr val="phClr">
-                <a:tint val="15000"/>
-                <a:satMod val="350000"/>
+                <a:tint val="50000"/>
+                <a:satMod val="150000"/>
               </a:schemeClr>
             </a:gs>
           </a:gsLst>
-          <a:lin ang="16200000" scaled="1"/>
+          <a:lin ang="5400000" scaled="1"/>
         </a:gradFill>
         <a:gradFill rotWithShape="1">
           <a:gsLst>
             <a:gs pos="0">
               <a:schemeClr val="phClr">
-                <a:shade val="51000"/>
-                <a:satMod val="130000"/>
+                <a:shade val="100000"/>
+                <a:satMod val="120000"/>
               </a:schemeClr>
             </a:gs>
-            <a:gs pos="80000">
+            <a:gs pos="69000">
               <a:schemeClr val="phClr">
-                <a:shade val="93000"/>
-                <a:satMod val="130000"/>
+                <a:tint val="80000"/>
+                <a:shade val="100000"/>
+                <a:satMod val="150000"/>
               </a:schemeClr>
             </a:gs>
             <a:gs pos="100000">
               <a:schemeClr val="phClr">
-                <a:shade val="94000"/>
-                <a:satMod val="135000"/>
+                <a:tint val="50000"/>
+                <a:shade val="100000"/>
+                <a:satMod val="150000"/>
               </a:schemeClr>
             </a:gs>
           </a:gsLst>
-          <a:lin ang="16200000" scaled="0"/>
+          <a:path path="circle">
+            <a:fillToRect l="100000" t="100000" r="100000" b="100000"/>
+          </a:path>
         </a:gradFill>
       </a:fillStyleLst>
       <a:lnStyleLst>
-        <a:ln w="9525" cap="flat" cmpd="sng" algn="ctr">
+        <a:ln w="12700" cap="flat" cmpd="sng" algn="ctr">
           <a:solidFill>
             <a:schemeClr val="phClr">
               <a:shade val="95000"/>
@@ -7886,13 +10078,13 @@
           </a:solidFill>
           <a:prstDash val="solid"/>
         </a:ln>
-        <a:ln w="25400" cap="flat" cmpd="sng" algn="ctr">
+        <a:ln w="25400" cap="flat" cmpd="dbl" algn="ctr">
           <a:solidFill>
             <a:schemeClr val="phClr"/>
           </a:solidFill>
           <a:prstDash val="solid"/>
         </a:ln>
-        <a:ln w="38100" cap="flat" cmpd="sng" algn="ctr">
+        <a:ln w="31750" cap="flat" cmpd="dbl" algn="ctr">
           <a:solidFill>
             <a:schemeClr val="phClr"/>
           </a:solidFill>
@@ -7901,41 +10093,38 @@
       </a:lnStyleLst>
       <a:effectStyleLst>
         <a:effectStyle>
+          <a:effectLst/>
+        </a:effectStyle>
+        <a:effectStyle>
           <a:effectLst>
-            <a:outerShdw blurRad="40000" dist="20000" dir="5400000" rotWithShape="0">
+            <a:outerShdw blurRad="63500" dist="25400" dir="5400000" sx="101000" sy="101000" rotWithShape="0">
               <a:srgbClr val="000000">
-                <a:alpha val="38000"/>
+                <a:alpha val="40000"/>
               </a:srgbClr>
             </a:outerShdw>
           </a:effectLst>
         </a:effectStyle>
         <a:effectStyle>
           <a:effectLst>
-            <a:outerShdw blurRad="40000" dist="23000" dir="5400000" rotWithShape="0">
-              <a:srgbClr val="000000">
-                <a:alpha val="35000"/>
+            <a:innerShdw blurRad="127000" dist="25400" dir="13500000">
+              <a:srgbClr val="C0C0C0">
+                <a:alpha val="75000"/>
               </a:srgbClr>
-            </a:outerShdw>
-          </a:effectLst>
-        </a:effectStyle>
-        <a:effectStyle>
-          <a:effectLst>
-            <a:outerShdw blurRad="40000" dist="23000" dir="5400000" rotWithShape="0">
-              <a:srgbClr val="000000">
-                <a:alpha val="35000"/>
+            </a:innerShdw>
+            <a:outerShdw blurRad="88900" dist="25400" dir="5400000" sx="102000" sy="102000" algn="ctr" rotWithShape="0">
+              <a:srgbClr val="C0C0C0">
+                <a:alpha val="40000"/>
               </a:srgbClr>
             </a:outerShdw>
           </a:effectLst>
           <a:scene3d>
-            <a:camera prst="orthographicFront">
-              <a:rot lat="0" lon="0" rev="0"/>
-            </a:camera>
-            <a:lightRig rig="threePt" dir="t">
-              <a:rot lat="0" lon="0" rev="1200000"/>
+            <a:camera prst="perspectiveLeft" fov="300000"/>
+            <a:lightRig rig="soft" dir="l">
+              <a:rot lat="0" lon="0" rev="4200000"/>
             </a:lightRig>
           </a:scene3d>
-          <a:sp3d>
-            <a:bevelT w="63500" h="25400"/>
+          <a:sp3d extrusionH="38100" prstMaterial="powder">
+            <a:bevelT w="50800" h="88900" prst="convex"/>
           </a:sp3d>
         </a:effectStyle>
       </a:effectStyleLst>
@@ -7969,29 +10158,68 @@
             <a:fillToRect l="50000" t="-80000" r="50000" b="180000"/>
           </a:path>
         </a:gradFill>
-        <a:gradFill rotWithShape="1">
-          <a:gsLst>
-            <a:gs pos="0">
+        <a:blipFill rotWithShape="1">
+          <a:blip xmlns:r="http://schemas.openxmlformats.org/officeDocument/2006/relationships" r:embed="rId1">
+            <a:duotone>
               <a:schemeClr val="phClr">
-                <a:tint val="80000"/>
-                <a:satMod val="300000"/>
+                <a:shade val="40000"/>
+                <a:satMod val="400000"/>
               </a:schemeClr>
-            </a:gs>
-            <a:gs pos="100000">
               <a:schemeClr val="phClr">
-                <a:shade val="30000"/>
+                <a:tint val="10000"/>
                 <a:satMod val="200000"/>
               </a:schemeClr>
-            </a:gs>
-          </a:gsLst>
-          <a:path path="circle">
-            <a:fillToRect l="50000" t="50000" r="50000" b="50000"/>
-          </a:path>
-        </a:gradFill>
+            </a:duotone>
+          </a:blip>
+          <a:stretch/>
+        </a:blipFill>
       </a:bgFillStyleLst>
     </a:fmtScheme>
   </a:themeElements>
-  <a:objectDefaults/>
+  <a:objectDefaults>
+    <a:spDef>
+      <a:spPr/>
+      <a:bodyPr rtlCol="0" anchor="ctr"/>
+      <a:lstStyle>
+        <a:defPPr algn="ctr">
+          <a:defRPr/>
+        </a:defPPr>
+      </a:lstStyle>
+      <a:style>
+        <a:lnRef idx="1">
+          <a:schemeClr val="accent1"/>
+        </a:lnRef>
+        <a:fillRef idx="3">
+          <a:schemeClr val="accent1"/>
+        </a:fillRef>
+        <a:effectRef idx="2">
+          <a:schemeClr val="accent1"/>
+        </a:effectRef>
+        <a:fontRef idx="minor">
+          <a:schemeClr val="lt1"/>
+        </a:fontRef>
+      </a:style>
+    </a:spDef>
+    <a:lnDef>
+      <a:spPr/>
+      <a:bodyPr/>
+      <a:lstStyle/>
+      <a:style>
+        <a:lnRef idx="2">
+          <a:schemeClr val="accent1"/>
+        </a:lnRef>
+        <a:fillRef idx="0">
+          <a:schemeClr val="accent1"/>
+        </a:fillRef>
+        <a:effectRef idx="1">
+          <a:schemeClr val="accent1"/>
+        </a:effectRef>
+        <a:fontRef idx="minor">
+          <a:schemeClr val="tx1"/>
+        </a:fontRef>
+      </a:style>
+    </a:lnDef>
+  </a:objectDefaults>
   <a:extraClrSchemeLst/>
 </a:theme>
 </file>
